--- a/基于Scrapy框架的计算机专业学习资源网站_吴伟杰.pptx
+++ b/基于Scrapy框架的计算机专业学习资源网站_吴伟杰.pptx
@@ -7,7 +7,12 @@
   <p:sldIdLst>
     <p:sldId id="256" r:id="rId2"/>
     <p:sldId id="258" r:id="rId3"/>
-    <p:sldId id="257" r:id="rId4"/>
+    <p:sldId id="259" r:id="rId4"/>
+    <p:sldId id="262" r:id="rId5"/>
+    <p:sldId id="261" r:id="rId6"/>
+    <p:sldId id="260" r:id="rId7"/>
+    <p:sldId id="263" r:id="rId8"/>
+    <p:sldId id="257" r:id="rId9"/>
   </p:sldIdLst>
   <p:sldSz cx="9144000" cy="6858000" type="screen4x3"/>
   <p:notesSz cx="6858000" cy="9144000"/>
@@ -245,7 +250,7 @@
           <a:p>
             <a:fld id="{FF5181BF-C3C2-49E7-981C-36DC82AE5791}" type="datetimeFigureOut">
               <a:rPr lang="zh-CN" altLang="en-US" smtClean="0"/>
-              <a:t>2019/5/7</a:t>
+              <a:t>2019/5/8</a:t>
             </a:fld>
             <a:endParaRPr lang="zh-CN" altLang="en-US"/>
           </a:p>
@@ -415,7 +420,7 @@
           <a:p>
             <a:fld id="{FF5181BF-C3C2-49E7-981C-36DC82AE5791}" type="datetimeFigureOut">
               <a:rPr lang="zh-CN" altLang="en-US" smtClean="0"/>
-              <a:t>2019/5/7</a:t>
+              <a:t>2019/5/8</a:t>
             </a:fld>
             <a:endParaRPr lang="zh-CN" altLang="en-US"/>
           </a:p>
@@ -595,7 +600,7 @@
           <a:p>
             <a:fld id="{FF5181BF-C3C2-49E7-981C-36DC82AE5791}" type="datetimeFigureOut">
               <a:rPr lang="zh-CN" altLang="en-US" smtClean="0"/>
-              <a:t>2019/5/7</a:t>
+              <a:t>2019/5/8</a:t>
             </a:fld>
             <a:endParaRPr lang="zh-CN" altLang="en-US"/>
           </a:p>
@@ -765,7 +770,7 @@
           <a:p>
             <a:fld id="{FF5181BF-C3C2-49E7-981C-36DC82AE5791}" type="datetimeFigureOut">
               <a:rPr lang="zh-CN" altLang="en-US" smtClean="0"/>
-              <a:t>2019/5/7</a:t>
+              <a:t>2019/5/8</a:t>
             </a:fld>
             <a:endParaRPr lang="zh-CN" altLang="en-US"/>
           </a:p>
@@ -1009,7 +1014,7 @@
           <a:p>
             <a:fld id="{FF5181BF-C3C2-49E7-981C-36DC82AE5791}" type="datetimeFigureOut">
               <a:rPr lang="zh-CN" altLang="en-US" smtClean="0"/>
-              <a:t>2019/5/7</a:t>
+              <a:t>2019/5/8</a:t>
             </a:fld>
             <a:endParaRPr lang="zh-CN" altLang="en-US"/>
           </a:p>
@@ -1241,7 +1246,7 @@
           <a:p>
             <a:fld id="{FF5181BF-C3C2-49E7-981C-36DC82AE5791}" type="datetimeFigureOut">
               <a:rPr lang="zh-CN" altLang="en-US" smtClean="0"/>
-              <a:t>2019/5/7</a:t>
+              <a:t>2019/5/8</a:t>
             </a:fld>
             <a:endParaRPr lang="zh-CN" altLang="en-US"/>
           </a:p>
@@ -1608,7 +1613,7 @@
           <a:p>
             <a:fld id="{FF5181BF-C3C2-49E7-981C-36DC82AE5791}" type="datetimeFigureOut">
               <a:rPr lang="zh-CN" altLang="en-US" smtClean="0"/>
-              <a:t>2019/5/7</a:t>
+              <a:t>2019/5/8</a:t>
             </a:fld>
             <a:endParaRPr lang="zh-CN" altLang="en-US"/>
           </a:p>
@@ -1726,7 +1731,7 @@
           <a:p>
             <a:fld id="{FF5181BF-C3C2-49E7-981C-36DC82AE5791}" type="datetimeFigureOut">
               <a:rPr lang="zh-CN" altLang="en-US" smtClean="0"/>
-              <a:t>2019/5/7</a:t>
+              <a:t>2019/5/8</a:t>
             </a:fld>
             <a:endParaRPr lang="zh-CN" altLang="en-US"/>
           </a:p>
@@ -1821,7 +1826,7 @@
           <a:p>
             <a:fld id="{FF5181BF-C3C2-49E7-981C-36DC82AE5791}" type="datetimeFigureOut">
               <a:rPr lang="zh-CN" altLang="en-US" smtClean="0"/>
-              <a:t>2019/5/7</a:t>
+              <a:t>2019/5/8</a:t>
             </a:fld>
             <a:endParaRPr lang="zh-CN" altLang="en-US"/>
           </a:p>
@@ -2098,7 +2103,7 @@
           <a:p>
             <a:fld id="{FF5181BF-C3C2-49E7-981C-36DC82AE5791}" type="datetimeFigureOut">
               <a:rPr lang="zh-CN" altLang="en-US" smtClean="0"/>
-              <a:t>2019/5/7</a:t>
+              <a:t>2019/5/8</a:t>
             </a:fld>
             <a:endParaRPr lang="zh-CN" altLang="en-US"/>
           </a:p>
@@ -2355,7 +2360,7 @@
           <a:p>
             <a:fld id="{FF5181BF-C3C2-49E7-981C-36DC82AE5791}" type="datetimeFigureOut">
               <a:rPr lang="zh-CN" altLang="en-US" smtClean="0"/>
-              <a:t>2019/5/7</a:t>
+              <a:t>2019/5/8</a:t>
             </a:fld>
             <a:endParaRPr lang="zh-CN" altLang="en-US"/>
           </a:p>
@@ -2568,7 +2573,7 @@
           <a:p>
             <a:fld id="{FF5181BF-C3C2-49E7-981C-36DC82AE5791}" type="datetimeFigureOut">
               <a:rPr lang="zh-CN" altLang="en-US" smtClean="0"/>
-              <a:t>2019/5/7</a:t>
+              <a:t>2019/5/8</a:t>
             </a:fld>
             <a:endParaRPr lang="zh-CN" altLang="en-US"/>
           </a:p>
@@ -3160,6 +3165,382 @@
           <a:chExt cx="0" cy="0"/>
         </a:xfrm>
       </p:grpSpPr>
+      <p:sp>
+        <p:nvSpPr>
+          <p:cNvPr id="2" name="标题 1"/>
+          <p:cNvSpPr>
+            <a:spLocks noGrp="1"/>
+          </p:cNvSpPr>
+          <p:nvPr>
+            <p:ph type="title"/>
+          </p:nvPr>
+        </p:nvSpPr>
+        <p:spPr/>
+        <p:txBody>
+          <a:bodyPr/>
+          <a:lstStyle/>
+          <a:p>
+            <a:r>
+              <a:rPr kumimoji="1" lang="zh-CN" altLang="en-US" dirty="0" smtClean="0"/>
+              <a:t>系统功能</a:t>
+            </a:r>
+            <a:endParaRPr kumimoji="1" lang="zh-CN" altLang="en-US" dirty="0"/>
+          </a:p>
+        </p:txBody>
+      </p:sp>
+      <p:sp>
+        <p:nvSpPr>
+          <p:cNvPr id="3" name="内容占位符 2"/>
+          <p:cNvSpPr>
+            <a:spLocks noGrp="1"/>
+          </p:cNvSpPr>
+          <p:nvPr>
+            <p:ph idx="1"/>
+          </p:nvPr>
+        </p:nvSpPr>
+        <p:spPr/>
+        <p:txBody>
+          <a:bodyPr/>
+          <a:lstStyle/>
+          <a:p>
+            <a:endParaRPr kumimoji="1" lang="zh-CN" altLang="en-US"/>
+          </a:p>
+        </p:txBody>
+      </p:sp>
+    </p:spTree>
+    <p:extLst>
+      <p:ext uri="{BB962C8B-B14F-4D97-AF65-F5344CB8AC3E}">
+        <p14:creationId xmlns:p14="http://schemas.microsoft.com/office/powerpoint/2010/main" val="1507621337"/>
+      </p:ext>
+    </p:extLst>
+  </p:cSld>
+  <p:clrMapOvr>
+    <a:masterClrMapping/>
+  </p:clrMapOvr>
+</p:sld>
+</file>
+
+<file path=ppt/slides/slide4.xml><?xml version="1.0" encoding="utf-8"?>
+<p:sld xmlns:a="http://schemas.openxmlformats.org/drawingml/2006/main" xmlns:r="http://schemas.openxmlformats.org/officeDocument/2006/relationships" xmlns:p="http://schemas.openxmlformats.org/presentationml/2006/main">
+  <p:cSld>
+    <p:spTree>
+      <p:nvGrpSpPr>
+        <p:cNvPr id="1" name=""/>
+        <p:cNvGrpSpPr/>
+        <p:nvPr/>
+      </p:nvGrpSpPr>
+      <p:grpSpPr>
+        <a:xfrm>
+          <a:off x="0" y="0"/>
+          <a:ext cx="0" cy="0"/>
+          <a:chOff x="0" y="0"/>
+          <a:chExt cx="0" cy="0"/>
+        </a:xfrm>
+      </p:grpSpPr>
+      <p:sp>
+        <p:nvSpPr>
+          <p:cNvPr id="2" name="标题 1"/>
+          <p:cNvSpPr>
+            <a:spLocks noGrp="1"/>
+          </p:cNvSpPr>
+          <p:nvPr>
+            <p:ph type="title"/>
+          </p:nvPr>
+        </p:nvSpPr>
+        <p:spPr/>
+        <p:txBody>
+          <a:bodyPr/>
+          <a:lstStyle/>
+          <a:p>
+            <a:r>
+              <a:rPr kumimoji="1" lang="zh-CN" altLang="en-US" dirty="0" smtClean="0"/>
+              <a:t>检索功能细节</a:t>
+            </a:r>
+            <a:endParaRPr kumimoji="1" lang="zh-CN" altLang="en-US" dirty="0"/>
+          </a:p>
+        </p:txBody>
+      </p:sp>
+      <p:sp>
+        <p:nvSpPr>
+          <p:cNvPr id="3" name="内容占位符 2"/>
+          <p:cNvSpPr>
+            <a:spLocks noGrp="1"/>
+          </p:cNvSpPr>
+          <p:nvPr>
+            <p:ph idx="1"/>
+          </p:nvPr>
+        </p:nvSpPr>
+        <p:spPr/>
+        <p:txBody>
+          <a:bodyPr/>
+          <a:lstStyle/>
+          <a:p>
+            <a:endParaRPr kumimoji="1" lang="zh-CN" altLang="en-US"/>
+          </a:p>
+        </p:txBody>
+      </p:sp>
+    </p:spTree>
+    <p:extLst>
+      <p:ext uri="{BB962C8B-B14F-4D97-AF65-F5344CB8AC3E}">
+        <p14:creationId xmlns:p14="http://schemas.microsoft.com/office/powerpoint/2010/main" val="690255542"/>
+      </p:ext>
+    </p:extLst>
+  </p:cSld>
+  <p:clrMapOvr>
+    <a:masterClrMapping/>
+  </p:clrMapOvr>
+</p:sld>
+</file>
+
+<file path=ppt/slides/slide5.xml><?xml version="1.0" encoding="utf-8"?>
+<p:sld xmlns:a="http://schemas.openxmlformats.org/drawingml/2006/main" xmlns:r="http://schemas.openxmlformats.org/officeDocument/2006/relationships" xmlns:p="http://schemas.openxmlformats.org/presentationml/2006/main">
+  <p:cSld>
+    <p:spTree>
+      <p:nvGrpSpPr>
+        <p:cNvPr id="1" name=""/>
+        <p:cNvGrpSpPr/>
+        <p:nvPr/>
+      </p:nvGrpSpPr>
+      <p:grpSpPr>
+        <a:xfrm>
+          <a:off x="0" y="0"/>
+          <a:ext cx="0" cy="0"/>
+          <a:chOff x="0" y="0"/>
+          <a:chExt cx="0" cy="0"/>
+        </a:xfrm>
+      </p:grpSpPr>
+      <p:sp>
+        <p:nvSpPr>
+          <p:cNvPr id="2" name="标题 1"/>
+          <p:cNvSpPr>
+            <a:spLocks noGrp="1"/>
+          </p:cNvSpPr>
+          <p:nvPr>
+            <p:ph type="title"/>
+          </p:nvPr>
+        </p:nvSpPr>
+        <p:spPr/>
+        <p:txBody>
+          <a:bodyPr/>
+          <a:lstStyle/>
+          <a:p>
+            <a:r>
+              <a:rPr kumimoji="1" lang="zh-CN" altLang="en-US" dirty="0" smtClean="0"/>
+              <a:t>数据来源</a:t>
+            </a:r>
+            <a:endParaRPr kumimoji="1" lang="zh-CN" altLang="en-US" dirty="0"/>
+          </a:p>
+        </p:txBody>
+      </p:sp>
+      <p:sp>
+        <p:nvSpPr>
+          <p:cNvPr id="3" name="内容占位符 2"/>
+          <p:cNvSpPr>
+            <a:spLocks noGrp="1"/>
+          </p:cNvSpPr>
+          <p:nvPr>
+            <p:ph idx="1"/>
+          </p:nvPr>
+        </p:nvSpPr>
+        <p:spPr/>
+        <p:txBody>
+          <a:bodyPr/>
+          <a:lstStyle/>
+          <a:p>
+            <a:endParaRPr kumimoji="1" lang="zh-CN" altLang="en-US"/>
+          </a:p>
+        </p:txBody>
+      </p:sp>
+    </p:spTree>
+    <p:extLst>
+      <p:ext uri="{BB962C8B-B14F-4D97-AF65-F5344CB8AC3E}">
+        <p14:creationId xmlns:p14="http://schemas.microsoft.com/office/powerpoint/2010/main" val="534903278"/>
+      </p:ext>
+    </p:extLst>
+  </p:cSld>
+  <p:clrMapOvr>
+    <a:masterClrMapping/>
+  </p:clrMapOvr>
+</p:sld>
+</file>
+
+<file path=ppt/slides/slide6.xml><?xml version="1.0" encoding="utf-8"?>
+<p:sld xmlns:a="http://schemas.openxmlformats.org/drawingml/2006/main" xmlns:r="http://schemas.openxmlformats.org/officeDocument/2006/relationships" xmlns:p="http://schemas.openxmlformats.org/presentationml/2006/main">
+  <p:cSld>
+    <p:spTree>
+      <p:nvGrpSpPr>
+        <p:cNvPr id="1" name=""/>
+        <p:cNvGrpSpPr/>
+        <p:nvPr/>
+      </p:nvGrpSpPr>
+      <p:grpSpPr>
+        <a:xfrm>
+          <a:off x="0" y="0"/>
+          <a:ext cx="0" cy="0"/>
+          <a:chOff x="0" y="0"/>
+          <a:chExt cx="0" cy="0"/>
+        </a:xfrm>
+      </p:grpSpPr>
+      <p:sp>
+        <p:nvSpPr>
+          <p:cNvPr id="2" name="标题 1"/>
+          <p:cNvSpPr>
+            <a:spLocks noGrp="1"/>
+          </p:cNvSpPr>
+          <p:nvPr>
+            <p:ph type="title"/>
+          </p:nvPr>
+        </p:nvSpPr>
+        <p:spPr/>
+        <p:txBody>
+          <a:bodyPr/>
+          <a:lstStyle/>
+          <a:p>
+            <a:r>
+              <a:rPr kumimoji="1" lang="zh-CN" altLang="en-US" dirty="0" smtClean="0"/>
+              <a:t>在线编程功能特点</a:t>
+            </a:r>
+            <a:endParaRPr kumimoji="1" lang="zh-CN" altLang="en-US" dirty="0"/>
+          </a:p>
+        </p:txBody>
+      </p:sp>
+      <p:sp>
+        <p:nvSpPr>
+          <p:cNvPr id="3" name="内容占位符 2"/>
+          <p:cNvSpPr>
+            <a:spLocks noGrp="1"/>
+          </p:cNvSpPr>
+          <p:nvPr>
+            <p:ph idx="1"/>
+          </p:nvPr>
+        </p:nvSpPr>
+        <p:spPr/>
+        <p:txBody>
+          <a:bodyPr/>
+          <a:lstStyle/>
+          <a:p>
+            <a:endParaRPr kumimoji="1" lang="zh-CN" altLang="en-US"/>
+          </a:p>
+        </p:txBody>
+      </p:sp>
+    </p:spTree>
+    <p:extLst>
+      <p:ext uri="{BB962C8B-B14F-4D97-AF65-F5344CB8AC3E}">
+        <p14:creationId xmlns:p14="http://schemas.microsoft.com/office/powerpoint/2010/main" val="1217229610"/>
+      </p:ext>
+    </p:extLst>
+  </p:cSld>
+  <p:clrMapOvr>
+    <a:masterClrMapping/>
+  </p:clrMapOvr>
+</p:sld>
+</file>
+
+<file path=ppt/slides/slide7.xml><?xml version="1.0" encoding="utf-8"?>
+<p:sld xmlns:a="http://schemas.openxmlformats.org/drawingml/2006/main" xmlns:r="http://schemas.openxmlformats.org/officeDocument/2006/relationships" xmlns:p="http://schemas.openxmlformats.org/presentationml/2006/main">
+  <p:cSld>
+    <p:spTree>
+      <p:nvGrpSpPr>
+        <p:cNvPr id="1" name=""/>
+        <p:cNvGrpSpPr/>
+        <p:nvPr/>
+      </p:nvGrpSpPr>
+      <p:grpSpPr>
+        <a:xfrm>
+          <a:off x="0" y="0"/>
+          <a:ext cx="0" cy="0"/>
+          <a:chOff x="0" y="0"/>
+          <a:chExt cx="0" cy="0"/>
+        </a:xfrm>
+      </p:grpSpPr>
+      <p:sp>
+        <p:nvSpPr>
+          <p:cNvPr id="2" name="标题 1"/>
+          <p:cNvSpPr>
+            <a:spLocks noGrp="1"/>
+          </p:cNvSpPr>
+          <p:nvPr>
+            <p:ph type="title"/>
+          </p:nvPr>
+        </p:nvSpPr>
+        <p:spPr/>
+        <p:txBody>
+          <a:bodyPr/>
+          <a:lstStyle/>
+          <a:p>
+            <a:r>
+              <a:rPr kumimoji="1" lang="zh-CN" altLang="en-US" dirty="0" smtClean="0"/>
+              <a:t>与</a:t>
+            </a:r>
+            <a:r>
+              <a:rPr kumimoji="1" lang="en-US" altLang="zh-CN" dirty="0" smtClean="0"/>
+              <a:t>SCAU</a:t>
+            </a:r>
+            <a:r>
+              <a:rPr kumimoji="1" lang="zh-CN" altLang="en-US" dirty="0" smtClean="0"/>
+              <a:t> </a:t>
+            </a:r>
+            <a:r>
+              <a:rPr kumimoji="1" lang="en-US" altLang="zh-CN" dirty="0" smtClean="0"/>
+              <a:t>OJ</a:t>
+            </a:r>
+            <a:r>
+              <a:rPr kumimoji="1" lang="zh-CN" altLang="en-US" dirty="0" smtClean="0"/>
+              <a:t>对比</a:t>
+            </a:r>
+            <a:endParaRPr kumimoji="1" lang="zh-CN" altLang="en-US" dirty="0"/>
+          </a:p>
+        </p:txBody>
+      </p:sp>
+      <p:sp>
+        <p:nvSpPr>
+          <p:cNvPr id="3" name="内容占位符 2"/>
+          <p:cNvSpPr>
+            <a:spLocks noGrp="1"/>
+          </p:cNvSpPr>
+          <p:nvPr>
+            <p:ph idx="1"/>
+          </p:nvPr>
+        </p:nvSpPr>
+        <p:spPr/>
+        <p:txBody>
+          <a:bodyPr/>
+          <a:lstStyle/>
+          <a:p>
+            <a:endParaRPr kumimoji="1" lang="zh-CN" altLang="en-US"/>
+          </a:p>
+        </p:txBody>
+      </p:sp>
+    </p:spTree>
+    <p:extLst>
+      <p:ext uri="{BB962C8B-B14F-4D97-AF65-F5344CB8AC3E}">
+        <p14:creationId xmlns:p14="http://schemas.microsoft.com/office/powerpoint/2010/main" val="626279234"/>
+      </p:ext>
+    </p:extLst>
+  </p:cSld>
+  <p:clrMapOvr>
+    <a:masterClrMapping/>
+  </p:clrMapOvr>
+</p:sld>
+</file>
+
+<file path=ppt/slides/slide8.xml><?xml version="1.0" encoding="utf-8"?>
+<p:sld xmlns:a="http://schemas.openxmlformats.org/drawingml/2006/main" xmlns:r="http://schemas.openxmlformats.org/officeDocument/2006/relationships" xmlns:p="http://schemas.openxmlformats.org/presentationml/2006/main">
+  <p:cSld>
+    <p:spTree>
+      <p:nvGrpSpPr>
+        <p:cNvPr id="1" name=""/>
+        <p:cNvGrpSpPr/>
+        <p:nvPr/>
+      </p:nvGrpSpPr>
+      <p:grpSpPr>
+        <a:xfrm>
+          <a:off x="0" y="0"/>
+          <a:ext cx="0" cy="0"/>
+          <a:chOff x="0" y="0"/>
+          <a:chExt cx="0" cy="0"/>
+        </a:xfrm>
+      </p:grpSpPr>
       <p:pic>
         <p:nvPicPr>
           <p:cNvPr id="4" name="图片 3"/>

--- a/基于Scrapy框架的计算机专业学习资源网站_吴伟杰.pptx
+++ b/基于Scrapy框架的计算机专业学习资源网站_吴伟杰.pptx
@@ -2,17 +2,22 @@
 <file path=ppt/presentation.xml><?xml version="1.0" encoding="utf-8"?>
 <p:presentation xmlns:a="http://schemas.openxmlformats.org/drawingml/2006/main" xmlns:r="http://schemas.openxmlformats.org/officeDocument/2006/relationships" xmlns:p="http://schemas.openxmlformats.org/presentationml/2006/main" saveSubsetFonts="1">
   <p:sldMasterIdLst>
-    <p:sldMasterId id="2147483660" r:id="rId1"/>
+    <p:sldMasterId id="2147484229" r:id="rId1"/>
   </p:sldMasterIdLst>
+  <p:notesMasterIdLst>
+    <p:notesMasterId r:id="rId12"/>
+  </p:notesMasterIdLst>
   <p:sldIdLst>
     <p:sldId id="256" r:id="rId2"/>
-    <p:sldId id="258" r:id="rId3"/>
-    <p:sldId id="259" r:id="rId4"/>
-    <p:sldId id="262" r:id="rId5"/>
-    <p:sldId id="261" r:id="rId6"/>
-    <p:sldId id="260" r:id="rId7"/>
-    <p:sldId id="263" r:id="rId8"/>
-    <p:sldId id="257" r:id="rId9"/>
+    <p:sldId id="265" r:id="rId3"/>
+    <p:sldId id="258" r:id="rId4"/>
+    <p:sldId id="259" r:id="rId5"/>
+    <p:sldId id="262" r:id="rId6"/>
+    <p:sldId id="264" r:id="rId7"/>
+    <p:sldId id="261" r:id="rId8"/>
+    <p:sldId id="260" r:id="rId9"/>
+    <p:sldId id="263" r:id="rId10"/>
+    <p:sldId id="257" r:id="rId11"/>
   </p:sldIdLst>
   <p:sldSz cx="9144000" cy="6858000" type="screen4x3"/>
   <p:notesSz cx="6858000" cy="9144000"/>
@@ -119,6 +124,524 @@
 </p:presentation>
 </file>
 
+<file path=ppt/notesMasters/notesMaster1.xml><?xml version="1.0" encoding="utf-8"?>
+<p:notesMaster xmlns:a="http://schemas.openxmlformats.org/drawingml/2006/main" xmlns:r="http://schemas.openxmlformats.org/officeDocument/2006/relationships" xmlns:p="http://schemas.openxmlformats.org/presentationml/2006/main">
+  <p:cSld>
+    <p:bg>
+      <p:bgRef idx="1001">
+        <a:schemeClr val="bg1"/>
+      </p:bgRef>
+    </p:bg>
+    <p:spTree>
+      <p:nvGrpSpPr>
+        <p:cNvPr id="1" name=""/>
+        <p:cNvGrpSpPr/>
+        <p:nvPr/>
+      </p:nvGrpSpPr>
+      <p:grpSpPr>
+        <a:xfrm>
+          <a:off x="0" y="0"/>
+          <a:ext cx="0" cy="0"/>
+          <a:chOff x="0" y="0"/>
+          <a:chExt cx="0" cy="0"/>
+        </a:xfrm>
+      </p:grpSpPr>
+      <p:sp>
+        <p:nvSpPr>
+          <p:cNvPr id="2" name="页眉占位符 1"/>
+          <p:cNvSpPr>
+            <a:spLocks noGrp="1"/>
+          </p:cNvSpPr>
+          <p:nvPr>
+            <p:ph type="hdr" sz="quarter"/>
+          </p:nvPr>
+        </p:nvSpPr>
+        <p:spPr>
+          <a:xfrm>
+            <a:off x="0" y="0"/>
+            <a:ext cx="2971800" cy="458788"/>
+          </a:xfrm>
+          <a:prstGeom prst="rect">
+            <a:avLst/>
+          </a:prstGeom>
+        </p:spPr>
+        <p:txBody>
+          <a:bodyPr vert="horz" lIns="91440" tIns="45720" rIns="91440" bIns="45720" rtlCol="0"/>
+          <a:lstStyle>
+            <a:lvl1pPr algn="l">
+              <a:defRPr sz="1200"/>
+            </a:lvl1pPr>
+          </a:lstStyle>
+          <a:p>
+            <a:endParaRPr kumimoji="1" lang="zh-CN" altLang="en-US"/>
+          </a:p>
+        </p:txBody>
+      </p:sp>
+      <p:sp>
+        <p:nvSpPr>
+          <p:cNvPr id="3" name="日期占位符 2"/>
+          <p:cNvSpPr>
+            <a:spLocks noGrp="1"/>
+          </p:cNvSpPr>
+          <p:nvPr>
+            <p:ph type="dt" idx="1"/>
+          </p:nvPr>
+        </p:nvSpPr>
+        <p:spPr>
+          <a:xfrm>
+            <a:off x="3884613" y="0"/>
+            <a:ext cx="2971800" cy="458788"/>
+          </a:xfrm>
+          <a:prstGeom prst="rect">
+            <a:avLst/>
+          </a:prstGeom>
+        </p:spPr>
+        <p:txBody>
+          <a:bodyPr vert="horz" lIns="91440" tIns="45720" rIns="91440" bIns="45720" rtlCol="0"/>
+          <a:lstStyle>
+            <a:lvl1pPr algn="r">
+              <a:defRPr sz="1200"/>
+            </a:lvl1pPr>
+          </a:lstStyle>
+          <a:p>
+            <a:fld id="{D9681CC2-9F64-4C41-97C5-F57FAEF6D39C}" type="datetimeFigureOut">
+              <a:rPr kumimoji="1" lang="zh-CN" altLang="en-US" smtClean="0"/>
+              <a:t>2019/5/9</a:t>
+            </a:fld>
+            <a:endParaRPr kumimoji="1" lang="zh-CN" altLang="en-US"/>
+          </a:p>
+        </p:txBody>
+      </p:sp>
+      <p:sp>
+        <p:nvSpPr>
+          <p:cNvPr id="4" name="幻灯片图像占位符 3"/>
+          <p:cNvSpPr>
+            <a:spLocks noGrp="1" noRot="1" noChangeAspect="1"/>
+          </p:cNvSpPr>
+          <p:nvPr>
+            <p:ph type="sldImg" idx="2"/>
+          </p:nvPr>
+        </p:nvSpPr>
+        <p:spPr>
+          <a:xfrm>
+            <a:off x="1371600" y="1143000"/>
+            <a:ext cx="4114800" cy="3086100"/>
+          </a:xfrm>
+          <a:prstGeom prst="rect">
+            <a:avLst/>
+          </a:prstGeom>
+          <a:noFill/>
+          <a:ln w="12700">
+            <a:solidFill>
+              <a:prstClr val="black"/>
+            </a:solidFill>
+          </a:ln>
+        </p:spPr>
+        <p:txBody>
+          <a:bodyPr vert="horz" lIns="91440" tIns="45720" rIns="91440" bIns="45720" rtlCol="0" anchor="ctr"/>
+          <a:lstStyle/>
+          <a:p>
+            <a:endParaRPr lang="zh-CN" altLang="en-US"/>
+          </a:p>
+        </p:txBody>
+      </p:sp>
+      <p:sp>
+        <p:nvSpPr>
+          <p:cNvPr id="5" name="备注占位符 4"/>
+          <p:cNvSpPr>
+            <a:spLocks noGrp="1"/>
+          </p:cNvSpPr>
+          <p:nvPr>
+            <p:ph type="body" sz="quarter" idx="3"/>
+          </p:nvPr>
+        </p:nvSpPr>
+        <p:spPr>
+          <a:xfrm>
+            <a:off x="685800" y="4400550"/>
+            <a:ext cx="5486400" cy="3600450"/>
+          </a:xfrm>
+          <a:prstGeom prst="rect">
+            <a:avLst/>
+          </a:prstGeom>
+        </p:spPr>
+        <p:txBody>
+          <a:bodyPr vert="horz" lIns="91440" tIns="45720" rIns="91440" bIns="45720" rtlCol="0"/>
+          <a:lstStyle/>
+          <a:p>
+            <a:pPr lvl="0"/>
+            <a:r>
+              <a:rPr kumimoji="1" lang="zh-CN" altLang="en-US" smtClean="0"/>
+              <a:t>单击此处编辑母版文本样式</a:t>
+            </a:r>
+          </a:p>
+          <a:p>
+            <a:pPr lvl="1"/>
+            <a:r>
+              <a:rPr kumimoji="1" lang="zh-CN" altLang="en-US" smtClean="0"/>
+              <a:t>二级</a:t>
+            </a:r>
+          </a:p>
+          <a:p>
+            <a:pPr lvl="2"/>
+            <a:r>
+              <a:rPr kumimoji="1" lang="zh-CN" altLang="en-US" smtClean="0"/>
+              <a:t>三级</a:t>
+            </a:r>
+          </a:p>
+          <a:p>
+            <a:pPr lvl="3"/>
+            <a:r>
+              <a:rPr kumimoji="1" lang="zh-CN" altLang="en-US" smtClean="0"/>
+              <a:t>四级</a:t>
+            </a:r>
+          </a:p>
+          <a:p>
+            <a:pPr lvl="4"/>
+            <a:r>
+              <a:rPr kumimoji="1" lang="zh-CN" altLang="en-US" smtClean="0"/>
+              <a:t>五级</a:t>
+            </a:r>
+            <a:endParaRPr kumimoji="1" lang="zh-CN" altLang="en-US"/>
+          </a:p>
+        </p:txBody>
+      </p:sp>
+      <p:sp>
+        <p:nvSpPr>
+          <p:cNvPr id="6" name="页脚占位符 5"/>
+          <p:cNvSpPr>
+            <a:spLocks noGrp="1"/>
+          </p:cNvSpPr>
+          <p:nvPr>
+            <p:ph type="ftr" sz="quarter" idx="4"/>
+          </p:nvPr>
+        </p:nvSpPr>
+        <p:spPr>
+          <a:xfrm>
+            <a:off x="0" y="8685213"/>
+            <a:ext cx="2971800" cy="458787"/>
+          </a:xfrm>
+          <a:prstGeom prst="rect">
+            <a:avLst/>
+          </a:prstGeom>
+        </p:spPr>
+        <p:txBody>
+          <a:bodyPr vert="horz" lIns="91440" tIns="45720" rIns="91440" bIns="45720" rtlCol="0" anchor="b"/>
+          <a:lstStyle>
+            <a:lvl1pPr algn="l">
+              <a:defRPr sz="1200"/>
+            </a:lvl1pPr>
+          </a:lstStyle>
+          <a:p>
+            <a:endParaRPr kumimoji="1" lang="zh-CN" altLang="en-US"/>
+          </a:p>
+        </p:txBody>
+      </p:sp>
+      <p:sp>
+        <p:nvSpPr>
+          <p:cNvPr id="7" name="幻灯片编号占位符 6"/>
+          <p:cNvSpPr>
+            <a:spLocks noGrp="1"/>
+          </p:cNvSpPr>
+          <p:nvPr>
+            <p:ph type="sldNum" sz="quarter" idx="5"/>
+          </p:nvPr>
+        </p:nvSpPr>
+        <p:spPr>
+          <a:xfrm>
+            <a:off x="3884613" y="8685213"/>
+            <a:ext cx="2971800" cy="458787"/>
+          </a:xfrm>
+          <a:prstGeom prst="rect">
+            <a:avLst/>
+          </a:prstGeom>
+        </p:spPr>
+        <p:txBody>
+          <a:bodyPr vert="horz" lIns="91440" tIns="45720" rIns="91440" bIns="45720" rtlCol="0" anchor="b"/>
+          <a:lstStyle>
+            <a:lvl1pPr algn="r">
+              <a:defRPr sz="1200"/>
+            </a:lvl1pPr>
+          </a:lstStyle>
+          <a:p>
+            <a:fld id="{A438EE0D-1E5A-EE4E-8B4B-E6DDF838F640}" type="slidenum">
+              <a:rPr kumimoji="1" lang="zh-CN" altLang="en-US" smtClean="0"/>
+              <a:t>‹#›</a:t>
+            </a:fld>
+            <a:endParaRPr kumimoji="1" lang="zh-CN" altLang="en-US"/>
+          </a:p>
+        </p:txBody>
+      </p:sp>
+    </p:spTree>
+    <p:extLst>
+      <p:ext uri="{BB962C8B-B14F-4D97-AF65-F5344CB8AC3E}">
+        <p14:creationId xmlns:p14="http://schemas.microsoft.com/office/powerpoint/2010/main" val="1691762904"/>
+      </p:ext>
+    </p:extLst>
+  </p:cSld>
+  <p:clrMap bg1="lt1" tx1="dk1" bg2="lt2" tx2="dk2" accent1="accent1" accent2="accent2" accent3="accent3" accent4="accent4" accent5="accent5" accent6="accent6" hlink="hlink" folHlink="folHlink"/>
+  <p:notesStyle>
+    <a:lvl1pPr marL="0" algn="l" defTabSz="914400" rtl="0" eaLnBrk="1" latinLnBrk="0" hangingPunct="1">
+      <a:defRPr sz="1200" kern="1200">
+        <a:solidFill>
+          <a:schemeClr val="tx1"/>
+        </a:solidFill>
+        <a:latin typeface="+mn-lt"/>
+        <a:ea typeface="+mn-ea"/>
+        <a:cs typeface="+mn-cs"/>
+      </a:defRPr>
+    </a:lvl1pPr>
+    <a:lvl2pPr marL="457200" algn="l" defTabSz="914400" rtl="0" eaLnBrk="1" latinLnBrk="0" hangingPunct="1">
+      <a:defRPr sz="1200" kern="1200">
+        <a:solidFill>
+          <a:schemeClr val="tx1"/>
+        </a:solidFill>
+        <a:latin typeface="+mn-lt"/>
+        <a:ea typeface="+mn-ea"/>
+        <a:cs typeface="+mn-cs"/>
+      </a:defRPr>
+    </a:lvl2pPr>
+    <a:lvl3pPr marL="914400" algn="l" defTabSz="914400" rtl="0" eaLnBrk="1" latinLnBrk="0" hangingPunct="1">
+      <a:defRPr sz="1200" kern="1200">
+        <a:solidFill>
+          <a:schemeClr val="tx1"/>
+        </a:solidFill>
+        <a:latin typeface="+mn-lt"/>
+        <a:ea typeface="+mn-ea"/>
+        <a:cs typeface="+mn-cs"/>
+      </a:defRPr>
+    </a:lvl3pPr>
+    <a:lvl4pPr marL="1371600" algn="l" defTabSz="914400" rtl="0" eaLnBrk="1" latinLnBrk="0" hangingPunct="1">
+      <a:defRPr sz="1200" kern="1200">
+        <a:solidFill>
+          <a:schemeClr val="tx1"/>
+        </a:solidFill>
+        <a:latin typeface="+mn-lt"/>
+        <a:ea typeface="+mn-ea"/>
+        <a:cs typeface="+mn-cs"/>
+      </a:defRPr>
+    </a:lvl4pPr>
+    <a:lvl5pPr marL="1828800" algn="l" defTabSz="914400" rtl="0" eaLnBrk="1" latinLnBrk="0" hangingPunct="1">
+      <a:defRPr sz="1200" kern="1200">
+        <a:solidFill>
+          <a:schemeClr val="tx1"/>
+        </a:solidFill>
+        <a:latin typeface="+mn-lt"/>
+        <a:ea typeface="+mn-ea"/>
+        <a:cs typeface="+mn-cs"/>
+      </a:defRPr>
+    </a:lvl5pPr>
+    <a:lvl6pPr marL="2286000" algn="l" defTabSz="914400" rtl="0" eaLnBrk="1" latinLnBrk="0" hangingPunct="1">
+      <a:defRPr sz="1200" kern="1200">
+        <a:solidFill>
+          <a:schemeClr val="tx1"/>
+        </a:solidFill>
+        <a:latin typeface="+mn-lt"/>
+        <a:ea typeface="+mn-ea"/>
+        <a:cs typeface="+mn-cs"/>
+      </a:defRPr>
+    </a:lvl6pPr>
+    <a:lvl7pPr marL="2743200" algn="l" defTabSz="914400" rtl="0" eaLnBrk="1" latinLnBrk="0" hangingPunct="1">
+      <a:defRPr sz="1200" kern="1200">
+        <a:solidFill>
+          <a:schemeClr val="tx1"/>
+        </a:solidFill>
+        <a:latin typeface="+mn-lt"/>
+        <a:ea typeface="+mn-ea"/>
+        <a:cs typeface="+mn-cs"/>
+      </a:defRPr>
+    </a:lvl7pPr>
+    <a:lvl8pPr marL="3200400" algn="l" defTabSz="914400" rtl="0" eaLnBrk="1" latinLnBrk="0" hangingPunct="1">
+      <a:defRPr sz="1200" kern="1200">
+        <a:solidFill>
+          <a:schemeClr val="tx1"/>
+        </a:solidFill>
+        <a:latin typeface="+mn-lt"/>
+        <a:ea typeface="+mn-ea"/>
+        <a:cs typeface="+mn-cs"/>
+      </a:defRPr>
+    </a:lvl8pPr>
+    <a:lvl9pPr marL="3657600" algn="l" defTabSz="914400" rtl="0" eaLnBrk="1" latinLnBrk="0" hangingPunct="1">
+      <a:defRPr sz="1200" kern="1200">
+        <a:solidFill>
+          <a:schemeClr val="tx1"/>
+        </a:solidFill>
+        <a:latin typeface="+mn-lt"/>
+        <a:ea typeface="+mn-ea"/>
+        <a:cs typeface="+mn-cs"/>
+      </a:defRPr>
+    </a:lvl9pPr>
+  </p:notesStyle>
+</p:notesMaster>
+</file>
+
+<file path=ppt/notesSlides/notesSlide1.xml><?xml version="1.0" encoding="utf-8"?>
+<p:notes xmlns:a="http://schemas.openxmlformats.org/drawingml/2006/main" xmlns:r="http://schemas.openxmlformats.org/officeDocument/2006/relationships" xmlns:p="http://schemas.openxmlformats.org/presentationml/2006/main">
+  <p:cSld>
+    <p:spTree>
+      <p:nvGrpSpPr>
+        <p:cNvPr id="1" name=""/>
+        <p:cNvGrpSpPr/>
+        <p:nvPr/>
+      </p:nvGrpSpPr>
+      <p:grpSpPr>
+        <a:xfrm>
+          <a:off x="0" y="0"/>
+          <a:ext cx="0" cy="0"/>
+          <a:chOff x="0" y="0"/>
+          <a:chExt cx="0" cy="0"/>
+        </a:xfrm>
+      </p:grpSpPr>
+      <p:sp>
+        <p:nvSpPr>
+          <p:cNvPr id="2" name="幻灯片图像占位符 1"/>
+          <p:cNvSpPr>
+            <a:spLocks noGrp="1" noRot="1" noChangeAspect="1"/>
+          </p:cNvSpPr>
+          <p:nvPr>
+            <p:ph type="sldImg"/>
+          </p:nvPr>
+        </p:nvSpPr>
+        <p:spPr/>
+      </p:sp>
+      <p:sp>
+        <p:nvSpPr>
+          <p:cNvPr id="3" name="备注占位符 2"/>
+          <p:cNvSpPr>
+            <a:spLocks noGrp="1"/>
+          </p:cNvSpPr>
+          <p:nvPr>
+            <p:ph type="body" idx="1"/>
+          </p:nvPr>
+        </p:nvSpPr>
+        <p:spPr/>
+        <p:txBody>
+          <a:bodyPr/>
+          <a:lstStyle/>
+          <a:p>
+            <a:endParaRPr kumimoji="1" lang="zh-CN" altLang="en-US"/>
+          </a:p>
+        </p:txBody>
+      </p:sp>
+      <p:sp>
+        <p:nvSpPr>
+          <p:cNvPr id="4" name="幻灯片编号占位符 3"/>
+          <p:cNvSpPr>
+            <a:spLocks noGrp="1"/>
+          </p:cNvSpPr>
+          <p:nvPr>
+            <p:ph type="sldNum" sz="quarter" idx="10"/>
+          </p:nvPr>
+        </p:nvSpPr>
+        <p:spPr/>
+        <p:txBody>
+          <a:bodyPr/>
+          <a:lstStyle/>
+          <a:p>
+            <a:fld id="{A438EE0D-1E5A-EE4E-8B4B-E6DDF838F640}" type="slidenum">
+              <a:rPr kumimoji="1" lang="zh-CN" altLang="en-US" smtClean="0"/>
+              <a:t>2</a:t>
+            </a:fld>
+            <a:endParaRPr kumimoji="1" lang="zh-CN" altLang="en-US"/>
+          </a:p>
+        </p:txBody>
+      </p:sp>
+    </p:spTree>
+    <p:extLst>
+      <p:ext uri="{BB962C8B-B14F-4D97-AF65-F5344CB8AC3E}">
+        <p14:creationId xmlns:p14="http://schemas.microsoft.com/office/powerpoint/2010/main" val="775641248"/>
+      </p:ext>
+    </p:extLst>
+  </p:cSld>
+  <p:clrMapOvr>
+    <a:masterClrMapping/>
+  </p:clrMapOvr>
+</p:notes>
+</file>
+
+<file path=ppt/notesSlides/notesSlide2.xml><?xml version="1.0" encoding="utf-8"?>
+<p:notes xmlns:a="http://schemas.openxmlformats.org/drawingml/2006/main" xmlns:r="http://schemas.openxmlformats.org/officeDocument/2006/relationships" xmlns:p="http://schemas.openxmlformats.org/presentationml/2006/main">
+  <p:cSld>
+    <p:spTree>
+      <p:nvGrpSpPr>
+        <p:cNvPr id="1" name=""/>
+        <p:cNvGrpSpPr/>
+        <p:nvPr/>
+      </p:nvGrpSpPr>
+      <p:grpSpPr>
+        <a:xfrm>
+          <a:off x="0" y="0"/>
+          <a:ext cx="0" cy="0"/>
+          <a:chOff x="0" y="0"/>
+          <a:chExt cx="0" cy="0"/>
+        </a:xfrm>
+      </p:grpSpPr>
+      <p:sp>
+        <p:nvSpPr>
+          <p:cNvPr id="2" name="幻灯片图像占位符 1"/>
+          <p:cNvSpPr>
+            <a:spLocks noGrp="1" noRot="1" noChangeAspect="1"/>
+          </p:cNvSpPr>
+          <p:nvPr>
+            <p:ph type="sldImg"/>
+          </p:nvPr>
+        </p:nvSpPr>
+        <p:spPr/>
+      </p:sp>
+      <p:sp>
+        <p:nvSpPr>
+          <p:cNvPr id="3" name="备注占位符 2"/>
+          <p:cNvSpPr>
+            <a:spLocks noGrp="1"/>
+          </p:cNvSpPr>
+          <p:nvPr>
+            <p:ph type="body" idx="1"/>
+          </p:nvPr>
+        </p:nvSpPr>
+        <p:spPr/>
+        <p:txBody>
+          <a:bodyPr/>
+          <a:lstStyle/>
+          <a:p>
+            <a:endParaRPr kumimoji="1" lang="zh-CN" altLang="en-US"/>
+          </a:p>
+        </p:txBody>
+      </p:sp>
+      <p:sp>
+        <p:nvSpPr>
+          <p:cNvPr id="4" name="幻灯片编号占位符 3"/>
+          <p:cNvSpPr>
+            <a:spLocks noGrp="1"/>
+          </p:cNvSpPr>
+          <p:nvPr>
+            <p:ph type="sldNum" sz="quarter" idx="10"/>
+          </p:nvPr>
+        </p:nvSpPr>
+        <p:spPr/>
+        <p:txBody>
+          <a:bodyPr/>
+          <a:lstStyle/>
+          <a:p>
+            <a:fld id="{A438EE0D-1E5A-EE4E-8B4B-E6DDF838F640}" type="slidenum">
+              <a:rPr kumimoji="1" lang="zh-CN" altLang="en-US" smtClean="0"/>
+              <a:t>8</a:t>
+            </a:fld>
+            <a:endParaRPr kumimoji="1" lang="zh-CN" altLang="en-US"/>
+          </a:p>
+        </p:txBody>
+      </p:sp>
+    </p:spTree>
+    <p:extLst>
+      <p:ext uri="{BB962C8B-B14F-4D97-AF65-F5344CB8AC3E}">
+        <p14:creationId xmlns:p14="http://schemas.microsoft.com/office/powerpoint/2010/main" val="1819786880"/>
+      </p:ext>
+    </p:extLst>
+  </p:cSld>
+  <p:clrMapOvr>
+    <a:masterClrMapping/>
+  </p:clrMapOvr>
+</p:notes>
+</file>
+
 <file path=ppt/slideLayouts/slideLayout1.xml><?xml version="1.0" encoding="utf-8"?>
 <p:sldLayout xmlns:a="http://schemas.openxmlformats.org/drawingml/2006/main" xmlns:r="http://schemas.openxmlformats.org/officeDocument/2006/relationships" xmlns:p="http://schemas.openxmlformats.org/presentationml/2006/main" type="title" preserve="1">
   <p:cSld name="标题幻灯片">
@@ -227,7 +750,7 @@
           <a:p>
             <a:r>
               <a:rPr lang="zh-CN" altLang="en-US" smtClean="0"/>
-              <a:t>单击以编辑母版副标题样式</a:t>
+              <a:t>单击此处编辑母版副标题样式</a:t>
             </a:r>
             <a:endParaRPr lang="en-US" dirty="0"/>
           </a:p>
@@ -248,9 +771,9 @@
           <a:bodyPr/>
           <a:lstStyle/>
           <a:p>
-            <a:fld id="{FF5181BF-C3C2-49E7-981C-36DC82AE5791}" type="datetimeFigureOut">
-              <a:rPr lang="zh-CN" altLang="en-US" smtClean="0"/>
-              <a:t>2019/5/8</a:t>
+            <a:fld id="{5ECD60F8-BCA7-FB4A-868B-81E09D9A8B51}" type="datetime11">
+              <a:rPr lang="zh-CN" altLang="en-US" smtClean="0"/>
+              <a:t>23:33:23</a:t>
             </a:fld>
             <a:endParaRPr lang="zh-CN" altLang="en-US"/>
           </a:p>
@@ -299,21 +822,23 @@
         </p:txBody>
       </p:sp>
     </p:spTree>
-    <p:extLst>
-      <p:ext uri="{BB962C8B-B14F-4D97-AF65-F5344CB8AC3E}">
-        <p14:creationId xmlns:p14="http://schemas.microsoft.com/office/powerpoint/2010/main" val="199302265"/>
-      </p:ext>
-    </p:extLst>
   </p:cSld>
   <p:clrMapOvr>
     <a:masterClrMapping/>
   </p:clrMapOvr>
+  <p:timing>
+    <p:tnLst>
+      <p:par>
+        <p:cTn id="1" dur="indefinite" restart="never" nodeType="tmRoot"/>
+      </p:par>
+    </p:tnLst>
+  </p:timing>
 </p:sldLayout>
 </file>
 
 <file path=ppt/slideLayouts/slideLayout10.xml><?xml version="1.0" encoding="utf-8"?>
 <p:sldLayout xmlns:a="http://schemas.openxmlformats.org/drawingml/2006/main" xmlns:r="http://schemas.openxmlformats.org/officeDocument/2006/relationships" xmlns:p="http://schemas.openxmlformats.org/presentationml/2006/main" type="vertTx" preserve="1">
-  <p:cSld name="标题和竖排文字">
+  <p:cSld name="标题和竖排文本">
     <p:spTree>
       <p:nvGrpSpPr>
         <p:cNvPr id="1" name=""/>
@@ -369,35 +894,35 @@
             <a:pPr lvl="0"/>
             <a:r>
               <a:rPr lang="zh-CN" altLang="en-US" smtClean="0"/>
-              <a:t>编辑母版文本样式</a:t>
+              <a:t>单击此处编辑母版文本样式</a:t>
             </a:r>
           </a:p>
           <a:p>
             <a:pPr lvl="1"/>
             <a:r>
               <a:rPr lang="zh-CN" altLang="en-US" smtClean="0"/>
-              <a:t>第二级</a:t>
+              <a:t>二级</a:t>
             </a:r>
           </a:p>
           <a:p>
             <a:pPr lvl="2"/>
             <a:r>
               <a:rPr lang="zh-CN" altLang="en-US" smtClean="0"/>
-              <a:t>第三级</a:t>
+              <a:t>三级</a:t>
             </a:r>
           </a:p>
           <a:p>
             <a:pPr lvl="3"/>
             <a:r>
               <a:rPr lang="zh-CN" altLang="en-US" smtClean="0"/>
-              <a:t>第四级</a:t>
+              <a:t>四级</a:t>
             </a:r>
           </a:p>
           <a:p>
             <a:pPr lvl="4"/>
             <a:r>
               <a:rPr lang="zh-CN" altLang="en-US" smtClean="0"/>
-              <a:t>第五级</a:t>
+              <a:t>五级</a:t>
             </a:r>
             <a:endParaRPr lang="en-US" dirty="0"/>
           </a:p>
@@ -418,9 +943,9 @@
           <a:bodyPr/>
           <a:lstStyle/>
           <a:p>
-            <a:fld id="{FF5181BF-C3C2-49E7-981C-36DC82AE5791}" type="datetimeFigureOut">
-              <a:rPr lang="zh-CN" altLang="en-US" smtClean="0"/>
-              <a:t>2019/5/8</a:t>
+            <a:fld id="{07E88D81-B883-A34A-9540-CEDC59CBB58B}" type="datetime11">
+              <a:rPr lang="zh-CN" altLang="en-US" smtClean="0"/>
+              <a:t>23:33:23</a:t>
             </a:fld>
             <a:endParaRPr lang="zh-CN" altLang="en-US"/>
           </a:p>
@@ -469,21 +994,23 @@
         </p:txBody>
       </p:sp>
     </p:spTree>
-    <p:extLst>
-      <p:ext uri="{BB962C8B-B14F-4D97-AF65-F5344CB8AC3E}">
-        <p14:creationId xmlns:p14="http://schemas.microsoft.com/office/powerpoint/2010/main" val="2175783223"/>
-      </p:ext>
-    </p:extLst>
   </p:cSld>
   <p:clrMapOvr>
     <a:masterClrMapping/>
   </p:clrMapOvr>
+  <p:timing>
+    <p:tnLst>
+      <p:par>
+        <p:cTn id="1" dur="indefinite" restart="never" nodeType="tmRoot"/>
+      </p:par>
+    </p:tnLst>
+  </p:timing>
 </p:sldLayout>
 </file>
 
 <file path=ppt/slideLayouts/slideLayout11.xml><?xml version="1.0" encoding="utf-8"?>
 <p:sldLayout xmlns:a="http://schemas.openxmlformats.org/drawingml/2006/main" xmlns:r="http://schemas.openxmlformats.org/officeDocument/2006/relationships" xmlns:p="http://schemas.openxmlformats.org/presentationml/2006/main" type="vertTitleAndTx" preserve="1">
-  <p:cSld name="竖排标题与文本">
+  <p:cSld name="竖排标题和文本">
     <p:spTree>
       <p:nvGrpSpPr>
         <p:cNvPr id="1" name=""/>
@@ -549,35 +1076,35 @@
             <a:pPr lvl="0"/>
             <a:r>
               <a:rPr lang="zh-CN" altLang="en-US" smtClean="0"/>
-              <a:t>编辑母版文本样式</a:t>
+              <a:t>单击此处编辑母版文本样式</a:t>
             </a:r>
           </a:p>
           <a:p>
             <a:pPr lvl="1"/>
             <a:r>
               <a:rPr lang="zh-CN" altLang="en-US" smtClean="0"/>
-              <a:t>第二级</a:t>
+              <a:t>二级</a:t>
             </a:r>
           </a:p>
           <a:p>
             <a:pPr lvl="2"/>
             <a:r>
               <a:rPr lang="zh-CN" altLang="en-US" smtClean="0"/>
-              <a:t>第三级</a:t>
+              <a:t>三级</a:t>
             </a:r>
           </a:p>
           <a:p>
             <a:pPr lvl="3"/>
             <a:r>
               <a:rPr lang="zh-CN" altLang="en-US" smtClean="0"/>
-              <a:t>第四级</a:t>
+              <a:t>四级</a:t>
             </a:r>
           </a:p>
           <a:p>
             <a:pPr lvl="4"/>
             <a:r>
               <a:rPr lang="zh-CN" altLang="en-US" smtClean="0"/>
-              <a:t>第五级</a:t>
+              <a:t>五级</a:t>
             </a:r>
             <a:endParaRPr lang="en-US" dirty="0"/>
           </a:p>
@@ -598,9 +1125,9 @@
           <a:bodyPr/>
           <a:lstStyle/>
           <a:p>
-            <a:fld id="{FF5181BF-C3C2-49E7-981C-36DC82AE5791}" type="datetimeFigureOut">
-              <a:rPr lang="zh-CN" altLang="en-US" smtClean="0"/>
-              <a:t>2019/5/8</a:t>
+            <a:fld id="{3DF5F07E-3A0C-504B-B876-3D7D1967EA3C}" type="datetime11">
+              <a:rPr lang="zh-CN" altLang="en-US" smtClean="0"/>
+              <a:t>23:33:23</a:t>
             </a:fld>
             <a:endParaRPr lang="zh-CN" altLang="en-US"/>
           </a:p>
@@ -649,15 +1176,17 @@
         </p:txBody>
       </p:sp>
     </p:spTree>
-    <p:extLst>
-      <p:ext uri="{BB962C8B-B14F-4D97-AF65-F5344CB8AC3E}">
-        <p14:creationId xmlns:p14="http://schemas.microsoft.com/office/powerpoint/2010/main" val="2861777324"/>
-      </p:ext>
-    </p:extLst>
   </p:cSld>
   <p:clrMapOvr>
     <a:masterClrMapping/>
   </p:clrMapOvr>
+  <p:timing>
+    <p:tnLst>
+      <p:par>
+        <p:cTn id="1" dur="indefinite" restart="never" nodeType="tmRoot"/>
+      </p:par>
+    </p:tnLst>
+  </p:timing>
 </p:sldLayout>
 </file>
 
@@ -688,14 +1217,31 @@
             <p:ph type="title"/>
           </p:nvPr>
         </p:nvSpPr>
-        <p:spPr/>
-        <p:txBody>
-          <a:bodyPr/>
-          <a:lstStyle/>
-          <a:p>
-            <a:r>
-              <a:rPr lang="zh-CN" altLang="en-US" smtClean="0"/>
-              <a:t>单击此处编辑母版标题样式</a:t>
+        <p:spPr>
+          <a:xfrm>
+            <a:off x="0" y="0"/>
+            <a:ext cx="6019196" cy="1030837"/>
+          </a:xfrm>
+        </p:spPr>
+        <p:txBody>
+          <a:bodyPr/>
+          <a:lstStyle>
+            <a:lvl1pPr>
+              <a:defRPr b="1">
+                <a:solidFill>
+                  <a:schemeClr val="bg1"/>
+                </a:solidFill>
+              </a:defRPr>
+            </a:lvl1pPr>
+          </a:lstStyle>
+          <a:p>
+            <a:r>
+              <a:rPr lang="zh-CN" altLang="en-US" dirty="0" smtClean="0"/>
+              <a:t>单击此处编辑母版标</a:t>
+            </a:r>
+            <a:r>
+              <a:rPr lang="zh-CN" altLang="en-US" dirty="0" smtClean="0"/>
+              <a:t>题</a:t>
             </a:r>
             <a:endParaRPr lang="en-US" dirty="0"/>
           </a:p>
@@ -711,7 +1257,12 @@
             <p:ph idx="1"/>
           </p:nvPr>
         </p:nvSpPr>
-        <p:spPr/>
+        <p:spPr>
+          <a:xfrm>
+            <a:off x="628650" y="1360170"/>
+            <a:ext cx="7886700" cy="4816793"/>
+          </a:xfrm>
+        </p:spPr>
         <p:txBody>
           <a:bodyPr/>
           <a:lstStyle/>
@@ -719,35 +1270,35 @@
             <a:pPr lvl="0"/>
             <a:r>
               <a:rPr lang="zh-CN" altLang="en-US" smtClean="0"/>
-              <a:t>编辑母版文本样式</a:t>
+              <a:t>单击此处编辑母版文本样式</a:t>
             </a:r>
           </a:p>
           <a:p>
             <a:pPr lvl="1"/>
             <a:r>
               <a:rPr lang="zh-CN" altLang="en-US" smtClean="0"/>
-              <a:t>第二级</a:t>
+              <a:t>二级</a:t>
             </a:r>
           </a:p>
           <a:p>
             <a:pPr lvl="2"/>
             <a:r>
               <a:rPr lang="zh-CN" altLang="en-US" smtClean="0"/>
-              <a:t>第三级</a:t>
+              <a:t>三级</a:t>
             </a:r>
           </a:p>
           <a:p>
             <a:pPr lvl="3"/>
             <a:r>
               <a:rPr lang="zh-CN" altLang="en-US" smtClean="0"/>
-              <a:t>第四级</a:t>
+              <a:t>四级</a:t>
             </a:r>
           </a:p>
           <a:p>
             <a:pPr lvl="4"/>
             <a:r>
               <a:rPr lang="zh-CN" altLang="en-US" smtClean="0"/>
-              <a:t>第五级</a:t>
+              <a:t>五级</a:t>
             </a:r>
             <a:endParaRPr lang="en-US" dirty="0"/>
           </a:p>
@@ -768,9 +1319,9 @@
           <a:bodyPr/>
           <a:lstStyle/>
           <a:p>
-            <a:fld id="{FF5181BF-C3C2-49E7-981C-36DC82AE5791}" type="datetimeFigureOut">
-              <a:rPr lang="zh-CN" altLang="en-US" smtClean="0"/>
-              <a:t>2019/5/8</a:t>
+            <a:fld id="{E093F988-9A29-5E45-8D20-69A04853E7AD}" type="datetime11">
+              <a:rPr lang="zh-CN" altLang="en-US" smtClean="0"/>
+              <a:t>23:33:23</a:t>
             </a:fld>
             <a:endParaRPr lang="zh-CN" altLang="en-US"/>
           </a:p>
@@ -819,15 +1370,17 @@
         </p:txBody>
       </p:sp>
     </p:spTree>
-    <p:extLst>
-      <p:ext uri="{BB962C8B-B14F-4D97-AF65-F5344CB8AC3E}">
-        <p14:creationId xmlns:p14="http://schemas.microsoft.com/office/powerpoint/2010/main" val="82840442"/>
-      </p:ext>
-    </p:extLst>
   </p:cSld>
   <p:clrMapOvr>
     <a:masterClrMapping/>
   </p:clrMapOvr>
+  <p:timing>
+    <p:tnLst>
+      <p:par>
+        <p:cTn id="1" dur="indefinite" restart="never" nodeType="tmRoot"/>
+      </p:par>
+    </p:tnLst>
+  </p:timing>
 </p:sldLayout>
 </file>
 
@@ -992,7 +1545,7 @@
             <a:pPr lvl="0"/>
             <a:r>
               <a:rPr lang="zh-CN" altLang="en-US" smtClean="0"/>
-              <a:t>编辑母版文本样式</a:t>
+              <a:t>单击此处编辑母版文本样式</a:t>
             </a:r>
           </a:p>
         </p:txBody>
@@ -1012,9 +1565,9 @@
           <a:bodyPr/>
           <a:lstStyle/>
           <a:p>
-            <a:fld id="{FF5181BF-C3C2-49E7-981C-36DC82AE5791}" type="datetimeFigureOut">
-              <a:rPr lang="zh-CN" altLang="en-US" smtClean="0"/>
-              <a:t>2019/5/8</a:t>
+            <a:fld id="{6173DDBA-B680-6A4A-8D1D-1A27589B5E95}" type="datetime11">
+              <a:rPr lang="zh-CN" altLang="en-US" smtClean="0"/>
+              <a:t>23:33:23</a:t>
             </a:fld>
             <a:endParaRPr lang="zh-CN" altLang="en-US"/>
           </a:p>
@@ -1063,21 +1616,23 @@
         </p:txBody>
       </p:sp>
     </p:spTree>
-    <p:extLst>
-      <p:ext uri="{BB962C8B-B14F-4D97-AF65-F5344CB8AC3E}">
-        <p14:creationId xmlns:p14="http://schemas.microsoft.com/office/powerpoint/2010/main" val="4087536545"/>
-      </p:ext>
-    </p:extLst>
   </p:cSld>
   <p:clrMapOvr>
     <a:masterClrMapping/>
   </p:clrMapOvr>
+  <p:timing>
+    <p:tnLst>
+      <p:par>
+        <p:cTn id="1" dur="indefinite" restart="never" nodeType="tmRoot"/>
+      </p:par>
+    </p:tnLst>
+  </p:timing>
 </p:sldLayout>
 </file>
 
 <file path=ppt/slideLayouts/slideLayout4.xml><?xml version="1.0" encoding="utf-8"?>
 <p:sldLayout xmlns:a="http://schemas.openxmlformats.org/drawingml/2006/main" xmlns:r="http://schemas.openxmlformats.org/officeDocument/2006/relationships" xmlns:p="http://schemas.openxmlformats.org/presentationml/2006/main" type="twoObj" preserve="1">
-  <p:cSld name="两栏内容">
+  <p:cSld name="两项内容">
     <p:spTree>
       <p:nvGrpSpPr>
         <p:cNvPr id="1" name=""/>
@@ -1138,35 +1693,35 @@
             <a:pPr lvl="0"/>
             <a:r>
               <a:rPr lang="zh-CN" altLang="en-US" smtClean="0"/>
-              <a:t>编辑母版文本样式</a:t>
+              <a:t>单击此处编辑母版文本样式</a:t>
             </a:r>
           </a:p>
           <a:p>
             <a:pPr lvl="1"/>
             <a:r>
               <a:rPr lang="zh-CN" altLang="en-US" smtClean="0"/>
-              <a:t>第二级</a:t>
+              <a:t>二级</a:t>
             </a:r>
           </a:p>
           <a:p>
             <a:pPr lvl="2"/>
             <a:r>
               <a:rPr lang="zh-CN" altLang="en-US" smtClean="0"/>
-              <a:t>第三级</a:t>
+              <a:t>三级</a:t>
             </a:r>
           </a:p>
           <a:p>
             <a:pPr lvl="3"/>
             <a:r>
               <a:rPr lang="zh-CN" altLang="en-US" smtClean="0"/>
-              <a:t>第四级</a:t>
+              <a:t>四级</a:t>
             </a:r>
           </a:p>
           <a:p>
             <a:pPr lvl="4"/>
             <a:r>
               <a:rPr lang="zh-CN" altLang="en-US" smtClean="0"/>
-              <a:t>第五级</a:t>
+              <a:t>五级</a:t>
             </a:r>
             <a:endParaRPr lang="en-US" dirty="0"/>
           </a:p>
@@ -1195,35 +1750,35 @@
             <a:pPr lvl="0"/>
             <a:r>
               <a:rPr lang="zh-CN" altLang="en-US" smtClean="0"/>
-              <a:t>编辑母版文本样式</a:t>
+              <a:t>单击此处编辑母版文本样式</a:t>
             </a:r>
           </a:p>
           <a:p>
             <a:pPr lvl="1"/>
             <a:r>
               <a:rPr lang="zh-CN" altLang="en-US" smtClean="0"/>
-              <a:t>第二级</a:t>
+              <a:t>二级</a:t>
             </a:r>
           </a:p>
           <a:p>
             <a:pPr lvl="2"/>
             <a:r>
               <a:rPr lang="zh-CN" altLang="en-US" smtClean="0"/>
-              <a:t>第三级</a:t>
+              <a:t>三级</a:t>
             </a:r>
           </a:p>
           <a:p>
             <a:pPr lvl="3"/>
             <a:r>
               <a:rPr lang="zh-CN" altLang="en-US" smtClean="0"/>
-              <a:t>第四级</a:t>
+              <a:t>四级</a:t>
             </a:r>
           </a:p>
           <a:p>
             <a:pPr lvl="4"/>
             <a:r>
               <a:rPr lang="zh-CN" altLang="en-US" smtClean="0"/>
-              <a:t>第五级</a:t>
+              <a:t>五级</a:t>
             </a:r>
             <a:endParaRPr lang="en-US" dirty="0"/>
           </a:p>
@@ -1244,9 +1799,9 @@
           <a:bodyPr/>
           <a:lstStyle/>
           <a:p>
-            <a:fld id="{FF5181BF-C3C2-49E7-981C-36DC82AE5791}" type="datetimeFigureOut">
-              <a:rPr lang="zh-CN" altLang="en-US" smtClean="0"/>
-              <a:t>2019/5/8</a:t>
+            <a:fld id="{9275D0CC-BA07-D441-9CED-FD41EAC9DAA9}" type="datetime11">
+              <a:rPr lang="zh-CN" altLang="en-US" smtClean="0"/>
+              <a:t>23:33:23</a:t>
             </a:fld>
             <a:endParaRPr lang="zh-CN" altLang="en-US"/>
           </a:p>
@@ -1295,15 +1850,22 @@
         </p:txBody>
       </p:sp>
     </p:spTree>
-    <p:extLst>
-      <p:ext uri="{BB962C8B-B14F-4D97-AF65-F5344CB8AC3E}">
-        <p14:creationId xmlns:p14="http://schemas.microsoft.com/office/powerpoint/2010/main" val="3943268383"/>
-      </p:ext>
-    </p:extLst>
   </p:cSld>
   <p:clrMapOvr>
     <a:masterClrMapping/>
   </p:clrMapOvr>
+  <p:timing>
+    <p:tnLst>
+      <p:par>
+        <p:cTn id="1" dur="indefinite" restart="never" nodeType="tmRoot"/>
+      </p:par>
+    </p:tnLst>
+  </p:timing>
+  <p:extLst>
+    <p:ext uri="{DCECCB84-F9BA-43D5-87BE-67443E8EF086}">
+      <p15:sldGuideLst xmlns:p15="http://schemas.microsoft.com/office/powerpoint/2012/main"/>
+    </p:ext>
+  </p:extLst>
 </p:sldLayout>
 </file>
 
@@ -1412,7 +1974,7 @@
             <a:pPr lvl="0"/>
             <a:r>
               <a:rPr lang="zh-CN" altLang="en-US" smtClean="0"/>
-              <a:t>编辑母版文本样式</a:t>
+              <a:t>单击此处编辑母版文本样式</a:t>
             </a:r>
           </a:p>
         </p:txBody>
@@ -1440,35 +2002,35 @@
             <a:pPr lvl="0"/>
             <a:r>
               <a:rPr lang="zh-CN" altLang="en-US" smtClean="0"/>
-              <a:t>编辑母版文本样式</a:t>
+              <a:t>单击此处编辑母版文本样式</a:t>
             </a:r>
           </a:p>
           <a:p>
             <a:pPr lvl="1"/>
             <a:r>
               <a:rPr lang="zh-CN" altLang="en-US" smtClean="0"/>
-              <a:t>第二级</a:t>
+              <a:t>二级</a:t>
             </a:r>
           </a:p>
           <a:p>
             <a:pPr lvl="2"/>
             <a:r>
               <a:rPr lang="zh-CN" altLang="en-US" smtClean="0"/>
-              <a:t>第三级</a:t>
+              <a:t>三级</a:t>
             </a:r>
           </a:p>
           <a:p>
             <a:pPr lvl="3"/>
             <a:r>
               <a:rPr lang="zh-CN" altLang="en-US" smtClean="0"/>
-              <a:t>第四级</a:t>
+              <a:t>四级</a:t>
             </a:r>
           </a:p>
           <a:p>
             <a:pPr lvl="4"/>
             <a:r>
               <a:rPr lang="zh-CN" altLang="en-US" smtClean="0"/>
-              <a:t>第五级</a:t>
+              <a:t>五级</a:t>
             </a:r>
             <a:endParaRPr lang="en-US" dirty="0"/>
           </a:p>
@@ -1534,7 +2096,7 @@
             <a:pPr lvl="0"/>
             <a:r>
               <a:rPr lang="zh-CN" altLang="en-US" smtClean="0"/>
-              <a:t>编辑母版文本样式</a:t>
+              <a:t>单击此处编辑母版文本样式</a:t>
             </a:r>
           </a:p>
         </p:txBody>
@@ -1562,35 +2124,35 @@
             <a:pPr lvl="0"/>
             <a:r>
               <a:rPr lang="zh-CN" altLang="en-US" smtClean="0"/>
-              <a:t>编辑母版文本样式</a:t>
+              <a:t>单击此处编辑母版文本样式</a:t>
             </a:r>
           </a:p>
           <a:p>
             <a:pPr lvl="1"/>
             <a:r>
               <a:rPr lang="zh-CN" altLang="en-US" smtClean="0"/>
-              <a:t>第二级</a:t>
+              <a:t>二级</a:t>
             </a:r>
           </a:p>
           <a:p>
             <a:pPr lvl="2"/>
             <a:r>
               <a:rPr lang="zh-CN" altLang="en-US" smtClean="0"/>
-              <a:t>第三级</a:t>
+              <a:t>三级</a:t>
             </a:r>
           </a:p>
           <a:p>
             <a:pPr lvl="3"/>
             <a:r>
               <a:rPr lang="zh-CN" altLang="en-US" smtClean="0"/>
-              <a:t>第四级</a:t>
+              <a:t>四级</a:t>
             </a:r>
           </a:p>
           <a:p>
             <a:pPr lvl="4"/>
             <a:r>
               <a:rPr lang="zh-CN" altLang="en-US" smtClean="0"/>
-              <a:t>第五级</a:t>
+              <a:t>五级</a:t>
             </a:r>
             <a:endParaRPr lang="en-US" dirty="0"/>
           </a:p>
@@ -1611,9 +2173,9 @@
           <a:bodyPr/>
           <a:lstStyle/>
           <a:p>
-            <a:fld id="{FF5181BF-C3C2-49E7-981C-36DC82AE5791}" type="datetimeFigureOut">
-              <a:rPr lang="zh-CN" altLang="en-US" smtClean="0"/>
-              <a:t>2019/5/8</a:t>
+            <a:fld id="{5878D75F-A3E8-8142-8AF3-3DEE6BCBEE63}" type="datetime11">
+              <a:rPr lang="zh-CN" altLang="en-US" smtClean="0"/>
+              <a:t>23:33:23</a:t>
             </a:fld>
             <a:endParaRPr lang="zh-CN" altLang="en-US"/>
           </a:p>
@@ -1662,15 +2224,22 @@
         </p:txBody>
       </p:sp>
     </p:spTree>
-    <p:extLst>
-      <p:ext uri="{BB962C8B-B14F-4D97-AF65-F5344CB8AC3E}">
-        <p14:creationId xmlns:p14="http://schemas.microsoft.com/office/powerpoint/2010/main" val="2351723131"/>
-      </p:ext>
-    </p:extLst>
   </p:cSld>
   <p:clrMapOvr>
     <a:masterClrMapping/>
   </p:clrMapOvr>
+  <p:timing>
+    <p:tnLst>
+      <p:par>
+        <p:cTn id="1" dur="indefinite" restart="never" nodeType="tmRoot"/>
+      </p:par>
+    </p:tnLst>
+  </p:timing>
+  <p:extLst>
+    <p:ext uri="{DCECCB84-F9BA-43D5-87BE-67443E8EF086}">
+      <p15:sldGuideLst xmlns:p15="http://schemas.microsoft.com/office/powerpoint/2012/main"/>
+    </p:ext>
+  </p:extLst>
 </p:sldLayout>
 </file>
 
@@ -1729,9 +2298,9 @@
           <a:bodyPr/>
           <a:lstStyle/>
           <a:p>
-            <a:fld id="{FF5181BF-C3C2-49E7-981C-36DC82AE5791}" type="datetimeFigureOut">
-              <a:rPr lang="zh-CN" altLang="en-US" smtClean="0"/>
-              <a:t>2019/5/8</a:t>
+            <a:fld id="{E959AB34-1740-CE4E-A318-8FA83AE911A1}" type="datetime11">
+              <a:rPr lang="zh-CN" altLang="en-US" smtClean="0"/>
+              <a:t>23:33:23</a:t>
             </a:fld>
             <a:endParaRPr lang="zh-CN" altLang="en-US"/>
           </a:p>
@@ -1780,11 +2349,6 @@
         </p:txBody>
       </p:sp>
     </p:spTree>
-    <p:extLst>
-      <p:ext uri="{BB962C8B-B14F-4D97-AF65-F5344CB8AC3E}">
-        <p14:creationId xmlns:p14="http://schemas.microsoft.com/office/powerpoint/2010/main" val="74443075"/>
-      </p:ext>
-    </p:extLst>
   </p:cSld>
   <p:clrMapOvr>
     <a:masterClrMapping/>
@@ -1824,9 +2388,9 @@
           <a:bodyPr/>
           <a:lstStyle/>
           <a:p>
-            <a:fld id="{FF5181BF-C3C2-49E7-981C-36DC82AE5791}" type="datetimeFigureOut">
-              <a:rPr lang="zh-CN" altLang="en-US" smtClean="0"/>
-              <a:t>2019/5/8</a:t>
+            <a:fld id="{87BC8D96-DEF2-6340-A3B7-E54FC6CC2903}" type="datetime11">
+              <a:rPr lang="zh-CN" altLang="en-US" smtClean="0"/>
+              <a:t>23:33:23</a:t>
             </a:fld>
             <a:endParaRPr lang="zh-CN" altLang="en-US"/>
           </a:p>
@@ -1875,11 +2439,6 @@
         </p:txBody>
       </p:sp>
     </p:spTree>
-    <p:extLst>
-      <p:ext uri="{BB962C8B-B14F-4D97-AF65-F5344CB8AC3E}">
-        <p14:creationId xmlns:p14="http://schemas.microsoft.com/office/powerpoint/2010/main" val="3401525408"/>
-      </p:ext>
-    </p:extLst>
   </p:cSld>
   <p:clrMapOvr>
     <a:masterClrMapping/>
@@ -1987,35 +2546,35 @@
             <a:pPr lvl="0"/>
             <a:r>
               <a:rPr lang="zh-CN" altLang="en-US" smtClean="0"/>
-              <a:t>编辑母版文本样式</a:t>
+              <a:t>单击此处编辑母版文本样式</a:t>
             </a:r>
           </a:p>
           <a:p>
             <a:pPr lvl="1"/>
             <a:r>
               <a:rPr lang="zh-CN" altLang="en-US" smtClean="0"/>
-              <a:t>第二级</a:t>
+              <a:t>二级</a:t>
             </a:r>
           </a:p>
           <a:p>
             <a:pPr lvl="2"/>
             <a:r>
               <a:rPr lang="zh-CN" altLang="en-US" smtClean="0"/>
-              <a:t>第三级</a:t>
+              <a:t>三级</a:t>
             </a:r>
           </a:p>
           <a:p>
             <a:pPr lvl="3"/>
             <a:r>
               <a:rPr lang="zh-CN" altLang="en-US" smtClean="0"/>
-              <a:t>第四级</a:t>
+              <a:t>四级</a:t>
             </a:r>
           </a:p>
           <a:p>
             <a:pPr lvl="4"/>
             <a:r>
               <a:rPr lang="zh-CN" altLang="en-US" smtClean="0"/>
-              <a:t>第五级</a:t>
+              <a:t>五级</a:t>
             </a:r>
             <a:endParaRPr lang="en-US" dirty="0"/>
           </a:p>
@@ -2081,7 +2640,7 @@
             <a:pPr lvl="0"/>
             <a:r>
               <a:rPr lang="zh-CN" altLang="en-US" smtClean="0"/>
-              <a:t>编辑母版文本样式</a:t>
+              <a:t>单击此处编辑母版文本样式</a:t>
             </a:r>
           </a:p>
         </p:txBody>
@@ -2101,9 +2660,9 @@
           <a:bodyPr/>
           <a:lstStyle/>
           <a:p>
-            <a:fld id="{FF5181BF-C3C2-49E7-981C-36DC82AE5791}" type="datetimeFigureOut">
-              <a:rPr lang="zh-CN" altLang="en-US" smtClean="0"/>
-              <a:t>2019/5/8</a:t>
+            <a:fld id="{3DF0D7E1-8531-C34B-AF47-56C48989C843}" type="datetime11">
+              <a:rPr lang="zh-CN" altLang="en-US" smtClean="0"/>
+              <a:t>23:33:23</a:t>
             </a:fld>
             <a:endParaRPr lang="zh-CN" altLang="en-US"/>
           </a:p>
@@ -2152,15 +2711,22 @@
         </p:txBody>
       </p:sp>
     </p:spTree>
-    <p:extLst>
-      <p:ext uri="{BB962C8B-B14F-4D97-AF65-F5344CB8AC3E}">
-        <p14:creationId xmlns:p14="http://schemas.microsoft.com/office/powerpoint/2010/main" val="468514628"/>
-      </p:ext>
-    </p:extLst>
   </p:cSld>
   <p:clrMapOvr>
     <a:masterClrMapping/>
   </p:clrMapOvr>
+  <p:timing>
+    <p:tnLst>
+      <p:par>
+        <p:cTn id="1" dur="indefinite" restart="never" nodeType="tmRoot"/>
+      </p:par>
+    </p:tnLst>
+  </p:timing>
+  <p:extLst>
+    <p:ext uri="{DCECCB84-F9BA-43D5-87BE-67443E8EF086}">
+      <p15:sldGuideLst xmlns:p15="http://schemas.microsoft.com/office/powerpoint/2012/main"/>
+    </p:ext>
+  </p:extLst>
 </p:sldLayout>
 </file>
 
@@ -2272,7 +2838,7 @@
           <a:p>
             <a:r>
               <a:rPr lang="zh-CN" altLang="en-US" smtClean="0"/>
-              <a:t>单击图标添加图片</a:t>
+              <a:t>将图片拖动到占位符，或单击添加图标</a:t>
             </a:r>
             <a:endParaRPr lang="en-US" dirty="0"/>
           </a:p>
@@ -2338,7 +2904,7 @@
             <a:pPr lvl="0"/>
             <a:r>
               <a:rPr lang="zh-CN" altLang="en-US" smtClean="0"/>
-              <a:t>编辑母版文本样式</a:t>
+              <a:t>单击此处编辑母版文本样式</a:t>
             </a:r>
           </a:p>
         </p:txBody>
@@ -2358,9 +2924,9 @@
           <a:bodyPr/>
           <a:lstStyle/>
           <a:p>
-            <a:fld id="{FF5181BF-C3C2-49E7-981C-36DC82AE5791}" type="datetimeFigureOut">
-              <a:rPr lang="zh-CN" altLang="en-US" smtClean="0"/>
-              <a:t>2019/5/8</a:t>
+            <a:fld id="{1F5C8B91-33D4-3B46-98A0-1A7911CE6EE5}" type="datetime11">
+              <a:rPr lang="zh-CN" altLang="en-US" smtClean="0"/>
+              <a:t>23:33:23</a:t>
             </a:fld>
             <a:endParaRPr lang="zh-CN" altLang="en-US"/>
           </a:p>
@@ -2409,15 +2975,17 @@
         </p:txBody>
       </p:sp>
     </p:spTree>
-    <p:extLst>
-      <p:ext uri="{BB962C8B-B14F-4D97-AF65-F5344CB8AC3E}">
-        <p14:creationId xmlns:p14="http://schemas.microsoft.com/office/powerpoint/2010/main" val="362038737"/>
-      </p:ext>
-    </p:extLst>
   </p:cSld>
   <p:clrMapOvr>
     <a:masterClrMapping/>
   </p:clrMapOvr>
+  <p:timing>
+    <p:tnLst>
+      <p:par>
+        <p:cTn id="1" dur="indefinite" restart="never" nodeType="tmRoot"/>
+      </p:par>
+    </p:tnLst>
+  </p:timing>
 </p:sldLayout>
 </file>
 
@@ -2443,59 +3011,191 @@
           <a:chExt cx="0" cy="0"/>
         </a:xfrm>
       </p:grpSpPr>
+      <p:grpSp>
+        <p:nvGrpSpPr>
+          <p:cNvPr id="12" name="组 11"/>
+          <p:cNvGrpSpPr/>
+          <p:nvPr userDrawn="1"/>
+        </p:nvGrpSpPr>
+        <p:grpSpPr>
+          <a:xfrm>
+            <a:off x="0" y="0"/>
+            <a:ext cx="9144000" cy="1030837"/>
+            <a:chOff x="0" y="0"/>
+            <a:chExt cx="9144000" cy="1030837"/>
+          </a:xfrm>
+        </p:grpSpPr>
+        <p:sp>
+          <p:nvSpPr>
+            <p:cNvPr id="7" name="矩形 6"/>
+            <p:cNvSpPr/>
+            <p:nvPr userDrawn="1"/>
+          </p:nvSpPr>
+          <p:spPr>
+            <a:xfrm>
+              <a:off x="0" y="2"/>
+              <a:ext cx="9144000" cy="1030835"/>
+            </a:xfrm>
+            <a:prstGeom prst="rect">
+              <a:avLst/>
+            </a:prstGeom>
+            <a:solidFill>
+              <a:srgbClr val="4D885D"/>
+            </a:solidFill>
+            <a:ln>
+              <a:noFill/>
+            </a:ln>
+          </p:spPr>
+          <p:style>
+            <a:lnRef idx="2">
+              <a:schemeClr val="accent1">
+                <a:shade val="50000"/>
+              </a:schemeClr>
+            </a:lnRef>
+            <a:fillRef idx="1">
+              <a:schemeClr val="accent1"/>
+            </a:fillRef>
+            <a:effectRef idx="0">
+              <a:schemeClr val="accent1"/>
+            </a:effectRef>
+            <a:fontRef idx="minor">
+              <a:schemeClr val="lt1"/>
+            </a:fontRef>
+          </p:style>
+          <p:txBody>
+            <a:bodyPr rtlCol="0" anchor="ctr"/>
+            <a:lstStyle/>
+            <a:p>
+              <a:pPr algn="ctr"/>
+              <a:endParaRPr kumimoji="1" lang="zh-CN" altLang="en-US"/>
+            </a:p>
+          </p:txBody>
+        </p:sp>
+        <p:pic>
+          <p:nvPicPr>
+            <p:cNvPr id="8" name="图片 7"/>
+            <p:cNvPicPr>
+              <a:picLocks noChangeAspect="1"/>
+            </p:cNvPicPr>
+            <p:nvPr userDrawn="1"/>
+          </p:nvPicPr>
+          <p:blipFill>
+            <a:blip r:embed="rId13">
+              <a:extLst>
+                <a:ext uri="{28A0092B-C50C-407E-A947-70E740481C1C}">
+                  <a14:useLocalDpi xmlns:a14="http://schemas.microsoft.com/office/drawing/2010/main" val="0"/>
+                </a:ext>
+              </a:extLst>
+            </a:blip>
+            <a:stretch>
+              <a:fillRect/>
+            </a:stretch>
+          </p:blipFill>
+          <p:spPr>
+            <a:xfrm>
+              <a:off x="6115050" y="0"/>
+              <a:ext cx="3028950" cy="905855"/>
+            </a:xfrm>
+            <a:prstGeom prst="rect">
+              <a:avLst/>
+            </a:prstGeom>
+          </p:spPr>
+        </p:pic>
+        <p:sp>
+          <p:nvSpPr>
+            <p:cNvPr id="9" name="文本框 8"/>
+            <p:cNvSpPr txBox="1"/>
+            <p:nvPr userDrawn="1"/>
+          </p:nvSpPr>
+          <p:spPr>
+            <a:xfrm>
+              <a:off x="7341290" y="723060"/>
+              <a:ext cx="1441420" cy="307777"/>
+            </a:xfrm>
+            <a:prstGeom prst="rect">
+              <a:avLst/>
+            </a:prstGeom>
+            <a:noFill/>
+          </p:spPr>
+          <p:txBody>
+            <a:bodyPr wrap="none" rtlCol="0">
+              <a:spAutoFit/>
+            </a:bodyPr>
+            <a:lstStyle/>
+            <a:p>
+              <a:r>
+                <a:rPr kumimoji="1" lang="zh-CN" altLang="en-US" sz="1400" dirty="0" smtClean="0">
+                  <a:solidFill>
+                    <a:schemeClr val="bg1"/>
+                  </a:solidFill>
+                </a:rPr>
+                <a:t>数学与信息学院</a:t>
+              </a:r>
+              <a:endParaRPr kumimoji="1" lang="zh-CN" altLang="en-US" sz="1400" dirty="0">
+                <a:solidFill>
+                  <a:schemeClr val="bg1"/>
+                </a:solidFill>
+              </a:endParaRPr>
+            </a:p>
+          </p:txBody>
+        </p:sp>
+      </p:grpSp>
       <p:sp>
         <p:nvSpPr>
           <p:cNvPr id="2" name="Title Placeholder 1"/>
           <p:cNvSpPr>
             <a:spLocks noGrp="1"/>
           </p:cNvSpPr>
-          <p:nvPr>
+          <p:nvPr userDrawn="1">
             <p:ph type="title"/>
           </p:nvPr>
         </p:nvSpPr>
         <p:spPr>
           <a:xfrm>
-            <a:off x="628650" y="365126"/>
-            <a:ext cx="7886700" cy="1325563"/>
+            <a:off x="1562402" y="1030837"/>
+            <a:ext cx="6019196" cy="1030837"/>
+          </a:xfrm>
+          <a:prstGeom prst="rect">
+            <a:avLst/>
+          </a:prstGeom>
+          <a:ln>
+            <a:noFill/>
+          </a:ln>
+        </p:spPr>
+        <p:txBody>
+          <a:bodyPr vert="horz" lIns="91440" tIns="45720" rIns="91440" bIns="45720" rtlCol="0" anchor="ctr">
+            <a:normAutofit/>
+          </a:bodyPr>
+          <a:lstStyle/>
+          <a:p>
+            <a:r>
+              <a:rPr lang="zh-CN" altLang="en-US" dirty="0" smtClean="0"/>
+              <a:t>单击此处编辑母版标题</a:t>
+            </a:r>
+            <a:endParaRPr lang="en-US" dirty="0"/>
+          </a:p>
+        </p:txBody>
+      </p:sp>
+      <p:sp>
+        <p:nvSpPr>
+          <p:cNvPr id="3" name="Text Placeholder 2"/>
+          <p:cNvSpPr>
+            <a:spLocks noGrp="1"/>
+          </p:cNvSpPr>
+          <p:nvPr userDrawn="1">
+            <p:ph type="body" idx="1"/>
+          </p:nvPr>
+        </p:nvSpPr>
+        <p:spPr>
+          <a:xfrm>
+            <a:off x="628650" y="2077715"/>
+            <a:ext cx="7886700" cy="4099248"/>
           </a:xfrm>
           <a:prstGeom prst="rect">
             <a:avLst/>
           </a:prstGeom>
         </p:spPr>
         <p:txBody>
-          <a:bodyPr vert="horz" lIns="91440" tIns="45720" rIns="91440" bIns="45720" rtlCol="0" anchor="ctr">
-            <a:normAutofit/>
-          </a:bodyPr>
-          <a:lstStyle/>
-          <a:p>
-            <a:r>
-              <a:rPr lang="zh-CN" altLang="en-US" smtClean="0"/>
-              <a:t>单击此处编辑母版标题样式</a:t>
-            </a:r>
-            <a:endParaRPr lang="en-US" dirty="0"/>
-          </a:p>
-        </p:txBody>
-      </p:sp>
-      <p:sp>
-        <p:nvSpPr>
-          <p:cNvPr id="3" name="Text Placeholder 2"/>
-          <p:cNvSpPr>
-            <a:spLocks noGrp="1"/>
-          </p:cNvSpPr>
-          <p:nvPr>
-            <p:ph type="body" idx="1"/>
-          </p:nvPr>
-        </p:nvSpPr>
-        <p:spPr>
-          <a:xfrm>
-            <a:off x="628650" y="1825625"/>
-            <a:ext cx="7886700" cy="4351338"/>
-          </a:xfrm>
-          <a:prstGeom prst="rect">
-            <a:avLst/>
-          </a:prstGeom>
-        </p:spPr>
-        <p:txBody>
           <a:bodyPr vert="horz" lIns="91440" tIns="45720" rIns="91440" bIns="45720" rtlCol="0">
             <a:normAutofit/>
           </a:bodyPr>
@@ -2504,35 +3204,35 @@
             <a:pPr lvl="0"/>
             <a:r>
               <a:rPr lang="zh-CN" altLang="en-US" smtClean="0"/>
-              <a:t>编辑母版文本样式</a:t>
+              <a:t>单击此处编辑母版文本样式</a:t>
             </a:r>
           </a:p>
           <a:p>
             <a:pPr lvl="1"/>
             <a:r>
               <a:rPr lang="zh-CN" altLang="en-US" smtClean="0"/>
-              <a:t>第二级</a:t>
+              <a:t>二级</a:t>
             </a:r>
           </a:p>
           <a:p>
             <a:pPr lvl="2"/>
             <a:r>
               <a:rPr lang="zh-CN" altLang="en-US" smtClean="0"/>
-              <a:t>第三级</a:t>
+              <a:t>三级</a:t>
             </a:r>
           </a:p>
           <a:p>
             <a:pPr lvl="3"/>
             <a:r>
               <a:rPr lang="zh-CN" altLang="en-US" smtClean="0"/>
-              <a:t>第四级</a:t>
+              <a:t>四级</a:t>
             </a:r>
           </a:p>
           <a:p>
             <a:pPr lvl="4"/>
             <a:r>
               <a:rPr lang="zh-CN" altLang="en-US" smtClean="0"/>
-              <a:t>第五级</a:t>
+              <a:t>五级</a:t>
             </a:r>
             <a:endParaRPr lang="en-US" dirty="0"/>
           </a:p>
@@ -2544,7 +3244,7 @@
           <p:cNvSpPr>
             <a:spLocks noGrp="1"/>
           </p:cNvSpPr>
-          <p:nvPr>
+          <p:nvPr userDrawn="1">
             <p:ph type="dt" sz="half" idx="2"/>
           </p:nvPr>
         </p:nvSpPr>
@@ -2571,9 +3271,9 @@
             </a:lvl1pPr>
           </a:lstStyle>
           <a:p>
-            <a:fld id="{FF5181BF-C3C2-49E7-981C-36DC82AE5791}" type="datetimeFigureOut">
-              <a:rPr lang="zh-CN" altLang="en-US" smtClean="0"/>
-              <a:t>2019/5/8</a:t>
+            <a:fld id="{C1CAB5B8-A118-C145-A611-0AD7F2ACB9C6}" type="datetime11">
+              <a:rPr lang="zh-CN" altLang="en-US" smtClean="0"/>
+              <a:t>23:33:23</a:t>
             </a:fld>
             <a:endParaRPr lang="zh-CN" altLang="en-US"/>
           </a:p>
@@ -2585,7 +3285,7 @@
           <p:cNvSpPr>
             <a:spLocks noGrp="1"/>
           </p:cNvSpPr>
-          <p:nvPr>
+          <p:nvPr userDrawn="1">
             <p:ph type="ftr" sz="quarter" idx="3"/>
           </p:nvPr>
         </p:nvSpPr>
@@ -2622,7 +3322,7 @@
           <p:cNvSpPr>
             <a:spLocks noGrp="1"/>
           </p:cNvSpPr>
-          <p:nvPr>
+          <p:nvPr userDrawn="1">
             <p:ph type="sldNum" sz="quarter" idx="4"/>
           </p:nvPr>
         </p:nvSpPr>
@@ -2660,24 +3360,32 @@
     </p:spTree>
     <p:extLst>
       <p:ext uri="{BB962C8B-B14F-4D97-AF65-F5344CB8AC3E}">
-        <p14:creationId xmlns:p14="http://schemas.microsoft.com/office/powerpoint/2010/main" val="570319262"/>
+        <p14:creationId xmlns:p14="http://schemas.microsoft.com/office/powerpoint/2010/main" val="1560341473"/>
       </p:ext>
     </p:extLst>
   </p:cSld>
   <p:clrMap bg1="lt1" tx1="dk1" bg2="lt2" tx2="dk2" accent1="accent1" accent2="accent2" accent3="accent3" accent4="accent4" accent5="accent5" accent6="accent6" hlink="hlink" folHlink="folHlink"/>
   <p:sldLayoutIdLst>
-    <p:sldLayoutId id="2147483661" r:id="rId1"/>
-    <p:sldLayoutId id="2147483662" r:id="rId2"/>
-    <p:sldLayoutId id="2147483663" r:id="rId3"/>
-    <p:sldLayoutId id="2147483664" r:id="rId4"/>
-    <p:sldLayoutId id="2147483665" r:id="rId5"/>
-    <p:sldLayoutId id="2147483666" r:id="rId6"/>
-    <p:sldLayoutId id="2147483667" r:id="rId7"/>
-    <p:sldLayoutId id="2147483668" r:id="rId8"/>
-    <p:sldLayoutId id="2147483669" r:id="rId9"/>
-    <p:sldLayoutId id="2147483670" r:id="rId10"/>
-    <p:sldLayoutId id="2147483671" r:id="rId11"/>
+    <p:sldLayoutId id="2147484230" r:id="rId1"/>
+    <p:sldLayoutId id="2147484231" r:id="rId2"/>
+    <p:sldLayoutId id="2147484232" r:id="rId3"/>
+    <p:sldLayoutId id="2147484233" r:id="rId4"/>
+    <p:sldLayoutId id="2147484234" r:id="rId5"/>
+    <p:sldLayoutId id="2147484235" r:id="rId6"/>
+    <p:sldLayoutId id="2147484236" r:id="rId7"/>
+    <p:sldLayoutId id="2147484237" r:id="rId8"/>
+    <p:sldLayoutId id="2147484238" r:id="rId9"/>
+    <p:sldLayoutId id="2147484239" r:id="rId10"/>
+    <p:sldLayoutId id="2147484240" r:id="rId11"/>
   </p:sldLayoutIdLst>
+  <p:timing>
+    <p:tnLst>
+      <p:par>
+        <p:cTn id="1" dur="indefinite" restart="never" nodeType="tmRoot"/>
+      </p:par>
+    </p:tnLst>
+  </p:timing>
+  <p:hf sldNum="0" hdr="0" ftr="0"/>
   <p:txStyles>
     <p:titleStyle>
       <a:lvl1pPr algn="l" defTabSz="914400" rtl="0" eaLnBrk="1" latinLnBrk="0" hangingPunct="1">
@@ -2958,6 +3666,11 @@
       </a:lvl9pPr>
     </p:otherStyle>
   </p:txStyles>
+  <p:extLst mod="1">
+    <p:ext uri="{27BBF7A9-308A-43DC-89C8-2F10F3537804}">
+      <p15:sldGuideLst xmlns:p15="http://schemas.microsoft.com/office/powerpoint/2012/main"/>
+    </p:ext>
+  </p:extLst>
 </p:sldMaster>
 </file>
 
@@ -2990,7 +3703,7 @@
         </p:nvSpPr>
         <p:spPr>
           <a:xfrm>
-            <a:off x="685800" y="1963813"/>
+            <a:off x="685800" y="1495224"/>
             <a:ext cx="7772400" cy="1546150"/>
           </a:xfrm>
         </p:spPr>
@@ -3031,31 +3744,267 @@
         </p:nvSpPr>
         <p:spPr>
           <a:xfrm>
-            <a:off x="1143000" y="4829750"/>
-            <a:ext cx="6858000" cy="428050"/>
+            <a:off x="1143000" y="5217375"/>
+            <a:ext cx="6858000" cy="925007"/>
           </a:xfrm>
         </p:spPr>
         <p:txBody>
-          <a:bodyPr/>
+          <a:bodyPr>
+            <a:noAutofit/>
+          </a:bodyPr>
           <a:lstStyle/>
           <a:p>
             <a:r>
               <a:rPr lang="en-US" altLang="zh-CN" dirty="0" smtClean="0"/>
-              <a:t>201525050420 </a:t>
-            </a:r>
+              <a:t>201525050420</a:t>
+            </a:r>
+          </a:p>
+          <a:p>
+            <a:r>
+              <a:rPr lang="zh-CN" altLang="en-US" sz="2000" dirty="0" smtClean="0"/>
+              <a:t>网络工程</a:t>
+            </a:r>
+            <a:r>
+              <a:rPr lang="en-US" altLang="zh-CN" sz="2000" dirty="0" smtClean="0"/>
+              <a:t>4</a:t>
+            </a:r>
+            <a:r>
+              <a:rPr lang="zh-CN" altLang="en-US" sz="2000" dirty="0" smtClean="0"/>
+              <a:t>班 吴伟杰</a:t>
+            </a:r>
+            <a:endParaRPr lang="zh-CN" altLang="en-US" sz="2000" dirty="0"/>
+          </a:p>
+        </p:txBody>
+      </p:sp>
+      <p:sp>
+        <p:nvSpPr>
+          <p:cNvPr id="4" name="副标题 2"/>
+          <p:cNvSpPr txBox="1">
+            <a:spLocks/>
+          </p:cNvSpPr>
+          <p:nvPr/>
+        </p:nvSpPr>
+        <p:spPr>
+          <a:xfrm>
+            <a:off x="1143000" y="3666871"/>
+            <a:ext cx="6858000" cy="925007"/>
+          </a:xfrm>
+          <a:prstGeom prst="rect">
+            <a:avLst/>
+          </a:prstGeom>
+        </p:spPr>
+        <p:txBody>
+          <a:bodyPr vert="horz" lIns="91440" tIns="45720" rIns="91440" bIns="45720" rtlCol="0">
+            <a:noAutofit/>
+          </a:bodyPr>
+          <a:lstStyle>
+            <a:lvl1pPr marL="0" indent="0" algn="ctr" defTabSz="914400" rtl="0" eaLnBrk="1" latinLnBrk="0" hangingPunct="1">
+              <a:lnSpc>
+                <a:spcPct val="90000"/>
+              </a:lnSpc>
+              <a:spcBef>
+                <a:spcPts val="1000"/>
+              </a:spcBef>
+              <a:buFont typeface="Arial" panose="020B0604020202020204" pitchFamily="34" charset="0"/>
+              <a:buNone/>
+              <a:defRPr sz="2400" kern="1200">
+                <a:solidFill>
+                  <a:schemeClr val="tx1"/>
+                </a:solidFill>
+                <a:latin typeface="+mn-lt"/>
+                <a:ea typeface="+mn-ea"/>
+                <a:cs typeface="+mn-cs"/>
+              </a:defRPr>
+            </a:lvl1pPr>
+            <a:lvl2pPr marL="457200" indent="0" algn="ctr" defTabSz="914400" rtl="0" eaLnBrk="1" latinLnBrk="0" hangingPunct="1">
+              <a:lnSpc>
+                <a:spcPct val="90000"/>
+              </a:lnSpc>
+              <a:spcBef>
+                <a:spcPts val="500"/>
+              </a:spcBef>
+              <a:buFont typeface="Arial" panose="020B0604020202020204" pitchFamily="34" charset="0"/>
+              <a:buNone/>
+              <a:defRPr sz="2000" kern="1200">
+                <a:solidFill>
+                  <a:schemeClr val="tx1"/>
+                </a:solidFill>
+                <a:latin typeface="+mn-lt"/>
+                <a:ea typeface="+mn-ea"/>
+                <a:cs typeface="+mn-cs"/>
+              </a:defRPr>
+            </a:lvl2pPr>
+            <a:lvl3pPr marL="914400" indent="0" algn="ctr" defTabSz="914400" rtl="0" eaLnBrk="1" latinLnBrk="0" hangingPunct="1">
+              <a:lnSpc>
+                <a:spcPct val="90000"/>
+              </a:lnSpc>
+              <a:spcBef>
+                <a:spcPts val="500"/>
+              </a:spcBef>
+              <a:buFont typeface="Arial" panose="020B0604020202020204" pitchFamily="34" charset="0"/>
+              <a:buNone/>
+              <a:defRPr sz="1800" kern="1200">
+                <a:solidFill>
+                  <a:schemeClr val="tx1"/>
+                </a:solidFill>
+                <a:latin typeface="+mn-lt"/>
+                <a:ea typeface="+mn-ea"/>
+                <a:cs typeface="+mn-cs"/>
+              </a:defRPr>
+            </a:lvl3pPr>
+            <a:lvl4pPr marL="1371600" indent="0" algn="ctr" defTabSz="914400" rtl="0" eaLnBrk="1" latinLnBrk="0" hangingPunct="1">
+              <a:lnSpc>
+                <a:spcPct val="90000"/>
+              </a:lnSpc>
+              <a:spcBef>
+                <a:spcPts val="500"/>
+              </a:spcBef>
+              <a:buFont typeface="Arial" panose="020B0604020202020204" pitchFamily="34" charset="0"/>
+              <a:buNone/>
+              <a:defRPr sz="1600" kern="1200">
+                <a:solidFill>
+                  <a:schemeClr val="tx1"/>
+                </a:solidFill>
+                <a:latin typeface="+mn-lt"/>
+                <a:ea typeface="+mn-ea"/>
+                <a:cs typeface="+mn-cs"/>
+              </a:defRPr>
+            </a:lvl4pPr>
+            <a:lvl5pPr marL="1828800" indent="0" algn="ctr" defTabSz="914400" rtl="0" eaLnBrk="1" latinLnBrk="0" hangingPunct="1">
+              <a:lnSpc>
+                <a:spcPct val="90000"/>
+              </a:lnSpc>
+              <a:spcBef>
+                <a:spcPts val="500"/>
+              </a:spcBef>
+              <a:buFont typeface="Arial" panose="020B0604020202020204" pitchFamily="34" charset="0"/>
+              <a:buNone/>
+              <a:defRPr sz="1600" kern="1200">
+                <a:solidFill>
+                  <a:schemeClr val="tx1"/>
+                </a:solidFill>
+                <a:latin typeface="+mn-lt"/>
+                <a:ea typeface="+mn-ea"/>
+                <a:cs typeface="+mn-cs"/>
+              </a:defRPr>
+            </a:lvl5pPr>
+            <a:lvl6pPr marL="2286000" indent="0" algn="ctr" defTabSz="914400" rtl="0" eaLnBrk="1" latinLnBrk="0" hangingPunct="1">
+              <a:lnSpc>
+                <a:spcPct val="90000"/>
+              </a:lnSpc>
+              <a:spcBef>
+                <a:spcPts val="500"/>
+              </a:spcBef>
+              <a:buFont typeface="Arial" panose="020B0604020202020204" pitchFamily="34" charset="0"/>
+              <a:buNone/>
+              <a:defRPr sz="1600" kern="1200">
+                <a:solidFill>
+                  <a:schemeClr val="tx1"/>
+                </a:solidFill>
+                <a:latin typeface="+mn-lt"/>
+                <a:ea typeface="+mn-ea"/>
+                <a:cs typeface="+mn-cs"/>
+              </a:defRPr>
+            </a:lvl6pPr>
+            <a:lvl7pPr marL="2743200" indent="0" algn="ctr" defTabSz="914400" rtl="0" eaLnBrk="1" latinLnBrk="0" hangingPunct="1">
+              <a:lnSpc>
+                <a:spcPct val="90000"/>
+              </a:lnSpc>
+              <a:spcBef>
+                <a:spcPts val="500"/>
+              </a:spcBef>
+              <a:buFont typeface="Arial" panose="020B0604020202020204" pitchFamily="34" charset="0"/>
+              <a:buNone/>
+              <a:defRPr sz="1600" kern="1200">
+                <a:solidFill>
+                  <a:schemeClr val="tx1"/>
+                </a:solidFill>
+                <a:latin typeface="+mn-lt"/>
+                <a:ea typeface="+mn-ea"/>
+                <a:cs typeface="+mn-cs"/>
+              </a:defRPr>
+            </a:lvl7pPr>
+            <a:lvl8pPr marL="3200400" indent="0" algn="ctr" defTabSz="914400" rtl="0" eaLnBrk="1" latinLnBrk="0" hangingPunct="1">
+              <a:lnSpc>
+                <a:spcPct val="90000"/>
+              </a:lnSpc>
+              <a:spcBef>
+                <a:spcPts val="500"/>
+              </a:spcBef>
+              <a:buFont typeface="Arial" panose="020B0604020202020204" pitchFamily="34" charset="0"/>
+              <a:buNone/>
+              <a:defRPr sz="1600" kern="1200">
+                <a:solidFill>
+                  <a:schemeClr val="tx1"/>
+                </a:solidFill>
+                <a:latin typeface="+mn-lt"/>
+                <a:ea typeface="+mn-ea"/>
+                <a:cs typeface="+mn-cs"/>
+              </a:defRPr>
+            </a:lvl8pPr>
+            <a:lvl9pPr marL="3657600" indent="0" algn="ctr" defTabSz="914400" rtl="0" eaLnBrk="1" latinLnBrk="0" hangingPunct="1">
+              <a:lnSpc>
+                <a:spcPct val="90000"/>
+              </a:lnSpc>
+              <a:spcBef>
+                <a:spcPts val="500"/>
+              </a:spcBef>
+              <a:buFont typeface="Arial" panose="020B0604020202020204" pitchFamily="34" charset="0"/>
+              <a:buNone/>
+              <a:defRPr sz="1600" kern="1200">
+                <a:solidFill>
+                  <a:schemeClr val="tx1"/>
+                </a:solidFill>
+                <a:latin typeface="+mn-lt"/>
+                <a:ea typeface="+mn-ea"/>
+                <a:cs typeface="+mn-cs"/>
+              </a:defRPr>
+            </a:lvl9pPr>
+          </a:lstStyle>
+          <a:p>
             <a:r>
               <a:rPr lang="zh-CN" altLang="en-US" dirty="0" smtClean="0"/>
-              <a:t>网络工程</a:t>
-            </a:r>
-            <a:r>
-              <a:rPr lang="en-US" altLang="zh-CN" dirty="0" smtClean="0"/>
-              <a:t>4</a:t>
-            </a:r>
-            <a:r>
-              <a:rPr lang="zh-CN" altLang="en-US" dirty="0" smtClean="0"/>
-              <a:t>班 吴伟杰</a:t>
+              <a:t>指导教师</a:t>
+            </a:r>
+            <a:endParaRPr lang="en-US" altLang="zh-CN" sz="2800" dirty="0" smtClean="0"/>
+          </a:p>
+          <a:p>
+            <a:r>
+              <a:rPr lang="zh-CN" altLang="en-US" sz="2800" dirty="0" smtClean="0"/>
+              <a:t>司国东</a:t>
+            </a:r>
+            <a:r>
+              <a:rPr lang="en-US" altLang="zh-CN" sz="2800" dirty="0" smtClean="0"/>
+              <a:t>·</a:t>
+            </a:r>
+            <a:r>
+              <a:rPr lang="zh-CN" altLang="en-US" sz="2800" dirty="0" smtClean="0"/>
+              <a:t>副教授</a:t>
             </a:r>
             <a:endParaRPr lang="zh-CN" altLang="en-US" dirty="0"/>
+          </a:p>
+        </p:txBody>
+      </p:sp>
+      <p:sp>
+        <p:nvSpPr>
+          <p:cNvPr id="5" name="日期占位符 4"/>
+          <p:cNvSpPr>
+            <a:spLocks noGrp="1"/>
+          </p:cNvSpPr>
+          <p:nvPr>
+            <p:ph type="dt" sz="half" idx="10"/>
+          </p:nvPr>
+        </p:nvSpPr>
+        <p:spPr/>
+        <p:txBody>
+          <a:bodyPr/>
+          <a:lstStyle/>
+          <a:p>
+            <a:fld id="{94E70139-B0AB-7948-B662-8E6463EF7FCC}" type="datetime11">
+              <a:rPr lang="zh-CN" altLang="en-US" smtClean="0"/>
+              <a:t>23:33:23</a:t>
+            </a:fld>
+            <a:endParaRPr lang="zh-CN" altLang="en-US"/>
           </a:p>
         </p:txBody>
       </p:sp>
@@ -3069,462 +4018,17 @@
   <p:clrMapOvr>
     <a:masterClrMapping/>
   </p:clrMapOvr>
+  <p:timing>
+    <p:tnLst>
+      <p:par>
+        <p:cTn id="1" dur="indefinite" restart="never" nodeType="tmRoot"/>
+      </p:par>
+    </p:tnLst>
+  </p:timing>
 </p:sld>
 </file>
 
-<file path=ppt/slides/slide2.xml><?xml version="1.0" encoding="utf-8"?>
-<p:sld xmlns:a="http://schemas.openxmlformats.org/drawingml/2006/main" xmlns:r="http://schemas.openxmlformats.org/officeDocument/2006/relationships" xmlns:p="http://schemas.openxmlformats.org/presentationml/2006/main">
-  <p:cSld>
-    <p:spTree>
-      <p:nvGrpSpPr>
-        <p:cNvPr id="1" name=""/>
-        <p:cNvGrpSpPr/>
-        <p:nvPr/>
-      </p:nvGrpSpPr>
-      <p:grpSpPr>
-        <a:xfrm>
-          <a:off x="0" y="0"/>
-          <a:ext cx="0" cy="0"/>
-          <a:chOff x="0" y="0"/>
-          <a:chExt cx="0" cy="0"/>
-        </a:xfrm>
-      </p:grpSpPr>
-      <p:sp>
-        <p:nvSpPr>
-          <p:cNvPr id="2" name="标题 1"/>
-          <p:cNvSpPr>
-            <a:spLocks noGrp="1"/>
-          </p:cNvSpPr>
-          <p:nvPr>
-            <p:ph type="title"/>
-          </p:nvPr>
-        </p:nvSpPr>
-        <p:spPr/>
-        <p:txBody>
-          <a:bodyPr/>
-          <a:lstStyle/>
-          <a:p>
-            <a:r>
-              <a:rPr lang="zh-CN" altLang="en-US" dirty="0"/>
-              <a:t>研究</a:t>
-            </a:r>
-            <a:r>
-              <a:rPr lang="zh-CN" altLang="en-US" dirty="0" smtClean="0"/>
-              <a:t>背景与选题意义</a:t>
-            </a:r>
-            <a:endParaRPr lang="zh-CN" altLang="en-US" dirty="0"/>
-          </a:p>
-        </p:txBody>
-      </p:sp>
-      <p:sp>
-        <p:nvSpPr>
-          <p:cNvPr id="3" name="内容占位符 2"/>
-          <p:cNvSpPr>
-            <a:spLocks noGrp="1"/>
-          </p:cNvSpPr>
-          <p:nvPr>
-            <p:ph idx="1"/>
-          </p:nvPr>
-        </p:nvSpPr>
-        <p:spPr/>
-        <p:txBody>
-          <a:bodyPr/>
-          <a:lstStyle/>
-          <a:p>
-            <a:endParaRPr lang="zh-CN" altLang="en-US"/>
-          </a:p>
-        </p:txBody>
-      </p:sp>
-    </p:spTree>
-    <p:extLst>
-      <p:ext uri="{BB962C8B-B14F-4D97-AF65-F5344CB8AC3E}">
-        <p14:creationId xmlns:p14="http://schemas.microsoft.com/office/powerpoint/2010/main" val="1820401632"/>
-      </p:ext>
-    </p:extLst>
-  </p:cSld>
-  <p:clrMapOvr>
-    <a:masterClrMapping/>
-  </p:clrMapOvr>
-</p:sld>
-</file>
-
-<file path=ppt/slides/slide3.xml><?xml version="1.0" encoding="utf-8"?>
-<p:sld xmlns:a="http://schemas.openxmlformats.org/drawingml/2006/main" xmlns:r="http://schemas.openxmlformats.org/officeDocument/2006/relationships" xmlns:p="http://schemas.openxmlformats.org/presentationml/2006/main">
-  <p:cSld>
-    <p:spTree>
-      <p:nvGrpSpPr>
-        <p:cNvPr id="1" name=""/>
-        <p:cNvGrpSpPr/>
-        <p:nvPr/>
-      </p:nvGrpSpPr>
-      <p:grpSpPr>
-        <a:xfrm>
-          <a:off x="0" y="0"/>
-          <a:ext cx="0" cy="0"/>
-          <a:chOff x="0" y="0"/>
-          <a:chExt cx="0" cy="0"/>
-        </a:xfrm>
-      </p:grpSpPr>
-      <p:sp>
-        <p:nvSpPr>
-          <p:cNvPr id="2" name="标题 1"/>
-          <p:cNvSpPr>
-            <a:spLocks noGrp="1"/>
-          </p:cNvSpPr>
-          <p:nvPr>
-            <p:ph type="title"/>
-          </p:nvPr>
-        </p:nvSpPr>
-        <p:spPr/>
-        <p:txBody>
-          <a:bodyPr/>
-          <a:lstStyle/>
-          <a:p>
-            <a:r>
-              <a:rPr kumimoji="1" lang="zh-CN" altLang="en-US" dirty="0" smtClean="0"/>
-              <a:t>系统功能</a:t>
-            </a:r>
-            <a:endParaRPr kumimoji="1" lang="zh-CN" altLang="en-US" dirty="0"/>
-          </a:p>
-        </p:txBody>
-      </p:sp>
-      <p:sp>
-        <p:nvSpPr>
-          <p:cNvPr id="3" name="内容占位符 2"/>
-          <p:cNvSpPr>
-            <a:spLocks noGrp="1"/>
-          </p:cNvSpPr>
-          <p:nvPr>
-            <p:ph idx="1"/>
-          </p:nvPr>
-        </p:nvSpPr>
-        <p:spPr/>
-        <p:txBody>
-          <a:bodyPr/>
-          <a:lstStyle/>
-          <a:p>
-            <a:endParaRPr kumimoji="1" lang="zh-CN" altLang="en-US"/>
-          </a:p>
-        </p:txBody>
-      </p:sp>
-    </p:spTree>
-    <p:extLst>
-      <p:ext uri="{BB962C8B-B14F-4D97-AF65-F5344CB8AC3E}">
-        <p14:creationId xmlns:p14="http://schemas.microsoft.com/office/powerpoint/2010/main" val="1507621337"/>
-      </p:ext>
-    </p:extLst>
-  </p:cSld>
-  <p:clrMapOvr>
-    <a:masterClrMapping/>
-  </p:clrMapOvr>
-</p:sld>
-</file>
-
-<file path=ppt/slides/slide4.xml><?xml version="1.0" encoding="utf-8"?>
-<p:sld xmlns:a="http://schemas.openxmlformats.org/drawingml/2006/main" xmlns:r="http://schemas.openxmlformats.org/officeDocument/2006/relationships" xmlns:p="http://schemas.openxmlformats.org/presentationml/2006/main">
-  <p:cSld>
-    <p:spTree>
-      <p:nvGrpSpPr>
-        <p:cNvPr id="1" name=""/>
-        <p:cNvGrpSpPr/>
-        <p:nvPr/>
-      </p:nvGrpSpPr>
-      <p:grpSpPr>
-        <a:xfrm>
-          <a:off x="0" y="0"/>
-          <a:ext cx="0" cy="0"/>
-          <a:chOff x="0" y="0"/>
-          <a:chExt cx="0" cy="0"/>
-        </a:xfrm>
-      </p:grpSpPr>
-      <p:sp>
-        <p:nvSpPr>
-          <p:cNvPr id="2" name="标题 1"/>
-          <p:cNvSpPr>
-            <a:spLocks noGrp="1"/>
-          </p:cNvSpPr>
-          <p:nvPr>
-            <p:ph type="title"/>
-          </p:nvPr>
-        </p:nvSpPr>
-        <p:spPr/>
-        <p:txBody>
-          <a:bodyPr/>
-          <a:lstStyle/>
-          <a:p>
-            <a:r>
-              <a:rPr kumimoji="1" lang="zh-CN" altLang="en-US" dirty="0" smtClean="0"/>
-              <a:t>检索功能细节</a:t>
-            </a:r>
-            <a:endParaRPr kumimoji="1" lang="zh-CN" altLang="en-US" dirty="0"/>
-          </a:p>
-        </p:txBody>
-      </p:sp>
-      <p:sp>
-        <p:nvSpPr>
-          <p:cNvPr id="3" name="内容占位符 2"/>
-          <p:cNvSpPr>
-            <a:spLocks noGrp="1"/>
-          </p:cNvSpPr>
-          <p:nvPr>
-            <p:ph idx="1"/>
-          </p:nvPr>
-        </p:nvSpPr>
-        <p:spPr/>
-        <p:txBody>
-          <a:bodyPr/>
-          <a:lstStyle/>
-          <a:p>
-            <a:endParaRPr kumimoji="1" lang="zh-CN" altLang="en-US"/>
-          </a:p>
-        </p:txBody>
-      </p:sp>
-    </p:spTree>
-    <p:extLst>
-      <p:ext uri="{BB962C8B-B14F-4D97-AF65-F5344CB8AC3E}">
-        <p14:creationId xmlns:p14="http://schemas.microsoft.com/office/powerpoint/2010/main" val="690255542"/>
-      </p:ext>
-    </p:extLst>
-  </p:cSld>
-  <p:clrMapOvr>
-    <a:masterClrMapping/>
-  </p:clrMapOvr>
-</p:sld>
-</file>
-
-<file path=ppt/slides/slide5.xml><?xml version="1.0" encoding="utf-8"?>
-<p:sld xmlns:a="http://schemas.openxmlformats.org/drawingml/2006/main" xmlns:r="http://schemas.openxmlformats.org/officeDocument/2006/relationships" xmlns:p="http://schemas.openxmlformats.org/presentationml/2006/main">
-  <p:cSld>
-    <p:spTree>
-      <p:nvGrpSpPr>
-        <p:cNvPr id="1" name=""/>
-        <p:cNvGrpSpPr/>
-        <p:nvPr/>
-      </p:nvGrpSpPr>
-      <p:grpSpPr>
-        <a:xfrm>
-          <a:off x="0" y="0"/>
-          <a:ext cx="0" cy="0"/>
-          <a:chOff x="0" y="0"/>
-          <a:chExt cx="0" cy="0"/>
-        </a:xfrm>
-      </p:grpSpPr>
-      <p:sp>
-        <p:nvSpPr>
-          <p:cNvPr id="2" name="标题 1"/>
-          <p:cNvSpPr>
-            <a:spLocks noGrp="1"/>
-          </p:cNvSpPr>
-          <p:nvPr>
-            <p:ph type="title"/>
-          </p:nvPr>
-        </p:nvSpPr>
-        <p:spPr/>
-        <p:txBody>
-          <a:bodyPr/>
-          <a:lstStyle/>
-          <a:p>
-            <a:r>
-              <a:rPr kumimoji="1" lang="zh-CN" altLang="en-US" dirty="0" smtClean="0"/>
-              <a:t>数据来源</a:t>
-            </a:r>
-            <a:endParaRPr kumimoji="1" lang="zh-CN" altLang="en-US" dirty="0"/>
-          </a:p>
-        </p:txBody>
-      </p:sp>
-      <p:sp>
-        <p:nvSpPr>
-          <p:cNvPr id="3" name="内容占位符 2"/>
-          <p:cNvSpPr>
-            <a:spLocks noGrp="1"/>
-          </p:cNvSpPr>
-          <p:nvPr>
-            <p:ph idx="1"/>
-          </p:nvPr>
-        </p:nvSpPr>
-        <p:spPr/>
-        <p:txBody>
-          <a:bodyPr/>
-          <a:lstStyle/>
-          <a:p>
-            <a:endParaRPr kumimoji="1" lang="zh-CN" altLang="en-US"/>
-          </a:p>
-        </p:txBody>
-      </p:sp>
-    </p:spTree>
-    <p:extLst>
-      <p:ext uri="{BB962C8B-B14F-4D97-AF65-F5344CB8AC3E}">
-        <p14:creationId xmlns:p14="http://schemas.microsoft.com/office/powerpoint/2010/main" val="534903278"/>
-      </p:ext>
-    </p:extLst>
-  </p:cSld>
-  <p:clrMapOvr>
-    <a:masterClrMapping/>
-  </p:clrMapOvr>
-</p:sld>
-</file>
-
-<file path=ppt/slides/slide6.xml><?xml version="1.0" encoding="utf-8"?>
-<p:sld xmlns:a="http://schemas.openxmlformats.org/drawingml/2006/main" xmlns:r="http://schemas.openxmlformats.org/officeDocument/2006/relationships" xmlns:p="http://schemas.openxmlformats.org/presentationml/2006/main">
-  <p:cSld>
-    <p:spTree>
-      <p:nvGrpSpPr>
-        <p:cNvPr id="1" name=""/>
-        <p:cNvGrpSpPr/>
-        <p:nvPr/>
-      </p:nvGrpSpPr>
-      <p:grpSpPr>
-        <a:xfrm>
-          <a:off x="0" y="0"/>
-          <a:ext cx="0" cy="0"/>
-          <a:chOff x="0" y="0"/>
-          <a:chExt cx="0" cy="0"/>
-        </a:xfrm>
-      </p:grpSpPr>
-      <p:sp>
-        <p:nvSpPr>
-          <p:cNvPr id="2" name="标题 1"/>
-          <p:cNvSpPr>
-            <a:spLocks noGrp="1"/>
-          </p:cNvSpPr>
-          <p:nvPr>
-            <p:ph type="title"/>
-          </p:nvPr>
-        </p:nvSpPr>
-        <p:spPr/>
-        <p:txBody>
-          <a:bodyPr/>
-          <a:lstStyle/>
-          <a:p>
-            <a:r>
-              <a:rPr kumimoji="1" lang="zh-CN" altLang="en-US" dirty="0" smtClean="0"/>
-              <a:t>在线编程功能特点</a:t>
-            </a:r>
-            <a:endParaRPr kumimoji="1" lang="zh-CN" altLang="en-US" dirty="0"/>
-          </a:p>
-        </p:txBody>
-      </p:sp>
-      <p:sp>
-        <p:nvSpPr>
-          <p:cNvPr id="3" name="内容占位符 2"/>
-          <p:cNvSpPr>
-            <a:spLocks noGrp="1"/>
-          </p:cNvSpPr>
-          <p:nvPr>
-            <p:ph idx="1"/>
-          </p:nvPr>
-        </p:nvSpPr>
-        <p:spPr/>
-        <p:txBody>
-          <a:bodyPr/>
-          <a:lstStyle/>
-          <a:p>
-            <a:endParaRPr kumimoji="1" lang="zh-CN" altLang="en-US"/>
-          </a:p>
-        </p:txBody>
-      </p:sp>
-    </p:spTree>
-    <p:extLst>
-      <p:ext uri="{BB962C8B-B14F-4D97-AF65-F5344CB8AC3E}">
-        <p14:creationId xmlns:p14="http://schemas.microsoft.com/office/powerpoint/2010/main" val="1217229610"/>
-      </p:ext>
-    </p:extLst>
-  </p:cSld>
-  <p:clrMapOvr>
-    <a:masterClrMapping/>
-  </p:clrMapOvr>
-</p:sld>
-</file>
-
-<file path=ppt/slides/slide7.xml><?xml version="1.0" encoding="utf-8"?>
-<p:sld xmlns:a="http://schemas.openxmlformats.org/drawingml/2006/main" xmlns:r="http://schemas.openxmlformats.org/officeDocument/2006/relationships" xmlns:p="http://schemas.openxmlformats.org/presentationml/2006/main">
-  <p:cSld>
-    <p:spTree>
-      <p:nvGrpSpPr>
-        <p:cNvPr id="1" name=""/>
-        <p:cNvGrpSpPr/>
-        <p:nvPr/>
-      </p:nvGrpSpPr>
-      <p:grpSpPr>
-        <a:xfrm>
-          <a:off x="0" y="0"/>
-          <a:ext cx="0" cy="0"/>
-          <a:chOff x="0" y="0"/>
-          <a:chExt cx="0" cy="0"/>
-        </a:xfrm>
-      </p:grpSpPr>
-      <p:sp>
-        <p:nvSpPr>
-          <p:cNvPr id="2" name="标题 1"/>
-          <p:cNvSpPr>
-            <a:spLocks noGrp="1"/>
-          </p:cNvSpPr>
-          <p:nvPr>
-            <p:ph type="title"/>
-          </p:nvPr>
-        </p:nvSpPr>
-        <p:spPr/>
-        <p:txBody>
-          <a:bodyPr/>
-          <a:lstStyle/>
-          <a:p>
-            <a:r>
-              <a:rPr kumimoji="1" lang="zh-CN" altLang="en-US" dirty="0" smtClean="0"/>
-              <a:t>与</a:t>
-            </a:r>
-            <a:r>
-              <a:rPr kumimoji="1" lang="en-US" altLang="zh-CN" dirty="0" smtClean="0"/>
-              <a:t>SCAU</a:t>
-            </a:r>
-            <a:r>
-              <a:rPr kumimoji="1" lang="zh-CN" altLang="en-US" dirty="0" smtClean="0"/>
-              <a:t> </a:t>
-            </a:r>
-            <a:r>
-              <a:rPr kumimoji="1" lang="en-US" altLang="zh-CN" dirty="0" smtClean="0"/>
-              <a:t>OJ</a:t>
-            </a:r>
-            <a:r>
-              <a:rPr kumimoji="1" lang="zh-CN" altLang="en-US" dirty="0" smtClean="0"/>
-              <a:t>对比</a:t>
-            </a:r>
-            <a:endParaRPr kumimoji="1" lang="zh-CN" altLang="en-US" dirty="0"/>
-          </a:p>
-        </p:txBody>
-      </p:sp>
-      <p:sp>
-        <p:nvSpPr>
-          <p:cNvPr id="3" name="内容占位符 2"/>
-          <p:cNvSpPr>
-            <a:spLocks noGrp="1"/>
-          </p:cNvSpPr>
-          <p:nvPr>
-            <p:ph idx="1"/>
-          </p:nvPr>
-        </p:nvSpPr>
-        <p:spPr/>
-        <p:txBody>
-          <a:bodyPr/>
-          <a:lstStyle/>
-          <a:p>
-            <a:endParaRPr kumimoji="1" lang="zh-CN" altLang="en-US"/>
-          </a:p>
-        </p:txBody>
-      </p:sp>
-    </p:spTree>
-    <p:extLst>
-      <p:ext uri="{BB962C8B-B14F-4D97-AF65-F5344CB8AC3E}">
-        <p14:creationId xmlns:p14="http://schemas.microsoft.com/office/powerpoint/2010/main" val="626279234"/>
-      </p:ext>
-    </p:extLst>
-  </p:cSld>
-  <p:clrMapOvr>
-    <a:masterClrMapping/>
-  </p:clrMapOvr>
-</p:sld>
-</file>
-
-<file path=ppt/slides/slide8.xml><?xml version="1.0" encoding="utf-8"?>
+<file path=ppt/slides/slide10.xml><?xml version="1.0" encoding="utf-8"?>
 <p:sld xmlns:a="http://schemas.openxmlformats.org/drawingml/2006/main" xmlns:r="http://schemas.openxmlformats.org/officeDocument/2006/relationships" xmlns:p="http://schemas.openxmlformats.org/presentationml/2006/main">
   <p:cSld>
     <p:spTree>
@@ -3565,6 +4069,29 @@
           </a:prstGeom>
         </p:spPr>
       </p:pic>
+      <p:sp>
+        <p:nvSpPr>
+          <p:cNvPr id="2" name="日期占位符 1"/>
+          <p:cNvSpPr>
+            <a:spLocks noGrp="1"/>
+          </p:cNvSpPr>
+          <p:nvPr>
+            <p:ph type="dt" sz="half" idx="10"/>
+          </p:nvPr>
+        </p:nvSpPr>
+        <p:spPr/>
+        <p:txBody>
+          <a:bodyPr/>
+          <a:lstStyle/>
+          <a:p>
+            <a:fld id="{4D233439-5E16-0648-BDD8-E0B3303C482E}" type="datetime11">
+              <a:rPr lang="zh-CN" altLang="en-US" smtClean="0"/>
+              <a:t>23:33:24</a:t>
+            </a:fld>
+            <a:endParaRPr lang="zh-CN" altLang="en-US"/>
+          </a:p>
+        </p:txBody>
+      </p:sp>
     </p:spTree>
     <p:extLst>
       <p:ext uri="{BB962C8B-B14F-4D97-AF65-F5344CB8AC3E}">
@@ -3575,13 +4102,1251 @@
   <p:clrMapOvr>
     <a:masterClrMapping/>
   </p:clrMapOvr>
+  <p:timing>
+    <p:tnLst>
+      <p:par>
+        <p:cTn id="1" dur="indefinite" restart="never" nodeType="tmRoot"/>
+      </p:par>
+    </p:tnLst>
+  </p:timing>
+</p:sld>
+</file>
+
+<file path=ppt/slides/slide2.xml><?xml version="1.0" encoding="utf-8"?>
+<p:sld xmlns:a="http://schemas.openxmlformats.org/drawingml/2006/main" xmlns:r="http://schemas.openxmlformats.org/officeDocument/2006/relationships" xmlns:p="http://schemas.openxmlformats.org/presentationml/2006/main">
+  <p:cSld>
+    <p:spTree>
+      <p:nvGrpSpPr>
+        <p:cNvPr id="1" name=""/>
+        <p:cNvGrpSpPr/>
+        <p:nvPr/>
+      </p:nvGrpSpPr>
+      <p:grpSpPr>
+        <a:xfrm>
+          <a:off x="0" y="0"/>
+          <a:ext cx="0" cy="0"/>
+          <a:chOff x="0" y="0"/>
+          <a:chExt cx="0" cy="0"/>
+        </a:xfrm>
+      </p:grpSpPr>
+      <p:sp>
+        <p:nvSpPr>
+          <p:cNvPr id="2" name="标题 1"/>
+          <p:cNvSpPr>
+            <a:spLocks noGrp="1"/>
+          </p:cNvSpPr>
+          <p:nvPr>
+            <p:ph type="title"/>
+          </p:nvPr>
+        </p:nvSpPr>
+        <p:spPr>
+          <a:xfrm>
+            <a:off x="0" y="0"/>
+            <a:ext cx="6019196" cy="1030837"/>
+          </a:xfrm>
+        </p:spPr>
+        <p:txBody>
+          <a:bodyPr/>
+          <a:lstStyle/>
+          <a:p>
+            <a:r>
+              <a:rPr kumimoji="1" lang="zh-CN" altLang="en-US" dirty="0" smtClean="0"/>
+              <a:t>目录</a:t>
+            </a:r>
+            <a:endParaRPr kumimoji="1" lang="zh-CN" altLang="en-US" dirty="0"/>
+          </a:p>
+        </p:txBody>
+      </p:sp>
+      <p:sp>
+        <p:nvSpPr>
+          <p:cNvPr id="3" name="内容占位符 2"/>
+          <p:cNvSpPr>
+            <a:spLocks noGrp="1"/>
+          </p:cNvSpPr>
+          <p:nvPr>
+            <p:ph idx="1"/>
+          </p:nvPr>
+        </p:nvSpPr>
+        <p:spPr/>
+        <p:txBody>
+          <a:bodyPr/>
+          <a:lstStyle/>
+          <a:p>
+            <a:endParaRPr kumimoji="1" lang="zh-CN" altLang="en-US"/>
+          </a:p>
+        </p:txBody>
+      </p:sp>
+      <p:sp>
+        <p:nvSpPr>
+          <p:cNvPr id="4" name="日期占位符 3"/>
+          <p:cNvSpPr>
+            <a:spLocks noGrp="1"/>
+          </p:cNvSpPr>
+          <p:nvPr>
+            <p:ph type="dt" sz="half" idx="10"/>
+          </p:nvPr>
+        </p:nvSpPr>
+        <p:spPr/>
+        <p:txBody>
+          <a:bodyPr/>
+          <a:lstStyle/>
+          <a:p>
+            <a:fld id="{6939E48F-AB3D-7D44-9ABE-6BACA1B72509}" type="datetime11">
+              <a:rPr lang="zh-CN" altLang="en-US" smtClean="0"/>
+              <a:t>23:33:24</a:t>
+            </a:fld>
+            <a:endParaRPr lang="zh-CN" altLang="en-US"/>
+          </a:p>
+        </p:txBody>
+      </p:sp>
+    </p:spTree>
+    <p:extLst>
+      <p:ext uri="{BB962C8B-B14F-4D97-AF65-F5344CB8AC3E}">
+        <p14:creationId xmlns:p14="http://schemas.microsoft.com/office/powerpoint/2010/main" val="275541758"/>
+      </p:ext>
+    </p:extLst>
+  </p:cSld>
+  <p:clrMapOvr>
+    <a:masterClrMapping/>
+  </p:clrMapOvr>
+  <p:timing>
+    <p:tnLst>
+      <p:par>
+        <p:cTn id="1" dur="indefinite" restart="never" nodeType="tmRoot"/>
+      </p:par>
+    </p:tnLst>
+  </p:timing>
+</p:sld>
+</file>
+
+<file path=ppt/slides/slide3.xml><?xml version="1.0" encoding="utf-8"?>
+<p:sld xmlns:a="http://schemas.openxmlformats.org/drawingml/2006/main" xmlns:r="http://schemas.openxmlformats.org/officeDocument/2006/relationships" xmlns:p="http://schemas.openxmlformats.org/presentationml/2006/main">
+  <p:cSld>
+    <p:spTree>
+      <p:nvGrpSpPr>
+        <p:cNvPr id="1" name=""/>
+        <p:cNvGrpSpPr/>
+        <p:nvPr/>
+      </p:nvGrpSpPr>
+      <p:grpSpPr>
+        <a:xfrm>
+          <a:off x="0" y="0"/>
+          <a:ext cx="0" cy="0"/>
+          <a:chOff x="0" y="0"/>
+          <a:chExt cx="0" cy="0"/>
+        </a:xfrm>
+      </p:grpSpPr>
+      <p:sp>
+        <p:nvSpPr>
+          <p:cNvPr id="2" name="标题 1"/>
+          <p:cNvSpPr>
+            <a:spLocks noGrp="1"/>
+          </p:cNvSpPr>
+          <p:nvPr>
+            <p:ph type="title"/>
+          </p:nvPr>
+        </p:nvSpPr>
+        <p:spPr>
+          <a:xfrm>
+            <a:off x="628650" y="11977"/>
+            <a:ext cx="7886700" cy="1325563"/>
+          </a:xfrm>
+        </p:spPr>
+        <p:txBody>
+          <a:bodyPr>
+            <a:normAutofit/>
+          </a:bodyPr>
+          <a:lstStyle/>
+          <a:p>
+            <a:r>
+              <a:rPr lang="zh-CN" altLang="en-US" sz="4000" dirty="0"/>
+              <a:t>研究</a:t>
+            </a:r>
+            <a:r>
+              <a:rPr lang="zh-CN" altLang="en-US" sz="4000" dirty="0" smtClean="0"/>
+              <a:t>背景</a:t>
+            </a:r>
+            <a:endParaRPr lang="zh-CN" altLang="en-US" sz="4000" dirty="0"/>
+          </a:p>
+        </p:txBody>
+      </p:sp>
+      <p:sp>
+        <p:nvSpPr>
+          <p:cNvPr id="3" name="内容占位符 2"/>
+          <p:cNvSpPr>
+            <a:spLocks noGrp="1"/>
+          </p:cNvSpPr>
+          <p:nvPr>
+            <p:ph idx="1"/>
+          </p:nvPr>
+        </p:nvSpPr>
+        <p:spPr>
+          <a:xfrm>
+            <a:off x="499441" y="1054032"/>
+            <a:ext cx="8376202" cy="2613990"/>
+          </a:xfrm>
+        </p:spPr>
+        <p:txBody>
+          <a:bodyPr>
+            <a:normAutofit/>
+          </a:bodyPr>
+          <a:lstStyle/>
+          <a:p>
+            <a:pPr>
+              <a:lnSpc>
+                <a:spcPct val="150000"/>
+              </a:lnSpc>
+            </a:pPr>
+            <a:r>
+              <a:rPr lang="zh-CN" altLang="en-US" sz="3000" dirty="0" smtClean="0"/>
+              <a:t>计算机专业课堂的局限性</a:t>
+            </a:r>
+            <a:endParaRPr lang="en-US" altLang="zh-CN" sz="3000" dirty="0" smtClean="0"/>
+          </a:p>
+          <a:p>
+            <a:pPr>
+              <a:lnSpc>
+                <a:spcPct val="150000"/>
+              </a:lnSpc>
+            </a:pPr>
+            <a:r>
+              <a:rPr lang="zh-CN" altLang="en-US" sz="3000" dirty="0" smtClean="0"/>
+              <a:t>计算机专业知识主要来源于自学</a:t>
+            </a:r>
+            <a:r>
+              <a:rPr lang="zh-CN" altLang="en-US" sz="3000" dirty="0"/>
+              <a:t>、</a:t>
+            </a:r>
+            <a:r>
+              <a:rPr lang="zh-CN" altLang="en-US" sz="3000" dirty="0" smtClean="0"/>
+              <a:t>实践</a:t>
+            </a:r>
+            <a:endParaRPr lang="en-US" altLang="zh-CN" sz="3000" dirty="0" smtClean="0"/>
+          </a:p>
+          <a:p>
+            <a:pPr>
+              <a:lnSpc>
+                <a:spcPct val="150000"/>
+              </a:lnSpc>
+            </a:pPr>
+            <a:r>
+              <a:rPr lang="zh-CN" altLang="en-US" sz="3000" dirty="0"/>
+              <a:t>通用搜索引擎、在线评判网站的局限性</a:t>
+            </a:r>
+            <a:endParaRPr lang="en-US" altLang="zh-CN" sz="3000" dirty="0"/>
+          </a:p>
+          <a:p>
+            <a:pPr>
+              <a:lnSpc>
+                <a:spcPct val="150000"/>
+              </a:lnSpc>
+            </a:pPr>
+            <a:endParaRPr lang="en-US" altLang="zh-CN" sz="3000" dirty="0" smtClean="0"/>
+          </a:p>
+        </p:txBody>
+      </p:sp>
+      <p:sp>
+        <p:nvSpPr>
+          <p:cNvPr id="4" name="内容占位符 2"/>
+          <p:cNvSpPr txBox="1">
+            <a:spLocks/>
+          </p:cNvSpPr>
+          <p:nvPr/>
+        </p:nvSpPr>
+        <p:spPr>
+          <a:xfrm>
+            <a:off x="499441" y="4710077"/>
+            <a:ext cx="8376202" cy="1948069"/>
+          </a:xfrm>
+          <a:prstGeom prst="rect">
+            <a:avLst/>
+          </a:prstGeom>
+        </p:spPr>
+        <p:txBody>
+          <a:bodyPr vert="horz" lIns="91440" tIns="45720" rIns="91440" bIns="45720" rtlCol="0">
+            <a:noAutofit/>
+          </a:bodyPr>
+          <a:lstStyle>
+            <a:lvl1pPr marL="171450" indent="-171450" algn="l" defTabSz="685800" rtl="0" eaLnBrk="1" latinLnBrk="0" hangingPunct="1">
+              <a:lnSpc>
+                <a:spcPct val="90000"/>
+              </a:lnSpc>
+              <a:spcBef>
+                <a:spcPts val="750"/>
+              </a:spcBef>
+              <a:buFont typeface="Arial"/>
+              <a:buChar char="•"/>
+              <a:defRPr sz="2100" kern="1200">
+                <a:solidFill>
+                  <a:schemeClr val="tx1"/>
+                </a:solidFill>
+                <a:latin typeface="+mn-lt"/>
+                <a:ea typeface="+mn-ea"/>
+                <a:cs typeface="+mn-cs"/>
+              </a:defRPr>
+            </a:lvl1pPr>
+            <a:lvl2pPr marL="514350" indent="-171450" algn="l" defTabSz="685800" rtl="0" eaLnBrk="1" latinLnBrk="0" hangingPunct="1">
+              <a:lnSpc>
+                <a:spcPct val="90000"/>
+              </a:lnSpc>
+              <a:spcBef>
+                <a:spcPts val="375"/>
+              </a:spcBef>
+              <a:buFont typeface="Arial"/>
+              <a:buChar char="•"/>
+              <a:defRPr sz="1800" kern="1200">
+                <a:solidFill>
+                  <a:schemeClr val="tx1"/>
+                </a:solidFill>
+                <a:latin typeface="+mn-lt"/>
+                <a:ea typeface="+mn-ea"/>
+                <a:cs typeface="+mn-cs"/>
+              </a:defRPr>
+            </a:lvl2pPr>
+            <a:lvl3pPr marL="857250" indent="-171450" algn="l" defTabSz="685800" rtl="0" eaLnBrk="1" latinLnBrk="0" hangingPunct="1">
+              <a:lnSpc>
+                <a:spcPct val="90000"/>
+              </a:lnSpc>
+              <a:spcBef>
+                <a:spcPts val="375"/>
+              </a:spcBef>
+              <a:buFont typeface="Arial"/>
+              <a:buChar char="•"/>
+              <a:defRPr sz="1500" kern="1200">
+                <a:solidFill>
+                  <a:schemeClr val="tx1"/>
+                </a:solidFill>
+                <a:latin typeface="+mn-lt"/>
+                <a:ea typeface="+mn-ea"/>
+                <a:cs typeface="+mn-cs"/>
+              </a:defRPr>
+            </a:lvl3pPr>
+            <a:lvl4pPr marL="1200150" indent="-171450" algn="l" defTabSz="685800" rtl="0" eaLnBrk="1" latinLnBrk="0" hangingPunct="1">
+              <a:lnSpc>
+                <a:spcPct val="90000"/>
+              </a:lnSpc>
+              <a:spcBef>
+                <a:spcPts val="375"/>
+              </a:spcBef>
+              <a:buFont typeface="Arial"/>
+              <a:buChar char="•"/>
+              <a:defRPr sz="1350" kern="1200">
+                <a:solidFill>
+                  <a:schemeClr val="tx1"/>
+                </a:solidFill>
+                <a:latin typeface="+mn-lt"/>
+                <a:ea typeface="+mn-ea"/>
+                <a:cs typeface="+mn-cs"/>
+              </a:defRPr>
+            </a:lvl4pPr>
+            <a:lvl5pPr marL="1543050" indent="-171450" algn="l" defTabSz="685800" rtl="0" eaLnBrk="1" latinLnBrk="0" hangingPunct="1">
+              <a:lnSpc>
+                <a:spcPct val="90000"/>
+              </a:lnSpc>
+              <a:spcBef>
+                <a:spcPts val="375"/>
+              </a:spcBef>
+              <a:buFont typeface="Arial"/>
+              <a:buChar char="•"/>
+              <a:defRPr sz="1350" kern="1200">
+                <a:solidFill>
+                  <a:schemeClr val="tx1"/>
+                </a:solidFill>
+                <a:latin typeface="+mn-lt"/>
+                <a:ea typeface="+mn-ea"/>
+                <a:cs typeface="+mn-cs"/>
+              </a:defRPr>
+            </a:lvl5pPr>
+            <a:lvl6pPr marL="1885950" indent="-171450" algn="l" defTabSz="685800" rtl="0" eaLnBrk="1" latinLnBrk="0" hangingPunct="1">
+              <a:lnSpc>
+                <a:spcPct val="90000"/>
+              </a:lnSpc>
+              <a:spcBef>
+                <a:spcPts val="375"/>
+              </a:spcBef>
+              <a:buFont typeface="Arial"/>
+              <a:buChar char="•"/>
+              <a:defRPr sz="1350" kern="1200">
+                <a:solidFill>
+                  <a:schemeClr val="tx1"/>
+                </a:solidFill>
+                <a:latin typeface="+mn-lt"/>
+                <a:ea typeface="+mn-ea"/>
+                <a:cs typeface="+mn-cs"/>
+              </a:defRPr>
+            </a:lvl6pPr>
+            <a:lvl7pPr marL="2228850" indent="-171450" algn="l" defTabSz="685800" rtl="0" eaLnBrk="1" latinLnBrk="0" hangingPunct="1">
+              <a:lnSpc>
+                <a:spcPct val="90000"/>
+              </a:lnSpc>
+              <a:spcBef>
+                <a:spcPts val="375"/>
+              </a:spcBef>
+              <a:buFont typeface="Arial"/>
+              <a:buChar char="•"/>
+              <a:defRPr sz="1350" kern="1200">
+                <a:solidFill>
+                  <a:schemeClr val="tx1"/>
+                </a:solidFill>
+                <a:latin typeface="+mn-lt"/>
+                <a:ea typeface="+mn-ea"/>
+                <a:cs typeface="+mn-cs"/>
+              </a:defRPr>
+            </a:lvl7pPr>
+            <a:lvl8pPr marL="2571750" indent="-171450" algn="l" defTabSz="685800" rtl="0" eaLnBrk="1" latinLnBrk="0" hangingPunct="1">
+              <a:lnSpc>
+                <a:spcPct val="90000"/>
+              </a:lnSpc>
+              <a:spcBef>
+                <a:spcPts val="375"/>
+              </a:spcBef>
+              <a:buFont typeface="Arial"/>
+              <a:buChar char="•"/>
+              <a:defRPr sz="1350" kern="1200">
+                <a:solidFill>
+                  <a:schemeClr val="tx1"/>
+                </a:solidFill>
+                <a:latin typeface="+mn-lt"/>
+                <a:ea typeface="+mn-ea"/>
+                <a:cs typeface="+mn-cs"/>
+              </a:defRPr>
+            </a:lvl8pPr>
+            <a:lvl9pPr marL="2914650" indent="-171450" algn="l" defTabSz="685800" rtl="0" eaLnBrk="1" latinLnBrk="0" hangingPunct="1">
+              <a:lnSpc>
+                <a:spcPct val="90000"/>
+              </a:lnSpc>
+              <a:spcBef>
+                <a:spcPts val="375"/>
+              </a:spcBef>
+              <a:buFont typeface="Arial"/>
+              <a:buChar char="•"/>
+              <a:defRPr sz="1350" kern="1200">
+                <a:solidFill>
+                  <a:schemeClr val="tx1"/>
+                </a:solidFill>
+                <a:latin typeface="+mn-lt"/>
+                <a:ea typeface="+mn-ea"/>
+                <a:cs typeface="+mn-cs"/>
+              </a:defRPr>
+            </a:lvl9pPr>
+          </a:lstStyle>
+          <a:p>
+            <a:pPr>
+              <a:lnSpc>
+                <a:spcPct val="150000"/>
+              </a:lnSpc>
+            </a:pPr>
+            <a:r>
+              <a:rPr lang="zh-CN" altLang="en-US" sz="3000" dirty="0" smtClean="0"/>
+              <a:t>有助于提高用户学习（计算机专业知识）效率</a:t>
+            </a:r>
+            <a:endParaRPr lang="en-US" altLang="zh-CN" sz="3000" dirty="0" smtClean="0"/>
+          </a:p>
+          <a:p>
+            <a:pPr>
+              <a:lnSpc>
+                <a:spcPct val="150000"/>
+              </a:lnSpc>
+            </a:pPr>
+            <a:r>
+              <a:rPr lang="zh-CN" altLang="en-US" sz="3000" dirty="0" smtClean="0"/>
+              <a:t>为计算机专业人才培养作微不足道的贡献</a:t>
+            </a:r>
+            <a:endParaRPr lang="en-US" altLang="zh-CN" sz="3000" dirty="0" smtClean="0"/>
+          </a:p>
+        </p:txBody>
+      </p:sp>
+      <p:sp>
+        <p:nvSpPr>
+          <p:cNvPr id="5" name="标题 1"/>
+          <p:cNvSpPr txBox="1">
+            <a:spLocks/>
+          </p:cNvSpPr>
+          <p:nvPr/>
+        </p:nvSpPr>
+        <p:spPr>
+          <a:xfrm>
+            <a:off x="628650" y="3668022"/>
+            <a:ext cx="7886700" cy="1325563"/>
+          </a:xfrm>
+          <a:prstGeom prst="rect">
+            <a:avLst/>
+          </a:prstGeom>
+        </p:spPr>
+        <p:txBody>
+          <a:bodyPr vert="horz" lIns="91440" tIns="45720" rIns="91440" bIns="45720" rtlCol="0" anchor="ctr">
+            <a:normAutofit/>
+          </a:bodyPr>
+          <a:lstStyle>
+            <a:lvl1pPr algn="l" defTabSz="685800" rtl="0" eaLnBrk="1" latinLnBrk="0" hangingPunct="1">
+              <a:lnSpc>
+                <a:spcPct val="90000"/>
+              </a:lnSpc>
+              <a:spcBef>
+                <a:spcPct val="0"/>
+              </a:spcBef>
+              <a:buNone/>
+              <a:defRPr sz="3300" kern="1200">
+                <a:solidFill>
+                  <a:schemeClr val="tx1"/>
+                </a:solidFill>
+                <a:latin typeface="+mj-lt"/>
+                <a:ea typeface="+mj-ea"/>
+                <a:cs typeface="+mj-cs"/>
+              </a:defRPr>
+            </a:lvl1pPr>
+          </a:lstStyle>
+          <a:p>
+            <a:r>
+              <a:rPr lang="zh-CN" altLang="en-US" sz="4000" dirty="0" smtClean="0"/>
+              <a:t>研究意义</a:t>
+            </a:r>
+            <a:endParaRPr lang="zh-CN" altLang="en-US" sz="4000" dirty="0"/>
+          </a:p>
+        </p:txBody>
+      </p:sp>
+      <p:sp>
+        <p:nvSpPr>
+          <p:cNvPr id="6" name="日期占位符 5"/>
+          <p:cNvSpPr>
+            <a:spLocks noGrp="1"/>
+          </p:cNvSpPr>
+          <p:nvPr>
+            <p:ph type="dt" sz="half" idx="10"/>
+          </p:nvPr>
+        </p:nvSpPr>
+        <p:spPr/>
+        <p:txBody>
+          <a:bodyPr/>
+          <a:lstStyle/>
+          <a:p>
+            <a:fld id="{B42AC176-3ED8-6048-A23F-3E0886988747}" type="datetime11">
+              <a:rPr lang="zh-CN" altLang="en-US" smtClean="0"/>
+              <a:t>23:33:24</a:t>
+            </a:fld>
+            <a:endParaRPr lang="zh-CN" altLang="en-US"/>
+          </a:p>
+        </p:txBody>
+      </p:sp>
+    </p:spTree>
+    <p:extLst>
+      <p:ext uri="{BB962C8B-B14F-4D97-AF65-F5344CB8AC3E}">
+        <p14:creationId xmlns:p14="http://schemas.microsoft.com/office/powerpoint/2010/main" val="1820401632"/>
+      </p:ext>
+    </p:extLst>
+  </p:cSld>
+  <p:clrMapOvr>
+    <a:masterClrMapping/>
+  </p:clrMapOvr>
+  <p:timing>
+    <p:tnLst>
+      <p:par>
+        <p:cTn id="1" dur="indefinite" restart="never" nodeType="tmRoot"/>
+      </p:par>
+    </p:tnLst>
+  </p:timing>
+</p:sld>
+</file>
+
+<file path=ppt/slides/slide4.xml><?xml version="1.0" encoding="utf-8"?>
+<p:sld xmlns:a="http://schemas.openxmlformats.org/drawingml/2006/main" xmlns:r="http://schemas.openxmlformats.org/officeDocument/2006/relationships" xmlns:p="http://schemas.openxmlformats.org/presentationml/2006/main">
+  <p:cSld>
+    <p:spTree>
+      <p:nvGrpSpPr>
+        <p:cNvPr id="1" name=""/>
+        <p:cNvGrpSpPr/>
+        <p:nvPr/>
+      </p:nvGrpSpPr>
+      <p:grpSpPr>
+        <a:xfrm>
+          <a:off x="0" y="0"/>
+          <a:ext cx="0" cy="0"/>
+          <a:chOff x="0" y="0"/>
+          <a:chExt cx="0" cy="0"/>
+        </a:xfrm>
+      </p:grpSpPr>
+      <p:sp>
+        <p:nvSpPr>
+          <p:cNvPr id="2" name="标题 1"/>
+          <p:cNvSpPr>
+            <a:spLocks noGrp="1"/>
+          </p:cNvSpPr>
+          <p:nvPr>
+            <p:ph type="title"/>
+          </p:nvPr>
+        </p:nvSpPr>
+        <p:spPr>
+          <a:xfrm>
+            <a:off x="628650" y="46037"/>
+            <a:ext cx="7886700" cy="1325563"/>
+          </a:xfrm>
+        </p:spPr>
+        <p:txBody>
+          <a:bodyPr/>
+          <a:lstStyle/>
+          <a:p>
+            <a:r>
+              <a:rPr kumimoji="1" lang="zh-CN" altLang="en-US" dirty="0" smtClean="0"/>
+              <a:t>面向用户的功能</a:t>
+            </a:r>
+            <a:endParaRPr kumimoji="1" lang="zh-CN" altLang="en-US" dirty="0"/>
+          </a:p>
+        </p:txBody>
+      </p:sp>
+      <p:sp>
+        <p:nvSpPr>
+          <p:cNvPr id="3" name="内容占位符 2"/>
+          <p:cNvSpPr>
+            <a:spLocks noGrp="1"/>
+          </p:cNvSpPr>
+          <p:nvPr>
+            <p:ph idx="1"/>
+          </p:nvPr>
+        </p:nvSpPr>
+        <p:spPr>
+          <a:xfrm>
+            <a:off x="628650" y="1371601"/>
+            <a:ext cx="7886700" cy="2951922"/>
+          </a:xfrm>
+        </p:spPr>
+        <p:txBody>
+          <a:bodyPr>
+            <a:normAutofit/>
+          </a:bodyPr>
+          <a:lstStyle/>
+          <a:p>
+            <a:pPr>
+              <a:lnSpc>
+                <a:spcPct val="100000"/>
+              </a:lnSpc>
+            </a:pPr>
+            <a:r>
+              <a:rPr kumimoji="1" lang="zh-CN" altLang="en-US" sz="3600" dirty="0" smtClean="0"/>
+              <a:t>学习资源检索</a:t>
+            </a:r>
+            <a:endParaRPr kumimoji="1" lang="en-US" altLang="zh-CN" sz="2400" dirty="0" smtClean="0"/>
+          </a:p>
+          <a:p>
+            <a:pPr>
+              <a:lnSpc>
+                <a:spcPct val="100000"/>
+              </a:lnSpc>
+            </a:pPr>
+            <a:r>
+              <a:rPr kumimoji="1" lang="zh-CN" altLang="en-US" sz="1800" dirty="0" smtClean="0"/>
+              <a:t>输入补全建议</a:t>
+            </a:r>
+            <a:endParaRPr kumimoji="1" lang="en-US" altLang="zh-CN" sz="1800" dirty="0" smtClean="0"/>
+          </a:p>
+          <a:p>
+            <a:pPr>
+              <a:lnSpc>
+                <a:spcPct val="100000"/>
+              </a:lnSpc>
+            </a:pPr>
+            <a:r>
+              <a:rPr kumimoji="1" lang="zh-CN" altLang="en-US" sz="1800" dirty="0" smtClean="0"/>
+              <a:t>输入纠错</a:t>
+            </a:r>
+            <a:endParaRPr kumimoji="1" lang="en-US" altLang="zh-CN" sz="1800" dirty="0" smtClean="0"/>
+          </a:p>
+          <a:p>
+            <a:pPr>
+              <a:lnSpc>
+                <a:spcPct val="100000"/>
+              </a:lnSpc>
+            </a:pPr>
+            <a:r>
+              <a:rPr kumimoji="1" lang="zh-CN" altLang="en-US" sz="1800" dirty="0" smtClean="0"/>
+              <a:t>拼音搜索</a:t>
+            </a:r>
+            <a:endParaRPr kumimoji="1" lang="en-US" altLang="zh-CN" sz="1800" dirty="0" smtClean="0"/>
+          </a:p>
+          <a:p>
+            <a:pPr marL="0" indent="0">
+              <a:lnSpc>
+                <a:spcPct val="100000"/>
+              </a:lnSpc>
+              <a:buNone/>
+            </a:pPr>
+            <a:endParaRPr kumimoji="1" lang="en-US" altLang="zh-CN" sz="2400" dirty="0" smtClean="0"/>
+          </a:p>
+        </p:txBody>
+      </p:sp>
+      <p:sp>
+        <p:nvSpPr>
+          <p:cNvPr id="4" name="日期占位符 3"/>
+          <p:cNvSpPr>
+            <a:spLocks noGrp="1"/>
+          </p:cNvSpPr>
+          <p:nvPr>
+            <p:ph type="dt" sz="half" idx="10"/>
+          </p:nvPr>
+        </p:nvSpPr>
+        <p:spPr/>
+        <p:txBody>
+          <a:bodyPr/>
+          <a:lstStyle/>
+          <a:p>
+            <a:fld id="{7551E2BA-704B-C04E-9043-650619DBAE49}" type="datetime11">
+              <a:rPr lang="zh-CN" altLang="en-US" smtClean="0"/>
+              <a:t>23:33:24</a:t>
+            </a:fld>
+            <a:endParaRPr lang="zh-CN" altLang="en-US"/>
+          </a:p>
+        </p:txBody>
+      </p:sp>
+    </p:spTree>
+    <p:extLst>
+      <p:ext uri="{BB962C8B-B14F-4D97-AF65-F5344CB8AC3E}">
+        <p14:creationId xmlns:p14="http://schemas.microsoft.com/office/powerpoint/2010/main" val="1507621337"/>
+      </p:ext>
+    </p:extLst>
+  </p:cSld>
+  <p:clrMapOvr>
+    <a:masterClrMapping/>
+  </p:clrMapOvr>
+  <p:timing>
+    <p:tnLst>
+      <p:par>
+        <p:cTn id="1" dur="indefinite" restart="never" nodeType="tmRoot"/>
+      </p:par>
+    </p:tnLst>
+  </p:timing>
+</p:sld>
+</file>
+
+<file path=ppt/slides/slide5.xml><?xml version="1.0" encoding="utf-8"?>
+<p:sld xmlns:a="http://schemas.openxmlformats.org/drawingml/2006/main" xmlns:r="http://schemas.openxmlformats.org/officeDocument/2006/relationships" xmlns:p="http://schemas.openxmlformats.org/presentationml/2006/main">
+  <p:cSld>
+    <p:spTree>
+      <p:nvGrpSpPr>
+        <p:cNvPr id="1" name=""/>
+        <p:cNvGrpSpPr/>
+        <p:nvPr/>
+      </p:nvGrpSpPr>
+      <p:grpSpPr>
+        <a:xfrm>
+          <a:off x="0" y="0"/>
+          <a:ext cx="0" cy="0"/>
+          <a:chOff x="0" y="0"/>
+          <a:chExt cx="0" cy="0"/>
+        </a:xfrm>
+      </p:grpSpPr>
+      <p:sp>
+        <p:nvSpPr>
+          <p:cNvPr id="2" name="标题 1"/>
+          <p:cNvSpPr>
+            <a:spLocks noGrp="1"/>
+          </p:cNvSpPr>
+          <p:nvPr>
+            <p:ph type="title"/>
+          </p:nvPr>
+        </p:nvSpPr>
+        <p:spPr/>
+        <p:txBody>
+          <a:bodyPr/>
+          <a:lstStyle/>
+          <a:p>
+            <a:r>
+              <a:rPr kumimoji="1" lang="zh-CN" altLang="en-US" dirty="0" smtClean="0"/>
+              <a:t>检索功能细节</a:t>
+            </a:r>
+            <a:endParaRPr kumimoji="1" lang="zh-CN" altLang="en-US" dirty="0"/>
+          </a:p>
+        </p:txBody>
+      </p:sp>
+      <p:sp>
+        <p:nvSpPr>
+          <p:cNvPr id="3" name="内容占位符 2"/>
+          <p:cNvSpPr>
+            <a:spLocks noGrp="1"/>
+          </p:cNvSpPr>
+          <p:nvPr>
+            <p:ph idx="1"/>
+          </p:nvPr>
+        </p:nvSpPr>
+        <p:spPr/>
+        <p:txBody>
+          <a:bodyPr/>
+          <a:lstStyle/>
+          <a:p>
+            <a:endParaRPr kumimoji="1" lang="zh-CN" altLang="en-US"/>
+          </a:p>
+        </p:txBody>
+      </p:sp>
+      <p:sp>
+        <p:nvSpPr>
+          <p:cNvPr id="4" name="日期占位符 3"/>
+          <p:cNvSpPr>
+            <a:spLocks noGrp="1"/>
+          </p:cNvSpPr>
+          <p:nvPr>
+            <p:ph type="dt" sz="half" idx="10"/>
+          </p:nvPr>
+        </p:nvSpPr>
+        <p:spPr/>
+        <p:txBody>
+          <a:bodyPr/>
+          <a:lstStyle/>
+          <a:p>
+            <a:fld id="{4D099A2B-7374-C340-8FD8-C09992C9254A}" type="datetime11">
+              <a:rPr lang="zh-CN" altLang="en-US" smtClean="0"/>
+              <a:t>23:33:24</a:t>
+            </a:fld>
+            <a:endParaRPr lang="zh-CN" altLang="en-US"/>
+          </a:p>
+        </p:txBody>
+      </p:sp>
+    </p:spTree>
+    <p:extLst>
+      <p:ext uri="{BB962C8B-B14F-4D97-AF65-F5344CB8AC3E}">
+        <p14:creationId xmlns:p14="http://schemas.microsoft.com/office/powerpoint/2010/main" val="690255542"/>
+      </p:ext>
+    </p:extLst>
+  </p:cSld>
+  <p:clrMapOvr>
+    <a:masterClrMapping/>
+  </p:clrMapOvr>
+  <p:timing>
+    <p:tnLst>
+      <p:par>
+        <p:cTn id="1" dur="indefinite" restart="never" nodeType="tmRoot"/>
+      </p:par>
+    </p:tnLst>
+  </p:timing>
+</p:sld>
+</file>
+
+<file path=ppt/slides/slide6.xml><?xml version="1.0" encoding="utf-8"?>
+<p:sld xmlns:a="http://schemas.openxmlformats.org/drawingml/2006/main" xmlns:r="http://schemas.openxmlformats.org/officeDocument/2006/relationships" xmlns:p="http://schemas.openxmlformats.org/presentationml/2006/main">
+  <p:cSld>
+    <p:spTree>
+      <p:nvGrpSpPr>
+        <p:cNvPr id="1" name=""/>
+        <p:cNvGrpSpPr/>
+        <p:nvPr/>
+      </p:nvGrpSpPr>
+      <p:grpSpPr>
+        <a:xfrm>
+          <a:off x="0" y="0"/>
+          <a:ext cx="0" cy="0"/>
+          <a:chOff x="0" y="0"/>
+          <a:chExt cx="0" cy="0"/>
+        </a:xfrm>
+      </p:grpSpPr>
+      <p:sp>
+        <p:nvSpPr>
+          <p:cNvPr id="4" name="日期占位符 3"/>
+          <p:cNvSpPr>
+            <a:spLocks noGrp="1"/>
+          </p:cNvSpPr>
+          <p:nvPr>
+            <p:ph type="dt" sz="half" idx="10"/>
+          </p:nvPr>
+        </p:nvSpPr>
+        <p:spPr/>
+        <p:txBody>
+          <a:bodyPr/>
+          <a:lstStyle/>
+          <a:p>
+            <a:fld id="{A941CB33-764D-5B49-AC99-01BE29F33CEE}" type="datetime11">
+              <a:rPr lang="zh-CN" altLang="en-US" smtClean="0"/>
+              <a:t>23:33:24</a:t>
+            </a:fld>
+            <a:endParaRPr lang="zh-CN" altLang="en-US"/>
+          </a:p>
+        </p:txBody>
+      </p:sp>
+    </p:spTree>
+    <p:extLst>
+      <p:ext uri="{BB962C8B-B14F-4D97-AF65-F5344CB8AC3E}">
+        <p14:creationId xmlns:p14="http://schemas.microsoft.com/office/powerpoint/2010/main" val="1244653358"/>
+      </p:ext>
+    </p:extLst>
+  </p:cSld>
+  <p:clrMapOvr>
+    <a:masterClrMapping/>
+  </p:clrMapOvr>
+  <p:timing>
+    <p:tnLst>
+      <p:par>
+        <p:cTn id="1" dur="indefinite" restart="never" nodeType="tmRoot"/>
+      </p:par>
+    </p:tnLst>
+  </p:timing>
+</p:sld>
+</file>
+
+<file path=ppt/slides/slide7.xml><?xml version="1.0" encoding="utf-8"?>
+<p:sld xmlns:a="http://schemas.openxmlformats.org/drawingml/2006/main" xmlns:r="http://schemas.openxmlformats.org/officeDocument/2006/relationships" xmlns:p="http://schemas.openxmlformats.org/presentationml/2006/main">
+  <p:cSld>
+    <p:spTree>
+      <p:nvGrpSpPr>
+        <p:cNvPr id="1" name=""/>
+        <p:cNvGrpSpPr/>
+        <p:nvPr/>
+      </p:nvGrpSpPr>
+      <p:grpSpPr>
+        <a:xfrm>
+          <a:off x="0" y="0"/>
+          <a:ext cx="0" cy="0"/>
+          <a:chOff x="0" y="0"/>
+          <a:chExt cx="0" cy="0"/>
+        </a:xfrm>
+      </p:grpSpPr>
+      <p:sp>
+        <p:nvSpPr>
+          <p:cNvPr id="2" name="标题 1"/>
+          <p:cNvSpPr>
+            <a:spLocks noGrp="1"/>
+          </p:cNvSpPr>
+          <p:nvPr>
+            <p:ph type="title"/>
+          </p:nvPr>
+        </p:nvSpPr>
+        <p:spPr/>
+        <p:txBody>
+          <a:bodyPr/>
+          <a:lstStyle/>
+          <a:p>
+            <a:r>
+              <a:rPr kumimoji="1" lang="zh-CN" altLang="en-US" dirty="0" smtClean="0"/>
+              <a:t>数据来源</a:t>
+            </a:r>
+            <a:endParaRPr kumimoji="1" lang="zh-CN" altLang="en-US" dirty="0"/>
+          </a:p>
+        </p:txBody>
+      </p:sp>
+      <p:sp>
+        <p:nvSpPr>
+          <p:cNvPr id="3" name="内容占位符 2"/>
+          <p:cNvSpPr>
+            <a:spLocks noGrp="1"/>
+          </p:cNvSpPr>
+          <p:nvPr>
+            <p:ph idx="1"/>
+          </p:nvPr>
+        </p:nvSpPr>
+        <p:spPr/>
+        <p:txBody>
+          <a:bodyPr/>
+          <a:lstStyle/>
+          <a:p>
+            <a:endParaRPr kumimoji="1" lang="zh-CN" altLang="en-US"/>
+          </a:p>
+        </p:txBody>
+      </p:sp>
+      <p:sp>
+        <p:nvSpPr>
+          <p:cNvPr id="4" name="日期占位符 3"/>
+          <p:cNvSpPr>
+            <a:spLocks noGrp="1"/>
+          </p:cNvSpPr>
+          <p:nvPr>
+            <p:ph type="dt" sz="half" idx="10"/>
+          </p:nvPr>
+        </p:nvSpPr>
+        <p:spPr/>
+        <p:txBody>
+          <a:bodyPr/>
+          <a:lstStyle/>
+          <a:p>
+            <a:fld id="{AFB7005A-8EFB-4B4A-BF7E-783465653614}" type="datetime11">
+              <a:rPr lang="zh-CN" altLang="en-US" smtClean="0"/>
+              <a:t>23:33:24</a:t>
+            </a:fld>
+            <a:endParaRPr lang="zh-CN" altLang="en-US"/>
+          </a:p>
+        </p:txBody>
+      </p:sp>
+    </p:spTree>
+    <p:extLst>
+      <p:ext uri="{BB962C8B-B14F-4D97-AF65-F5344CB8AC3E}">
+        <p14:creationId xmlns:p14="http://schemas.microsoft.com/office/powerpoint/2010/main" val="534903278"/>
+      </p:ext>
+    </p:extLst>
+  </p:cSld>
+  <p:clrMapOvr>
+    <a:masterClrMapping/>
+  </p:clrMapOvr>
+  <p:timing>
+    <p:tnLst>
+      <p:par>
+        <p:cTn id="1" dur="indefinite" restart="never" nodeType="tmRoot"/>
+      </p:par>
+    </p:tnLst>
+  </p:timing>
+</p:sld>
+</file>
+
+<file path=ppt/slides/slide8.xml><?xml version="1.0" encoding="utf-8"?>
+<p:sld xmlns:a="http://schemas.openxmlformats.org/drawingml/2006/main" xmlns:r="http://schemas.openxmlformats.org/officeDocument/2006/relationships" xmlns:p="http://schemas.openxmlformats.org/presentationml/2006/main">
+  <p:cSld>
+    <p:spTree>
+      <p:nvGrpSpPr>
+        <p:cNvPr id="1" name=""/>
+        <p:cNvGrpSpPr/>
+        <p:nvPr/>
+      </p:nvGrpSpPr>
+      <p:grpSpPr>
+        <a:xfrm>
+          <a:off x="0" y="0"/>
+          <a:ext cx="0" cy="0"/>
+          <a:chOff x="0" y="0"/>
+          <a:chExt cx="0" cy="0"/>
+        </a:xfrm>
+      </p:grpSpPr>
+      <p:sp>
+        <p:nvSpPr>
+          <p:cNvPr id="2" name="标题 1"/>
+          <p:cNvSpPr>
+            <a:spLocks noGrp="1"/>
+          </p:cNvSpPr>
+          <p:nvPr>
+            <p:ph type="title"/>
+          </p:nvPr>
+        </p:nvSpPr>
+        <p:spPr/>
+        <p:txBody>
+          <a:bodyPr>
+            <a:normAutofit fontScale="90000"/>
+          </a:bodyPr>
+          <a:lstStyle/>
+          <a:p>
+            <a:r>
+              <a:rPr kumimoji="1" lang="zh-CN" altLang="en-US" dirty="0" smtClean="0"/>
+              <a:t>在线编程功能与实现特点</a:t>
+            </a:r>
+            <a:endParaRPr kumimoji="1" lang="zh-CN" altLang="en-US" dirty="0"/>
+          </a:p>
+        </p:txBody>
+      </p:sp>
+      <p:sp>
+        <p:nvSpPr>
+          <p:cNvPr id="3" name="内容占位符 2"/>
+          <p:cNvSpPr>
+            <a:spLocks noGrp="1"/>
+          </p:cNvSpPr>
+          <p:nvPr>
+            <p:ph idx="1"/>
+          </p:nvPr>
+        </p:nvSpPr>
+        <p:spPr/>
+        <p:txBody>
+          <a:bodyPr/>
+          <a:lstStyle/>
+          <a:p>
+            <a:r>
+              <a:rPr kumimoji="1" lang="zh-CN" altLang="en-US" dirty="0" smtClean="0"/>
+              <a:t>用户</a:t>
+            </a:r>
+            <a:r>
+              <a:rPr kumimoji="1" lang="zh-CN" altLang="en-US" b="1" dirty="0" smtClean="0"/>
+              <a:t>无需实现参数输入、计算结果输出逻辑</a:t>
+            </a:r>
+            <a:endParaRPr kumimoji="1" lang="en-US" altLang="zh-CN" b="1" dirty="0" smtClean="0"/>
+          </a:p>
+          <a:p>
+            <a:r>
+              <a:rPr kumimoji="1" lang="zh-CN" altLang="en-US" dirty="0" smtClean="0"/>
+              <a:t>支持 </a:t>
+            </a:r>
+            <a:r>
+              <a:rPr kumimoji="1" lang="en-US" altLang="zh-CN" dirty="0" smtClean="0"/>
+              <a:t>Java</a:t>
+            </a:r>
+            <a:r>
+              <a:rPr kumimoji="1" lang="zh-CN" altLang="en-US" dirty="0" smtClean="0"/>
+              <a:t> </a:t>
+            </a:r>
+            <a:r>
+              <a:rPr kumimoji="1" lang="en-US" altLang="zh-CN" dirty="0" smtClean="0"/>
+              <a:t>8</a:t>
+            </a:r>
+          </a:p>
+          <a:p>
+            <a:r>
+              <a:rPr kumimoji="1" lang="zh-CN" altLang="en-US" dirty="0" smtClean="0"/>
+              <a:t>黑盒测试</a:t>
+            </a:r>
+            <a:endParaRPr kumimoji="1" lang="en-US" altLang="zh-CN" dirty="0" smtClean="0"/>
+          </a:p>
+          <a:p>
+            <a:endParaRPr kumimoji="1" lang="zh-CN" altLang="en-US" dirty="0"/>
+          </a:p>
+        </p:txBody>
+      </p:sp>
+      <p:sp>
+        <p:nvSpPr>
+          <p:cNvPr id="6" name="日期占位符 5"/>
+          <p:cNvSpPr>
+            <a:spLocks noGrp="1"/>
+          </p:cNvSpPr>
+          <p:nvPr>
+            <p:ph type="dt" sz="half" idx="10"/>
+          </p:nvPr>
+        </p:nvSpPr>
+        <p:spPr>
+          <a:xfrm>
+            <a:off x="8368748" y="6540502"/>
+            <a:ext cx="775252" cy="317498"/>
+          </a:xfrm>
+        </p:spPr>
+        <p:txBody>
+          <a:bodyPr/>
+          <a:lstStyle/>
+          <a:p>
+            <a:fld id="{23551141-8730-254F-86E1-1D9F9D5E3924}" type="datetime11">
+              <a:rPr lang="zh-CN" altLang="en-US" smtClean="0"/>
+              <a:t>23:33:24</a:t>
+            </a:fld>
+            <a:endParaRPr lang="zh-CN" altLang="en-US" dirty="0"/>
+          </a:p>
+        </p:txBody>
+      </p:sp>
+    </p:spTree>
+    <p:extLst>
+      <p:ext uri="{BB962C8B-B14F-4D97-AF65-F5344CB8AC3E}">
+        <p14:creationId xmlns:p14="http://schemas.microsoft.com/office/powerpoint/2010/main" val="1217229610"/>
+      </p:ext>
+    </p:extLst>
+  </p:cSld>
+  <p:clrMapOvr>
+    <a:masterClrMapping/>
+  </p:clrMapOvr>
+  <p:timing>
+    <p:tnLst>
+      <p:par>
+        <p:cTn id="1" dur="indefinite" restart="never" nodeType="tmRoot"/>
+      </p:par>
+    </p:tnLst>
+  </p:timing>
+</p:sld>
+</file>
+
+<file path=ppt/slides/slide9.xml><?xml version="1.0" encoding="utf-8"?>
+<p:sld xmlns:a="http://schemas.openxmlformats.org/drawingml/2006/main" xmlns:r="http://schemas.openxmlformats.org/officeDocument/2006/relationships" xmlns:p="http://schemas.openxmlformats.org/presentationml/2006/main">
+  <p:cSld>
+    <p:spTree>
+      <p:nvGrpSpPr>
+        <p:cNvPr id="1" name=""/>
+        <p:cNvGrpSpPr/>
+        <p:nvPr/>
+      </p:nvGrpSpPr>
+      <p:grpSpPr>
+        <a:xfrm>
+          <a:off x="0" y="0"/>
+          <a:ext cx="0" cy="0"/>
+          <a:chOff x="0" y="0"/>
+          <a:chExt cx="0" cy="0"/>
+        </a:xfrm>
+      </p:grpSpPr>
+      <p:sp>
+        <p:nvSpPr>
+          <p:cNvPr id="2" name="标题 1"/>
+          <p:cNvSpPr>
+            <a:spLocks noGrp="1"/>
+          </p:cNvSpPr>
+          <p:nvPr>
+            <p:ph type="title"/>
+          </p:nvPr>
+        </p:nvSpPr>
+        <p:spPr/>
+        <p:txBody>
+          <a:bodyPr/>
+          <a:lstStyle/>
+          <a:p>
+            <a:r>
+              <a:rPr kumimoji="1" lang="zh-CN" altLang="en-US" dirty="0" smtClean="0"/>
+              <a:t>与</a:t>
+            </a:r>
+            <a:r>
+              <a:rPr kumimoji="1" lang="en-US" altLang="zh-CN" dirty="0" smtClean="0"/>
+              <a:t>SCAU</a:t>
+            </a:r>
+            <a:r>
+              <a:rPr kumimoji="1" lang="zh-CN" altLang="en-US" dirty="0" smtClean="0"/>
+              <a:t> </a:t>
+            </a:r>
+            <a:r>
+              <a:rPr kumimoji="1" lang="en-US" altLang="zh-CN" dirty="0" smtClean="0"/>
+              <a:t>OJ</a:t>
+            </a:r>
+            <a:r>
+              <a:rPr kumimoji="1" lang="zh-CN" altLang="en-US" dirty="0" smtClean="0"/>
+              <a:t>对比</a:t>
+            </a:r>
+            <a:endParaRPr kumimoji="1" lang="zh-CN" altLang="en-US" dirty="0"/>
+          </a:p>
+        </p:txBody>
+      </p:sp>
+      <p:sp>
+        <p:nvSpPr>
+          <p:cNvPr id="3" name="内容占位符 2"/>
+          <p:cNvSpPr>
+            <a:spLocks noGrp="1"/>
+          </p:cNvSpPr>
+          <p:nvPr>
+            <p:ph idx="1"/>
+          </p:nvPr>
+        </p:nvSpPr>
+        <p:spPr/>
+        <p:txBody>
+          <a:bodyPr/>
+          <a:lstStyle/>
+          <a:p>
+            <a:endParaRPr kumimoji="1" lang="zh-CN" altLang="en-US"/>
+          </a:p>
+        </p:txBody>
+      </p:sp>
+      <p:sp>
+        <p:nvSpPr>
+          <p:cNvPr id="4" name="日期占位符 3"/>
+          <p:cNvSpPr>
+            <a:spLocks noGrp="1"/>
+          </p:cNvSpPr>
+          <p:nvPr>
+            <p:ph type="dt" sz="half" idx="10"/>
+          </p:nvPr>
+        </p:nvSpPr>
+        <p:spPr/>
+        <p:txBody>
+          <a:bodyPr/>
+          <a:lstStyle/>
+          <a:p>
+            <a:fld id="{E4C0FD68-7273-B74C-8DEE-A395D4E30DE1}" type="datetime11">
+              <a:rPr lang="zh-CN" altLang="en-US" smtClean="0"/>
+              <a:t>23:33:24</a:t>
+            </a:fld>
+            <a:endParaRPr lang="zh-CN" altLang="en-US"/>
+          </a:p>
+        </p:txBody>
+      </p:sp>
+    </p:spTree>
+    <p:extLst>
+      <p:ext uri="{BB962C8B-B14F-4D97-AF65-F5344CB8AC3E}">
+        <p14:creationId xmlns:p14="http://schemas.microsoft.com/office/powerpoint/2010/main" val="626279234"/>
+      </p:ext>
+    </p:extLst>
+  </p:cSld>
+  <p:clrMapOvr>
+    <a:masterClrMapping/>
+  </p:clrMapOvr>
+  <p:timing>
+    <p:tnLst>
+      <p:par>
+        <p:cTn id="1" dur="indefinite" restart="never" nodeType="tmRoot"/>
+      </p:par>
+    </p:tnLst>
+  </p:timing>
 </p:sld>
 </file>
 
 <file path=ppt/theme/theme1.xml><?xml version="1.0" encoding="utf-8"?>
-<a:theme xmlns:a="http://schemas.openxmlformats.org/drawingml/2006/main" name="Office 主题​​">
+<a:theme xmlns:a="http://schemas.openxmlformats.org/drawingml/2006/main" name="Office Theme">
   <a:themeElements>
-    <a:clrScheme name="Office 主题​​">
+    <a:clrScheme name="Office 主题">
       <a:dk1>
         <a:sysClr val="windowText" lastClr="000000"/>
       </a:dk1>
@@ -3595,7 +5360,7 @@
         <a:srgbClr val="E7E6E6"/>
       </a:lt2>
       <a:accent1>
-        <a:srgbClr val="5B9BD5"/>
+        <a:srgbClr val="4472C4"/>
       </a:accent1>
       <a:accent2>
         <a:srgbClr val="ED7D31"/>
@@ -3607,7 +5372,7 @@
         <a:srgbClr val="FFC000"/>
       </a:accent4>
       <a:accent5>
-        <a:srgbClr val="4472C4"/>
+        <a:srgbClr val="5B9BD5"/>
       </a:accent5>
       <a:accent6>
         <a:srgbClr val="70AD47"/>
@@ -3619,7 +5384,7 @@
         <a:srgbClr val="954F72"/>
       </a:folHlink>
     </a:clrScheme>
-    <a:fontScheme name="Office 主题​​">
+    <a:fontScheme name="Office 主题">
       <a:majorFont>
         <a:latin typeface="Calibri Light" panose="020F0302020204030204"/>
         <a:ea typeface=""/>
@@ -3691,7 +5456,268 @@
         <a:font script="Geor" typeface="Sylfaen"/>
       </a:minorFont>
     </a:fontScheme>
-    <a:fmtScheme name="Office 主题​​">
+    <a:fmtScheme name="Office 主题">
+      <a:fillStyleLst>
+        <a:solidFill>
+          <a:schemeClr val="phClr"/>
+        </a:solidFill>
+        <a:gradFill rotWithShape="1">
+          <a:gsLst>
+            <a:gs pos="0">
+              <a:schemeClr val="phClr">
+                <a:lumMod val="110000"/>
+                <a:satMod val="105000"/>
+                <a:tint val="67000"/>
+              </a:schemeClr>
+            </a:gs>
+            <a:gs pos="50000">
+              <a:schemeClr val="phClr">
+                <a:lumMod val="105000"/>
+                <a:satMod val="103000"/>
+                <a:tint val="73000"/>
+              </a:schemeClr>
+            </a:gs>
+            <a:gs pos="100000">
+              <a:schemeClr val="phClr">
+                <a:lumMod val="105000"/>
+                <a:satMod val="109000"/>
+                <a:tint val="81000"/>
+              </a:schemeClr>
+            </a:gs>
+          </a:gsLst>
+          <a:lin ang="5400000" scaled="0"/>
+        </a:gradFill>
+        <a:gradFill rotWithShape="1">
+          <a:gsLst>
+            <a:gs pos="0">
+              <a:schemeClr val="phClr">
+                <a:satMod val="103000"/>
+                <a:lumMod val="102000"/>
+                <a:tint val="94000"/>
+              </a:schemeClr>
+            </a:gs>
+            <a:gs pos="50000">
+              <a:schemeClr val="phClr">
+                <a:satMod val="110000"/>
+                <a:lumMod val="100000"/>
+                <a:shade val="100000"/>
+              </a:schemeClr>
+            </a:gs>
+            <a:gs pos="100000">
+              <a:schemeClr val="phClr">
+                <a:lumMod val="99000"/>
+                <a:satMod val="120000"/>
+                <a:shade val="78000"/>
+              </a:schemeClr>
+            </a:gs>
+          </a:gsLst>
+          <a:lin ang="5400000" scaled="0"/>
+        </a:gradFill>
+      </a:fillStyleLst>
+      <a:lnStyleLst>
+        <a:ln w="6350" cap="flat" cmpd="sng" algn="ctr">
+          <a:solidFill>
+            <a:schemeClr val="phClr"/>
+          </a:solidFill>
+          <a:prstDash val="solid"/>
+          <a:miter lim="800000"/>
+        </a:ln>
+        <a:ln w="12700" cap="flat" cmpd="sng" algn="ctr">
+          <a:solidFill>
+            <a:schemeClr val="phClr"/>
+          </a:solidFill>
+          <a:prstDash val="solid"/>
+          <a:miter lim="800000"/>
+        </a:ln>
+        <a:ln w="19050" cap="flat" cmpd="sng" algn="ctr">
+          <a:solidFill>
+            <a:schemeClr val="phClr"/>
+          </a:solidFill>
+          <a:prstDash val="solid"/>
+          <a:miter lim="800000"/>
+        </a:ln>
+      </a:lnStyleLst>
+      <a:effectStyleLst>
+        <a:effectStyle>
+          <a:effectLst/>
+        </a:effectStyle>
+        <a:effectStyle>
+          <a:effectLst/>
+        </a:effectStyle>
+        <a:effectStyle>
+          <a:effectLst>
+            <a:outerShdw blurRad="57150" dist="19050" dir="5400000" algn="ctr" rotWithShape="0">
+              <a:srgbClr val="000000">
+                <a:alpha val="63000"/>
+              </a:srgbClr>
+            </a:outerShdw>
+          </a:effectLst>
+        </a:effectStyle>
+      </a:effectStyleLst>
+      <a:bgFillStyleLst>
+        <a:solidFill>
+          <a:schemeClr val="phClr"/>
+        </a:solidFill>
+        <a:solidFill>
+          <a:schemeClr val="phClr">
+            <a:tint val="95000"/>
+            <a:satMod val="170000"/>
+          </a:schemeClr>
+        </a:solidFill>
+        <a:gradFill rotWithShape="1">
+          <a:gsLst>
+            <a:gs pos="0">
+              <a:schemeClr val="phClr">
+                <a:tint val="93000"/>
+                <a:satMod val="150000"/>
+                <a:shade val="98000"/>
+                <a:lumMod val="102000"/>
+              </a:schemeClr>
+            </a:gs>
+            <a:gs pos="50000">
+              <a:schemeClr val="phClr">
+                <a:tint val="98000"/>
+                <a:satMod val="130000"/>
+                <a:shade val="90000"/>
+                <a:lumMod val="103000"/>
+              </a:schemeClr>
+            </a:gs>
+            <a:gs pos="100000">
+              <a:schemeClr val="phClr">
+                <a:shade val="63000"/>
+                <a:satMod val="120000"/>
+              </a:schemeClr>
+            </a:gs>
+          </a:gsLst>
+          <a:lin ang="5400000" scaled="0"/>
+        </a:gradFill>
+      </a:bgFillStyleLst>
+    </a:fmtScheme>
+  </a:themeElements>
+  <a:objectDefaults/>
+  <a:extraClrSchemeLst/>
+  <a:extLst>
+    <a:ext uri="{05A4C25C-085E-4340-85A3-A5531E510DB2}">
+      <thm15:themeFamily xmlns:thm15="http://schemas.microsoft.com/office/thememl/2012/main" name="Office Theme" id="{62F939B6-93AF-4DB8-9C6B-D6C7DFDC589F}" vid="{4A3C46E8-61CC-4603-A589-7422A47A8E4A}"/>
+    </a:ext>
+  </a:extLst>
+</a:theme>
+</file>
+
+<file path=ppt/theme/theme2.xml><?xml version="1.0" encoding="utf-8"?>
+<a:theme xmlns:a="http://schemas.openxmlformats.org/drawingml/2006/main" name="Office 主题">
+  <a:themeElements>
+    <a:clrScheme name="Office">
+      <a:dk1>
+        <a:sysClr val="windowText" lastClr="000000"/>
+      </a:dk1>
+      <a:lt1>
+        <a:sysClr val="window" lastClr="FFFFFF"/>
+      </a:lt1>
+      <a:dk2>
+        <a:srgbClr val="44546A"/>
+      </a:dk2>
+      <a:lt2>
+        <a:srgbClr val="E7E6E6"/>
+      </a:lt2>
+      <a:accent1>
+        <a:srgbClr val="4472C4"/>
+      </a:accent1>
+      <a:accent2>
+        <a:srgbClr val="ED7D31"/>
+      </a:accent2>
+      <a:accent3>
+        <a:srgbClr val="A5A5A5"/>
+      </a:accent3>
+      <a:accent4>
+        <a:srgbClr val="FFC000"/>
+      </a:accent4>
+      <a:accent5>
+        <a:srgbClr val="5B9BD5"/>
+      </a:accent5>
+      <a:accent6>
+        <a:srgbClr val="70AD47"/>
+      </a:accent6>
+      <a:hlink>
+        <a:srgbClr val="0563C1"/>
+      </a:hlink>
+      <a:folHlink>
+        <a:srgbClr val="954F72"/>
+      </a:folHlink>
+    </a:clrScheme>
+    <a:fontScheme name="Office">
+      <a:majorFont>
+        <a:latin typeface="DengXian Light" panose="020F0302020204030204"/>
+        <a:ea typeface=""/>
+        <a:cs typeface=""/>
+        <a:font script="Jpan" typeface="Yu Gothic Light"/>
+        <a:font script="Hang" typeface="맑은 고딕"/>
+        <a:font script="Hans" typeface="DengXian Light"/>
+        <a:font script="Hant" typeface="新細明體"/>
+        <a:font script="Arab" typeface="Times New Roman"/>
+        <a:font script="Hebr" typeface="Times New Roman"/>
+        <a:font script="Thai" typeface="Angsana New"/>
+        <a:font script="Ethi" typeface="Nyala"/>
+        <a:font script="Beng" typeface="Vrinda"/>
+        <a:font script="Gujr" typeface="Shruti"/>
+        <a:font script="Khmr" typeface="MoolBoran"/>
+        <a:font script="Knda" typeface="Tunga"/>
+        <a:font script="Guru" typeface="Raavi"/>
+        <a:font script="Cans" typeface="Euphemia"/>
+        <a:font script="Cher" typeface="Plantagenet Cherokee"/>
+        <a:font script="Yiii" typeface="Microsoft Yi Baiti"/>
+        <a:font script="Tibt" typeface="Microsoft Himalaya"/>
+        <a:font script="Thaa" typeface="MV Boli"/>
+        <a:font script="Deva" typeface="Mangal"/>
+        <a:font script="Telu" typeface="Gautami"/>
+        <a:font script="Taml" typeface="Latha"/>
+        <a:font script="Syrc" typeface="Estrangelo Edessa"/>
+        <a:font script="Orya" typeface="Kalinga"/>
+        <a:font script="Mlym" typeface="Kartika"/>
+        <a:font script="Laoo" typeface="DokChampa"/>
+        <a:font script="Sinh" typeface="Iskoola Pota"/>
+        <a:font script="Mong" typeface="Mongolian Baiti"/>
+        <a:font script="Viet" typeface="Times New Roman"/>
+        <a:font script="Uigh" typeface="Microsoft Uighur"/>
+        <a:font script="Geor" typeface="Sylfaen"/>
+      </a:majorFont>
+      <a:minorFont>
+        <a:latin typeface="DengXian" panose="020F0502020204030204"/>
+        <a:ea typeface=""/>
+        <a:cs typeface=""/>
+        <a:font script="Jpan" typeface="Yu Gothic"/>
+        <a:font script="Hang" typeface="맑은 고딕"/>
+        <a:font script="Hans" typeface="DengXian"/>
+        <a:font script="Hant" typeface="新細明體"/>
+        <a:font script="Arab" typeface="Arial"/>
+        <a:font script="Hebr" typeface="Arial"/>
+        <a:font script="Thai" typeface="Cordia New"/>
+        <a:font script="Ethi" typeface="Nyala"/>
+        <a:font script="Beng" typeface="Vrinda"/>
+        <a:font script="Gujr" typeface="Shruti"/>
+        <a:font script="Khmr" typeface="DaunPenh"/>
+        <a:font script="Knda" typeface="Tunga"/>
+        <a:font script="Guru" typeface="Raavi"/>
+        <a:font script="Cans" typeface="Euphemia"/>
+        <a:font script="Cher" typeface="Plantagenet Cherokee"/>
+        <a:font script="Yiii" typeface="Microsoft Yi Baiti"/>
+        <a:font script="Tibt" typeface="Microsoft Himalaya"/>
+        <a:font script="Thaa" typeface="MV Boli"/>
+        <a:font script="Deva" typeface="Mangal"/>
+        <a:font script="Telu" typeface="Gautami"/>
+        <a:font script="Taml" typeface="Latha"/>
+        <a:font script="Syrc" typeface="Estrangelo Edessa"/>
+        <a:font script="Orya" typeface="Kalinga"/>
+        <a:font script="Mlym" typeface="Kartika"/>
+        <a:font script="Laoo" typeface="DokChampa"/>
+        <a:font script="Sinh" typeface="Iskoola Pota"/>
+        <a:font script="Mong" typeface="Mongolian Baiti"/>
+        <a:font script="Viet" typeface="Arial"/>
+        <a:font script="Uigh" typeface="Microsoft Uighur"/>
+        <a:font script="Geor" typeface="Sylfaen"/>
+      </a:minorFont>
+    </a:fontScheme>
+    <a:fmtScheme name="Office">
       <a:fillStyleLst>
         <a:solidFill>
           <a:schemeClr val="phClr"/>

--- a/基于Scrapy框架的计算机专业学习资源网站_吴伟杰.pptx
+++ b/基于Scrapy框架的计算机专业学习资源网站_吴伟杰.pptx
@@ -5,7 +5,7 @@
     <p:sldMasterId id="2147484229" r:id="rId1"/>
   </p:sldMasterIdLst>
   <p:notesMasterIdLst>
-    <p:notesMasterId r:id="rId12"/>
+    <p:notesMasterId r:id="rId11"/>
   </p:notesMasterIdLst>
   <p:sldIdLst>
     <p:sldId id="256" r:id="rId2"/>
@@ -13,11 +13,10 @@
     <p:sldId id="258" r:id="rId4"/>
     <p:sldId id="259" r:id="rId5"/>
     <p:sldId id="262" r:id="rId6"/>
-    <p:sldId id="264" r:id="rId7"/>
-    <p:sldId id="261" r:id="rId8"/>
-    <p:sldId id="260" r:id="rId9"/>
-    <p:sldId id="263" r:id="rId10"/>
-    <p:sldId id="257" r:id="rId11"/>
+    <p:sldId id="261" r:id="rId7"/>
+    <p:sldId id="260" r:id="rId8"/>
+    <p:sldId id="263" r:id="rId9"/>
+    <p:sldId id="257" r:id="rId10"/>
   </p:sldIdLst>
   <p:sldSz cx="9144000" cy="6858000" type="screen4x3"/>
   <p:notesSz cx="6858000" cy="9144000"/>
@@ -206,7 +205,7 @@
           <a:p>
             <a:fld id="{D9681CC2-9F64-4C41-97C5-F57FAEF6D39C}" type="datetimeFigureOut">
               <a:rPr kumimoji="1" lang="zh-CN" altLang="en-US" smtClean="0"/>
-              <a:t>2019/5/9</a:t>
+              <a:t>2019/5/10</a:t>
             </a:fld>
             <a:endParaRPr kumimoji="1" lang="zh-CN" altLang="en-US"/>
           </a:p>
@@ -623,7 +622,7 @@
           <a:p>
             <a:fld id="{A438EE0D-1E5A-EE4E-8B4B-E6DDF838F640}" type="slidenum">
               <a:rPr kumimoji="1" lang="zh-CN" altLang="en-US" smtClean="0"/>
-              <a:t>8</a:t>
+              <a:t>7</a:t>
             </a:fld>
             <a:endParaRPr kumimoji="1" lang="zh-CN" altLang="en-US"/>
           </a:p>
@@ -773,7 +772,7 @@
           <a:p>
             <a:fld id="{5ECD60F8-BCA7-FB4A-868B-81E09D9A8B51}" type="datetime11">
               <a:rPr lang="zh-CN" altLang="en-US" smtClean="0"/>
-              <a:t>23:33:23</a:t>
+              <a:t>10:02:05</a:t>
             </a:fld>
             <a:endParaRPr lang="zh-CN" altLang="en-US"/>
           </a:p>
@@ -945,7 +944,7 @@
           <a:p>
             <a:fld id="{07E88D81-B883-A34A-9540-CEDC59CBB58B}" type="datetime11">
               <a:rPr lang="zh-CN" altLang="en-US" smtClean="0"/>
-              <a:t>23:33:23</a:t>
+              <a:t>10:02:05</a:t>
             </a:fld>
             <a:endParaRPr lang="zh-CN" altLang="en-US"/>
           </a:p>
@@ -1127,7 +1126,7 @@
           <a:p>
             <a:fld id="{3DF5F07E-3A0C-504B-B876-3D7D1967EA3C}" type="datetime11">
               <a:rPr lang="zh-CN" altLang="en-US" smtClean="0"/>
-              <a:t>23:33:23</a:t>
+              <a:t>10:02:05</a:t>
             </a:fld>
             <a:endParaRPr lang="zh-CN" altLang="en-US"/>
           </a:p>
@@ -1237,11 +1236,7 @@
           <a:p>
             <a:r>
               <a:rPr lang="zh-CN" altLang="en-US" dirty="0" smtClean="0"/>
-              <a:t>单击此处编辑母版标</a:t>
-            </a:r>
-            <a:r>
-              <a:rPr lang="zh-CN" altLang="en-US" dirty="0" smtClean="0"/>
-              <a:t>题</a:t>
+              <a:t>单击此处编辑母版标题</a:t>
             </a:r>
             <a:endParaRPr lang="en-US" dirty="0"/>
           </a:p>
@@ -1321,7 +1316,7 @@
           <a:p>
             <a:fld id="{E093F988-9A29-5E45-8D20-69A04853E7AD}" type="datetime11">
               <a:rPr lang="zh-CN" altLang="en-US" smtClean="0"/>
-              <a:t>23:33:23</a:t>
+              <a:t>10:02:05</a:t>
             </a:fld>
             <a:endParaRPr lang="zh-CN" altLang="en-US"/>
           </a:p>
@@ -1567,7 +1562,7 @@
           <a:p>
             <a:fld id="{6173DDBA-B680-6A4A-8D1D-1A27589B5E95}" type="datetime11">
               <a:rPr lang="zh-CN" altLang="en-US" smtClean="0"/>
-              <a:t>23:33:23</a:t>
+              <a:t>10:02:05</a:t>
             </a:fld>
             <a:endParaRPr lang="zh-CN" altLang="en-US"/>
           </a:p>
@@ -1801,7 +1796,7 @@
           <a:p>
             <a:fld id="{9275D0CC-BA07-D441-9CED-FD41EAC9DAA9}" type="datetime11">
               <a:rPr lang="zh-CN" altLang="en-US" smtClean="0"/>
-              <a:t>23:33:23</a:t>
+              <a:t>10:02:05</a:t>
             </a:fld>
             <a:endParaRPr lang="zh-CN" altLang="en-US"/>
           </a:p>
@@ -2175,7 +2170,7 @@
           <a:p>
             <a:fld id="{5878D75F-A3E8-8142-8AF3-3DEE6BCBEE63}" type="datetime11">
               <a:rPr lang="zh-CN" altLang="en-US" smtClean="0"/>
-              <a:t>23:33:23</a:t>
+              <a:t>10:02:05</a:t>
             </a:fld>
             <a:endParaRPr lang="zh-CN" altLang="en-US"/>
           </a:p>
@@ -2300,7 +2295,7 @@
           <a:p>
             <a:fld id="{E959AB34-1740-CE4E-A318-8FA83AE911A1}" type="datetime11">
               <a:rPr lang="zh-CN" altLang="en-US" smtClean="0"/>
-              <a:t>23:33:23</a:t>
+              <a:t>10:02:05</a:t>
             </a:fld>
             <a:endParaRPr lang="zh-CN" altLang="en-US"/>
           </a:p>
@@ -2390,7 +2385,7 @@
           <a:p>
             <a:fld id="{87BC8D96-DEF2-6340-A3B7-E54FC6CC2903}" type="datetime11">
               <a:rPr lang="zh-CN" altLang="en-US" smtClean="0"/>
-              <a:t>23:33:23</a:t>
+              <a:t>10:02:05</a:t>
             </a:fld>
             <a:endParaRPr lang="zh-CN" altLang="en-US"/>
           </a:p>
@@ -2662,7 +2657,7 @@
           <a:p>
             <a:fld id="{3DF0D7E1-8531-C34B-AF47-56C48989C843}" type="datetime11">
               <a:rPr lang="zh-CN" altLang="en-US" smtClean="0"/>
-              <a:t>23:33:23</a:t>
+              <a:t>10:02:05</a:t>
             </a:fld>
             <a:endParaRPr lang="zh-CN" altLang="en-US"/>
           </a:p>
@@ -2926,7 +2921,7 @@
           <a:p>
             <a:fld id="{1F5C8B91-33D4-3B46-98A0-1A7911CE6EE5}" type="datetime11">
               <a:rPr lang="zh-CN" altLang="en-US" smtClean="0"/>
-              <a:t>23:33:23</a:t>
+              <a:t>10:02:05</a:t>
             </a:fld>
             <a:endParaRPr lang="zh-CN" altLang="en-US"/>
           </a:p>
@@ -3273,7 +3268,7 @@
           <a:p>
             <a:fld id="{C1CAB5B8-A118-C145-A611-0AD7F2ACB9C6}" type="datetime11">
               <a:rPr lang="zh-CN" altLang="en-US" smtClean="0"/>
-              <a:t>23:33:23</a:t>
+              <a:t>10:02:05</a:t>
             </a:fld>
             <a:endParaRPr lang="zh-CN" altLang="en-US"/>
           </a:p>
@@ -4002,7 +3997,7 @@
           <a:p>
             <a:fld id="{94E70139-B0AB-7948-B662-8E6463EF7FCC}" type="datetime11">
               <a:rPr lang="zh-CN" altLang="en-US" smtClean="0"/>
-              <a:t>23:33:23</a:t>
+              <a:t>10:02:05</a:t>
             </a:fld>
             <a:endParaRPr lang="zh-CN" altLang="en-US"/>
           </a:p>
@@ -4012,90 +4007,6 @@
     <p:extLst>
       <p:ext uri="{BB962C8B-B14F-4D97-AF65-F5344CB8AC3E}">
         <p14:creationId xmlns:p14="http://schemas.microsoft.com/office/powerpoint/2010/main" val="3016212164"/>
-      </p:ext>
-    </p:extLst>
-  </p:cSld>
-  <p:clrMapOvr>
-    <a:masterClrMapping/>
-  </p:clrMapOvr>
-  <p:timing>
-    <p:tnLst>
-      <p:par>
-        <p:cTn id="1" dur="indefinite" restart="never" nodeType="tmRoot"/>
-      </p:par>
-    </p:tnLst>
-  </p:timing>
-</p:sld>
-</file>
-
-<file path=ppt/slides/slide10.xml><?xml version="1.0" encoding="utf-8"?>
-<p:sld xmlns:a="http://schemas.openxmlformats.org/drawingml/2006/main" xmlns:r="http://schemas.openxmlformats.org/officeDocument/2006/relationships" xmlns:p="http://schemas.openxmlformats.org/presentationml/2006/main">
-  <p:cSld>
-    <p:spTree>
-      <p:nvGrpSpPr>
-        <p:cNvPr id="1" name=""/>
-        <p:cNvGrpSpPr/>
-        <p:nvPr/>
-      </p:nvGrpSpPr>
-      <p:grpSpPr>
-        <a:xfrm>
-          <a:off x="0" y="0"/>
-          <a:ext cx="0" cy="0"/>
-          <a:chOff x="0" y="0"/>
-          <a:chExt cx="0" cy="0"/>
-        </a:xfrm>
-      </p:grpSpPr>
-      <p:pic>
-        <p:nvPicPr>
-          <p:cNvPr id="4" name="图片 3"/>
-          <p:cNvPicPr>
-            <a:picLocks noChangeAspect="1"/>
-          </p:cNvPicPr>
-          <p:nvPr/>
-        </p:nvPicPr>
-        <p:blipFill>
-          <a:blip r:embed="rId2"/>
-          <a:stretch>
-            <a:fillRect/>
-          </a:stretch>
-        </p:blipFill>
-        <p:spPr>
-          <a:xfrm>
-            <a:off x="1196698" y="-3551"/>
-            <a:ext cx="6744467" cy="6858860"/>
-          </a:xfrm>
-          <a:prstGeom prst="rect">
-            <a:avLst/>
-          </a:prstGeom>
-        </p:spPr>
-      </p:pic>
-      <p:sp>
-        <p:nvSpPr>
-          <p:cNvPr id="2" name="日期占位符 1"/>
-          <p:cNvSpPr>
-            <a:spLocks noGrp="1"/>
-          </p:cNvSpPr>
-          <p:nvPr>
-            <p:ph type="dt" sz="half" idx="10"/>
-          </p:nvPr>
-        </p:nvSpPr>
-        <p:spPr/>
-        <p:txBody>
-          <a:bodyPr/>
-          <a:lstStyle/>
-          <a:p>
-            <a:fld id="{4D233439-5E16-0648-BDD8-E0B3303C482E}" type="datetime11">
-              <a:rPr lang="zh-CN" altLang="en-US" smtClean="0"/>
-              <a:t>23:33:24</a:t>
-            </a:fld>
-            <a:endParaRPr lang="zh-CN" altLang="en-US"/>
-          </a:p>
-        </p:txBody>
-      </p:sp>
-    </p:spTree>
-    <p:extLst>
-      <p:ext uri="{BB962C8B-B14F-4D97-AF65-F5344CB8AC3E}">
-        <p14:creationId xmlns:p14="http://schemas.microsoft.com/office/powerpoint/2010/main" val="3722289401"/>
       </p:ext>
     </p:extLst>
   </p:cSld>
@@ -4169,10 +4080,149 @@
         </p:nvSpPr>
         <p:spPr/>
         <p:txBody>
-          <a:bodyPr/>
-          <a:lstStyle/>
-          <a:p>
-            <a:endParaRPr kumimoji="1" lang="zh-CN" altLang="en-US"/>
+          <a:bodyPr>
+            <a:normAutofit/>
+          </a:bodyPr>
+          <a:lstStyle/>
+          <a:p>
+            <a:pPr marL="514350" marR="0" lvl="0" indent="-514350" defTabSz="914400" eaLnBrk="1" fontAlgn="auto" latinLnBrk="0" hangingPunct="1">
+              <a:lnSpc>
+                <a:spcPct val="150000"/>
+              </a:lnSpc>
+              <a:spcBef>
+                <a:spcPts val="0"/>
+              </a:spcBef>
+              <a:spcAft>
+                <a:spcPts val="0"/>
+              </a:spcAft>
+              <a:buClrTx/>
+              <a:buSzTx/>
+              <a:buFont typeface="+mj-lt"/>
+              <a:buAutoNum type="arabicPeriod"/>
+              <a:tabLst/>
+              <a:defRPr/>
+            </a:pPr>
+            <a:r>
+              <a:rPr kumimoji="1" lang="zh-CN" altLang="en-US" sz="3600" dirty="0" smtClean="0"/>
+              <a:t>研究背景与意义</a:t>
+            </a:r>
+            <a:endParaRPr kumimoji="1" lang="en-US" altLang="zh-CN" sz="3600" dirty="0" smtClean="0"/>
+          </a:p>
+          <a:p>
+            <a:pPr marL="514350" marR="0" lvl="0" indent="-514350" defTabSz="914400" eaLnBrk="1" fontAlgn="auto" latinLnBrk="0" hangingPunct="1">
+              <a:lnSpc>
+                <a:spcPct val="150000"/>
+              </a:lnSpc>
+              <a:spcBef>
+                <a:spcPts val="0"/>
+              </a:spcBef>
+              <a:spcAft>
+                <a:spcPts val="0"/>
+              </a:spcAft>
+              <a:buClrTx/>
+              <a:buSzTx/>
+              <a:buFont typeface="+mj-lt"/>
+              <a:buAutoNum type="arabicPeriod"/>
+              <a:tabLst/>
+              <a:defRPr/>
+            </a:pPr>
+            <a:r>
+              <a:rPr kumimoji="1" lang="zh-CN" altLang="en-US" sz="3600" dirty="0" smtClean="0"/>
+              <a:t>系统功能</a:t>
+            </a:r>
+            <a:endParaRPr kumimoji="1" lang="en-US" altLang="zh-CN" sz="3600" dirty="0" smtClean="0"/>
+          </a:p>
+          <a:p>
+            <a:pPr marL="514350" marR="0" lvl="0" indent="-514350" defTabSz="914400" eaLnBrk="1" fontAlgn="auto" latinLnBrk="0" hangingPunct="1">
+              <a:lnSpc>
+                <a:spcPct val="150000"/>
+              </a:lnSpc>
+              <a:spcBef>
+                <a:spcPts val="0"/>
+              </a:spcBef>
+              <a:spcAft>
+                <a:spcPts val="0"/>
+              </a:spcAft>
+              <a:buClrTx/>
+              <a:buSzTx/>
+              <a:buFont typeface="+mj-lt"/>
+              <a:buAutoNum type="arabicPeriod"/>
+              <a:tabLst/>
+              <a:defRPr/>
+            </a:pPr>
+            <a:r>
+              <a:rPr kumimoji="1" lang="zh-CN" altLang="en-US" sz="3600" dirty="0" smtClean="0"/>
+              <a:t>系统架构</a:t>
+            </a:r>
+            <a:endParaRPr kumimoji="1" lang="en-US" altLang="zh-CN" sz="3600" dirty="0" smtClean="0"/>
+          </a:p>
+          <a:p>
+            <a:pPr marL="514350" marR="0" lvl="0" indent="-514350" defTabSz="914400" eaLnBrk="1" fontAlgn="auto" latinLnBrk="0" hangingPunct="1">
+              <a:lnSpc>
+                <a:spcPct val="150000"/>
+              </a:lnSpc>
+              <a:spcBef>
+                <a:spcPts val="0"/>
+              </a:spcBef>
+              <a:spcAft>
+                <a:spcPts val="0"/>
+              </a:spcAft>
+              <a:buClrTx/>
+              <a:buSzTx/>
+              <a:buFont typeface="+mj-lt"/>
+              <a:buAutoNum type="arabicPeriod"/>
+              <a:tabLst/>
+              <a:defRPr/>
+            </a:pPr>
+            <a:r>
+              <a:rPr kumimoji="1" lang="zh-CN" altLang="en-US" sz="3600" dirty="0" smtClean="0"/>
+              <a:t>总结</a:t>
+            </a:r>
+            <a:endParaRPr kumimoji="1" lang="en-US" altLang="zh-CN" sz="3600" dirty="0" smtClean="0"/>
+          </a:p>
+          <a:p>
+            <a:pPr marL="514350" marR="0" lvl="0" indent="-514350" defTabSz="914400" eaLnBrk="1" fontAlgn="auto" latinLnBrk="0" hangingPunct="1">
+              <a:lnSpc>
+                <a:spcPct val="150000"/>
+              </a:lnSpc>
+              <a:spcBef>
+                <a:spcPts val="0"/>
+              </a:spcBef>
+              <a:spcAft>
+                <a:spcPts val="0"/>
+              </a:spcAft>
+              <a:buClrTx/>
+              <a:buSzTx/>
+              <a:buFont typeface="+mj-lt"/>
+              <a:buAutoNum type="arabicPeriod"/>
+              <a:tabLst/>
+              <a:defRPr/>
+            </a:pPr>
+            <a:r>
+              <a:rPr kumimoji="1" lang="zh-CN" altLang="en-US" sz="3600" dirty="0" smtClean="0"/>
+              <a:t>致谢</a:t>
+            </a:r>
+            <a:endParaRPr kumimoji="1" lang="en-US" altLang="zh-CN" sz="3600" dirty="0" smtClean="0"/>
+          </a:p>
+          <a:p>
+            <a:pPr marL="514350" marR="0" lvl="0" indent="-514350" defTabSz="914400" eaLnBrk="1" fontAlgn="auto" latinLnBrk="0" hangingPunct="1">
+              <a:lnSpc>
+                <a:spcPct val="150000"/>
+              </a:lnSpc>
+              <a:spcBef>
+                <a:spcPts val="0"/>
+              </a:spcBef>
+              <a:spcAft>
+                <a:spcPts val="0"/>
+              </a:spcAft>
+              <a:buClrTx/>
+              <a:buSzTx/>
+              <a:buFont typeface="+mj-lt"/>
+              <a:buAutoNum type="arabicPeriod"/>
+              <a:tabLst/>
+              <a:defRPr/>
+            </a:pPr>
+            <a:endParaRPr kumimoji="1" lang="en-US" altLang="zh-CN" sz="3600" dirty="0" smtClean="0"/>
           </a:p>
         </p:txBody>
       </p:sp>
@@ -4193,7 +4243,7 @@
           <a:p>
             <a:fld id="{6939E48F-AB3D-7D44-9ABE-6BACA1B72509}" type="datetime11">
               <a:rPr lang="zh-CN" altLang="en-US" smtClean="0"/>
-              <a:t>23:33:24</a:t>
+              <a:t>10:02:06</a:t>
             </a:fld>
             <a:endParaRPr lang="zh-CN" altLang="en-US"/>
           </a:p>
@@ -4248,8 +4298,8 @@
         </p:nvSpPr>
         <p:spPr>
           <a:xfrm>
-            <a:off x="628650" y="11977"/>
-            <a:ext cx="7886700" cy="1325563"/>
+            <a:off x="0" y="0"/>
+            <a:ext cx="6869430" cy="1054032"/>
           </a:xfrm>
         </p:spPr>
         <p:txBody>
@@ -4259,12 +4309,12 @@
           <a:lstStyle/>
           <a:p>
             <a:r>
-              <a:rPr lang="zh-CN" altLang="en-US" sz="4000" dirty="0"/>
-              <a:t>研究</a:t>
+              <a:rPr lang="en-US" altLang="zh-CN" sz="4000" dirty="0" smtClean="0"/>
+              <a:t>1.</a:t>
             </a:r>
             <a:r>
               <a:rPr lang="zh-CN" altLang="en-US" sz="4000" dirty="0" smtClean="0"/>
-              <a:t>背景</a:t>
+              <a:t> 研究背景与意义</a:t>
             </a:r>
             <a:endParaRPr lang="zh-CN" altLang="en-US" sz="4000" dirty="0"/>
           </a:p>
@@ -4282,7 +4332,7 @@
         </p:nvSpPr>
         <p:spPr>
           <a:xfrm>
-            <a:off x="499441" y="1054032"/>
+            <a:off x="499441" y="1403286"/>
             <a:ext cx="8376202" cy="2613990"/>
           </a:xfrm>
         </p:spPr>
@@ -4292,21 +4342,38 @@
           </a:bodyPr>
           <a:lstStyle/>
           <a:p>
+            <a:pPr marL="0" indent="0">
+              <a:lnSpc>
+                <a:spcPct val="100000"/>
+              </a:lnSpc>
+              <a:buNone/>
+            </a:pPr>
+            <a:r>
+              <a:rPr lang="zh-CN" altLang="en-US" sz="3000" smtClean="0"/>
+              <a:t>研究背景</a:t>
+            </a:r>
+            <a:endParaRPr lang="en-US" altLang="zh-CN" sz="3000" dirty="0" smtClean="0"/>
+          </a:p>
+          <a:p>
             <a:pPr>
               <a:lnSpc>
-                <a:spcPct val="150000"/>
+                <a:spcPct val="100000"/>
               </a:lnSpc>
             </a:pPr>
             <a:r>
               <a:rPr lang="zh-CN" altLang="en-US" sz="3000" dirty="0" smtClean="0"/>
-              <a:t>计算机专业课堂的局限性</a:t>
+              <a:t>计算机</a:t>
+            </a:r>
+            <a:r>
+              <a:rPr lang="zh-CN" altLang="en-US" sz="3000" dirty="0" smtClean="0"/>
+              <a:t>专业课堂的局限性</a:t>
             </a:r>
             <a:endParaRPr lang="en-US" altLang="zh-CN" sz="3000" dirty="0" smtClean="0"/>
           </a:p>
           <a:p>
             <a:pPr>
               <a:lnSpc>
-                <a:spcPct val="150000"/>
+                <a:spcPct val="100000"/>
               </a:lnSpc>
             </a:pPr>
             <a:r>
@@ -4326,7 +4393,7 @@
           <a:p>
             <a:pPr>
               <a:lnSpc>
-                <a:spcPct val="150000"/>
+                <a:spcPct val="100000"/>
               </a:lnSpc>
             </a:pPr>
             <a:r>
@@ -4338,7 +4405,7 @@
           <a:p>
             <a:pPr>
               <a:lnSpc>
-                <a:spcPct val="150000"/>
+                <a:spcPct val="100000"/>
               </a:lnSpc>
             </a:pPr>
             <a:endParaRPr lang="en-US" altLang="zh-CN" sz="3000" dirty="0" smtClean="0"/>
@@ -4355,7 +4422,7 @@
         </p:nvSpPr>
         <p:spPr>
           <a:xfrm>
-            <a:off x="499441" y="4710077"/>
+            <a:off x="499441" y="4017276"/>
             <a:ext cx="8376202" cy="1948069"/>
           </a:xfrm>
           <a:prstGeom prst="rect">
@@ -4531,21 +4598,42 @@
             </a:lvl9pPr>
           </a:lstStyle>
           <a:p>
+            <a:pPr marL="0" indent="0">
+              <a:lnSpc>
+                <a:spcPct val="100000"/>
+              </a:lnSpc>
+              <a:buNone/>
+            </a:pPr>
+            <a:r>
+              <a:rPr lang="zh-CN" altLang="en-US" sz="3000" dirty="0" smtClean="0"/>
+              <a:t>目的与</a:t>
+            </a:r>
+            <a:r>
+              <a:rPr lang="zh-CN" altLang="en-US" sz="3000" dirty="0" smtClean="0"/>
+              <a:t>意义</a:t>
+            </a:r>
+            <a:endParaRPr lang="en-US" altLang="zh-CN" sz="3000" dirty="0" smtClean="0"/>
+          </a:p>
+          <a:p>
             <a:pPr>
               <a:lnSpc>
-                <a:spcPct val="150000"/>
+                <a:spcPct val="100000"/>
               </a:lnSpc>
             </a:pPr>
             <a:r>
               <a:rPr lang="zh-CN" altLang="en-US" sz="3000" dirty="0" smtClean="0"/>
-              <a:t>有助于提高用户学习（计算机专业知识）效率</a:t>
+              <a:t>有助于</a:t>
+            </a:r>
+            <a:r>
+              <a:rPr lang="zh-CN" altLang="en-US" sz="3000" dirty="0" smtClean="0"/>
+              <a:t>提高用户学习（计算机专业知识）效率</a:t>
             </a:r>
             <a:endParaRPr lang="en-US" altLang="zh-CN" sz="3000" dirty="0" smtClean="0"/>
           </a:p>
           <a:p>
             <a:pPr>
               <a:lnSpc>
-                <a:spcPct val="150000"/>
+                <a:spcPct val="100000"/>
               </a:lnSpc>
             </a:pPr>
             <a:r>
@@ -4558,55 +4646,6 @@
       </p:sp>
       <p:sp>
         <p:nvSpPr>
-          <p:cNvPr id="5" name="标题 1"/>
-          <p:cNvSpPr txBox="1">
-            <a:spLocks/>
-          </p:cNvSpPr>
-          <p:nvPr/>
-        </p:nvSpPr>
-        <p:spPr>
-          <a:xfrm>
-            <a:off x="628650" y="3668022"/>
-            <a:ext cx="7886700" cy="1325563"/>
-          </a:xfrm>
-          <a:prstGeom prst="rect">
-            <a:avLst/>
-          </a:prstGeom>
-        </p:spPr>
-        <p:txBody>
-          <a:bodyPr vert="horz" lIns="91440" tIns="45720" rIns="91440" bIns="45720" rtlCol="0" anchor="ctr">
-            <a:normAutofit/>
-          </a:bodyPr>
-          <a:lstStyle>
-            <a:lvl1pPr algn="l" defTabSz="685800" rtl="0" eaLnBrk="1" latinLnBrk="0" hangingPunct="1">
-              <a:lnSpc>
-                <a:spcPct val="90000"/>
-              </a:lnSpc>
-              <a:spcBef>
-                <a:spcPct val="0"/>
-              </a:spcBef>
-              <a:buNone/>
-              <a:defRPr sz="3300" kern="1200">
-                <a:solidFill>
-                  <a:schemeClr val="tx1"/>
-                </a:solidFill>
-                <a:latin typeface="+mj-lt"/>
-                <a:ea typeface="+mj-ea"/>
-                <a:cs typeface="+mj-cs"/>
-              </a:defRPr>
-            </a:lvl1pPr>
-          </a:lstStyle>
-          <a:p>
-            <a:r>
-              <a:rPr lang="zh-CN" altLang="en-US" sz="4000" dirty="0" smtClean="0"/>
-              <a:t>研究意义</a:t>
-            </a:r>
-            <a:endParaRPr lang="zh-CN" altLang="en-US" sz="4000" dirty="0"/>
-          </a:p>
-        </p:txBody>
-      </p:sp>
-      <p:sp>
-        <p:nvSpPr>
           <p:cNvPr id="6" name="日期占位符 5"/>
           <p:cNvSpPr>
             <a:spLocks noGrp="1"/>
@@ -4622,7 +4661,7 @@
           <a:p>
             <a:fld id="{B42AC176-3ED8-6048-A23F-3E0886988747}" type="datetime11">
               <a:rPr lang="zh-CN" altLang="en-US" smtClean="0"/>
-              <a:t>23:33:24</a:t>
+              <a:t>10:02:06</a:t>
             </a:fld>
             <a:endParaRPr lang="zh-CN" altLang="en-US"/>
           </a:p>
@@ -4677,8 +4716,8 @@
         </p:nvSpPr>
         <p:spPr>
           <a:xfrm>
-            <a:off x="628650" y="46037"/>
-            <a:ext cx="7886700" cy="1325563"/>
+            <a:off x="0" y="0"/>
+            <a:ext cx="6400800" cy="1028699"/>
           </a:xfrm>
         </p:spPr>
         <p:txBody>
@@ -4686,8 +4725,12 @@
           <a:lstStyle/>
           <a:p>
             <a:r>
+              <a:rPr kumimoji="1" lang="en-US" altLang="zh-CN" dirty="0" smtClean="0"/>
+              <a:t>2. </a:t>
+            </a:r>
+            <a:r>
               <a:rPr kumimoji="1" lang="zh-CN" altLang="en-US" dirty="0" smtClean="0"/>
-              <a:t>面向用户的功能</a:t>
+              <a:t>系统功能</a:t>
             </a:r>
             <a:endParaRPr kumimoji="1" lang="zh-CN" altLang="en-US" dirty="0"/>
           </a:p>
@@ -4706,7 +4749,7 @@
         <p:spPr>
           <a:xfrm>
             <a:off x="628650" y="1371601"/>
-            <a:ext cx="7886700" cy="2951922"/>
+            <a:ext cx="7886700" cy="4984750"/>
           </a:xfrm>
         </p:spPr>
         <p:txBody>
@@ -4758,9 +4801,21 @@
             </a:pPr>
             <a:r>
               <a:rPr kumimoji="1" lang="zh-CN" altLang="en-US" sz="1800" dirty="0" smtClean="0"/>
-              <a:t>拼音搜索</a:t>
+              <a:t>拼音</a:t>
+            </a:r>
+            <a:r>
+              <a:rPr kumimoji="1" lang="zh-CN" altLang="en-US" sz="1800" dirty="0" smtClean="0"/>
+              <a:t>搜索</a:t>
             </a:r>
             <a:endParaRPr kumimoji="1" lang="en-US" altLang="zh-CN" sz="1800" dirty="0" smtClean="0"/>
+          </a:p>
+          <a:p>
+            <a:pPr>
+              <a:lnSpc>
+                <a:spcPct val="100000"/>
+              </a:lnSpc>
+            </a:pPr>
+            <a:endParaRPr kumimoji="1" lang="en-US" altLang="zh-CN" sz="1800" dirty="0"/>
           </a:p>
           <a:p>
             <a:pPr marL="0" indent="0">
@@ -4769,6 +4824,71 @@
               </a:lnSpc>
               <a:buNone/>
             </a:pPr>
+            <a:endParaRPr kumimoji="1" lang="en-US" altLang="zh-CN" sz="1800" dirty="0" smtClean="0"/>
+          </a:p>
+          <a:p>
+            <a:pPr>
+              <a:lnSpc>
+                <a:spcPct val="100000"/>
+              </a:lnSpc>
+            </a:pPr>
+            <a:r>
+              <a:rPr kumimoji="1" lang="zh-CN" altLang="en-US" sz="3600" dirty="0" smtClean="0"/>
+              <a:t>在线编程</a:t>
+            </a:r>
+            <a:endParaRPr kumimoji="1" lang="en-US" altLang="zh-CN" sz="3600" dirty="0" smtClean="0"/>
+          </a:p>
+          <a:p>
+            <a:pPr>
+              <a:lnSpc>
+                <a:spcPct val="100000"/>
+              </a:lnSpc>
+            </a:pPr>
+            <a:r>
+              <a:rPr kumimoji="1" lang="en-US" altLang="zh-CN" sz="1800" dirty="0" smtClean="0"/>
+              <a:t>Web</a:t>
+            </a:r>
+            <a:r>
+              <a:rPr kumimoji="1" lang="zh-CN" altLang="en-US" sz="1800" dirty="0" smtClean="0"/>
+              <a:t>编辑器代码补全</a:t>
+            </a:r>
+            <a:endParaRPr kumimoji="1" lang="en-US" altLang="zh-CN" sz="1800" dirty="0" smtClean="0"/>
+          </a:p>
+          <a:p>
+            <a:pPr>
+              <a:lnSpc>
+                <a:spcPct val="100000"/>
+              </a:lnSpc>
+            </a:pPr>
+            <a:r>
+              <a:rPr kumimoji="1" lang="zh-CN" altLang="en-US" sz="1800" dirty="0" smtClean="0"/>
+              <a:t>输入</a:t>
+            </a:r>
+            <a:r>
+              <a:rPr kumimoji="1" lang="zh-CN" altLang="en-US" sz="1800" dirty="0"/>
+              <a:t>纠错</a:t>
+            </a:r>
+            <a:endParaRPr kumimoji="1" lang="en-US" altLang="zh-CN" sz="1800" dirty="0"/>
+          </a:p>
+          <a:p>
+            <a:pPr>
+              <a:lnSpc>
+                <a:spcPct val="100000"/>
+              </a:lnSpc>
+            </a:pPr>
+            <a:r>
+              <a:rPr kumimoji="1" lang="zh-CN" altLang="en-US" sz="1800" dirty="0"/>
+              <a:t>拼音搜索</a:t>
+            </a:r>
+            <a:endParaRPr kumimoji="1" lang="en-US" altLang="zh-CN" sz="1800" dirty="0"/>
+          </a:p>
+          <a:p>
+            <a:pPr marL="0" indent="0">
+              <a:lnSpc>
+                <a:spcPct val="100000"/>
+              </a:lnSpc>
+              <a:buNone/>
+            </a:pPr>
             <a:endParaRPr kumimoji="1" lang="en-US" altLang="zh-CN" sz="2400" dirty="0" smtClean="0"/>
           </a:p>
         </p:txBody>
@@ -4790,7 +4910,7 @@
           <a:p>
             <a:fld id="{7551E2BA-704B-C04E-9043-650619DBAE49}" type="datetime11">
               <a:rPr lang="zh-CN" altLang="en-US" smtClean="0"/>
-              <a:t>23:33:24</a:t>
+              <a:t>10:43:08</a:t>
             </a:fld>
             <a:endParaRPr lang="zh-CN" altLang="en-US"/>
           </a:p>
@@ -4849,8 +4969,12 @@
           <a:lstStyle/>
           <a:p>
             <a:r>
-              <a:rPr kumimoji="1" lang="zh-CN" altLang="en-US" dirty="0" smtClean="0"/>
-              <a:t>检索功能细节</a:t>
+              <a:rPr kumimoji="1" lang="en-US" altLang="zh-CN" dirty="0"/>
+              <a:t>2. </a:t>
+            </a:r>
+            <a:r>
+              <a:rPr kumimoji="1" lang="zh-CN" altLang="en-US" dirty="0"/>
+              <a:t>系统功能</a:t>
             </a:r>
             <a:endParaRPr kumimoji="1" lang="zh-CN" altLang="en-US" dirty="0"/>
           </a:p>
@@ -4892,7 +5016,7 @@
           <a:p>
             <a:fld id="{4D099A2B-7374-C340-8FD8-C09992C9254A}" type="datetime11">
               <a:rPr lang="zh-CN" altLang="en-US" smtClean="0"/>
-              <a:t>23:33:24</a:t>
+              <a:t>10:25:39</a:t>
             </a:fld>
             <a:endParaRPr lang="zh-CN" altLang="en-US"/>
           </a:p>
@@ -4937,6 +5061,52 @@
       </p:grpSpPr>
       <p:sp>
         <p:nvSpPr>
+          <p:cNvPr id="2" name="标题 1"/>
+          <p:cNvSpPr>
+            <a:spLocks noGrp="1"/>
+          </p:cNvSpPr>
+          <p:nvPr>
+            <p:ph type="title"/>
+          </p:nvPr>
+        </p:nvSpPr>
+        <p:spPr/>
+        <p:txBody>
+          <a:bodyPr/>
+          <a:lstStyle/>
+          <a:p>
+            <a:r>
+              <a:rPr kumimoji="1" lang="en-US" altLang="zh-CN" dirty="0"/>
+              <a:t>2. </a:t>
+            </a:r>
+            <a:r>
+              <a:rPr kumimoji="1" lang="zh-CN" altLang="en-US" dirty="0"/>
+              <a:t>系统功能</a:t>
+            </a:r>
+            <a:endParaRPr kumimoji="1" lang="zh-CN" altLang="en-US" dirty="0"/>
+          </a:p>
+        </p:txBody>
+      </p:sp>
+      <p:sp>
+        <p:nvSpPr>
+          <p:cNvPr id="3" name="内容占位符 2"/>
+          <p:cNvSpPr>
+            <a:spLocks noGrp="1"/>
+          </p:cNvSpPr>
+          <p:nvPr>
+            <p:ph idx="1"/>
+          </p:nvPr>
+        </p:nvSpPr>
+        <p:spPr/>
+        <p:txBody>
+          <a:bodyPr/>
+          <a:lstStyle/>
+          <a:p>
+            <a:endParaRPr kumimoji="1" lang="zh-CN" altLang="en-US"/>
+          </a:p>
+        </p:txBody>
+      </p:sp>
+      <p:sp>
+        <p:nvSpPr>
           <p:cNvPr id="4" name="日期占位符 3"/>
           <p:cNvSpPr>
             <a:spLocks noGrp="1"/>
@@ -4950,9 +5120,9 @@
           <a:bodyPr/>
           <a:lstStyle/>
           <a:p>
-            <a:fld id="{A941CB33-764D-5B49-AC99-01BE29F33CEE}" type="datetime11">
-              <a:rPr lang="zh-CN" altLang="en-US" smtClean="0"/>
-              <a:t>23:33:24</a:t>
+            <a:fld id="{AFB7005A-8EFB-4B4A-BF7E-783465653614}" type="datetime11">
+              <a:rPr lang="zh-CN" altLang="en-US" smtClean="0"/>
+              <a:t>10:25:52</a:t>
             </a:fld>
             <a:endParaRPr lang="zh-CN" altLang="en-US"/>
           </a:p>
@@ -4961,7 +5131,7 @@
     </p:spTree>
     <p:extLst>
       <p:ext uri="{BB962C8B-B14F-4D97-AF65-F5344CB8AC3E}">
-        <p14:creationId xmlns:p14="http://schemas.microsoft.com/office/powerpoint/2010/main" val="1244653358"/>
+        <p14:creationId xmlns:p14="http://schemas.microsoft.com/office/powerpoint/2010/main" val="534903278"/>
       </p:ext>
     </p:extLst>
   </p:cSld>
@@ -5007,12 +5177,158 @@
         </p:nvSpPr>
         <p:spPr/>
         <p:txBody>
-          <a:bodyPr/>
-          <a:lstStyle/>
-          <a:p>
+          <a:bodyPr>
+            <a:normAutofit/>
+          </a:bodyPr>
+          <a:lstStyle/>
+          <a:p>
+            <a:r>
+              <a:rPr kumimoji="1" lang="en-US" altLang="zh-CN" dirty="0"/>
+              <a:t>2. </a:t>
+            </a:r>
+            <a:r>
+              <a:rPr kumimoji="1" lang="zh-CN" altLang="en-US" dirty="0"/>
+              <a:t>系统功能</a:t>
+            </a:r>
+            <a:endParaRPr kumimoji="1" lang="zh-CN" altLang="en-US" dirty="0"/>
+          </a:p>
+        </p:txBody>
+      </p:sp>
+      <p:sp>
+        <p:nvSpPr>
+          <p:cNvPr id="3" name="内容占位符 2"/>
+          <p:cNvSpPr>
+            <a:spLocks noGrp="1"/>
+          </p:cNvSpPr>
+          <p:nvPr>
+            <p:ph idx="1"/>
+          </p:nvPr>
+        </p:nvSpPr>
+        <p:spPr>
+          <a:xfrm>
+            <a:off x="628650" y="1360170"/>
+            <a:ext cx="7886700" cy="5180332"/>
+          </a:xfrm>
+        </p:spPr>
+        <p:txBody>
+          <a:bodyPr>
+            <a:normAutofit lnSpcReduction="10000"/>
+          </a:bodyPr>
+          <a:lstStyle/>
+          <a:p>
+            <a:pPr marL="0" indent="0">
+              <a:lnSpc>
+                <a:spcPct val="110000"/>
+              </a:lnSpc>
+              <a:buNone/>
+            </a:pPr>
+            <a:r>
+              <a:rPr kumimoji="1" lang="zh-CN" altLang="en-US" sz="3600" dirty="0" smtClean="0"/>
+              <a:t>在线编程功能与特点</a:t>
+            </a:r>
+            <a:endParaRPr kumimoji="1" lang="en-US" altLang="zh-CN" dirty="0" smtClean="0"/>
+          </a:p>
+          <a:p>
+            <a:pPr>
+              <a:lnSpc>
+                <a:spcPct val="110000"/>
+              </a:lnSpc>
+            </a:pPr>
             <a:r>
               <a:rPr kumimoji="1" lang="zh-CN" altLang="en-US" dirty="0" smtClean="0"/>
-              <a:t>数据来源</a:t>
+              <a:t>黑盒测试，支持 </a:t>
+            </a:r>
+            <a:r>
+              <a:rPr kumimoji="1" lang="en-US" altLang="zh-CN" dirty="0" smtClean="0"/>
+              <a:t>Java</a:t>
+            </a:r>
+            <a:endParaRPr kumimoji="1" lang="en-US" altLang="zh-CN" dirty="0" smtClean="0"/>
+          </a:p>
+          <a:p>
+            <a:pPr>
+              <a:lnSpc>
+                <a:spcPct val="110000"/>
+              </a:lnSpc>
+            </a:pPr>
+            <a:r>
+              <a:rPr kumimoji="1" lang="zh-CN" altLang="en-US" dirty="0" smtClean="0"/>
+              <a:t>用户</a:t>
+            </a:r>
+            <a:r>
+              <a:rPr kumimoji="1" lang="zh-CN" altLang="en-US" dirty="0" smtClean="0"/>
+              <a:t>无需实现</a:t>
+            </a:r>
+            <a:r>
+              <a:rPr kumimoji="1" lang="zh-CN" altLang="en-US" dirty="0" smtClean="0"/>
+              <a:t>参数反序列化、</a:t>
+            </a:r>
+            <a:r>
+              <a:rPr kumimoji="1" lang="zh-CN" altLang="en-US" dirty="0" smtClean="0"/>
+              <a:t>计算</a:t>
+            </a:r>
+            <a:r>
+              <a:rPr kumimoji="1" lang="zh-CN" altLang="en-US" dirty="0" smtClean="0"/>
+              <a:t>结果序列化</a:t>
+            </a:r>
+            <a:endParaRPr kumimoji="1" lang="en-US" altLang="zh-CN" dirty="0" smtClean="0"/>
+          </a:p>
+          <a:p>
+            <a:pPr>
+              <a:lnSpc>
+                <a:spcPct val="110000"/>
+              </a:lnSpc>
+            </a:pPr>
+            <a:r>
+              <a:rPr kumimoji="1" lang="zh-CN" altLang="en-US" dirty="0" smtClean="0"/>
+              <a:t>编译代码时无须创建进程，全程线程级操作</a:t>
+            </a:r>
+            <a:endParaRPr kumimoji="1" lang="en-US" altLang="zh-CN" dirty="0" smtClean="0"/>
+          </a:p>
+          <a:p>
+            <a:pPr>
+              <a:lnSpc>
+                <a:spcPct val="110000"/>
+              </a:lnSpc>
+            </a:pPr>
+            <a:r>
+              <a:rPr kumimoji="1" lang="zh-CN" altLang="en-US" dirty="0" smtClean="0"/>
+              <a:t>不涉及磁盘操作，评判全程在内存进行</a:t>
+            </a:r>
+            <a:endParaRPr kumimoji="1" lang="en-US" altLang="zh-CN" dirty="0" smtClean="0"/>
+          </a:p>
+          <a:p>
+            <a:pPr>
+              <a:lnSpc>
+                <a:spcPct val="110000"/>
+              </a:lnSpc>
+            </a:pPr>
+            <a:r>
+              <a:rPr kumimoji="1" lang="zh-CN" altLang="en-US" dirty="0" smtClean="0"/>
+              <a:t>充分利用编程语言安全机制，不依赖操作系统</a:t>
+            </a:r>
+            <a:endParaRPr kumimoji="1" lang="en-US" altLang="zh-CN" dirty="0"/>
+          </a:p>
+          <a:p>
+            <a:endParaRPr kumimoji="1" lang="en-US" altLang="zh-CN" dirty="0" smtClean="0"/>
+          </a:p>
+          <a:p>
+            <a:pPr marL="0" indent="0">
+              <a:buNone/>
+            </a:pPr>
+            <a:r>
+              <a:rPr kumimoji="1" lang="zh-CN" altLang="en-US" dirty="0" smtClean="0"/>
+              <a:t>缺点</a:t>
+            </a:r>
+            <a:endParaRPr kumimoji="1" lang="en-US" altLang="zh-CN" dirty="0" smtClean="0"/>
+          </a:p>
+          <a:p>
+            <a:r>
+              <a:rPr kumimoji="1" lang="zh-CN" altLang="en-US" dirty="0" smtClean="0"/>
+              <a:t>未实现 限制被评判代码</a:t>
+            </a:r>
+            <a:r>
+              <a:rPr kumimoji="1" lang="zh-CN" altLang="en-US" dirty="0" smtClean="0"/>
+              <a:t>内存使用量</a:t>
             </a:r>
             <a:endParaRPr kumimoji="1" lang="zh-CN" altLang="en-US" dirty="0"/>
           </a:p>
@@ -5020,26 +5336,7 @@
       </p:sp>
       <p:sp>
         <p:nvSpPr>
-          <p:cNvPr id="3" name="内容占位符 2"/>
-          <p:cNvSpPr>
-            <a:spLocks noGrp="1"/>
-          </p:cNvSpPr>
-          <p:nvPr>
-            <p:ph idx="1"/>
-          </p:nvPr>
-        </p:nvSpPr>
-        <p:spPr/>
-        <p:txBody>
-          <a:bodyPr/>
-          <a:lstStyle/>
-          <a:p>
-            <a:endParaRPr kumimoji="1" lang="zh-CN" altLang="en-US"/>
-          </a:p>
-        </p:txBody>
-      </p:sp>
-      <p:sp>
-        <p:nvSpPr>
-          <p:cNvPr id="4" name="日期占位符 3"/>
+          <p:cNvPr id="6" name="日期占位符 5"/>
           <p:cNvSpPr>
             <a:spLocks noGrp="1"/>
           </p:cNvSpPr>
@@ -5047,23 +5344,28 @@
             <p:ph type="dt" sz="half" idx="10"/>
           </p:nvPr>
         </p:nvSpPr>
-        <p:spPr/>
-        <p:txBody>
-          <a:bodyPr/>
-          <a:lstStyle/>
-          <a:p>
-            <a:fld id="{AFB7005A-8EFB-4B4A-BF7E-783465653614}" type="datetime11">
-              <a:rPr lang="zh-CN" altLang="en-US" smtClean="0"/>
-              <a:t>23:33:24</a:t>
+        <p:spPr>
+          <a:xfrm>
+            <a:off x="8368748" y="6540502"/>
+            <a:ext cx="775252" cy="317498"/>
+          </a:xfrm>
+        </p:spPr>
+        <p:txBody>
+          <a:bodyPr/>
+          <a:lstStyle/>
+          <a:p>
+            <a:fld id="{23551141-8730-254F-86E1-1D9F9D5E3924}" type="datetime11">
+              <a:rPr lang="zh-CN" altLang="en-US" smtClean="0"/>
+              <a:t>10:34:40</a:t>
             </a:fld>
-            <a:endParaRPr lang="zh-CN" altLang="en-US"/>
+            <a:endParaRPr lang="zh-CN" altLang="en-US" dirty="0"/>
           </a:p>
         </p:txBody>
       </p:sp>
     </p:spTree>
     <p:extLst>
       <p:ext uri="{BB962C8B-B14F-4D97-AF65-F5344CB8AC3E}">
-        <p14:creationId xmlns:p14="http://schemas.microsoft.com/office/powerpoint/2010/main" val="534903278"/>
+        <p14:creationId xmlns:p14="http://schemas.microsoft.com/office/powerpoint/2010/main" val="1217229610"/>
       </p:ext>
     </p:extLst>
   </p:cSld>
@@ -5109,14 +5411,60 @@
         </p:nvSpPr>
         <p:spPr/>
         <p:txBody>
-          <a:bodyPr>
-            <a:normAutofit fontScale="90000"/>
-          </a:bodyPr>
-          <a:lstStyle/>
-          <a:p>
+          <a:bodyPr/>
+          <a:lstStyle/>
+          <a:p>
+            <a:r>
+              <a:rPr kumimoji="1" lang="en-US" altLang="zh-CN" dirty="0"/>
+              <a:t>2. </a:t>
+            </a:r>
+            <a:r>
+              <a:rPr kumimoji="1" lang="zh-CN" altLang="en-US" dirty="0"/>
+              <a:t>系统功能</a:t>
+            </a:r>
+            <a:endParaRPr kumimoji="1" lang="zh-CN" altLang="en-US" dirty="0"/>
+          </a:p>
+        </p:txBody>
+      </p:sp>
+      <p:sp>
+        <p:nvSpPr>
+          <p:cNvPr id="3" name="内容占位符 2"/>
+          <p:cNvSpPr>
+            <a:spLocks noGrp="1"/>
+          </p:cNvSpPr>
+          <p:nvPr>
+            <p:ph idx="1"/>
+          </p:nvPr>
+        </p:nvSpPr>
+        <p:spPr/>
+        <p:txBody>
+          <a:bodyPr/>
+          <a:lstStyle/>
+          <a:p>
+            <a:pPr marL="0" marR="0" lvl="0" indent="0" defTabSz="914400" eaLnBrk="1" fontAlgn="auto" latinLnBrk="0" hangingPunct="1">
+              <a:lnSpc>
+                <a:spcPct val="100000"/>
+              </a:lnSpc>
+              <a:spcBef>
+                <a:spcPts val="0"/>
+              </a:spcBef>
+              <a:spcAft>
+                <a:spcPts val="0"/>
+              </a:spcAft>
+              <a:buClrTx/>
+              <a:buSzTx/>
+              <a:buFontTx/>
+              <a:buNone/>
+              <a:tabLst/>
+              <a:defRPr/>
+            </a:pPr>
             <a:r>
               <a:rPr kumimoji="1" lang="zh-CN" altLang="en-US" dirty="0" smtClean="0"/>
-              <a:t>在线编程功能与实现特点</a:t>
+              <a:t>对比</a:t>
+            </a:r>
+            <a:r>
+              <a:rPr kumimoji="1" lang="en-US" altLang="zh-CN" dirty="0" smtClean="0"/>
+              <a:t>SCAU</a:t>
             </a:r>
             <a:endParaRPr kumimoji="1" lang="zh-CN" altLang="en-US" dirty="0"/>
           </a:p>
@@ -5124,12 +5472,12 @@
       </p:sp>
       <p:sp>
         <p:nvSpPr>
-          <p:cNvPr id="3" name="内容占位符 2"/>
-          <p:cNvSpPr>
-            <a:spLocks noGrp="1"/>
-          </p:cNvSpPr>
-          <p:nvPr>
-            <p:ph idx="1"/>
+          <p:cNvPr id="4" name="日期占位符 3"/>
+          <p:cNvSpPr>
+            <a:spLocks noGrp="1"/>
+          </p:cNvSpPr>
+          <p:nvPr>
+            <p:ph type="dt" sz="half" idx="10"/>
           </p:nvPr>
         </p:nvSpPr>
         <p:spPr/>
@@ -5137,78 +5485,18 @@
           <a:bodyPr/>
           <a:lstStyle/>
           <a:p>
-            <a:r>
-              <a:rPr kumimoji="1" lang="zh-CN" altLang="en-US" dirty="0" smtClean="0"/>
-              <a:t>用户</a:t>
-            </a:r>
-            <a:r>
-              <a:rPr kumimoji="1" lang="zh-CN" altLang="en-US" b="1" dirty="0" smtClean="0"/>
-              <a:t>无需实现参数输入、计算结果输出逻辑</a:t>
-            </a:r>
-            <a:endParaRPr kumimoji="1" lang="en-US" altLang="zh-CN" b="1" dirty="0" smtClean="0"/>
-          </a:p>
-          <a:p>
-            <a:r>
-              <a:rPr kumimoji="1" lang="zh-CN" altLang="en-US" dirty="0" smtClean="0"/>
-              <a:t>支持 </a:t>
-            </a:r>
-            <a:r>
-              <a:rPr kumimoji="1" lang="en-US" altLang="zh-CN" dirty="0" smtClean="0"/>
-              <a:t>Java</a:t>
-            </a:r>
-            <a:r>
-              <a:rPr kumimoji="1" lang="zh-CN" altLang="en-US" dirty="0" smtClean="0"/>
-              <a:t> </a:t>
-            </a:r>
-            <a:r>
-              <a:rPr kumimoji="1" lang="en-US" altLang="zh-CN" dirty="0" smtClean="0"/>
-              <a:t>8</a:t>
-            </a:r>
-          </a:p>
-          <a:p>
-            <a:r>
-              <a:rPr kumimoji="1" lang="zh-CN" altLang="en-US" dirty="0" smtClean="0"/>
-              <a:t>黑盒测试</a:t>
-            </a:r>
-            <a:endParaRPr kumimoji="1" lang="en-US" altLang="zh-CN" dirty="0" smtClean="0"/>
-          </a:p>
-          <a:p>
-            <a:endParaRPr kumimoji="1" lang="zh-CN" altLang="en-US" dirty="0"/>
-          </a:p>
-        </p:txBody>
-      </p:sp>
-      <p:sp>
-        <p:nvSpPr>
-          <p:cNvPr id="6" name="日期占位符 5"/>
-          <p:cNvSpPr>
-            <a:spLocks noGrp="1"/>
-          </p:cNvSpPr>
-          <p:nvPr>
-            <p:ph type="dt" sz="half" idx="10"/>
-          </p:nvPr>
-        </p:nvSpPr>
-        <p:spPr>
-          <a:xfrm>
-            <a:off x="8368748" y="6540502"/>
-            <a:ext cx="775252" cy="317498"/>
-          </a:xfrm>
-        </p:spPr>
-        <p:txBody>
-          <a:bodyPr/>
-          <a:lstStyle/>
-          <a:p>
-            <a:fld id="{23551141-8730-254F-86E1-1D9F9D5E3924}" type="datetime11">
-              <a:rPr lang="zh-CN" altLang="en-US" smtClean="0"/>
-              <a:t>23:33:24</a:t>
+            <a:fld id="{E4C0FD68-7273-B74C-8DEE-A395D4E30DE1}" type="datetime11">
+              <a:rPr lang="zh-CN" altLang="en-US" smtClean="0"/>
+              <a:t>10:49:48</a:t>
             </a:fld>
-            <a:endParaRPr lang="zh-CN" altLang="en-US" dirty="0"/>
+            <a:endParaRPr lang="zh-CN" altLang="en-US"/>
           </a:p>
         </p:txBody>
       </p:sp>
     </p:spTree>
     <p:extLst>
       <p:ext uri="{BB962C8B-B14F-4D97-AF65-F5344CB8AC3E}">
-        <p14:creationId xmlns:p14="http://schemas.microsoft.com/office/powerpoint/2010/main" val="1217229610"/>
+        <p14:creationId xmlns:p14="http://schemas.microsoft.com/office/powerpoint/2010/main" val="626279234"/>
       </p:ext>
     </p:extLst>
   </p:cSld>
@@ -5242,14 +5530,38 @@
           <a:chExt cx="0" cy="0"/>
         </a:xfrm>
       </p:grpSpPr>
-      <p:sp>
-        <p:nvSpPr>
-          <p:cNvPr id="2" name="标题 1"/>
-          <p:cNvSpPr>
-            <a:spLocks noGrp="1"/>
-          </p:cNvSpPr>
-          <p:nvPr>
-            <p:ph type="title"/>
+      <p:pic>
+        <p:nvPicPr>
+          <p:cNvPr id="4" name="图片 3"/>
+          <p:cNvPicPr>
+            <a:picLocks noChangeAspect="1"/>
+          </p:cNvPicPr>
+          <p:nvPr/>
+        </p:nvPicPr>
+        <p:blipFill>
+          <a:blip r:embed="rId2"/>
+          <a:stretch>
+            <a:fillRect/>
+          </a:stretch>
+        </p:blipFill>
+        <p:spPr>
+          <a:xfrm>
+            <a:off x="1196698" y="-3551"/>
+            <a:ext cx="6744467" cy="6858860"/>
+          </a:xfrm>
+          <a:prstGeom prst="rect">
+            <a:avLst/>
+          </a:prstGeom>
+        </p:spPr>
+      </p:pic>
+      <p:sp>
+        <p:nvSpPr>
+          <p:cNvPr id="2" name="日期占位符 1"/>
+          <p:cNvSpPr>
+            <a:spLocks noGrp="1"/>
+          </p:cNvSpPr>
+          <p:nvPr>
+            <p:ph type="dt" sz="half" idx="10"/>
           </p:nvPr>
         </p:nvSpPr>
         <p:spPr/>
@@ -5257,67 +5569,9 @@
           <a:bodyPr/>
           <a:lstStyle/>
           <a:p>
-            <a:r>
-              <a:rPr kumimoji="1" lang="zh-CN" altLang="en-US" dirty="0" smtClean="0"/>
-              <a:t>与</a:t>
-            </a:r>
-            <a:r>
-              <a:rPr kumimoji="1" lang="en-US" altLang="zh-CN" dirty="0" smtClean="0"/>
-              <a:t>SCAU</a:t>
-            </a:r>
-            <a:r>
-              <a:rPr kumimoji="1" lang="zh-CN" altLang="en-US" dirty="0" smtClean="0"/>
-              <a:t> </a:t>
-            </a:r>
-            <a:r>
-              <a:rPr kumimoji="1" lang="en-US" altLang="zh-CN" dirty="0" smtClean="0"/>
-              <a:t>OJ</a:t>
-            </a:r>
-            <a:r>
-              <a:rPr kumimoji="1" lang="zh-CN" altLang="en-US" dirty="0" smtClean="0"/>
-              <a:t>对比</a:t>
-            </a:r>
-            <a:endParaRPr kumimoji="1" lang="zh-CN" altLang="en-US" dirty="0"/>
-          </a:p>
-        </p:txBody>
-      </p:sp>
-      <p:sp>
-        <p:nvSpPr>
-          <p:cNvPr id="3" name="内容占位符 2"/>
-          <p:cNvSpPr>
-            <a:spLocks noGrp="1"/>
-          </p:cNvSpPr>
-          <p:nvPr>
-            <p:ph idx="1"/>
-          </p:nvPr>
-        </p:nvSpPr>
-        <p:spPr/>
-        <p:txBody>
-          <a:bodyPr/>
-          <a:lstStyle/>
-          <a:p>
-            <a:endParaRPr kumimoji="1" lang="zh-CN" altLang="en-US"/>
-          </a:p>
-        </p:txBody>
-      </p:sp>
-      <p:sp>
-        <p:nvSpPr>
-          <p:cNvPr id="4" name="日期占位符 3"/>
-          <p:cNvSpPr>
-            <a:spLocks noGrp="1"/>
-          </p:cNvSpPr>
-          <p:nvPr>
-            <p:ph type="dt" sz="half" idx="10"/>
-          </p:nvPr>
-        </p:nvSpPr>
-        <p:spPr/>
-        <p:txBody>
-          <a:bodyPr/>
-          <a:lstStyle/>
-          <a:p>
-            <a:fld id="{E4C0FD68-7273-B74C-8DEE-A395D4E30DE1}" type="datetime11">
-              <a:rPr lang="zh-CN" altLang="en-US" smtClean="0"/>
-              <a:t>23:33:24</a:t>
+            <a:fld id="{4D233439-5E16-0648-BDD8-E0B3303C482E}" type="datetime11">
+              <a:rPr lang="zh-CN" altLang="en-US" smtClean="0"/>
+              <a:t>10:02:06</a:t>
             </a:fld>
             <a:endParaRPr lang="zh-CN" altLang="en-US"/>
           </a:p>
@@ -5326,7 +5580,7 @@
     </p:spTree>
     <p:extLst>
       <p:ext uri="{BB962C8B-B14F-4D97-AF65-F5344CB8AC3E}">
-        <p14:creationId xmlns:p14="http://schemas.microsoft.com/office/powerpoint/2010/main" val="626279234"/>
+        <p14:creationId xmlns:p14="http://schemas.microsoft.com/office/powerpoint/2010/main" val="3722289401"/>
       </p:ext>
     </p:extLst>
   </p:cSld>

--- a/基于Scrapy框架的计算机专业学习资源网站_吴伟杰.pptx
+++ b/基于Scrapy框架的计算机专业学习资源网站_吴伟杰.pptx
@@ -5,7 +5,7 @@
     <p:sldMasterId id="2147484229" r:id="rId1"/>
   </p:sldMasterIdLst>
   <p:notesMasterIdLst>
-    <p:notesMasterId r:id="rId11"/>
+    <p:notesMasterId r:id="rId14"/>
   </p:notesMasterIdLst>
   <p:sldIdLst>
     <p:sldId id="256" r:id="rId2"/>
@@ -13,10 +13,13 @@
     <p:sldId id="258" r:id="rId4"/>
     <p:sldId id="259" r:id="rId5"/>
     <p:sldId id="262" r:id="rId6"/>
-    <p:sldId id="261" r:id="rId7"/>
-    <p:sldId id="260" r:id="rId8"/>
-    <p:sldId id="263" r:id="rId9"/>
-    <p:sldId id="257" r:id="rId10"/>
+    <p:sldId id="268" r:id="rId7"/>
+    <p:sldId id="261" r:id="rId8"/>
+    <p:sldId id="260" r:id="rId9"/>
+    <p:sldId id="263" r:id="rId10"/>
+    <p:sldId id="257" r:id="rId11"/>
+    <p:sldId id="266" r:id="rId12"/>
+    <p:sldId id="267" r:id="rId13"/>
   </p:sldIdLst>
   <p:sldSz cx="9144000" cy="6858000" type="screen4x3"/>
   <p:notesSz cx="6858000" cy="9144000"/>
@@ -622,7 +625,7 @@
           <a:p>
             <a:fld id="{A438EE0D-1E5A-EE4E-8B4B-E6DDF838F640}" type="slidenum">
               <a:rPr kumimoji="1" lang="zh-CN" altLang="en-US" smtClean="0"/>
-              <a:t>7</a:t>
+              <a:t>8</a:t>
             </a:fld>
             <a:endParaRPr kumimoji="1" lang="zh-CN" altLang="en-US"/>
           </a:p>
@@ -772,7 +775,7 @@
           <a:p>
             <a:fld id="{5ECD60F8-BCA7-FB4A-868B-81E09D9A8B51}" type="datetime11">
               <a:rPr lang="zh-CN" altLang="en-US" smtClean="0"/>
-              <a:t>10:02:05</a:t>
+              <a:t>17:39:29</a:t>
             </a:fld>
             <a:endParaRPr lang="zh-CN" altLang="en-US"/>
           </a:p>
@@ -944,7 +947,7 @@
           <a:p>
             <a:fld id="{07E88D81-B883-A34A-9540-CEDC59CBB58B}" type="datetime11">
               <a:rPr lang="zh-CN" altLang="en-US" smtClean="0"/>
-              <a:t>10:02:05</a:t>
+              <a:t>17:39:29</a:t>
             </a:fld>
             <a:endParaRPr lang="zh-CN" altLang="en-US"/>
           </a:p>
@@ -1126,7 +1129,7 @@
           <a:p>
             <a:fld id="{3DF5F07E-3A0C-504B-B876-3D7D1967EA3C}" type="datetime11">
               <a:rPr lang="zh-CN" altLang="en-US" smtClean="0"/>
-              <a:t>10:02:05</a:t>
+              <a:t>17:39:29</a:t>
             </a:fld>
             <a:endParaRPr lang="zh-CN" altLang="en-US"/>
           </a:p>
@@ -1316,7 +1319,7 @@
           <a:p>
             <a:fld id="{E093F988-9A29-5E45-8D20-69A04853E7AD}" type="datetime11">
               <a:rPr lang="zh-CN" altLang="en-US" smtClean="0"/>
-              <a:t>10:02:05</a:t>
+              <a:t>17:39:29</a:t>
             </a:fld>
             <a:endParaRPr lang="zh-CN" altLang="en-US"/>
           </a:p>
@@ -1562,7 +1565,7 @@
           <a:p>
             <a:fld id="{6173DDBA-B680-6A4A-8D1D-1A27589B5E95}" type="datetime11">
               <a:rPr lang="zh-CN" altLang="en-US" smtClean="0"/>
-              <a:t>10:02:05</a:t>
+              <a:t>17:39:29</a:t>
             </a:fld>
             <a:endParaRPr lang="zh-CN" altLang="en-US"/>
           </a:p>
@@ -1796,7 +1799,7 @@
           <a:p>
             <a:fld id="{9275D0CC-BA07-D441-9CED-FD41EAC9DAA9}" type="datetime11">
               <a:rPr lang="zh-CN" altLang="en-US" smtClean="0"/>
-              <a:t>10:02:05</a:t>
+              <a:t>17:39:29</a:t>
             </a:fld>
             <a:endParaRPr lang="zh-CN" altLang="en-US"/>
           </a:p>
@@ -2170,7 +2173,7 @@
           <a:p>
             <a:fld id="{5878D75F-A3E8-8142-8AF3-3DEE6BCBEE63}" type="datetime11">
               <a:rPr lang="zh-CN" altLang="en-US" smtClean="0"/>
-              <a:t>10:02:05</a:t>
+              <a:t>17:39:29</a:t>
             </a:fld>
             <a:endParaRPr lang="zh-CN" altLang="en-US"/>
           </a:p>
@@ -2295,7 +2298,7 @@
           <a:p>
             <a:fld id="{E959AB34-1740-CE4E-A318-8FA83AE911A1}" type="datetime11">
               <a:rPr lang="zh-CN" altLang="en-US" smtClean="0"/>
-              <a:t>10:02:05</a:t>
+              <a:t>17:39:29</a:t>
             </a:fld>
             <a:endParaRPr lang="zh-CN" altLang="en-US"/>
           </a:p>
@@ -2385,7 +2388,7 @@
           <a:p>
             <a:fld id="{87BC8D96-DEF2-6340-A3B7-E54FC6CC2903}" type="datetime11">
               <a:rPr lang="zh-CN" altLang="en-US" smtClean="0"/>
-              <a:t>10:02:05</a:t>
+              <a:t>17:39:29</a:t>
             </a:fld>
             <a:endParaRPr lang="zh-CN" altLang="en-US"/>
           </a:p>
@@ -2657,7 +2660,7 @@
           <a:p>
             <a:fld id="{3DF0D7E1-8531-C34B-AF47-56C48989C843}" type="datetime11">
               <a:rPr lang="zh-CN" altLang="en-US" smtClean="0"/>
-              <a:t>10:02:05</a:t>
+              <a:t>17:39:29</a:t>
             </a:fld>
             <a:endParaRPr lang="zh-CN" altLang="en-US"/>
           </a:p>
@@ -2921,7 +2924,7 @@
           <a:p>
             <a:fld id="{1F5C8B91-33D4-3B46-98A0-1A7911CE6EE5}" type="datetime11">
               <a:rPr lang="zh-CN" altLang="en-US" smtClean="0"/>
-              <a:t>10:02:05</a:t>
+              <a:t>17:39:29</a:t>
             </a:fld>
             <a:endParaRPr lang="zh-CN" altLang="en-US"/>
           </a:p>
@@ -3268,7 +3271,7 @@
           <a:p>
             <a:fld id="{C1CAB5B8-A118-C145-A611-0AD7F2ACB9C6}" type="datetime11">
               <a:rPr lang="zh-CN" altLang="en-US" smtClean="0"/>
-              <a:t>10:02:05</a:t>
+              <a:t>17:39:29</a:t>
             </a:fld>
             <a:endParaRPr lang="zh-CN" altLang="en-US"/>
           </a:p>
@@ -3709,21 +3712,21 @@
           <a:lstStyle/>
           <a:p>
             <a:r>
-              <a:rPr lang="zh-CN" altLang="en-US" dirty="0" smtClean="0"/>
+              <a:rPr lang="zh-CN" altLang="en-US" b="1" dirty="0" smtClean="0"/>
               <a:t>基于</a:t>
             </a:r>
             <a:r>
-              <a:rPr lang="en-US" altLang="zh-CN" dirty="0" smtClean="0">
+              <a:rPr lang="en-US" altLang="zh-CN" b="1" dirty="0" smtClean="0">
                 <a:latin typeface="Times New Roman" panose="02020603050405020304" pitchFamily="18" charset="0"/>
                 <a:ea typeface="宋体" panose="02010600030101010101" pitchFamily="2" charset="-122"/>
               </a:rPr>
               <a:t>Scrapy</a:t>
             </a:r>
             <a:r>
-              <a:rPr lang="zh-CN" altLang="en-US" dirty="0" smtClean="0"/>
+              <a:rPr lang="zh-CN" altLang="en-US" b="1" dirty="0" smtClean="0"/>
               <a:t>框架的计算机专业学习资源网站</a:t>
             </a:r>
-            <a:endParaRPr lang="zh-CN" altLang="en-US" dirty="0"/>
+            <a:endParaRPr lang="zh-CN" altLang="en-US" b="1" dirty="0"/>
           </a:p>
         </p:txBody>
       </p:sp>
@@ -3997,7 +4000,7 @@
           <a:p>
             <a:fld id="{94E70139-B0AB-7948-B662-8E6463EF7FCC}" type="datetime11">
               <a:rPr lang="zh-CN" altLang="en-US" smtClean="0"/>
-              <a:t>10:02:05</a:t>
+              <a:t>17:39:29</a:t>
             </a:fld>
             <a:endParaRPr lang="zh-CN" altLang="en-US"/>
           </a:p>
@@ -4007,6 +4010,470 @@
     <p:extLst>
       <p:ext uri="{BB962C8B-B14F-4D97-AF65-F5344CB8AC3E}">
         <p14:creationId xmlns:p14="http://schemas.microsoft.com/office/powerpoint/2010/main" val="3016212164"/>
+      </p:ext>
+    </p:extLst>
+  </p:cSld>
+  <p:clrMapOvr>
+    <a:masterClrMapping/>
+  </p:clrMapOvr>
+  <p:timing>
+    <p:tnLst>
+      <p:par>
+        <p:cTn id="1" dur="indefinite" restart="never" nodeType="tmRoot"/>
+      </p:par>
+    </p:tnLst>
+  </p:timing>
+</p:sld>
+</file>
+
+<file path=ppt/slides/slide10.xml><?xml version="1.0" encoding="utf-8"?>
+<p:sld xmlns:a="http://schemas.openxmlformats.org/drawingml/2006/main" xmlns:r="http://schemas.openxmlformats.org/officeDocument/2006/relationships" xmlns:p="http://schemas.openxmlformats.org/presentationml/2006/main">
+  <p:cSld>
+    <p:spTree>
+      <p:nvGrpSpPr>
+        <p:cNvPr id="1" name=""/>
+        <p:cNvGrpSpPr/>
+        <p:nvPr/>
+      </p:nvGrpSpPr>
+      <p:grpSpPr>
+        <a:xfrm>
+          <a:off x="0" y="0"/>
+          <a:ext cx="0" cy="0"/>
+          <a:chOff x="0" y="0"/>
+          <a:chExt cx="0" cy="0"/>
+        </a:xfrm>
+      </p:grpSpPr>
+      <p:sp>
+        <p:nvSpPr>
+          <p:cNvPr id="2" name="日期占位符 1"/>
+          <p:cNvSpPr>
+            <a:spLocks noGrp="1"/>
+          </p:cNvSpPr>
+          <p:nvPr>
+            <p:ph type="dt" sz="half" idx="10"/>
+          </p:nvPr>
+        </p:nvSpPr>
+        <p:spPr/>
+        <p:txBody>
+          <a:bodyPr/>
+          <a:lstStyle/>
+          <a:p>
+            <a:fld id="{4D233439-5E16-0648-BDD8-E0B3303C482E}" type="datetime11">
+              <a:rPr lang="zh-CN" altLang="en-US" smtClean="0"/>
+              <a:t>17:39:31</a:t>
+            </a:fld>
+            <a:endParaRPr lang="zh-CN" altLang="en-US"/>
+          </a:p>
+        </p:txBody>
+      </p:sp>
+      <p:sp>
+        <p:nvSpPr>
+          <p:cNvPr id="7" name="标题 1"/>
+          <p:cNvSpPr>
+            <a:spLocks noGrp="1"/>
+          </p:cNvSpPr>
+          <p:nvPr>
+            <p:ph type="title"/>
+          </p:nvPr>
+        </p:nvSpPr>
+        <p:spPr>
+          <a:xfrm>
+            <a:off x="0" y="0"/>
+            <a:ext cx="6019196" cy="1030837"/>
+          </a:xfrm>
+        </p:spPr>
+        <p:txBody>
+          <a:bodyPr>
+            <a:normAutofit/>
+          </a:bodyPr>
+          <a:lstStyle/>
+          <a:p>
+            <a:r>
+              <a:rPr kumimoji="1" lang="en-US" altLang="zh-CN" dirty="0"/>
+              <a:t>3</a:t>
+            </a:r>
+            <a:r>
+              <a:rPr kumimoji="1" lang="en-US" altLang="zh-CN" dirty="0" smtClean="0"/>
+              <a:t>. </a:t>
+            </a:r>
+            <a:r>
+              <a:rPr kumimoji="1" lang="zh-CN" altLang="en-US" dirty="0" smtClean="0"/>
+              <a:t>系统</a:t>
+            </a:r>
+            <a:r>
+              <a:rPr kumimoji="1" lang="zh-CN" altLang="en-US" dirty="0"/>
+              <a:t>架构</a:t>
+            </a:r>
+          </a:p>
+        </p:txBody>
+      </p:sp>
+      <p:pic>
+        <p:nvPicPr>
+          <p:cNvPr id="5" name="图片 4"/>
+          <p:cNvPicPr>
+            <a:picLocks noChangeAspect="1"/>
+          </p:cNvPicPr>
+          <p:nvPr/>
+        </p:nvPicPr>
+        <p:blipFill>
+          <a:blip r:embed="rId2"/>
+          <a:stretch>
+            <a:fillRect/>
+          </a:stretch>
+        </p:blipFill>
+        <p:spPr>
+          <a:xfrm>
+            <a:off x="473115" y="1030837"/>
+            <a:ext cx="8167320" cy="5827163"/>
+          </a:xfrm>
+          <a:prstGeom prst="rect">
+            <a:avLst/>
+          </a:prstGeom>
+        </p:spPr>
+      </p:pic>
+    </p:spTree>
+    <p:extLst>
+      <p:ext uri="{BB962C8B-B14F-4D97-AF65-F5344CB8AC3E}">
+        <p14:creationId xmlns:p14="http://schemas.microsoft.com/office/powerpoint/2010/main" val="3722289401"/>
+      </p:ext>
+    </p:extLst>
+  </p:cSld>
+  <p:clrMapOvr>
+    <a:masterClrMapping/>
+  </p:clrMapOvr>
+  <p:timing>
+    <p:tnLst>
+      <p:par>
+        <p:cTn id="1" dur="indefinite" restart="never" nodeType="tmRoot"/>
+      </p:par>
+    </p:tnLst>
+  </p:timing>
+</p:sld>
+</file>
+
+<file path=ppt/slides/slide11.xml><?xml version="1.0" encoding="utf-8"?>
+<p:sld xmlns:a="http://schemas.openxmlformats.org/drawingml/2006/main" xmlns:r="http://schemas.openxmlformats.org/officeDocument/2006/relationships" xmlns:p="http://schemas.openxmlformats.org/presentationml/2006/main">
+  <p:cSld>
+    <p:spTree>
+      <p:nvGrpSpPr>
+        <p:cNvPr id="1" name=""/>
+        <p:cNvGrpSpPr/>
+        <p:nvPr/>
+      </p:nvGrpSpPr>
+      <p:grpSpPr>
+        <a:xfrm>
+          <a:off x="0" y="0"/>
+          <a:ext cx="0" cy="0"/>
+          <a:chOff x="0" y="0"/>
+          <a:chExt cx="0" cy="0"/>
+        </a:xfrm>
+      </p:grpSpPr>
+      <p:sp>
+        <p:nvSpPr>
+          <p:cNvPr id="2" name="日期占位符 1"/>
+          <p:cNvSpPr>
+            <a:spLocks noGrp="1"/>
+          </p:cNvSpPr>
+          <p:nvPr>
+            <p:ph type="dt" sz="half" idx="10"/>
+          </p:nvPr>
+        </p:nvSpPr>
+        <p:spPr/>
+        <p:txBody>
+          <a:bodyPr/>
+          <a:lstStyle/>
+          <a:p>
+            <a:fld id="{4D233439-5E16-0648-BDD8-E0B3303C482E}" type="datetime11">
+              <a:rPr lang="zh-CN" altLang="en-US" smtClean="0"/>
+              <a:t>17:39:31</a:t>
+            </a:fld>
+            <a:endParaRPr lang="zh-CN" altLang="en-US"/>
+          </a:p>
+        </p:txBody>
+      </p:sp>
+      <p:sp>
+        <p:nvSpPr>
+          <p:cNvPr id="4" name="标题 1"/>
+          <p:cNvSpPr>
+            <a:spLocks noGrp="1"/>
+          </p:cNvSpPr>
+          <p:nvPr>
+            <p:ph type="title"/>
+          </p:nvPr>
+        </p:nvSpPr>
+        <p:spPr>
+          <a:xfrm>
+            <a:off x="0" y="0"/>
+            <a:ext cx="6019196" cy="1030837"/>
+          </a:xfrm>
+        </p:spPr>
+        <p:txBody>
+          <a:bodyPr>
+            <a:normAutofit/>
+          </a:bodyPr>
+          <a:lstStyle/>
+          <a:p>
+            <a:r>
+              <a:rPr kumimoji="1" lang="en-US" altLang="zh-CN" dirty="0"/>
+              <a:t>3</a:t>
+            </a:r>
+            <a:r>
+              <a:rPr kumimoji="1" lang="en-US" altLang="zh-CN" dirty="0" smtClean="0"/>
+              <a:t>. </a:t>
+            </a:r>
+            <a:r>
+              <a:rPr kumimoji="1" lang="zh-CN" altLang="en-US" dirty="0" smtClean="0"/>
+              <a:t>系统</a:t>
+            </a:r>
+            <a:r>
+              <a:rPr kumimoji="1" lang="zh-CN" altLang="en-US" dirty="0"/>
+              <a:t>架构</a:t>
+            </a:r>
+          </a:p>
+        </p:txBody>
+      </p:sp>
+      <p:pic>
+        <p:nvPicPr>
+          <p:cNvPr id="6" name="图片 5"/>
+          <p:cNvPicPr>
+            <a:picLocks noChangeAspect="1"/>
+          </p:cNvPicPr>
+          <p:nvPr/>
+        </p:nvPicPr>
+        <p:blipFill>
+          <a:blip r:embed="rId2"/>
+          <a:stretch>
+            <a:fillRect/>
+          </a:stretch>
+        </p:blipFill>
+        <p:spPr>
+          <a:xfrm>
+            <a:off x="511043" y="1030837"/>
+            <a:ext cx="8051534" cy="5827163"/>
+          </a:xfrm>
+          <a:prstGeom prst="rect">
+            <a:avLst/>
+          </a:prstGeom>
+        </p:spPr>
+      </p:pic>
+    </p:spTree>
+    <p:extLst>
+      <p:ext uri="{BB962C8B-B14F-4D97-AF65-F5344CB8AC3E}">
+        <p14:creationId xmlns:p14="http://schemas.microsoft.com/office/powerpoint/2010/main" val="331014007"/>
+      </p:ext>
+    </p:extLst>
+  </p:cSld>
+  <p:clrMapOvr>
+    <a:masterClrMapping/>
+  </p:clrMapOvr>
+  <p:timing>
+    <p:tnLst>
+      <p:par>
+        <p:cTn id="1" dur="indefinite" restart="never" nodeType="tmRoot"/>
+      </p:par>
+    </p:tnLst>
+  </p:timing>
+</p:sld>
+</file>
+
+<file path=ppt/slides/slide12.xml><?xml version="1.0" encoding="utf-8"?>
+<p:sld xmlns:a="http://schemas.openxmlformats.org/drawingml/2006/main" xmlns:r="http://schemas.openxmlformats.org/officeDocument/2006/relationships" xmlns:p="http://schemas.openxmlformats.org/presentationml/2006/main">
+  <p:cSld>
+    <p:spTree>
+      <p:nvGrpSpPr>
+        <p:cNvPr id="1" name=""/>
+        <p:cNvGrpSpPr/>
+        <p:nvPr/>
+      </p:nvGrpSpPr>
+      <p:grpSpPr>
+        <a:xfrm>
+          <a:off x="0" y="0"/>
+          <a:ext cx="0" cy="0"/>
+          <a:chOff x="0" y="0"/>
+          <a:chExt cx="0" cy="0"/>
+        </a:xfrm>
+      </p:grpSpPr>
+      <p:sp>
+        <p:nvSpPr>
+          <p:cNvPr id="2" name="标题 1"/>
+          <p:cNvSpPr>
+            <a:spLocks noGrp="1"/>
+          </p:cNvSpPr>
+          <p:nvPr>
+            <p:ph type="title"/>
+          </p:nvPr>
+        </p:nvSpPr>
+        <p:spPr/>
+        <p:txBody>
+          <a:bodyPr/>
+          <a:lstStyle/>
+          <a:p>
+            <a:r>
+              <a:rPr lang="en-US" altLang="zh-CN" dirty="0" smtClean="0"/>
+              <a:t>4. </a:t>
+            </a:r>
+            <a:r>
+              <a:rPr lang="zh-CN" altLang="en-US" dirty="0" smtClean="0"/>
+              <a:t>总结</a:t>
+            </a:r>
+            <a:endParaRPr lang="zh-CN" altLang="en-US" dirty="0"/>
+          </a:p>
+        </p:txBody>
+      </p:sp>
+      <p:sp>
+        <p:nvSpPr>
+          <p:cNvPr id="3" name="内容占位符 2"/>
+          <p:cNvSpPr>
+            <a:spLocks noGrp="1"/>
+          </p:cNvSpPr>
+          <p:nvPr>
+            <p:ph idx="1"/>
+          </p:nvPr>
+        </p:nvSpPr>
+        <p:spPr/>
+        <p:txBody>
+          <a:bodyPr>
+            <a:normAutofit/>
+          </a:bodyPr>
+          <a:lstStyle/>
+          <a:p>
+            <a:pPr marL="0" indent="0">
+              <a:buNone/>
+            </a:pPr>
+            <a:r>
+              <a:rPr lang="zh-CN" altLang="en-US" b="1" dirty="0" smtClean="0"/>
+              <a:t>工作总结</a:t>
+            </a:r>
+            <a:endParaRPr lang="en-US" altLang="zh-CN" dirty="0" smtClean="0"/>
+          </a:p>
+          <a:p>
+            <a:pPr marL="514350" indent="-514350">
+              <a:buFont typeface="+mj-lt"/>
+              <a:buAutoNum type="arabicPeriod"/>
+            </a:pPr>
+            <a:r>
+              <a:rPr lang="zh-CN" altLang="en-US" dirty="0" smtClean="0"/>
+              <a:t>实现支持集群、增量抓取数据的网络爬虫</a:t>
+            </a:r>
+            <a:endParaRPr lang="en-US" altLang="zh-CN" dirty="0" smtClean="0"/>
+          </a:p>
+          <a:p>
+            <a:pPr marL="514350" indent="-514350">
+              <a:buFont typeface="+mj-lt"/>
+              <a:buAutoNum type="arabicPeriod"/>
+            </a:pPr>
+            <a:r>
+              <a:rPr lang="zh-CN" altLang="en-US" dirty="0" smtClean="0"/>
+              <a:t>实现针对计算机专业的资源检索功能</a:t>
+            </a:r>
+            <a:endParaRPr lang="en-US" altLang="zh-CN" dirty="0" smtClean="0"/>
+          </a:p>
+          <a:p>
+            <a:pPr marL="514350" indent="-514350">
+              <a:buFont typeface="+mj-lt"/>
+              <a:buAutoNum type="arabicPeriod"/>
+            </a:pPr>
+            <a:r>
+              <a:rPr lang="zh-CN" altLang="en-US" dirty="0" smtClean="0"/>
+              <a:t>实现较健壮、部署难度低的代码评判器</a:t>
+            </a:r>
+            <a:endParaRPr lang="en-US" altLang="zh-CN" dirty="0" smtClean="0"/>
+          </a:p>
+          <a:p>
+            <a:pPr marL="514350" indent="-514350">
+              <a:buFont typeface="+mj-lt"/>
+              <a:buAutoNum type="arabicPeriod"/>
+            </a:pPr>
+            <a:r>
+              <a:rPr lang="zh-CN" altLang="en-US" dirty="0" smtClean="0"/>
+              <a:t>将</a:t>
+            </a:r>
+            <a:r>
+              <a:rPr lang="zh-CN" altLang="en-US" dirty="0"/>
+              <a:t>学习资源与编程题目关联，理论结合</a:t>
+            </a:r>
+            <a:r>
+              <a:rPr lang="zh-CN" altLang="en-US" dirty="0" smtClean="0"/>
+              <a:t>实践</a:t>
+            </a:r>
+            <a:endParaRPr lang="en-US" altLang="zh-CN" dirty="0" smtClean="0"/>
+          </a:p>
+          <a:p>
+            <a:pPr marL="0" indent="0">
+              <a:buNone/>
+            </a:pPr>
+            <a:r>
+              <a:rPr lang="zh-CN" altLang="en-US" b="1" dirty="0" smtClean="0"/>
+              <a:t>需要改进</a:t>
+            </a:r>
+            <a:endParaRPr lang="en-US" altLang="zh-CN" b="1" dirty="0" smtClean="0"/>
+          </a:p>
+          <a:p>
+            <a:pPr marL="514350" indent="-514350">
+              <a:buFont typeface="+mj-lt"/>
+              <a:buAutoNum type="arabicPeriod"/>
+            </a:pPr>
+            <a:r>
+              <a:rPr lang="zh-CN" altLang="en-US" dirty="0" smtClean="0"/>
+              <a:t>需要一种算法为没有标签的学习资源打标签</a:t>
+            </a:r>
+            <a:endParaRPr lang="en-US" altLang="zh-CN" dirty="0" smtClean="0"/>
+          </a:p>
+          <a:p>
+            <a:pPr marL="514350" indent="-514350">
+              <a:buFont typeface="+mj-lt"/>
+              <a:buAutoNum type="arabicPeriod"/>
+            </a:pPr>
+            <a:r>
+              <a:rPr lang="zh-CN" altLang="en-US" dirty="0"/>
+              <a:t>需要</a:t>
+            </a:r>
+            <a:r>
+              <a:rPr lang="zh-CN" altLang="en-US" dirty="0" smtClean="0"/>
+              <a:t>增加评判器所支持的编程语言数量</a:t>
+            </a:r>
+            <a:endParaRPr lang="en-US" altLang="zh-CN" dirty="0" smtClean="0"/>
+          </a:p>
+          <a:p>
+            <a:pPr marL="514350" indent="-514350">
+              <a:buFont typeface="+mj-lt"/>
+              <a:buAutoNum type="arabicPeriod"/>
+            </a:pPr>
+            <a:r>
+              <a:rPr lang="zh-CN" altLang="en-US" dirty="0" smtClean="0"/>
+              <a:t>完善前端界面，优化用户体验</a:t>
+            </a:r>
+            <a:endParaRPr lang="zh-CN" altLang="en-US" dirty="0"/>
+          </a:p>
+        </p:txBody>
+      </p:sp>
+      <p:sp>
+        <p:nvSpPr>
+          <p:cNvPr id="4" name="日期占位符 3"/>
+          <p:cNvSpPr>
+            <a:spLocks noGrp="1"/>
+          </p:cNvSpPr>
+          <p:nvPr>
+            <p:ph type="dt" sz="half" idx="10"/>
+          </p:nvPr>
+        </p:nvSpPr>
+        <p:spPr/>
+        <p:txBody>
+          <a:bodyPr/>
+          <a:lstStyle/>
+          <a:p>
+            <a:fld id="{E093F988-9A29-5E45-8D20-69A04853E7AD}" type="datetime11">
+              <a:rPr lang="zh-CN" altLang="en-US" smtClean="0"/>
+              <a:t>17:39:31</a:t>
+            </a:fld>
+            <a:endParaRPr lang="zh-CN" altLang="en-US"/>
+          </a:p>
+        </p:txBody>
+      </p:sp>
+    </p:spTree>
+    <p:extLst>
+      <p:ext uri="{BB962C8B-B14F-4D97-AF65-F5344CB8AC3E}">
+        <p14:creationId xmlns:p14="http://schemas.microsoft.com/office/powerpoint/2010/main" val="2593667565"/>
       </p:ext>
     </p:extLst>
   </p:cSld>
@@ -4243,7 +4710,7 @@
           <a:p>
             <a:fld id="{6939E48F-AB3D-7D44-9ABE-6BACA1B72509}" type="datetime11">
               <a:rPr lang="zh-CN" altLang="en-US" smtClean="0"/>
-              <a:t>10:02:06</a:t>
+              <a:t>17:39:30</a:t>
             </a:fld>
             <a:endParaRPr lang="zh-CN" altLang="en-US"/>
           </a:p>
@@ -4309,14 +4776,14 @@
           <a:lstStyle/>
           <a:p>
             <a:r>
-              <a:rPr lang="en-US" altLang="zh-CN" sz="4000" dirty="0" smtClean="0"/>
+              <a:rPr lang="en-US" altLang="zh-CN" dirty="0" smtClean="0"/>
               <a:t>1.</a:t>
             </a:r>
             <a:r>
-              <a:rPr lang="zh-CN" altLang="en-US" sz="4000" dirty="0" smtClean="0"/>
+              <a:rPr lang="zh-CN" altLang="en-US" dirty="0" smtClean="0"/>
               <a:t> 研究背景与意义</a:t>
             </a:r>
-            <a:endParaRPr lang="zh-CN" altLang="en-US" sz="4000" dirty="0"/>
+            <a:endParaRPr lang="zh-CN" altLang="en-US" dirty="0"/>
           </a:p>
         </p:txBody>
       </p:sp>
@@ -4332,13 +4799,13 @@
         </p:nvSpPr>
         <p:spPr>
           <a:xfrm>
-            <a:off x="499441" y="1403286"/>
-            <a:ext cx="8376202" cy="2613990"/>
+            <a:off x="499441" y="1403285"/>
+            <a:ext cx="8376202" cy="4953065"/>
           </a:xfrm>
         </p:spPr>
         <p:txBody>
           <a:bodyPr>
-            <a:normAutofit/>
+            <a:noAutofit/>
           </a:bodyPr>
           <a:lstStyle/>
           <a:p>
@@ -4349,10 +4816,10 @@
               <a:buNone/>
             </a:pPr>
             <a:r>
-              <a:rPr lang="zh-CN" altLang="en-US" sz="3000" smtClean="0"/>
+              <a:rPr lang="zh-CN" altLang="en-US" b="1" dirty="0" smtClean="0"/>
               <a:t>研究背景</a:t>
             </a:r>
-            <a:endParaRPr lang="en-US" altLang="zh-CN" sz="3000" dirty="0" smtClean="0"/>
+            <a:endParaRPr lang="en-US" altLang="zh-CN" b="1" dirty="0" smtClean="0"/>
           </a:p>
           <a:p>
             <a:pPr>
@@ -4361,14 +4828,10 @@
               </a:lnSpc>
             </a:pPr>
             <a:r>
-              <a:rPr lang="zh-CN" altLang="en-US" sz="3000" dirty="0" smtClean="0"/>
-              <a:t>计算机</a:t>
-            </a:r>
-            <a:r>
-              <a:rPr lang="zh-CN" altLang="en-US" sz="3000" dirty="0" smtClean="0"/>
-              <a:t>专业课堂的局限性</a:t>
-            </a:r>
-            <a:endParaRPr lang="en-US" altLang="zh-CN" sz="3000" dirty="0" smtClean="0"/>
+              <a:rPr lang="zh-CN" altLang="en-US" dirty="0" smtClean="0"/>
+              <a:t>计算机专业热门，人才缺口大，培养不易</a:t>
+            </a:r>
+            <a:endParaRPr lang="en-US" altLang="zh-CN" dirty="0" smtClean="0"/>
           </a:p>
           <a:p>
             <a:pPr>
@@ -4377,18 +4840,18 @@
               </a:lnSpc>
             </a:pPr>
             <a:r>
-              <a:rPr lang="zh-CN" altLang="en-US" sz="3000" dirty="0" smtClean="0"/>
-              <a:t>计算机专业知识主要来源于自学</a:t>
-            </a:r>
-            <a:r>
-              <a:rPr lang="zh-CN" altLang="en-US" sz="3000" dirty="0"/>
-              <a:t>、</a:t>
-            </a:r>
-            <a:r>
-              <a:rPr lang="zh-CN" altLang="en-US" sz="3000" dirty="0" smtClean="0"/>
-              <a:t>实践</a:t>
-            </a:r>
-            <a:endParaRPr lang="en-US" altLang="zh-CN" sz="3000" dirty="0" smtClean="0"/>
+              <a:rPr lang="zh-CN" altLang="en-US" dirty="0" smtClean="0"/>
+              <a:t>课堂</a:t>
+            </a:r>
+            <a:r>
+              <a:rPr lang="zh-CN" altLang="en-US" dirty="0"/>
+              <a:t>教学</a:t>
+            </a:r>
+            <a:r>
+              <a:rPr lang="zh-CN" altLang="en-US" dirty="0" smtClean="0"/>
+              <a:t>的局限性较大</a:t>
+            </a:r>
+            <a:endParaRPr lang="en-US" altLang="zh-CN" dirty="0" smtClean="0"/>
           </a:p>
           <a:p>
             <a:pPr>
@@ -4397,10 +4860,26 @@
               </a:lnSpc>
             </a:pPr>
             <a:r>
-              <a:rPr lang="zh-CN" altLang="en-US" sz="3000" dirty="0"/>
-              <a:t>通用搜索引擎、在线评判网站的局限性</a:t>
-            </a:r>
-            <a:endParaRPr lang="en-US" altLang="zh-CN" sz="3000" dirty="0"/>
+              <a:rPr lang="zh-CN" altLang="en-US" dirty="0" smtClean="0"/>
+              <a:t>计算机专业知识</a:t>
+            </a:r>
+            <a:r>
+              <a:rPr lang="zh-CN" altLang="en-US" dirty="0"/>
+              <a:t>学习</a:t>
+            </a:r>
+            <a:r>
+              <a:rPr lang="zh-CN" altLang="en-US" dirty="0" smtClean="0"/>
+              <a:t>主要通过自学</a:t>
+            </a:r>
+            <a:r>
+              <a:rPr lang="zh-CN" altLang="en-US" dirty="0"/>
+              <a:t>、</a:t>
+            </a:r>
+            <a:r>
+              <a:rPr lang="zh-CN" altLang="en-US" dirty="0" smtClean="0"/>
+              <a:t>实践</a:t>
+            </a:r>
+            <a:endParaRPr lang="en-US" altLang="zh-CN" dirty="0" smtClean="0"/>
           </a:p>
           <a:p>
             <a:pPr>
@@ -4408,7 +4887,73 @@
                 <a:spcPct val="100000"/>
               </a:lnSpc>
             </a:pPr>
-            <a:endParaRPr lang="en-US" altLang="zh-CN" sz="3000" dirty="0" smtClean="0"/>
+            <a:r>
+              <a:rPr lang="zh-CN" altLang="en-US" dirty="0"/>
+              <a:t>通用搜索引擎、在线评判网站的</a:t>
+            </a:r>
+            <a:r>
+              <a:rPr lang="zh-CN" altLang="en-US" dirty="0" smtClean="0"/>
+              <a:t>局限性较大</a:t>
+            </a:r>
+            <a:endParaRPr lang="en-US" altLang="zh-CN" dirty="0" smtClean="0"/>
+          </a:p>
+          <a:p>
+            <a:pPr marL="0" indent="0">
+              <a:lnSpc>
+                <a:spcPct val="100000"/>
+              </a:lnSpc>
+              <a:buNone/>
+            </a:pPr>
+            <a:r>
+              <a:rPr lang="zh-CN" altLang="en-US" b="1" dirty="0" smtClean="0"/>
+              <a:t>目的</a:t>
+            </a:r>
+            <a:r>
+              <a:rPr lang="zh-CN" altLang="en-US" b="1" dirty="0"/>
+              <a:t>与意义</a:t>
+            </a:r>
+            <a:endParaRPr lang="en-US" altLang="zh-CN" b="1" dirty="0"/>
+          </a:p>
+          <a:p>
+            <a:pPr>
+              <a:lnSpc>
+                <a:spcPct val="100000"/>
+              </a:lnSpc>
+            </a:pPr>
+            <a:r>
+              <a:rPr lang="zh-CN" altLang="en-US" dirty="0"/>
+              <a:t>有助于提高用户学习（计算机专业知识）效率</a:t>
+            </a:r>
+            <a:endParaRPr lang="en-US" altLang="zh-CN" dirty="0"/>
+          </a:p>
+          <a:p>
+            <a:pPr>
+              <a:lnSpc>
+                <a:spcPct val="100000"/>
+              </a:lnSpc>
+            </a:pPr>
+            <a:r>
+              <a:rPr lang="zh-CN" altLang="en-US" dirty="0"/>
+              <a:t>为计算机专业人才培养作微不足道的贡献</a:t>
+            </a:r>
+            <a:endParaRPr lang="en-US" altLang="zh-CN" dirty="0"/>
+          </a:p>
+          <a:p>
+            <a:pPr marL="0" indent="0">
+              <a:lnSpc>
+                <a:spcPct val="100000"/>
+              </a:lnSpc>
+              <a:buNone/>
+            </a:pPr>
+            <a:endParaRPr lang="en-US" altLang="zh-CN" dirty="0"/>
+          </a:p>
+          <a:p>
+            <a:pPr>
+              <a:lnSpc>
+                <a:spcPct val="100000"/>
+              </a:lnSpc>
+            </a:pPr>
+            <a:endParaRPr lang="en-US" altLang="zh-CN" dirty="0" smtClean="0"/>
           </a:p>
         </p:txBody>
       </p:sp>
@@ -4422,7 +4967,7 @@
         </p:nvSpPr>
         <p:spPr>
           <a:xfrm>
-            <a:off x="499441" y="4017276"/>
+            <a:off x="499441" y="4509200"/>
             <a:ext cx="8376202" cy="1948069"/>
           </a:xfrm>
           <a:prstGeom prst="rect">
@@ -4604,43 +5149,7 @@
               </a:lnSpc>
               <a:buNone/>
             </a:pPr>
-            <a:r>
-              <a:rPr lang="zh-CN" altLang="en-US" sz="3000" dirty="0" smtClean="0"/>
-              <a:t>目的与</a:t>
-            </a:r>
-            <a:r>
-              <a:rPr lang="zh-CN" altLang="en-US" sz="3000" dirty="0" smtClean="0"/>
-              <a:t>意义</a:t>
-            </a:r>
-            <a:endParaRPr lang="en-US" altLang="zh-CN" sz="3000" dirty="0" smtClean="0"/>
-          </a:p>
-          <a:p>
-            <a:pPr>
-              <a:lnSpc>
-                <a:spcPct val="100000"/>
-              </a:lnSpc>
-            </a:pPr>
-            <a:r>
-              <a:rPr lang="zh-CN" altLang="en-US" sz="3000" dirty="0" smtClean="0"/>
-              <a:t>有助于</a:t>
-            </a:r>
-            <a:r>
-              <a:rPr lang="zh-CN" altLang="en-US" sz="3000" dirty="0" smtClean="0"/>
-              <a:t>提高用户学习（计算机专业知识）效率</a:t>
-            </a:r>
-            <a:endParaRPr lang="en-US" altLang="zh-CN" sz="3000" dirty="0" smtClean="0"/>
-          </a:p>
-          <a:p>
-            <a:pPr>
-              <a:lnSpc>
-                <a:spcPct val="100000"/>
-              </a:lnSpc>
-            </a:pPr>
-            <a:r>
-              <a:rPr lang="zh-CN" altLang="en-US" sz="3000" dirty="0" smtClean="0"/>
-              <a:t>为计算机专业人才培养作微不足道的贡献</a:t>
-            </a:r>
-            <a:endParaRPr lang="en-US" altLang="zh-CN" sz="3000" dirty="0" smtClean="0"/>
+            <a:endParaRPr lang="en-US" altLang="zh-CN" sz="2800" dirty="0" smtClean="0"/>
           </a:p>
         </p:txBody>
       </p:sp>
@@ -4661,7 +5170,7 @@
           <a:p>
             <a:fld id="{B42AC176-3ED8-6048-A23F-3E0886988747}" type="datetime11">
               <a:rPr lang="zh-CN" altLang="en-US" smtClean="0"/>
-              <a:t>10:02:06</a:t>
+              <a:t>17:39:30</a:t>
             </a:fld>
             <a:endParaRPr lang="zh-CN" altLang="en-US"/>
           </a:p>
@@ -4748,8 +5257,8 @@
         </p:nvSpPr>
         <p:spPr>
           <a:xfrm>
-            <a:off x="628650" y="1371601"/>
-            <a:ext cx="7886700" cy="4984750"/>
+            <a:off x="628650" y="1194363"/>
+            <a:ext cx="7886700" cy="5252735"/>
           </a:xfrm>
         </p:spPr>
         <p:txBody>
@@ -4757,6 +5266,19 @@
             <a:normAutofit/>
           </a:bodyPr>
           <a:lstStyle/>
+          <a:p>
+            <a:pPr marL="0" indent="0">
+              <a:lnSpc>
+                <a:spcPct val="100000"/>
+              </a:lnSpc>
+              <a:buNone/>
+            </a:pPr>
+            <a:r>
+              <a:rPr kumimoji="1" lang="zh-CN" altLang="en-US" sz="3600" b="1" dirty="0" smtClean="0"/>
+              <a:t>学习资源检索</a:t>
+            </a:r>
+            <a:endParaRPr kumimoji="1" lang="en-US" altLang="zh-CN" sz="2400" b="1" dirty="0" smtClean="0"/>
+          </a:p>
           <a:p>
             <a:pPr>
               <a:lnSpc>
@@ -4764,10 +5286,10 @@
               </a:lnSpc>
             </a:pPr>
             <a:r>
-              <a:rPr kumimoji="1" lang="zh-CN" altLang="en-US" sz="3600" dirty="0" smtClean="0"/>
-              <a:t>学习资源检索</a:t>
-            </a:r>
-            <a:endParaRPr kumimoji="1" lang="en-US" altLang="zh-CN" sz="2400" dirty="0" smtClean="0"/>
+              <a:rPr kumimoji="1" lang="zh-CN" altLang="en-US" sz="1800" dirty="0" smtClean="0"/>
+              <a:t>搜索引擎</a:t>
+            </a:r>
+            <a:endParaRPr kumimoji="1" lang="en-US" altLang="zh-CN" sz="1800" dirty="0" smtClean="0"/>
           </a:p>
           <a:p>
             <a:pPr>
@@ -4777,7 +5299,7 @@
             </a:pPr>
             <a:r>
               <a:rPr kumimoji="1" lang="zh-CN" altLang="en-US" sz="1800" dirty="0" smtClean="0"/>
-              <a:t>输入补全建议</a:t>
+              <a:t>爬虫集群</a:t>
             </a:r>
             <a:endParaRPr kumimoji="1" lang="en-US" altLang="zh-CN" sz="1800" dirty="0" smtClean="0"/>
           </a:p>
@@ -4788,10 +5310,27 @@
               </a:lnSpc>
             </a:pPr>
             <a:r>
+              <a:rPr kumimoji="1" lang="zh-CN" altLang="en-US" sz="1800" dirty="0"/>
+              <a:t>站</a:t>
+            </a:r>
+            <a:r>
               <a:rPr kumimoji="1" lang="zh-CN" altLang="en-US" sz="1800" dirty="0" smtClean="0"/>
-              <a:t>输入纠错</a:t>
+              <a:t>内学习资源等基本增删改查</a:t>
             </a:r>
             <a:endParaRPr kumimoji="1" lang="en-US" altLang="zh-CN" sz="1800" dirty="0" smtClean="0"/>
+          </a:p>
+          <a:p>
+            <a:pPr marL="0" indent="0">
+              <a:lnSpc>
+                <a:spcPct val="100000"/>
+              </a:lnSpc>
+              <a:buNone/>
+            </a:pPr>
+            <a:r>
+              <a:rPr kumimoji="1" lang="zh-CN" altLang="en-US" sz="3600" b="1" dirty="0" smtClean="0"/>
+              <a:t>在线编程</a:t>
+            </a:r>
+            <a:endParaRPr kumimoji="1" lang="en-US" altLang="zh-CN" sz="3600" b="1" dirty="0" smtClean="0"/>
           </a:p>
           <a:p>
             <a:pPr>
@@ -4801,11 +5340,7 @@
             </a:pPr>
             <a:r>
               <a:rPr kumimoji="1" lang="zh-CN" altLang="en-US" sz="1800" dirty="0" smtClean="0"/>
-              <a:t>拼音</a:t>
-            </a:r>
-            <a:r>
-              <a:rPr kumimoji="1" lang="zh-CN" altLang="en-US" sz="1800" dirty="0" smtClean="0"/>
-              <a:t>搜索</a:t>
+              <a:t>代码评判器</a:t>
             </a:r>
             <a:endParaRPr kumimoji="1" lang="en-US" altLang="zh-CN" sz="1800" dirty="0" smtClean="0"/>
           </a:p>
@@ -4815,16 +5350,15 @@
                 <a:spcPct val="100000"/>
               </a:lnSpc>
             </a:pPr>
+            <a:r>
+              <a:rPr kumimoji="1" lang="en-US" altLang="zh-CN" sz="1800" dirty="0"/>
+              <a:t>Web</a:t>
+            </a:r>
+            <a:r>
+              <a:rPr kumimoji="1" lang="zh-CN" altLang="en-US" sz="1800" dirty="0"/>
+              <a:t>嵌入代码编辑器</a:t>
+            </a:r>
             <a:endParaRPr kumimoji="1" lang="en-US" altLang="zh-CN" sz="1800" dirty="0"/>
-          </a:p>
-          <a:p>
-            <a:pPr marL="0" indent="0">
-              <a:lnSpc>
-                <a:spcPct val="100000"/>
-              </a:lnSpc>
-              <a:buNone/>
-            </a:pPr>
-            <a:endParaRPr kumimoji="1" lang="en-US" altLang="zh-CN" sz="1800" dirty="0" smtClean="0"/>
           </a:p>
           <a:p>
             <a:pPr>
@@ -4833,10 +5367,23 @@
               </a:lnSpc>
             </a:pPr>
             <a:r>
-              <a:rPr kumimoji="1" lang="zh-CN" altLang="en-US" sz="3600" dirty="0" smtClean="0"/>
-              <a:t>在线编程</a:t>
-            </a:r>
-            <a:endParaRPr kumimoji="1" lang="en-US" altLang="zh-CN" sz="3600" dirty="0" smtClean="0"/>
+              <a:rPr kumimoji="1" lang="zh-CN" altLang="en-US" sz="1800" dirty="0" smtClean="0"/>
+              <a:t>编程题目、测试用例等基本增删改查</a:t>
+            </a:r>
+            <a:endParaRPr kumimoji="1" lang="en-US" altLang="zh-CN" sz="1800" dirty="0"/>
+          </a:p>
+          <a:p>
+            <a:pPr marL="0" indent="0">
+              <a:lnSpc>
+                <a:spcPct val="100000"/>
+              </a:lnSpc>
+              <a:buNone/>
+            </a:pPr>
+            <a:r>
+              <a:rPr kumimoji="1" lang="zh-CN" altLang="en-US" sz="2400" dirty="0" smtClean="0"/>
+              <a:t>其他</a:t>
+            </a:r>
+            <a:endParaRPr kumimoji="1" lang="en-US" altLang="zh-CN" dirty="0" smtClean="0"/>
           </a:p>
           <a:p>
             <a:pPr>
@@ -4846,41 +5393,13 @@
             </a:pPr>
             <a:r>
               <a:rPr kumimoji="1" lang="en-US" altLang="zh-CN" sz="1800" dirty="0" smtClean="0"/>
-              <a:t>Web</a:t>
+              <a:t>RBAC</a:t>
             </a:r>
             <a:r>
               <a:rPr kumimoji="1" lang="zh-CN" altLang="en-US" sz="1800" dirty="0" smtClean="0"/>
-              <a:t>编辑器代码补全</a:t>
+              <a:t>（基于角色的用户管理）与相关增删改查</a:t>
             </a:r>
             <a:endParaRPr kumimoji="1" lang="en-US" altLang="zh-CN" sz="1800" dirty="0" smtClean="0"/>
-          </a:p>
-          <a:p>
-            <a:pPr>
-              <a:lnSpc>
-                <a:spcPct val="100000"/>
-              </a:lnSpc>
-            </a:pPr>
-            <a:r>
-              <a:rPr kumimoji="1" lang="zh-CN" altLang="en-US" sz="1800" dirty="0" smtClean="0"/>
-              <a:t>输入</a:t>
-            </a:r>
-            <a:r>
-              <a:rPr kumimoji="1" lang="zh-CN" altLang="en-US" sz="1800" dirty="0"/>
-              <a:t>纠错</a:t>
-            </a:r>
-            <a:endParaRPr kumimoji="1" lang="en-US" altLang="zh-CN" sz="1800" dirty="0"/>
-          </a:p>
-          <a:p>
-            <a:pPr>
-              <a:lnSpc>
-                <a:spcPct val="100000"/>
-              </a:lnSpc>
-            </a:pPr>
-            <a:r>
-              <a:rPr kumimoji="1" lang="zh-CN" altLang="en-US" sz="1800" dirty="0"/>
-              <a:t>拼音搜索</a:t>
-            </a:r>
-            <a:endParaRPr kumimoji="1" lang="en-US" altLang="zh-CN" sz="1800" dirty="0"/>
           </a:p>
           <a:p>
             <a:pPr marL="0" indent="0">
@@ -4910,7 +5429,7 @@
           <a:p>
             <a:fld id="{7551E2BA-704B-C04E-9043-650619DBAE49}" type="datetime11">
               <a:rPr lang="zh-CN" altLang="en-US" smtClean="0"/>
-              <a:t>10:43:08</a:t>
+              <a:t>17:39:30</a:t>
             </a:fld>
             <a:endParaRPr lang="zh-CN" altLang="en-US"/>
           </a:p>
@@ -4976,18 +5495,17 @@
               <a:rPr kumimoji="1" lang="zh-CN" altLang="en-US" dirty="0"/>
               <a:t>系统功能</a:t>
             </a:r>
-            <a:endParaRPr kumimoji="1" lang="zh-CN" altLang="en-US" dirty="0"/>
-          </a:p>
-        </p:txBody>
-      </p:sp>
-      <p:sp>
-        <p:nvSpPr>
-          <p:cNvPr id="3" name="内容占位符 2"/>
-          <p:cNvSpPr>
-            <a:spLocks noGrp="1"/>
-          </p:cNvSpPr>
-          <p:nvPr>
-            <p:ph idx="1"/>
+          </a:p>
+        </p:txBody>
+      </p:sp>
+      <p:sp>
+        <p:nvSpPr>
+          <p:cNvPr id="4" name="日期占位符 3"/>
+          <p:cNvSpPr>
+            <a:spLocks noGrp="1"/>
+          </p:cNvSpPr>
+          <p:nvPr>
+            <p:ph type="dt" sz="half" idx="10"/>
           </p:nvPr>
         </p:nvSpPr>
         <p:spPr/>
@@ -4995,33 +5513,248 @@
           <a:bodyPr/>
           <a:lstStyle/>
           <a:p>
-            <a:endParaRPr kumimoji="1" lang="zh-CN" altLang="en-US"/>
-          </a:p>
-        </p:txBody>
-      </p:sp>
-      <p:sp>
-        <p:nvSpPr>
-          <p:cNvPr id="4" name="日期占位符 3"/>
-          <p:cNvSpPr>
-            <a:spLocks noGrp="1"/>
-          </p:cNvSpPr>
-          <p:nvPr>
-            <p:ph type="dt" sz="half" idx="10"/>
-          </p:nvPr>
-        </p:nvSpPr>
-        <p:spPr/>
-        <p:txBody>
-          <a:bodyPr/>
-          <a:lstStyle/>
-          <a:p>
             <a:fld id="{4D099A2B-7374-C340-8FD8-C09992C9254A}" type="datetime11">
               <a:rPr lang="zh-CN" altLang="en-US" smtClean="0"/>
-              <a:t>10:25:39</a:t>
+              <a:t>17:39:30</a:t>
             </a:fld>
             <a:endParaRPr lang="zh-CN" altLang="en-US"/>
           </a:p>
         </p:txBody>
       </p:sp>
+      <p:pic>
+        <p:nvPicPr>
+          <p:cNvPr id="10" name="图片 9"/>
+          <p:cNvPicPr>
+            <a:picLocks noChangeAspect="1"/>
+          </p:cNvPicPr>
+          <p:nvPr/>
+        </p:nvPicPr>
+        <p:blipFill rotWithShape="1">
+          <a:blip r:embed="rId2">
+            <a:extLst>
+              <a:ext uri="{28A0092B-C50C-407E-A947-70E740481C1C}">
+                <a14:useLocalDpi xmlns:a14="http://schemas.microsoft.com/office/drawing/2010/main" val="0"/>
+              </a:ext>
+            </a:extLst>
+          </a:blip>
+          <a:srcRect t="4172" r="3988" b="6883"/>
+          <a:stretch/>
+        </p:blipFill>
+        <p:spPr>
+          <a:xfrm>
+            <a:off x="182301" y="2879670"/>
+            <a:ext cx="8779397" cy="1898248"/>
+          </a:xfrm>
+          <a:prstGeom prst="rect">
+            <a:avLst/>
+          </a:prstGeom>
+          <a:ln>
+            <a:noFill/>
+          </a:ln>
+          <a:effectLst/>
+        </p:spPr>
+      </p:pic>
+      <p:pic>
+        <p:nvPicPr>
+          <p:cNvPr id="13" name="图片 12"/>
+          <p:cNvPicPr>
+            <a:picLocks noChangeAspect="1"/>
+          </p:cNvPicPr>
+          <p:nvPr/>
+        </p:nvPicPr>
+        <p:blipFill rotWithShape="1">
+          <a:blip r:embed="rId3" cstate="print">
+            <a:extLst>
+              <a:ext uri="{28A0092B-C50C-407E-A947-70E740481C1C}">
+                <a14:useLocalDpi xmlns:a14="http://schemas.microsoft.com/office/drawing/2010/main" val="0"/>
+              </a:ext>
+            </a:extLst>
+          </a:blip>
+          <a:srcRect l="3038" t="4514" r="7025" b="82615"/>
+          <a:stretch/>
+        </p:blipFill>
+        <p:spPr>
+          <a:xfrm>
+            <a:off x="0" y="1030837"/>
+            <a:ext cx="9144000" cy="598447"/>
+          </a:xfrm>
+          <a:prstGeom prst="rect">
+            <a:avLst/>
+          </a:prstGeom>
+        </p:spPr>
+      </p:pic>
+      <p:pic>
+        <p:nvPicPr>
+          <p:cNvPr id="14" name="图片 13"/>
+          <p:cNvPicPr>
+            <a:picLocks noChangeAspect="1"/>
+          </p:cNvPicPr>
+          <p:nvPr/>
+        </p:nvPicPr>
+        <p:blipFill rotWithShape="1">
+          <a:blip r:embed="rId3" cstate="print">
+            <a:extLst>
+              <a:ext uri="{28A0092B-C50C-407E-A947-70E740481C1C}">
+                <a14:useLocalDpi xmlns:a14="http://schemas.microsoft.com/office/drawing/2010/main" val="0"/>
+              </a:ext>
+            </a:extLst>
+          </a:blip>
+          <a:srcRect l="18188" t="40827" r="8165" b="31472"/>
+          <a:stretch/>
+        </p:blipFill>
+        <p:spPr>
+          <a:xfrm>
+            <a:off x="1568370" y="1629284"/>
+            <a:ext cx="6734296" cy="1158291"/>
+          </a:xfrm>
+          <a:prstGeom prst="rect">
+            <a:avLst/>
+          </a:prstGeom>
+        </p:spPr>
+      </p:pic>
+      <p:grpSp>
+        <p:nvGrpSpPr>
+          <p:cNvPr id="19" name="组合 18"/>
+          <p:cNvGrpSpPr/>
+          <p:nvPr/>
+        </p:nvGrpSpPr>
+        <p:grpSpPr>
+          <a:xfrm>
+            <a:off x="31970" y="4921597"/>
+            <a:ext cx="9112030" cy="1351597"/>
+            <a:chOff x="0" y="4835071"/>
+            <a:chExt cx="8044405" cy="1193235"/>
+          </a:xfrm>
+        </p:grpSpPr>
+        <p:pic>
+          <p:nvPicPr>
+            <p:cNvPr id="15" name="图片 14"/>
+            <p:cNvPicPr>
+              <a:picLocks noChangeAspect="1"/>
+            </p:cNvPicPr>
+            <p:nvPr/>
+          </p:nvPicPr>
+          <p:blipFill rotWithShape="1">
+            <a:blip r:embed="rId4" cstate="print">
+              <a:extLst>
+                <a:ext uri="{28A0092B-C50C-407E-A947-70E740481C1C}">
+                  <a14:useLocalDpi xmlns:a14="http://schemas.microsoft.com/office/drawing/2010/main" val="0"/>
+                </a:ext>
+              </a:extLst>
+            </a:blip>
+            <a:srcRect l="443" t="83872" r="14212" b="-1"/>
+            <a:stretch/>
+          </p:blipFill>
+          <p:spPr>
+            <a:xfrm>
+              <a:off x="1" y="5675278"/>
+              <a:ext cx="8038617" cy="353028"/>
+            </a:xfrm>
+            <a:prstGeom prst="rect">
+              <a:avLst/>
+            </a:prstGeom>
+          </p:spPr>
+        </p:pic>
+        <p:pic>
+          <p:nvPicPr>
+            <p:cNvPr id="16" name="图片 15"/>
+            <p:cNvPicPr>
+              <a:picLocks noChangeAspect="1"/>
+            </p:cNvPicPr>
+            <p:nvPr/>
+          </p:nvPicPr>
+          <p:blipFill rotWithShape="1">
+            <a:blip r:embed="rId4" cstate="print">
+              <a:extLst>
+                <a:ext uri="{28A0092B-C50C-407E-A947-70E740481C1C}">
+                  <a14:useLocalDpi xmlns:a14="http://schemas.microsoft.com/office/drawing/2010/main" val="0"/>
+                </a:ext>
+              </a:extLst>
+            </a:blip>
+            <a:srcRect l="443" t="31071" r="14151" b="31089"/>
+            <a:stretch/>
+          </p:blipFill>
+          <p:spPr>
+            <a:xfrm>
+              <a:off x="0" y="4835071"/>
+              <a:ext cx="8044405" cy="828216"/>
+            </a:xfrm>
+            <a:prstGeom prst="rect">
+              <a:avLst/>
+            </a:prstGeom>
+          </p:spPr>
+        </p:pic>
+      </p:grpSp>
+      <p:cxnSp>
+        <p:nvCxnSpPr>
+          <p:cNvPr id="23" name="直接连接符 22"/>
+          <p:cNvCxnSpPr/>
+          <p:nvPr/>
+        </p:nvCxnSpPr>
+        <p:spPr>
+          <a:xfrm>
+            <a:off x="0" y="4921597"/>
+            <a:ext cx="9137445" cy="0"/>
+          </a:xfrm>
+          <a:prstGeom prst="line">
+            <a:avLst/>
+          </a:prstGeom>
+          <a:ln>
+            <a:solidFill>
+              <a:schemeClr val="tx1"/>
+            </a:solidFill>
+          </a:ln>
+        </p:spPr>
+        <p:style>
+          <a:lnRef idx="1">
+            <a:schemeClr val="accent1"/>
+          </a:lnRef>
+          <a:fillRef idx="0">
+            <a:schemeClr val="accent1"/>
+          </a:fillRef>
+          <a:effectRef idx="0">
+            <a:schemeClr val="accent1"/>
+          </a:effectRef>
+          <a:fontRef idx="minor">
+            <a:schemeClr val="tx1"/>
+          </a:fontRef>
+        </p:style>
+      </p:cxnSp>
+      <p:cxnSp>
+        <p:nvCxnSpPr>
+          <p:cNvPr id="24" name="直接连接符 23"/>
+          <p:cNvCxnSpPr/>
+          <p:nvPr/>
+        </p:nvCxnSpPr>
+        <p:spPr>
+          <a:xfrm>
+            <a:off x="0" y="2787575"/>
+            <a:ext cx="9137445" cy="0"/>
+          </a:xfrm>
+          <a:prstGeom prst="line">
+            <a:avLst/>
+          </a:prstGeom>
+          <a:ln>
+            <a:solidFill>
+              <a:schemeClr val="tx1"/>
+            </a:solidFill>
+          </a:ln>
+        </p:spPr>
+        <p:style>
+          <a:lnRef idx="1">
+            <a:schemeClr val="accent1"/>
+          </a:lnRef>
+          <a:fillRef idx="0">
+            <a:schemeClr val="accent1"/>
+          </a:fillRef>
+          <a:effectRef idx="0">
+            <a:schemeClr val="accent1"/>
+          </a:effectRef>
+          <a:fontRef idx="minor">
+            <a:schemeClr val="tx1"/>
+          </a:fontRef>
+        </p:style>
+      </p:cxnSp>
     </p:spTree>
     <p:extLst>
       <p:ext uri="{BB962C8B-B14F-4D97-AF65-F5344CB8AC3E}">
@@ -5082,18 +5815,17 @@
               <a:rPr kumimoji="1" lang="zh-CN" altLang="en-US" dirty="0"/>
               <a:t>系统功能</a:t>
             </a:r>
-            <a:endParaRPr kumimoji="1" lang="zh-CN" altLang="en-US" dirty="0"/>
-          </a:p>
-        </p:txBody>
-      </p:sp>
-      <p:sp>
-        <p:nvSpPr>
-          <p:cNvPr id="3" name="内容占位符 2"/>
-          <p:cNvSpPr>
-            <a:spLocks noGrp="1"/>
-          </p:cNvSpPr>
-          <p:nvPr>
-            <p:ph idx="1"/>
+          </a:p>
+        </p:txBody>
+      </p:sp>
+      <p:sp>
+        <p:nvSpPr>
+          <p:cNvPr id="4" name="日期占位符 3"/>
+          <p:cNvSpPr>
+            <a:spLocks noGrp="1"/>
+          </p:cNvSpPr>
+          <p:nvPr>
+            <p:ph type="dt" sz="half" idx="10"/>
           </p:nvPr>
         </p:nvSpPr>
         <p:spPr/>
@@ -5101,29 +5833,85 @@
           <a:bodyPr/>
           <a:lstStyle/>
           <a:p>
-            <a:endParaRPr kumimoji="1" lang="zh-CN" altLang="en-US"/>
-          </a:p>
-        </p:txBody>
-      </p:sp>
-      <p:sp>
-        <p:nvSpPr>
-          <p:cNvPr id="4" name="日期占位符 3"/>
-          <p:cNvSpPr>
-            <a:spLocks noGrp="1"/>
-          </p:cNvSpPr>
-          <p:nvPr>
-            <p:ph type="dt" sz="half" idx="10"/>
-          </p:nvPr>
-        </p:nvSpPr>
-        <p:spPr/>
-        <p:txBody>
-          <a:bodyPr/>
-          <a:lstStyle/>
-          <a:p>
-            <a:fld id="{AFB7005A-8EFB-4B4A-BF7E-783465653614}" type="datetime11">
-              <a:rPr lang="zh-CN" altLang="en-US" smtClean="0"/>
-              <a:t>10:25:52</a:t>
+            <a:fld id="{4D099A2B-7374-C340-8FD8-C09992C9254A}" type="datetime11">
+              <a:rPr lang="zh-CN" altLang="en-US" smtClean="0"/>
+              <a:t>19:02:04</a:t>
             </a:fld>
+            <a:endParaRPr lang="zh-CN" altLang="en-US"/>
+          </a:p>
+        </p:txBody>
+      </p:sp>
+      <p:pic>
+        <p:nvPicPr>
+          <p:cNvPr id="3" name="图片 2"/>
+          <p:cNvPicPr>
+            <a:picLocks noChangeAspect="1"/>
+          </p:cNvPicPr>
+          <p:nvPr/>
+        </p:nvPicPr>
+        <p:blipFill rotWithShape="1">
+          <a:blip r:embed="rId2" cstate="print">
+            <a:extLst>
+              <a:ext uri="{28A0092B-C50C-407E-A947-70E740481C1C}">
+                <a14:useLocalDpi xmlns:a14="http://schemas.microsoft.com/office/drawing/2010/main" val="0"/>
+              </a:ext>
+            </a:extLst>
+          </a:blip>
+          <a:srcRect l="1" r="58215"/>
+          <a:stretch/>
+        </p:blipFill>
+        <p:spPr>
+          <a:xfrm>
+            <a:off x="506572" y="1523511"/>
+            <a:ext cx="7803891" cy="4340166"/>
+          </a:xfrm>
+          <a:prstGeom prst="rect">
+            <a:avLst/>
+          </a:prstGeom>
+        </p:spPr>
+      </p:pic>
+      <p:sp>
+        <p:nvSpPr>
+          <p:cNvPr id="5" name="圆角矩形 4"/>
+          <p:cNvSpPr/>
+          <p:nvPr/>
+        </p:nvSpPr>
+        <p:spPr>
+          <a:xfrm>
+            <a:off x="596820" y="3119378"/>
+            <a:ext cx="1729692" cy="561372"/>
+          </a:xfrm>
+          <a:prstGeom prst="roundRect">
+            <a:avLst/>
+          </a:prstGeom>
+          <a:noFill/>
+          <a:ln w="127000">
+            <a:solidFill>
+              <a:srgbClr val="00B050"/>
+            </a:solidFill>
+          </a:ln>
+        </p:spPr>
+        <p:style>
+          <a:lnRef idx="2">
+            <a:schemeClr val="accent1">
+              <a:shade val="50000"/>
+            </a:schemeClr>
+          </a:lnRef>
+          <a:fillRef idx="1">
+            <a:schemeClr val="accent1"/>
+          </a:fillRef>
+          <a:effectRef idx="0">
+            <a:schemeClr val="accent1"/>
+          </a:effectRef>
+          <a:fontRef idx="minor">
+            <a:schemeClr val="lt1"/>
+          </a:fontRef>
+        </p:style>
+        <p:txBody>
+          <a:bodyPr rtlCol="0" anchor="ctr"/>
+          <a:lstStyle/>
+          <a:p>
+            <a:pPr algn="ctr"/>
             <a:endParaRPr lang="zh-CN" altLang="en-US"/>
           </a:p>
         </p:txBody>
@@ -5131,7 +5919,7 @@
     </p:spTree>
     <p:extLst>
       <p:ext uri="{BB962C8B-B14F-4D97-AF65-F5344CB8AC3E}">
-        <p14:creationId xmlns:p14="http://schemas.microsoft.com/office/powerpoint/2010/main" val="534903278"/>
+        <p14:creationId xmlns:p14="http://schemas.microsoft.com/office/powerpoint/2010/main" val="359375875"/>
       </p:ext>
     </p:extLst>
   </p:cSld>
@@ -5177,9 +5965,7 @@
         </p:nvSpPr>
         <p:spPr/>
         <p:txBody>
-          <a:bodyPr>
-            <a:normAutofit/>
-          </a:bodyPr>
+          <a:bodyPr/>
           <a:lstStyle/>
           <a:p>
             <a:r>
@@ -5190,7 +5976,6 @@
               <a:rPr kumimoji="1" lang="zh-CN" altLang="en-US" dirty="0"/>
               <a:t>系统功能</a:t>
             </a:r>
-            <a:endParaRPr kumimoji="1" lang="zh-CN" altLang="en-US" dirty="0"/>
           </a:p>
         </p:txBody>
       </p:sp>
@@ -5204,139 +5989,18 @@
             <p:ph idx="1"/>
           </p:nvPr>
         </p:nvSpPr>
-        <p:spPr>
-          <a:xfrm>
-            <a:off x="628650" y="1360170"/>
-            <a:ext cx="7886700" cy="5180332"/>
-          </a:xfrm>
-        </p:spPr>
-        <p:txBody>
-          <a:bodyPr>
-            <a:normAutofit lnSpcReduction="10000"/>
-          </a:bodyPr>
-          <a:lstStyle/>
-          <a:p>
-            <a:pPr marL="0" indent="0">
-              <a:lnSpc>
-                <a:spcPct val="110000"/>
-              </a:lnSpc>
-              <a:buNone/>
-            </a:pPr>
-            <a:r>
-              <a:rPr kumimoji="1" lang="zh-CN" altLang="en-US" sz="3600" dirty="0" smtClean="0"/>
-              <a:t>在线编程功能与特点</a:t>
-            </a:r>
-            <a:endParaRPr kumimoji="1" lang="en-US" altLang="zh-CN" dirty="0" smtClean="0"/>
-          </a:p>
-          <a:p>
-            <a:pPr>
-              <a:lnSpc>
-                <a:spcPct val="110000"/>
-              </a:lnSpc>
-            </a:pPr>
-            <a:r>
-              <a:rPr kumimoji="1" lang="zh-CN" altLang="en-US" dirty="0" smtClean="0"/>
-              <a:t>黑盒测试，支持 </a:t>
-            </a:r>
-            <a:r>
-              <a:rPr kumimoji="1" lang="en-US" altLang="zh-CN" dirty="0" smtClean="0"/>
-              <a:t>Java</a:t>
-            </a:r>
-            <a:endParaRPr kumimoji="1" lang="en-US" altLang="zh-CN" dirty="0" smtClean="0"/>
-          </a:p>
-          <a:p>
-            <a:pPr>
-              <a:lnSpc>
-                <a:spcPct val="110000"/>
-              </a:lnSpc>
-            </a:pPr>
-            <a:r>
-              <a:rPr kumimoji="1" lang="zh-CN" altLang="en-US" dirty="0" smtClean="0"/>
-              <a:t>用户</a:t>
-            </a:r>
-            <a:r>
-              <a:rPr kumimoji="1" lang="zh-CN" altLang="en-US" dirty="0" smtClean="0"/>
-              <a:t>无需实现</a:t>
-            </a:r>
-            <a:r>
-              <a:rPr kumimoji="1" lang="zh-CN" altLang="en-US" dirty="0" smtClean="0"/>
-              <a:t>参数反序列化、</a:t>
-            </a:r>
-            <a:r>
-              <a:rPr kumimoji="1" lang="zh-CN" altLang="en-US" dirty="0" smtClean="0"/>
-              <a:t>计算</a:t>
-            </a:r>
-            <a:r>
-              <a:rPr kumimoji="1" lang="zh-CN" altLang="en-US" dirty="0" smtClean="0"/>
-              <a:t>结果序列化</a:t>
-            </a:r>
-            <a:endParaRPr kumimoji="1" lang="en-US" altLang="zh-CN" dirty="0" smtClean="0"/>
-          </a:p>
-          <a:p>
-            <a:pPr>
-              <a:lnSpc>
-                <a:spcPct val="110000"/>
-              </a:lnSpc>
-            </a:pPr>
-            <a:r>
-              <a:rPr kumimoji="1" lang="zh-CN" altLang="en-US" dirty="0" smtClean="0"/>
-              <a:t>编译代码时无须创建进程，全程线程级操作</a:t>
-            </a:r>
-            <a:endParaRPr kumimoji="1" lang="en-US" altLang="zh-CN" dirty="0" smtClean="0"/>
-          </a:p>
-          <a:p>
-            <a:pPr>
-              <a:lnSpc>
-                <a:spcPct val="110000"/>
-              </a:lnSpc>
-            </a:pPr>
-            <a:r>
-              <a:rPr kumimoji="1" lang="zh-CN" altLang="en-US" dirty="0" smtClean="0"/>
-              <a:t>不涉及磁盘操作，评判全程在内存进行</a:t>
-            </a:r>
-            <a:endParaRPr kumimoji="1" lang="en-US" altLang="zh-CN" dirty="0" smtClean="0"/>
-          </a:p>
-          <a:p>
-            <a:pPr>
-              <a:lnSpc>
-                <a:spcPct val="110000"/>
-              </a:lnSpc>
-            </a:pPr>
-            <a:r>
-              <a:rPr kumimoji="1" lang="zh-CN" altLang="en-US" dirty="0" smtClean="0"/>
-              <a:t>充分利用编程语言安全机制，不依赖操作系统</a:t>
-            </a:r>
-            <a:endParaRPr kumimoji="1" lang="en-US" altLang="zh-CN" dirty="0"/>
-          </a:p>
-          <a:p>
-            <a:endParaRPr kumimoji="1" lang="en-US" altLang="zh-CN" dirty="0" smtClean="0"/>
-          </a:p>
-          <a:p>
-            <a:pPr marL="0" indent="0">
-              <a:buNone/>
-            </a:pPr>
-            <a:r>
-              <a:rPr kumimoji="1" lang="zh-CN" altLang="en-US" dirty="0" smtClean="0"/>
-              <a:t>缺点</a:t>
-            </a:r>
-            <a:endParaRPr kumimoji="1" lang="en-US" altLang="zh-CN" dirty="0" smtClean="0"/>
-          </a:p>
-          <a:p>
-            <a:r>
-              <a:rPr kumimoji="1" lang="zh-CN" altLang="en-US" dirty="0" smtClean="0"/>
-              <a:t>未实现 限制被评判代码</a:t>
-            </a:r>
-            <a:r>
-              <a:rPr kumimoji="1" lang="zh-CN" altLang="en-US" dirty="0" smtClean="0"/>
-              <a:t>内存使用量</a:t>
-            </a:r>
-            <a:endParaRPr kumimoji="1" lang="zh-CN" altLang="en-US" dirty="0"/>
-          </a:p>
-        </p:txBody>
-      </p:sp>
-      <p:sp>
-        <p:nvSpPr>
-          <p:cNvPr id="6" name="日期占位符 5"/>
+        <p:spPr/>
+        <p:txBody>
+          <a:bodyPr/>
+          <a:lstStyle/>
+          <a:p>
+            <a:endParaRPr kumimoji="1" lang="zh-CN" altLang="en-US"/>
+          </a:p>
+        </p:txBody>
+      </p:sp>
+      <p:sp>
+        <p:nvSpPr>
+          <p:cNvPr id="4" name="日期占位符 3"/>
           <p:cNvSpPr>
             <a:spLocks noGrp="1"/>
           </p:cNvSpPr>
@@ -5344,28 +6008,23 @@
             <p:ph type="dt" sz="half" idx="10"/>
           </p:nvPr>
         </p:nvSpPr>
-        <p:spPr>
-          <a:xfrm>
-            <a:off x="8368748" y="6540502"/>
-            <a:ext cx="775252" cy="317498"/>
-          </a:xfrm>
-        </p:spPr>
-        <p:txBody>
-          <a:bodyPr/>
-          <a:lstStyle/>
-          <a:p>
-            <a:fld id="{23551141-8730-254F-86E1-1D9F9D5E3924}" type="datetime11">
-              <a:rPr lang="zh-CN" altLang="en-US" smtClean="0"/>
-              <a:t>10:34:40</a:t>
+        <p:spPr/>
+        <p:txBody>
+          <a:bodyPr/>
+          <a:lstStyle/>
+          <a:p>
+            <a:fld id="{AFB7005A-8EFB-4B4A-BF7E-783465653614}" type="datetime11">
+              <a:rPr lang="zh-CN" altLang="en-US" smtClean="0"/>
+              <a:t>17:39:30</a:t>
             </a:fld>
-            <a:endParaRPr lang="zh-CN" altLang="en-US" dirty="0"/>
+            <a:endParaRPr lang="zh-CN" altLang="en-US"/>
           </a:p>
         </p:txBody>
       </p:sp>
     </p:spTree>
     <p:extLst>
       <p:ext uri="{BB962C8B-B14F-4D97-AF65-F5344CB8AC3E}">
-        <p14:creationId xmlns:p14="http://schemas.microsoft.com/office/powerpoint/2010/main" val="1217229610"/>
+        <p14:creationId xmlns:p14="http://schemas.microsoft.com/office/powerpoint/2010/main" val="534903278"/>
       </p:ext>
     </p:extLst>
   </p:cSld>
@@ -5411,7 +6070,9 @@
         </p:nvSpPr>
         <p:spPr/>
         <p:txBody>
-          <a:bodyPr/>
+          <a:bodyPr>
+            <a:normAutofit/>
+          </a:bodyPr>
           <a:lstStyle/>
           <a:p>
             <a:r>
@@ -5422,57 +6083,151 @@
               <a:rPr kumimoji="1" lang="zh-CN" altLang="en-US" dirty="0"/>
               <a:t>系统功能</a:t>
             </a:r>
+          </a:p>
+        </p:txBody>
+      </p:sp>
+      <p:sp>
+        <p:nvSpPr>
+          <p:cNvPr id="3" name="内容占位符 2"/>
+          <p:cNvSpPr>
+            <a:spLocks noGrp="1"/>
+          </p:cNvSpPr>
+          <p:nvPr>
+            <p:ph idx="1"/>
+          </p:nvPr>
+        </p:nvSpPr>
+        <p:spPr>
+          <a:xfrm>
+            <a:off x="628650" y="1360170"/>
+            <a:ext cx="7886700" cy="5180332"/>
+          </a:xfrm>
+        </p:spPr>
+        <p:txBody>
+          <a:bodyPr>
+            <a:normAutofit lnSpcReduction="10000"/>
+          </a:bodyPr>
+          <a:lstStyle/>
+          <a:p>
+            <a:pPr marL="0" indent="0">
+              <a:lnSpc>
+                <a:spcPct val="110000"/>
+              </a:lnSpc>
+              <a:buNone/>
+            </a:pPr>
+            <a:r>
+              <a:rPr kumimoji="1" lang="zh-CN" altLang="en-US" sz="3600" dirty="0" smtClean="0"/>
+              <a:t>在线编程功能与特点</a:t>
+            </a:r>
+            <a:endParaRPr kumimoji="1" lang="en-US" altLang="zh-CN" dirty="0" smtClean="0"/>
+          </a:p>
+          <a:p>
+            <a:pPr>
+              <a:lnSpc>
+                <a:spcPct val="110000"/>
+              </a:lnSpc>
+            </a:pPr>
+            <a:r>
+              <a:rPr kumimoji="1" lang="zh-CN" altLang="en-US" dirty="0" smtClean="0"/>
+              <a:t>黑盒测试，可评判 </a:t>
+            </a:r>
+            <a:r>
+              <a:rPr kumimoji="1" lang="en-US" altLang="zh-CN" dirty="0" smtClean="0"/>
+              <a:t>Java</a:t>
+            </a:r>
+          </a:p>
+          <a:p>
+            <a:pPr>
+              <a:lnSpc>
+                <a:spcPct val="110000"/>
+              </a:lnSpc>
+            </a:pPr>
+            <a:r>
+              <a:rPr kumimoji="1" lang="zh-CN" altLang="en-US" dirty="0" smtClean="0"/>
+              <a:t>编译代码时</a:t>
+            </a:r>
+            <a:r>
+              <a:rPr kumimoji="1" lang="zh-CN" altLang="en-US" b="1" dirty="0" smtClean="0"/>
+              <a:t>无须创建进程</a:t>
+            </a:r>
+            <a:r>
+              <a:rPr kumimoji="1" lang="zh-CN" altLang="en-US" dirty="0" smtClean="0"/>
+              <a:t>，全程线程级操作</a:t>
+            </a:r>
+            <a:endParaRPr kumimoji="1" lang="en-US" altLang="zh-CN" dirty="0" smtClean="0"/>
+          </a:p>
+          <a:p>
+            <a:pPr>
+              <a:lnSpc>
+                <a:spcPct val="110000"/>
+              </a:lnSpc>
+            </a:pPr>
+            <a:r>
+              <a:rPr kumimoji="1" lang="zh-CN" altLang="en-US" dirty="0" smtClean="0"/>
+              <a:t>不涉及文件操作，评判全程</a:t>
+            </a:r>
+            <a:r>
+              <a:rPr kumimoji="1" lang="zh-CN" altLang="en-US" b="1" dirty="0" smtClean="0"/>
+              <a:t>使用内存存储</a:t>
+            </a:r>
+            <a:endParaRPr kumimoji="1" lang="en-US" altLang="zh-CN" b="1" dirty="0" smtClean="0"/>
+          </a:p>
+          <a:p>
+            <a:pPr>
+              <a:lnSpc>
+                <a:spcPct val="110000"/>
+              </a:lnSpc>
+            </a:pPr>
+            <a:r>
+              <a:rPr kumimoji="1" lang="zh-CN" altLang="en-US" dirty="0"/>
+              <a:t>评判器</a:t>
+            </a:r>
+            <a:r>
+              <a:rPr kumimoji="1" lang="zh-CN" altLang="en-US" b="1" dirty="0"/>
+              <a:t>自动反序列化参数、序列化计算结果</a:t>
+            </a:r>
+            <a:endParaRPr kumimoji="1" lang="en-US" altLang="zh-CN" b="1" dirty="0"/>
+          </a:p>
+          <a:p>
+            <a:pPr>
+              <a:lnSpc>
+                <a:spcPct val="110000"/>
+              </a:lnSpc>
+            </a:pPr>
+            <a:r>
+              <a:rPr kumimoji="1" lang="zh-CN" altLang="en-US" dirty="0" smtClean="0"/>
+              <a:t>充分利用编程语言安全机制，</a:t>
+            </a:r>
+            <a:r>
+              <a:rPr kumimoji="1" lang="zh-CN" altLang="en-US" b="1" dirty="0" smtClean="0"/>
+              <a:t>不依赖操作系统</a:t>
+            </a:r>
+            <a:endParaRPr kumimoji="1" lang="en-US" altLang="zh-CN" b="1" dirty="0"/>
+          </a:p>
+          <a:p>
+            <a:endParaRPr kumimoji="1" lang="en-US" altLang="zh-CN" dirty="0" smtClean="0"/>
+          </a:p>
+          <a:p>
+            <a:pPr marL="0" indent="0">
+              <a:buNone/>
+            </a:pPr>
+            <a:r>
+              <a:rPr kumimoji="1" lang="zh-CN" altLang="en-US" dirty="0" smtClean="0"/>
+              <a:t>缺点</a:t>
+            </a:r>
+            <a:endParaRPr kumimoji="1" lang="en-US" altLang="zh-CN" dirty="0" smtClean="0"/>
+          </a:p>
+          <a:p>
+            <a:r>
+              <a:rPr kumimoji="1" lang="zh-CN" altLang="en-US" dirty="0" smtClean="0"/>
+              <a:t>未实现 限制被评判代码内存使用量</a:t>
+            </a:r>
             <a:endParaRPr kumimoji="1" lang="zh-CN" altLang="en-US" dirty="0"/>
           </a:p>
         </p:txBody>
       </p:sp>
       <p:sp>
         <p:nvSpPr>
-          <p:cNvPr id="3" name="内容占位符 2"/>
-          <p:cNvSpPr>
-            <a:spLocks noGrp="1"/>
-          </p:cNvSpPr>
-          <p:nvPr>
-            <p:ph idx="1"/>
-          </p:nvPr>
-        </p:nvSpPr>
-        <p:spPr/>
-        <p:txBody>
-          <a:bodyPr/>
-          <a:lstStyle/>
-          <a:p>
-            <a:pPr marL="0" marR="0" lvl="0" indent="0" defTabSz="914400" eaLnBrk="1" fontAlgn="auto" latinLnBrk="0" hangingPunct="1">
-              <a:lnSpc>
-                <a:spcPct val="100000"/>
-              </a:lnSpc>
-              <a:spcBef>
-                <a:spcPts val="0"/>
-              </a:spcBef>
-              <a:spcAft>
-                <a:spcPts val="0"/>
-              </a:spcAft>
-              <a:buClrTx/>
-              <a:buSzTx/>
-              <a:buFontTx/>
-              <a:buNone/>
-              <a:tabLst/>
-              <a:defRPr/>
-            </a:pPr>
-            <a:r>
-              <a:rPr kumimoji="1" lang="zh-CN" altLang="en-US" dirty="0" smtClean="0"/>
-              <a:t>对比</a:t>
-            </a:r>
-            <a:r>
-              <a:rPr kumimoji="1" lang="en-US" altLang="zh-CN" dirty="0" smtClean="0"/>
-              <a:t>SCAU</a:t>
-            </a:r>
-            <a:endParaRPr kumimoji="1" lang="zh-CN" altLang="en-US" dirty="0"/>
-          </a:p>
-        </p:txBody>
-      </p:sp>
-      <p:sp>
-        <p:nvSpPr>
-          <p:cNvPr id="4" name="日期占位符 3"/>
+          <p:cNvPr id="6" name="日期占位符 5"/>
           <p:cNvSpPr>
             <a:spLocks noGrp="1"/>
           </p:cNvSpPr>
@@ -5480,23 +6235,28 @@
             <p:ph type="dt" sz="half" idx="10"/>
           </p:nvPr>
         </p:nvSpPr>
-        <p:spPr/>
-        <p:txBody>
-          <a:bodyPr/>
-          <a:lstStyle/>
-          <a:p>
-            <a:fld id="{E4C0FD68-7273-B74C-8DEE-A395D4E30DE1}" type="datetime11">
-              <a:rPr lang="zh-CN" altLang="en-US" smtClean="0"/>
-              <a:t>10:49:48</a:t>
+        <p:spPr>
+          <a:xfrm>
+            <a:off x="8368748" y="6540502"/>
+            <a:ext cx="775252" cy="317498"/>
+          </a:xfrm>
+        </p:spPr>
+        <p:txBody>
+          <a:bodyPr/>
+          <a:lstStyle/>
+          <a:p>
+            <a:fld id="{23551141-8730-254F-86E1-1D9F9D5E3924}" type="datetime11">
+              <a:rPr lang="zh-CN" altLang="en-US" smtClean="0"/>
+              <a:t>17:39:30</a:t>
             </a:fld>
-            <a:endParaRPr lang="zh-CN" altLang="en-US"/>
+            <a:endParaRPr lang="zh-CN" altLang="en-US" dirty="0"/>
           </a:p>
         </p:txBody>
       </p:sp>
     </p:spTree>
     <p:extLst>
       <p:ext uri="{BB962C8B-B14F-4D97-AF65-F5344CB8AC3E}">
-        <p14:creationId xmlns:p14="http://schemas.microsoft.com/office/powerpoint/2010/main" val="626279234"/>
+        <p14:creationId xmlns:p14="http://schemas.microsoft.com/office/powerpoint/2010/main" val="1217229610"/>
       </p:ext>
     </p:extLst>
   </p:cSld>
@@ -5530,33 +6290,79 @@
           <a:chExt cx="0" cy="0"/>
         </a:xfrm>
       </p:grpSpPr>
-      <p:pic>
-        <p:nvPicPr>
-          <p:cNvPr id="4" name="图片 3"/>
-          <p:cNvPicPr>
-            <a:picLocks noChangeAspect="1"/>
-          </p:cNvPicPr>
-          <p:nvPr/>
-        </p:nvPicPr>
-        <p:blipFill>
-          <a:blip r:embed="rId2"/>
-          <a:stretch>
-            <a:fillRect/>
-          </a:stretch>
-        </p:blipFill>
-        <p:spPr>
-          <a:xfrm>
-            <a:off x="1196698" y="-3551"/>
-            <a:ext cx="6744467" cy="6858860"/>
-          </a:xfrm>
-          <a:prstGeom prst="rect">
-            <a:avLst/>
-          </a:prstGeom>
-        </p:spPr>
-      </p:pic>
-      <p:sp>
-        <p:nvSpPr>
-          <p:cNvPr id="2" name="日期占位符 1"/>
+      <p:sp>
+        <p:nvSpPr>
+          <p:cNvPr id="2" name="标题 1"/>
+          <p:cNvSpPr>
+            <a:spLocks noGrp="1"/>
+          </p:cNvSpPr>
+          <p:nvPr>
+            <p:ph type="title"/>
+          </p:nvPr>
+        </p:nvSpPr>
+        <p:spPr/>
+        <p:txBody>
+          <a:bodyPr/>
+          <a:lstStyle/>
+          <a:p>
+            <a:r>
+              <a:rPr kumimoji="1" lang="en-US" altLang="zh-CN" dirty="0"/>
+              <a:t>2. </a:t>
+            </a:r>
+            <a:r>
+              <a:rPr kumimoji="1" lang="zh-CN" altLang="en-US" dirty="0"/>
+              <a:t>系统功能</a:t>
+            </a:r>
+          </a:p>
+        </p:txBody>
+      </p:sp>
+      <p:sp>
+        <p:nvSpPr>
+          <p:cNvPr id="3" name="内容占位符 2"/>
+          <p:cNvSpPr>
+            <a:spLocks noGrp="1"/>
+          </p:cNvSpPr>
+          <p:nvPr>
+            <p:ph idx="1"/>
+          </p:nvPr>
+        </p:nvSpPr>
+        <p:spPr/>
+        <p:txBody>
+          <a:bodyPr/>
+          <a:lstStyle/>
+          <a:p>
+            <a:pPr marL="0" marR="0" lvl="0" indent="0" defTabSz="914400" eaLnBrk="1" fontAlgn="auto" latinLnBrk="0" hangingPunct="1">
+              <a:lnSpc>
+                <a:spcPct val="100000"/>
+              </a:lnSpc>
+              <a:spcBef>
+                <a:spcPts val="0"/>
+              </a:spcBef>
+              <a:spcAft>
+                <a:spcPts val="0"/>
+              </a:spcAft>
+              <a:buClrTx/>
+              <a:buSzTx/>
+              <a:buFontTx/>
+              <a:buNone/>
+              <a:tabLst/>
+              <a:defRPr/>
+            </a:pPr>
+            <a:r>
+              <a:rPr kumimoji="1" lang="zh-CN" altLang="en-US" dirty="0" smtClean="0"/>
+              <a:t>对比</a:t>
+            </a:r>
+            <a:r>
+              <a:rPr kumimoji="1" lang="en-US" altLang="zh-CN" dirty="0" smtClean="0"/>
+              <a:t>SCAU</a:t>
+            </a:r>
+            <a:endParaRPr kumimoji="1" lang="zh-CN" altLang="en-US" dirty="0"/>
+          </a:p>
+        </p:txBody>
+      </p:sp>
+      <p:sp>
+        <p:nvSpPr>
+          <p:cNvPr id="4" name="日期占位符 3"/>
           <p:cNvSpPr>
             <a:spLocks noGrp="1"/>
           </p:cNvSpPr>
@@ -5569,9 +6375,9 @@
           <a:bodyPr/>
           <a:lstStyle/>
           <a:p>
-            <a:fld id="{4D233439-5E16-0648-BDD8-E0B3303C482E}" type="datetime11">
-              <a:rPr lang="zh-CN" altLang="en-US" smtClean="0"/>
-              <a:t>10:02:06</a:t>
+            <a:fld id="{E4C0FD68-7273-B74C-8DEE-A395D4E30DE1}" type="datetime11">
+              <a:rPr lang="zh-CN" altLang="en-US" smtClean="0"/>
+              <a:t>17:39:31</a:t>
             </a:fld>
             <a:endParaRPr lang="zh-CN" altLang="en-US"/>
           </a:p>
@@ -5580,7 +6386,7 @@
     </p:spTree>
     <p:extLst>
       <p:ext uri="{BB962C8B-B14F-4D97-AF65-F5344CB8AC3E}">
-        <p14:creationId xmlns:p14="http://schemas.microsoft.com/office/powerpoint/2010/main" val="3722289401"/>
+        <p14:creationId xmlns:p14="http://schemas.microsoft.com/office/powerpoint/2010/main" val="626279234"/>
       </p:ext>
     </p:extLst>
   </p:cSld>

--- a/基于Scrapy框架的计算机专业学习资源网站_吴伟杰.pptx
+++ b/基于Scrapy框架的计算机专业学习资源网站_吴伟杰.pptx
@@ -5,21 +5,30 @@
     <p:sldMasterId id="2147484229" r:id="rId1"/>
   </p:sldMasterIdLst>
   <p:notesMasterIdLst>
-    <p:notesMasterId r:id="rId14"/>
+    <p:notesMasterId r:id="rId23"/>
   </p:notesMasterIdLst>
   <p:sldIdLst>
     <p:sldId id="256" r:id="rId2"/>
     <p:sldId id="265" r:id="rId3"/>
-    <p:sldId id="258" r:id="rId4"/>
-    <p:sldId id="259" r:id="rId5"/>
-    <p:sldId id="262" r:id="rId6"/>
-    <p:sldId id="268" r:id="rId7"/>
-    <p:sldId id="261" r:id="rId8"/>
-    <p:sldId id="260" r:id="rId9"/>
-    <p:sldId id="263" r:id="rId10"/>
-    <p:sldId id="257" r:id="rId11"/>
-    <p:sldId id="266" r:id="rId12"/>
-    <p:sldId id="267" r:id="rId13"/>
+    <p:sldId id="273" r:id="rId4"/>
+    <p:sldId id="258" r:id="rId5"/>
+    <p:sldId id="272" r:id="rId6"/>
+    <p:sldId id="259" r:id="rId7"/>
+    <p:sldId id="262" r:id="rId8"/>
+    <p:sldId id="268" r:id="rId9"/>
+    <p:sldId id="261" r:id="rId10"/>
+    <p:sldId id="260" r:id="rId11"/>
+    <p:sldId id="270" r:id="rId12"/>
+    <p:sldId id="269" r:id="rId13"/>
+    <p:sldId id="263" r:id="rId14"/>
+    <p:sldId id="271" r:id="rId15"/>
+    <p:sldId id="257" r:id="rId16"/>
+    <p:sldId id="266" r:id="rId17"/>
+    <p:sldId id="274" r:id="rId18"/>
+    <p:sldId id="267" r:id="rId19"/>
+    <p:sldId id="275" r:id="rId20"/>
+    <p:sldId id="278" r:id="rId21"/>
+    <p:sldId id="277" r:id="rId22"/>
   </p:sldIdLst>
   <p:sldSz cx="9144000" cy="6858000" type="screen4x3"/>
   <p:notesSz cx="6858000" cy="9144000"/>
@@ -119,6 +128,59 @@
     </a:lvl9pPr>
   </p:defaultTextStyle>
   <p:extLst>
+    <p:ext uri="{521415D9-36F7-43E2-AB2F-B90AF26B5E84}">
+      <p14:sectionLst xmlns:p14="http://schemas.microsoft.com/office/powerpoint/2010/main">
+        <p14:section name="默认节" id="{9089E3DF-377C-4140-A41B-7BAA85298A6B}">
+          <p14:sldIdLst>
+            <p14:sldId id="256"/>
+            <p14:sldId id="265"/>
+          </p14:sldIdLst>
+        </p14:section>
+        <p14:section name="1. 研究背景与意义" id="{6EDA486F-6870-4CFC-985E-339DDEAC55E2}">
+          <p14:sldIdLst>
+            <p14:sldId id="273"/>
+            <p14:sldId id="258"/>
+          </p14:sldIdLst>
+        </p14:section>
+        <p14:section name="2. 系统功能" id="{AAA13905-1B92-404C-9B92-5D2F7C582CA4}">
+          <p14:sldIdLst>
+            <p14:sldId id="272"/>
+            <p14:sldId id="259"/>
+            <p14:sldId id="262"/>
+            <p14:sldId id="268"/>
+            <p14:sldId id="261"/>
+            <p14:sldId id="260"/>
+            <p14:sldId id="270"/>
+            <p14:sldId id="269"/>
+            <p14:sldId id="263"/>
+          </p14:sldIdLst>
+        </p14:section>
+        <p14:section name="3. 系统架构" id="{AE7E8D06-7F7D-43C3-9FF8-C4BAF55FB491}">
+          <p14:sldIdLst>
+            <p14:sldId id="271"/>
+            <p14:sldId id="257"/>
+            <p14:sldId id="266"/>
+          </p14:sldIdLst>
+        </p14:section>
+        <p14:section name="4. 总结" id="{F1678F0E-051C-49D8-B5AD-83692D669538}">
+          <p14:sldIdLst>
+            <p14:sldId id="274"/>
+            <p14:sldId id="267"/>
+          </p14:sldIdLst>
+        </p14:section>
+        <p14:section name="5. 致谢" id="{A452721A-FD26-427C-8D71-328E1DFE4C2A}">
+          <p14:sldIdLst>
+            <p14:sldId id="275"/>
+            <p14:sldId id="278"/>
+          </p14:sldIdLst>
+        </p14:section>
+        <p14:section name="无标题节" id="{D338D84E-2945-4660-9866-6DF6CF7CC889}">
+          <p14:sldIdLst>
+            <p14:sldId id="277"/>
+          </p14:sldIdLst>
+        </p14:section>
+      </p14:sectionLst>
+    </p:ext>
     <p:ext uri="{EFAFB233-063F-42B5-8137-9DF3F51BA10A}">
       <p15:sldGuideLst xmlns:p15="http://schemas.microsoft.com/office/powerpoint/2012/main"/>
     </p:ext>
@@ -625,7 +687,7 @@
           <a:p>
             <a:fld id="{A438EE0D-1E5A-EE4E-8B4B-E6DDF838F640}" type="slidenum">
               <a:rPr kumimoji="1" lang="zh-CN" altLang="en-US" smtClean="0"/>
-              <a:t>8</a:t>
+              <a:t>10</a:t>
             </a:fld>
             <a:endParaRPr kumimoji="1" lang="zh-CN" altLang="en-US"/>
           </a:p>
@@ -635,6 +697,194 @@
     <p:extLst>
       <p:ext uri="{BB962C8B-B14F-4D97-AF65-F5344CB8AC3E}">
         <p14:creationId xmlns:p14="http://schemas.microsoft.com/office/powerpoint/2010/main" val="1819786880"/>
+      </p:ext>
+    </p:extLst>
+  </p:cSld>
+  <p:clrMapOvr>
+    <a:masterClrMapping/>
+  </p:clrMapOvr>
+</p:notes>
+</file>
+
+<file path=ppt/notesSlides/notesSlide3.xml><?xml version="1.0" encoding="utf-8"?>
+<p:notes xmlns:a="http://schemas.openxmlformats.org/drawingml/2006/main" xmlns:r="http://schemas.openxmlformats.org/officeDocument/2006/relationships" xmlns:p="http://schemas.openxmlformats.org/presentationml/2006/main">
+  <p:cSld>
+    <p:spTree>
+      <p:nvGrpSpPr>
+        <p:cNvPr id="1" name=""/>
+        <p:cNvGrpSpPr/>
+        <p:nvPr/>
+      </p:nvGrpSpPr>
+      <p:grpSpPr>
+        <a:xfrm>
+          <a:off x="0" y="0"/>
+          <a:ext cx="0" cy="0"/>
+          <a:chOff x="0" y="0"/>
+          <a:chExt cx="0" cy="0"/>
+        </a:xfrm>
+      </p:grpSpPr>
+      <p:sp>
+        <p:nvSpPr>
+          <p:cNvPr id="2" name="幻灯片图像占位符 1"/>
+          <p:cNvSpPr>
+            <a:spLocks noGrp="1" noRot="1" noChangeAspect="1"/>
+          </p:cNvSpPr>
+          <p:nvPr>
+            <p:ph type="sldImg"/>
+          </p:nvPr>
+        </p:nvSpPr>
+        <p:spPr/>
+      </p:sp>
+      <p:sp>
+        <p:nvSpPr>
+          <p:cNvPr id="3" name="备注占位符 2"/>
+          <p:cNvSpPr>
+            <a:spLocks noGrp="1"/>
+          </p:cNvSpPr>
+          <p:nvPr>
+            <p:ph type="body" idx="1"/>
+          </p:nvPr>
+        </p:nvSpPr>
+        <p:spPr/>
+        <p:txBody>
+          <a:bodyPr/>
+          <a:lstStyle/>
+          <a:p>
+            <a:r>
+              <a:rPr lang="en-US" altLang="zh-CN" dirty="0" smtClean="0"/>
+              <a:t>import </a:t>
+            </a:r>
+            <a:r>
+              <a:rPr lang="en-US" altLang="zh-CN" dirty="0" err="1" smtClean="0"/>
+              <a:t>java.util.Scanner</a:t>
+            </a:r>
+            <a:r>
+              <a:rPr lang="en-US" altLang="zh-CN" dirty="0" smtClean="0"/>
+              <a:t>;</a:t>
+            </a:r>
+          </a:p>
+          <a:p>
+            <a:r>
+              <a:rPr lang="en-US" altLang="zh-CN" dirty="0" smtClean="0"/>
+              <a:t>public class Main {</a:t>
+            </a:r>
+          </a:p>
+          <a:p>
+            <a:r>
+              <a:rPr lang="en-US" altLang="zh-CN" dirty="0" smtClean="0"/>
+              <a:t>    public static void main(String[] </a:t>
+            </a:r>
+            <a:r>
+              <a:rPr lang="en-US" altLang="zh-CN" dirty="0" err="1" smtClean="0"/>
+              <a:t>args</a:t>
+            </a:r>
+            <a:r>
+              <a:rPr lang="en-US" altLang="zh-CN" dirty="0" smtClean="0"/>
+              <a:t>) {</a:t>
+            </a:r>
+          </a:p>
+          <a:p>
+            <a:r>
+              <a:rPr lang="en-US" altLang="zh-CN" dirty="0" smtClean="0"/>
+              <a:t>        int a, b;</a:t>
+            </a:r>
+          </a:p>
+          <a:p>
+            <a:r>
+              <a:rPr lang="en-US" altLang="zh-CN" dirty="0" smtClean="0"/>
+              <a:t>        Scanner input = new Scanner(System.in);</a:t>
+            </a:r>
+          </a:p>
+          <a:p>
+            <a:r>
+              <a:rPr lang="en-US" altLang="zh-CN" dirty="0" smtClean="0"/>
+              <a:t>        a = </a:t>
+            </a:r>
+            <a:r>
+              <a:rPr lang="en-US" altLang="zh-CN" dirty="0" err="1" smtClean="0"/>
+              <a:t>input.nextInt</a:t>
+            </a:r>
+            <a:r>
+              <a:rPr lang="en-US" altLang="zh-CN" dirty="0" smtClean="0"/>
+              <a:t>();</a:t>
+            </a:r>
+          </a:p>
+          <a:p>
+            <a:r>
+              <a:rPr lang="en-US" altLang="zh-CN" dirty="0" smtClean="0"/>
+              <a:t>        b = </a:t>
+            </a:r>
+            <a:r>
+              <a:rPr lang="en-US" altLang="zh-CN" dirty="0" err="1" smtClean="0"/>
+              <a:t>input.nextInt</a:t>
+            </a:r>
+            <a:r>
+              <a:rPr lang="en-US" altLang="zh-CN" dirty="0" smtClean="0"/>
+              <a:t>();</a:t>
+            </a:r>
+          </a:p>
+          <a:p>
+            <a:r>
+              <a:rPr lang="en-US" altLang="zh-CN" dirty="0" smtClean="0"/>
+              <a:t>        int c = a + b;</a:t>
+            </a:r>
+          </a:p>
+          <a:p>
+            <a:r>
+              <a:rPr lang="en-US" altLang="zh-CN" dirty="0" smtClean="0"/>
+              <a:t>        </a:t>
+            </a:r>
+            <a:r>
+              <a:rPr lang="en-US" altLang="zh-CN" dirty="0" err="1" smtClean="0"/>
+              <a:t>System.out.println</a:t>
+            </a:r>
+            <a:r>
+              <a:rPr lang="en-US" altLang="zh-CN" dirty="0" smtClean="0"/>
+              <a:t>(c);</a:t>
+            </a:r>
+          </a:p>
+          <a:p>
+            <a:r>
+              <a:rPr lang="en-US" altLang="zh-CN" dirty="0" smtClean="0"/>
+              <a:t>    }</a:t>
+            </a:r>
+          </a:p>
+          <a:p>
+            <a:r>
+              <a:rPr lang="en-US" altLang="zh-CN" dirty="0" smtClean="0"/>
+              <a:t>}</a:t>
+            </a:r>
+            <a:endParaRPr lang="zh-CN" altLang="en-US" dirty="0"/>
+          </a:p>
+        </p:txBody>
+      </p:sp>
+      <p:sp>
+        <p:nvSpPr>
+          <p:cNvPr id="4" name="灯片编号占位符 3"/>
+          <p:cNvSpPr>
+            <a:spLocks noGrp="1"/>
+          </p:cNvSpPr>
+          <p:nvPr>
+            <p:ph type="sldNum" sz="quarter" idx="10"/>
+          </p:nvPr>
+        </p:nvSpPr>
+        <p:spPr/>
+        <p:txBody>
+          <a:bodyPr/>
+          <a:lstStyle/>
+          <a:p>
+            <a:fld id="{A438EE0D-1E5A-EE4E-8B4B-E6DDF838F640}" type="slidenum">
+              <a:rPr kumimoji="1" lang="zh-CN" altLang="en-US" smtClean="0"/>
+              <a:t>12</a:t>
+            </a:fld>
+            <a:endParaRPr kumimoji="1" lang="zh-CN" altLang="en-US"/>
+          </a:p>
+        </p:txBody>
+      </p:sp>
+    </p:spTree>
+    <p:extLst>
+      <p:ext uri="{BB962C8B-B14F-4D97-AF65-F5344CB8AC3E}">
+        <p14:creationId xmlns:p14="http://schemas.microsoft.com/office/powerpoint/2010/main" val="731907588"/>
       </p:ext>
     </p:extLst>
   </p:cSld>
@@ -775,7 +1025,7 @@
           <a:p>
             <a:fld id="{5ECD60F8-BCA7-FB4A-868B-81E09D9A8B51}" type="datetime11">
               <a:rPr lang="zh-CN" altLang="en-US" smtClean="0"/>
-              <a:t>17:39:29</a:t>
+              <a:t>19:09:55</a:t>
             </a:fld>
             <a:endParaRPr lang="zh-CN" altLang="en-US"/>
           </a:p>
@@ -947,7 +1197,7 @@
           <a:p>
             <a:fld id="{07E88D81-B883-A34A-9540-CEDC59CBB58B}" type="datetime11">
               <a:rPr lang="zh-CN" altLang="en-US" smtClean="0"/>
-              <a:t>17:39:29</a:t>
+              <a:t>19:09:55</a:t>
             </a:fld>
             <a:endParaRPr lang="zh-CN" altLang="en-US"/>
           </a:p>
@@ -1129,7 +1379,7 @@
           <a:p>
             <a:fld id="{3DF5F07E-3A0C-504B-B876-3D7D1967EA3C}" type="datetime11">
               <a:rPr lang="zh-CN" altLang="en-US" smtClean="0"/>
-              <a:t>17:39:29</a:t>
+              <a:t>19:09:55</a:t>
             </a:fld>
             <a:endParaRPr lang="zh-CN" altLang="en-US"/>
           </a:p>
@@ -1319,7 +1569,7 @@
           <a:p>
             <a:fld id="{E093F988-9A29-5E45-8D20-69A04853E7AD}" type="datetime11">
               <a:rPr lang="zh-CN" altLang="en-US" smtClean="0"/>
-              <a:t>17:39:29</a:t>
+              <a:t>19:09:55</a:t>
             </a:fld>
             <a:endParaRPr lang="zh-CN" altLang="en-US"/>
           </a:p>
@@ -1565,7 +1815,7 @@
           <a:p>
             <a:fld id="{6173DDBA-B680-6A4A-8D1D-1A27589B5E95}" type="datetime11">
               <a:rPr lang="zh-CN" altLang="en-US" smtClean="0"/>
-              <a:t>17:39:29</a:t>
+              <a:t>19:09:55</a:t>
             </a:fld>
             <a:endParaRPr lang="zh-CN" altLang="en-US"/>
           </a:p>
@@ -1799,7 +2049,7 @@
           <a:p>
             <a:fld id="{9275D0CC-BA07-D441-9CED-FD41EAC9DAA9}" type="datetime11">
               <a:rPr lang="zh-CN" altLang="en-US" smtClean="0"/>
-              <a:t>17:39:29</a:t>
+              <a:t>19:09:55</a:t>
             </a:fld>
             <a:endParaRPr lang="zh-CN" altLang="en-US"/>
           </a:p>
@@ -2173,7 +2423,7 @@
           <a:p>
             <a:fld id="{5878D75F-A3E8-8142-8AF3-3DEE6BCBEE63}" type="datetime11">
               <a:rPr lang="zh-CN" altLang="en-US" smtClean="0"/>
-              <a:t>17:39:29</a:t>
+              <a:t>19:09:55</a:t>
             </a:fld>
             <a:endParaRPr lang="zh-CN" altLang="en-US"/>
           </a:p>
@@ -2298,7 +2548,7 @@
           <a:p>
             <a:fld id="{E959AB34-1740-CE4E-A318-8FA83AE911A1}" type="datetime11">
               <a:rPr lang="zh-CN" altLang="en-US" smtClean="0"/>
-              <a:t>17:39:29</a:t>
+              <a:t>19:09:55</a:t>
             </a:fld>
             <a:endParaRPr lang="zh-CN" altLang="en-US"/>
           </a:p>
@@ -2388,7 +2638,7 @@
           <a:p>
             <a:fld id="{87BC8D96-DEF2-6340-A3B7-E54FC6CC2903}" type="datetime11">
               <a:rPr lang="zh-CN" altLang="en-US" smtClean="0"/>
-              <a:t>17:39:29</a:t>
+              <a:t>19:09:55</a:t>
             </a:fld>
             <a:endParaRPr lang="zh-CN" altLang="en-US"/>
           </a:p>
@@ -2660,7 +2910,7 @@
           <a:p>
             <a:fld id="{3DF0D7E1-8531-C34B-AF47-56C48989C843}" type="datetime11">
               <a:rPr lang="zh-CN" altLang="en-US" smtClean="0"/>
-              <a:t>17:39:29</a:t>
+              <a:t>19:09:55</a:t>
             </a:fld>
             <a:endParaRPr lang="zh-CN" altLang="en-US"/>
           </a:p>
@@ -2924,7 +3174,7 @@
           <a:p>
             <a:fld id="{1F5C8B91-33D4-3B46-98A0-1A7911CE6EE5}" type="datetime11">
               <a:rPr lang="zh-CN" altLang="en-US" smtClean="0"/>
-              <a:t>17:39:29</a:t>
+              <a:t>19:09:55</a:t>
             </a:fld>
             <a:endParaRPr lang="zh-CN" altLang="en-US"/>
           </a:p>
@@ -3271,7 +3521,7 @@
           <a:p>
             <a:fld id="{C1CAB5B8-A118-C145-A611-0AD7F2ACB9C6}" type="datetime11">
               <a:rPr lang="zh-CN" altLang="en-US" smtClean="0"/>
-              <a:t>17:39:29</a:t>
+              <a:t>19:09:55</a:t>
             </a:fld>
             <a:endParaRPr lang="zh-CN" altLang="en-US"/>
           </a:p>
@@ -3712,21 +3962,21 @@
           <a:lstStyle/>
           <a:p>
             <a:r>
-              <a:rPr lang="zh-CN" altLang="en-US" b="1" dirty="0" smtClean="0"/>
+              <a:rPr lang="zh-CN" altLang="en-US" dirty="0" smtClean="0"/>
               <a:t>基于</a:t>
             </a:r>
             <a:r>
-              <a:rPr lang="en-US" altLang="zh-CN" b="1" dirty="0" smtClean="0">
+              <a:rPr lang="en-US" altLang="zh-CN" dirty="0" smtClean="0">
                 <a:latin typeface="Times New Roman" panose="02020603050405020304" pitchFamily="18" charset="0"/>
                 <a:ea typeface="宋体" panose="02010600030101010101" pitchFamily="2" charset="-122"/>
               </a:rPr>
               <a:t>Scrapy</a:t>
             </a:r>
             <a:r>
-              <a:rPr lang="zh-CN" altLang="en-US" b="1" dirty="0" smtClean="0"/>
+              <a:rPr lang="zh-CN" altLang="en-US" dirty="0" smtClean="0"/>
               <a:t>框架的计算机专业学习资源网站</a:t>
             </a:r>
-            <a:endParaRPr lang="zh-CN" altLang="en-US" b="1" dirty="0"/>
+            <a:endParaRPr lang="zh-CN" altLang="en-US" dirty="0"/>
           </a:p>
         </p:txBody>
       </p:sp>
@@ -4000,7 +4250,7 @@
           <a:p>
             <a:fld id="{94E70139-B0AB-7948-B662-8E6463EF7FCC}" type="datetime11">
               <a:rPr lang="zh-CN" altLang="en-US" smtClean="0"/>
-              <a:t>17:39:29</a:t>
+              <a:t>19:09:55</a:t>
             </a:fld>
             <a:endParaRPr lang="zh-CN" altLang="en-US"/>
           </a:p>
@@ -4045,6 +4295,1002 @@
       </p:grpSpPr>
       <p:sp>
         <p:nvSpPr>
+          <p:cNvPr id="2" name="标题 1"/>
+          <p:cNvSpPr>
+            <a:spLocks noGrp="1"/>
+          </p:cNvSpPr>
+          <p:nvPr>
+            <p:ph type="title"/>
+          </p:nvPr>
+        </p:nvSpPr>
+        <p:spPr/>
+        <p:txBody>
+          <a:bodyPr>
+            <a:normAutofit/>
+          </a:bodyPr>
+          <a:lstStyle/>
+          <a:p>
+            <a:r>
+              <a:rPr kumimoji="1" lang="en-US" altLang="zh-CN" dirty="0"/>
+              <a:t>2. </a:t>
+            </a:r>
+            <a:r>
+              <a:rPr kumimoji="1" lang="zh-CN" altLang="en-US" dirty="0"/>
+              <a:t>系统功能</a:t>
+            </a:r>
+          </a:p>
+        </p:txBody>
+      </p:sp>
+      <p:sp>
+        <p:nvSpPr>
+          <p:cNvPr id="3" name="内容占位符 2"/>
+          <p:cNvSpPr>
+            <a:spLocks noGrp="1"/>
+          </p:cNvSpPr>
+          <p:nvPr>
+            <p:ph idx="1"/>
+          </p:nvPr>
+        </p:nvSpPr>
+        <p:spPr>
+          <a:xfrm>
+            <a:off x="628650" y="1360170"/>
+            <a:ext cx="7886700" cy="5180332"/>
+          </a:xfrm>
+        </p:spPr>
+        <p:txBody>
+          <a:bodyPr>
+            <a:normAutofit lnSpcReduction="10000"/>
+          </a:bodyPr>
+          <a:lstStyle/>
+          <a:p>
+            <a:pPr marL="0" indent="0">
+              <a:lnSpc>
+                <a:spcPct val="110000"/>
+              </a:lnSpc>
+              <a:buNone/>
+            </a:pPr>
+            <a:r>
+              <a:rPr kumimoji="1" lang="zh-CN" altLang="en-US" sz="3600" dirty="0" smtClean="0"/>
+              <a:t>在线编程功能与特点</a:t>
+            </a:r>
+            <a:endParaRPr kumimoji="1" lang="en-US" altLang="zh-CN" dirty="0" smtClean="0"/>
+          </a:p>
+          <a:p>
+            <a:pPr>
+              <a:lnSpc>
+                <a:spcPct val="110000"/>
+              </a:lnSpc>
+            </a:pPr>
+            <a:r>
+              <a:rPr kumimoji="1" lang="zh-CN" altLang="en-US" dirty="0" smtClean="0"/>
+              <a:t>黑盒测试，可评判 </a:t>
+            </a:r>
+            <a:r>
+              <a:rPr kumimoji="1" lang="en-US" altLang="zh-CN" dirty="0" smtClean="0"/>
+              <a:t>Java</a:t>
+            </a:r>
+          </a:p>
+          <a:p>
+            <a:pPr>
+              <a:lnSpc>
+                <a:spcPct val="110000"/>
+              </a:lnSpc>
+            </a:pPr>
+            <a:r>
+              <a:rPr kumimoji="1" lang="zh-CN" altLang="en-US" dirty="0" smtClean="0"/>
+              <a:t>编译代码时</a:t>
+            </a:r>
+            <a:r>
+              <a:rPr kumimoji="1" lang="zh-CN" altLang="en-US" b="1" dirty="0" smtClean="0"/>
+              <a:t>无须创建进程</a:t>
+            </a:r>
+            <a:r>
+              <a:rPr kumimoji="1" lang="zh-CN" altLang="en-US" dirty="0" smtClean="0"/>
+              <a:t>，全程线程级操作</a:t>
+            </a:r>
+            <a:endParaRPr kumimoji="1" lang="en-US" altLang="zh-CN" dirty="0" smtClean="0"/>
+          </a:p>
+          <a:p>
+            <a:pPr>
+              <a:lnSpc>
+                <a:spcPct val="110000"/>
+              </a:lnSpc>
+            </a:pPr>
+            <a:r>
+              <a:rPr kumimoji="1" lang="zh-CN" altLang="en-US" dirty="0" smtClean="0"/>
+              <a:t>不涉及文件操作，评判全程</a:t>
+            </a:r>
+            <a:r>
+              <a:rPr kumimoji="1" lang="zh-CN" altLang="en-US" b="1" dirty="0" smtClean="0"/>
+              <a:t>使用内存存储</a:t>
+            </a:r>
+            <a:endParaRPr kumimoji="1" lang="en-US" altLang="zh-CN" b="1" dirty="0" smtClean="0"/>
+          </a:p>
+          <a:p>
+            <a:pPr>
+              <a:lnSpc>
+                <a:spcPct val="110000"/>
+              </a:lnSpc>
+            </a:pPr>
+            <a:r>
+              <a:rPr kumimoji="1" lang="zh-CN" altLang="en-US" dirty="0"/>
+              <a:t>评判器</a:t>
+            </a:r>
+            <a:r>
+              <a:rPr kumimoji="1" lang="zh-CN" altLang="en-US" b="1" dirty="0"/>
+              <a:t>自动反序列化参数、序列化计算结果</a:t>
+            </a:r>
+            <a:endParaRPr kumimoji="1" lang="en-US" altLang="zh-CN" b="1" dirty="0"/>
+          </a:p>
+          <a:p>
+            <a:pPr>
+              <a:lnSpc>
+                <a:spcPct val="110000"/>
+              </a:lnSpc>
+            </a:pPr>
+            <a:r>
+              <a:rPr kumimoji="1" lang="zh-CN" altLang="en-US" dirty="0" smtClean="0"/>
+              <a:t>充分利用编程语言安全机制，</a:t>
+            </a:r>
+            <a:r>
+              <a:rPr kumimoji="1" lang="zh-CN" altLang="en-US" b="1" dirty="0" smtClean="0"/>
+              <a:t>不依赖操作系统</a:t>
+            </a:r>
+            <a:endParaRPr kumimoji="1" lang="en-US" altLang="zh-CN" b="1" dirty="0"/>
+          </a:p>
+          <a:p>
+            <a:endParaRPr kumimoji="1" lang="en-US" altLang="zh-CN" dirty="0" smtClean="0"/>
+          </a:p>
+          <a:p>
+            <a:pPr marL="0" indent="0">
+              <a:buNone/>
+            </a:pPr>
+            <a:r>
+              <a:rPr kumimoji="1" lang="zh-CN" altLang="en-US" dirty="0" smtClean="0"/>
+              <a:t>缺点</a:t>
+            </a:r>
+            <a:endParaRPr kumimoji="1" lang="en-US" altLang="zh-CN" dirty="0" smtClean="0"/>
+          </a:p>
+          <a:p>
+            <a:r>
+              <a:rPr kumimoji="1" lang="zh-CN" altLang="en-US" dirty="0" smtClean="0"/>
+              <a:t>未实现 限制被评判代码内存使用量</a:t>
+            </a:r>
+            <a:endParaRPr kumimoji="1" lang="zh-CN" altLang="en-US" dirty="0"/>
+          </a:p>
+        </p:txBody>
+      </p:sp>
+      <p:sp>
+        <p:nvSpPr>
+          <p:cNvPr id="6" name="日期占位符 5"/>
+          <p:cNvSpPr>
+            <a:spLocks noGrp="1"/>
+          </p:cNvSpPr>
+          <p:nvPr>
+            <p:ph type="dt" sz="half" idx="10"/>
+          </p:nvPr>
+        </p:nvSpPr>
+        <p:spPr>
+          <a:xfrm>
+            <a:off x="8368748" y="6540502"/>
+            <a:ext cx="775252" cy="317498"/>
+          </a:xfrm>
+        </p:spPr>
+        <p:txBody>
+          <a:bodyPr/>
+          <a:lstStyle/>
+          <a:p>
+            <a:fld id="{23551141-8730-254F-86E1-1D9F9D5E3924}" type="datetime11">
+              <a:rPr lang="zh-CN" altLang="en-US" smtClean="0"/>
+              <a:t>19:09:56</a:t>
+            </a:fld>
+            <a:endParaRPr lang="zh-CN" altLang="en-US" dirty="0"/>
+          </a:p>
+        </p:txBody>
+      </p:sp>
+    </p:spTree>
+    <p:extLst>
+      <p:ext uri="{BB962C8B-B14F-4D97-AF65-F5344CB8AC3E}">
+        <p14:creationId xmlns:p14="http://schemas.microsoft.com/office/powerpoint/2010/main" val="1217229610"/>
+      </p:ext>
+    </p:extLst>
+  </p:cSld>
+  <p:clrMapOvr>
+    <a:masterClrMapping/>
+  </p:clrMapOvr>
+  <p:timing>
+    <p:tnLst>
+      <p:par>
+        <p:cTn id="1" dur="indefinite" restart="never" nodeType="tmRoot"/>
+      </p:par>
+    </p:tnLst>
+  </p:timing>
+</p:sld>
+</file>
+
+<file path=ppt/slides/slide11.xml><?xml version="1.0" encoding="utf-8"?>
+<p:sld xmlns:a="http://schemas.openxmlformats.org/drawingml/2006/main" xmlns:r="http://schemas.openxmlformats.org/officeDocument/2006/relationships" xmlns:p="http://schemas.openxmlformats.org/presentationml/2006/main">
+  <p:cSld>
+    <p:spTree>
+      <p:nvGrpSpPr>
+        <p:cNvPr id="1" name=""/>
+        <p:cNvGrpSpPr/>
+        <p:nvPr/>
+      </p:nvGrpSpPr>
+      <p:grpSpPr>
+        <a:xfrm>
+          <a:off x="0" y="0"/>
+          <a:ext cx="0" cy="0"/>
+          <a:chOff x="0" y="0"/>
+          <a:chExt cx="0" cy="0"/>
+        </a:xfrm>
+      </p:grpSpPr>
+      <p:sp>
+        <p:nvSpPr>
+          <p:cNvPr id="2" name="标题 1"/>
+          <p:cNvSpPr>
+            <a:spLocks noGrp="1"/>
+          </p:cNvSpPr>
+          <p:nvPr>
+            <p:ph type="title"/>
+          </p:nvPr>
+        </p:nvSpPr>
+        <p:spPr/>
+        <p:txBody>
+          <a:bodyPr/>
+          <a:lstStyle/>
+          <a:p>
+            <a:r>
+              <a:rPr kumimoji="1" lang="en-US" altLang="zh-CN" dirty="0"/>
+              <a:t>2. </a:t>
+            </a:r>
+            <a:r>
+              <a:rPr kumimoji="1" lang="zh-CN" altLang="en-US" dirty="0"/>
+              <a:t>系统功能</a:t>
+            </a:r>
+          </a:p>
+        </p:txBody>
+      </p:sp>
+      <p:sp>
+        <p:nvSpPr>
+          <p:cNvPr id="4" name="日期占位符 3"/>
+          <p:cNvSpPr>
+            <a:spLocks noGrp="1"/>
+          </p:cNvSpPr>
+          <p:nvPr>
+            <p:ph type="dt" sz="half" idx="10"/>
+          </p:nvPr>
+        </p:nvSpPr>
+        <p:spPr/>
+        <p:txBody>
+          <a:bodyPr/>
+          <a:lstStyle/>
+          <a:p>
+            <a:fld id="{E4C0FD68-7273-B74C-8DEE-A395D4E30DE1}" type="datetime11">
+              <a:rPr lang="zh-CN" altLang="en-US" smtClean="0"/>
+              <a:t>19:54:12</a:t>
+            </a:fld>
+            <a:endParaRPr lang="zh-CN" altLang="en-US"/>
+          </a:p>
+        </p:txBody>
+      </p:sp>
+      <p:pic>
+        <p:nvPicPr>
+          <p:cNvPr id="6" name="图片 5"/>
+          <p:cNvPicPr>
+            <a:picLocks noChangeAspect="1"/>
+          </p:cNvPicPr>
+          <p:nvPr/>
+        </p:nvPicPr>
+        <p:blipFill rotWithShape="1">
+          <a:blip r:embed="rId2">
+            <a:extLst>
+              <a:ext uri="{28A0092B-C50C-407E-A947-70E740481C1C}">
+                <a14:useLocalDpi xmlns:a14="http://schemas.microsoft.com/office/drawing/2010/main" val="0"/>
+              </a:ext>
+            </a:extLst>
+          </a:blip>
+          <a:srcRect l="2342" t="13441" r="11455"/>
+          <a:stretch/>
+        </p:blipFill>
+        <p:spPr>
+          <a:xfrm>
+            <a:off x="628650" y="1237426"/>
+            <a:ext cx="7882359" cy="4912335"/>
+          </a:xfrm>
+          <a:prstGeom prst="rect">
+            <a:avLst/>
+          </a:prstGeom>
+        </p:spPr>
+      </p:pic>
+    </p:spTree>
+    <p:extLst>
+      <p:ext uri="{BB962C8B-B14F-4D97-AF65-F5344CB8AC3E}">
+        <p14:creationId xmlns:p14="http://schemas.microsoft.com/office/powerpoint/2010/main" val="2890550903"/>
+      </p:ext>
+    </p:extLst>
+  </p:cSld>
+  <p:clrMapOvr>
+    <a:masterClrMapping/>
+  </p:clrMapOvr>
+  <p:timing>
+    <p:tnLst>
+      <p:par>
+        <p:cTn id="1" dur="indefinite" restart="never" nodeType="tmRoot"/>
+      </p:par>
+    </p:tnLst>
+  </p:timing>
+</p:sld>
+</file>
+
+<file path=ppt/slides/slide12.xml><?xml version="1.0" encoding="utf-8"?>
+<p:sld xmlns:a="http://schemas.openxmlformats.org/drawingml/2006/main" xmlns:r="http://schemas.openxmlformats.org/officeDocument/2006/relationships" xmlns:p="http://schemas.openxmlformats.org/presentationml/2006/main">
+  <p:cSld>
+    <p:spTree>
+      <p:nvGrpSpPr>
+        <p:cNvPr id="1" name=""/>
+        <p:cNvGrpSpPr/>
+        <p:nvPr/>
+      </p:nvGrpSpPr>
+      <p:grpSpPr>
+        <a:xfrm>
+          <a:off x="0" y="0"/>
+          <a:ext cx="0" cy="0"/>
+          <a:chOff x="0" y="0"/>
+          <a:chExt cx="0" cy="0"/>
+        </a:xfrm>
+      </p:grpSpPr>
+      <p:sp>
+        <p:nvSpPr>
+          <p:cNvPr id="2" name="标题 1"/>
+          <p:cNvSpPr>
+            <a:spLocks noGrp="1"/>
+          </p:cNvSpPr>
+          <p:nvPr>
+            <p:ph type="title"/>
+          </p:nvPr>
+        </p:nvSpPr>
+        <p:spPr/>
+        <p:txBody>
+          <a:bodyPr/>
+          <a:lstStyle/>
+          <a:p>
+            <a:r>
+              <a:rPr kumimoji="1" lang="en-US" altLang="zh-CN" dirty="0"/>
+              <a:t>2. </a:t>
+            </a:r>
+            <a:r>
+              <a:rPr kumimoji="1" lang="zh-CN" altLang="en-US" dirty="0"/>
+              <a:t>系统功能</a:t>
+            </a:r>
+          </a:p>
+        </p:txBody>
+      </p:sp>
+      <p:sp>
+        <p:nvSpPr>
+          <p:cNvPr id="3" name="内容占位符 2"/>
+          <p:cNvSpPr>
+            <a:spLocks noGrp="1"/>
+          </p:cNvSpPr>
+          <p:nvPr>
+            <p:ph idx="1"/>
+          </p:nvPr>
+        </p:nvSpPr>
+        <p:spPr/>
+        <p:txBody>
+          <a:bodyPr/>
+          <a:lstStyle/>
+          <a:p>
+            <a:pPr marL="0" marR="0" lvl="0" indent="0" defTabSz="914400" eaLnBrk="1" fontAlgn="auto" latinLnBrk="0" hangingPunct="1">
+              <a:lnSpc>
+                <a:spcPct val="100000"/>
+              </a:lnSpc>
+              <a:spcBef>
+                <a:spcPts val="0"/>
+              </a:spcBef>
+              <a:spcAft>
+                <a:spcPts val="0"/>
+              </a:spcAft>
+              <a:buClrTx/>
+              <a:buSzTx/>
+              <a:buFontTx/>
+              <a:buNone/>
+              <a:tabLst/>
+              <a:defRPr/>
+            </a:pPr>
+            <a:r>
+              <a:rPr kumimoji="1" lang="zh-CN" altLang="en-US" dirty="0" smtClean="0"/>
+              <a:t>对比</a:t>
+            </a:r>
+            <a:r>
+              <a:rPr kumimoji="1" lang="en-US" altLang="zh-CN" dirty="0" smtClean="0"/>
+              <a:t>SCAU</a:t>
+            </a:r>
+            <a:endParaRPr kumimoji="1" lang="zh-CN" altLang="en-US" dirty="0"/>
+          </a:p>
+        </p:txBody>
+      </p:sp>
+      <p:sp>
+        <p:nvSpPr>
+          <p:cNvPr id="4" name="日期占位符 3"/>
+          <p:cNvSpPr>
+            <a:spLocks noGrp="1"/>
+          </p:cNvSpPr>
+          <p:nvPr>
+            <p:ph type="dt" sz="half" idx="10"/>
+          </p:nvPr>
+        </p:nvSpPr>
+        <p:spPr/>
+        <p:txBody>
+          <a:bodyPr/>
+          <a:lstStyle/>
+          <a:p>
+            <a:fld id="{E4C0FD68-7273-B74C-8DEE-A395D4E30DE1}" type="datetime11">
+              <a:rPr lang="zh-CN" altLang="en-US" smtClean="0"/>
+              <a:t>20:03:09</a:t>
+            </a:fld>
+            <a:endParaRPr lang="zh-CN" altLang="en-US"/>
+          </a:p>
+        </p:txBody>
+      </p:sp>
+      <p:pic>
+        <p:nvPicPr>
+          <p:cNvPr id="5" name="图片 4"/>
+          <p:cNvPicPr>
+            <a:picLocks noChangeAspect="1"/>
+          </p:cNvPicPr>
+          <p:nvPr/>
+        </p:nvPicPr>
+        <p:blipFill rotWithShape="1">
+          <a:blip r:embed="rId3">
+            <a:extLst>
+              <a:ext uri="{28A0092B-C50C-407E-A947-70E740481C1C}">
+                <a14:useLocalDpi xmlns:a14="http://schemas.microsoft.com/office/drawing/2010/main" val="0"/>
+              </a:ext>
+            </a:extLst>
+          </a:blip>
+          <a:srcRect b="21380"/>
+          <a:stretch/>
+        </p:blipFill>
+        <p:spPr>
+          <a:xfrm>
+            <a:off x="0" y="1030837"/>
+            <a:ext cx="9137243" cy="5325514"/>
+          </a:xfrm>
+          <a:prstGeom prst="rect">
+            <a:avLst/>
+          </a:prstGeom>
+        </p:spPr>
+      </p:pic>
+    </p:spTree>
+    <p:extLst>
+      <p:ext uri="{BB962C8B-B14F-4D97-AF65-F5344CB8AC3E}">
+        <p14:creationId xmlns:p14="http://schemas.microsoft.com/office/powerpoint/2010/main" val="1462443608"/>
+      </p:ext>
+    </p:extLst>
+  </p:cSld>
+  <p:clrMapOvr>
+    <a:masterClrMapping/>
+  </p:clrMapOvr>
+  <p:timing>
+    <p:tnLst>
+      <p:par>
+        <p:cTn id="1" dur="indefinite" restart="never" nodeType="tmRoot"/>
+      </p:par>
+    </p:tnLst>
+  </p:timing>
+</p:sld>
+</file>
+
+<file path=ppt/slides/slide13.xml><?xml version="1.0" encoding="utf-8"?>
+<p:sld xmlns:a="http://schemas.openxmlformats.org/drawingml/2006/main" xmlns:r="http://schemas.openxmlformats.org/officeDocument/2006/relationships" xmlns:p="http://schemas.openxmlformats.org/presentationml/2006/main">
+  <p:cSld>
+    <p:spTree>
+      <p:nvGrpSpPr>
+        <p:cNvPr id="1" name=""/>
+        <p:cNvGrpSpPr/>
+        <p:nvPr/>
+      </p:nvGrpSpPr>
+      <p:grpSpPr>
+        <a:xfrm>
+          <a:off x="0" y="0"/>
+          <a:ext cx="0" cy="0"/>
+          <a:chOff x="0" y="0"/>
+          <a:chExt cx="0" cy="0"/>
+        </a:xfrm>
+      </p:grpSpPr>
+      <p:sp>
+        <p:nvSpPr>
+          <p:cNvPr id="2" name="标题 1"/>
+          <p:cNvSpPr>
+            <a:spLocks noGrp="1"/>
+          </p:cNvSpPr>
+          <p:nvPr>
+            <p:ph type="title"/>
+          </p:nvPr>
+        </p:nvSpPr>
+        <p:spPr/>
+        <p:txBody>
+          <a:bodyPr/>
+          <a:lstStyle/>
+          <a:p>
+            <a:r>
+              <a:rPr kumimoji="1" lang="en-US" altLang="zh-CN" dirty="0"/>
+              <a:t>2. </a:t>
+            </a:r>
+            <a:r>
+              <a:rPr kumimoji="1" lang="zh-CN" altLang="en-US" dirty="0"/>
+              <a:t>系统功能</a:t>
+            </a:r>
+          </a:p>
+        </p:txBody>
+      </p:sp>
+      <p:sp>
+        <p:nvSpPr>
+          <p:cNvPr id="4" name="日期占位符 3"/>
+          <p:cNvSpPr>
+            <a:spLocks noGrp="1"/>
+          </p:cNvSpPr>
+          <p:nvPr>
+            <p:ph type="dt" sz="half" idx="10"/>
+          </p:nvPr>
+        </p:nvSpPr>
+        <p:spPr/>
+        <p:txBody>
+          <a:bodyPr/>
+          <a:lstStyle/>
+          <a:p>
+            <a:fld id="{E4C0FD68-7273-B74C-8DEE-A395D4E30DE1}" type="datetime11">
+              <a:rPr lang="zh-CN" altLang="en-US" smtClean="0"/>
+              <a:t>19:09:56</a:t>
+            </a:fld>
+            <a:endParaRPr lang="zh-CN" altLang="en-US"/>
+          </a:p>
+        </p:txBody>
+      </p:sp>
+      <p:pic>
+        <p:nvPicPr>
+          <p:cNvPr id="7" name="图片 6"/>
+          <p:cNvPicPr>
+            <a:picLocks noChangeAspect="1"/>
+          </p:cNvPicPr>
+          <p:nvPr/>
+        </p:nvPicPr>
+        <p:blipFill rotWithShape="1">
+          <a:blip r:embed="rId2">
+            <a:extLst>
+              <a:ext uri="{28A0092B-C50C-407E-A947-70E740481C1C}">
+                <a14:useLocalDpi xmlns:a14="http://schemas.microsoft.com/office/drawing/2010/main" val="0"/>
+              </a:ext>
+            </a:extLst>
+          </a:blip>
+          <a:srcRect l="3971" r="33144"/>
+          <a:stretch/>
+        </p:blipFill>
+        <p:spPr>
+          <a:xfrm>
+            <a:off x="4056499" y="1030835"/>
+            <a:ext cx="5085696" cy="5106077"/>
+          </a:xfrm>
+          <a:prstGeom prst="rect">
+            <a:avLst/>
+          </a:prstGeom>
+          <a:ln>
+            <a:solidFill>
+              <a:schemeClr val="tx1"/>
+            </a:solidFill>
+          </a:ln>
+        </p:spPr>
+      </p:pic>
+      <p:pic>
+        <p:nvPicPr>
+          <p:cNvPr id="8" name="图片 7"/>
+          <p:cNvPicPr>
+            <a:picLocks noChangeAspect="1"/>
+          </p:cNvPicPr>
+          <p:nvPr/>
+        </p:nvPicPr>
+        <p:blipFill rotWithShape="1">
+          <a:blip r:embed="rId3" cstate="print">
+            <a:extLst>
+              <a:ext uri="{28A0092B-C50C-407E-A947-70E740481C1C}">
+                <a14:useLocalDpi xmlns:a14="http://schemas.microsoft.com/office/drawing/2010/main" val="0"/>
+              </a:ext>
+            </a:extLst>
+          </a:blip>
+          <a:srcRect l="3817" t="1790" r="2902" b="27775"/>
+          <a:stretch/>
+        </p:blipFill>
+        <p:spPr>
+          <a:xfrm>
+            <a:off x="0" y="1030835"/>
+            <a:ext cx="4056499" cy="3252727"/>
+          </a:xfrm>
+          <a:prstGeom prst="rect">
+            <a:avLst/>
+          </a:prstGeom>
+          <a:ln>
+            <a:solidFill>
+              <a:schemeClr val="tx1"/>
+            </a:solidFill>
+          </a:ln>
+        </p:spPr>
+      </p:pic>
+      <p:sp>
+        <p:nvSpPr>
+          <p:cNvPr id="11" name="矩形 10"/>
+          <p:cNvSpPr/>
+          <p:nvPr/>
+        </p:nvSpPr>
+        <p:spPr>
+          <a:xfrm>
+            <a:off x="1380805" y="3387576"/>
+            <a:ext cx="1368531" cy="220929"/>
+          </a:xfrm>
+          <a:prstGeom prst="rect">
+            <a:avLst/>
+          </a:prstGeom>
+          <a:noFill/>
+          <a:ln w="38100">
+            <a:solidFill>
+              <a:srgbClr val="00B050"/>
+            </a:solidFill>
+          </a:ln>
+        </p:spPr>
+        <p:style>
+          <a:lnRef idx="2">
+            <a:schemeClr val="accent1">
+              <a:shade val="50000"/>
+            </a:schemeClr>
+          </a:lnRef>
+          <a:fillRef idx="1">
+            <a:schemeClr val="accent1"/>
+          </a:fillRef>
+          <a:effectRef idx="0">
+            <a:schemeClr val="accent1"/>
+          </a:effectRef>
+          <a:fontRef idx="minor">
+            <a:schemeClr val="lt1"/>
+          </a:fontRef>
+        </p:style>
+        <p:txBody>
+          <a:bodyPr rtlCol="0" anchor="ctr"/>
+          <a:lstStyle/>
+          <a:p>
+            <a:pPr algn="ctr"/>
+            <a:endParaRPr lang="zh-CN" altLang="en-US">
+              <a:solidFill>
+                <a:srgbClr val="FF0000"/>
+              </a:solidFill>
+            </a:endParaRPr>
+          </a:p>
+        </p:txBody>
+      </p:sp>
+      <p:sp>
+        <p:nvSpPr>
+          <p:cNvPr id="13" name="矩形 12"/>
+          <p:cNvSpPr/>
+          <p:nvPr/>
+        </p:nvSpPr>
+        <p:spPr>
+          <a:xfrm>
+            <a:off x="4750692" y="3736357"/>
+            <a:ext cx="3251842" cy="547205"/>
+          </a:xfrm>
+          <a:prstGeom prst="rect">
+            <a:avLst/>
+          </a:prstGeom>
+          <a:noFill/>
+          <a:ln w="25400">
+            <a:solidFill>
+              <a:srgbClr val="FF0000"/>
+            </a:solidFill>
+          </a:ln>
+        </p:spPr>
+        <p:style>
+          <a:lnRef idx="2">
+            <a:schemeClr val="accent1">
+              <a:shade val="50000"/>
+            </a:schemeClr>
+          </a:lnRef>
+          <a:fillRef idx="1">
+            <a:schemeClr val="accent1"/>
+          </a:fillRef>
+          <a:effectRef idx="0">
+            <a:schemeClr val="accent1"/>
+          </a:effectRef>
+          <a:fontRef idx="minor">
+            <a:schemeClr val="lt1"/>
+          </a:fontRef>
+        </p:style>
+        <p:txBody>
+          <a:bodyPr rtlCol="0" anchor="ctr"/>
+          <a:lstStyle/>
+          <a:p>
+            <a:pPr algn="ctr"/>
+            <a:endParaRPr lang="zh-CN" altLang="en-US">
+              <a:solidFill>
+                <a:srgbClr val="FF0000"/>
+              </a:solidFill>
+            </a:endParaRPr>
+          </a:p>
+        </p:txBody>
+      </p:sp>
+      <p:sp>
+        <p:nvSpPr>
+          <p:cNvPr id="14" name="矩形 13"/>
+          <p:cNvSpPr/>
+          <p:nvPr/>
+        </p:nvSpPr>
+        <p:spPr>
+          <a:xfrm>
+            <a:off x="4750692" y="4511107"/>
+            <a:ext cx="1842989" cy="168049"/>
+          </a:xfrm>
+          <a:prstGeom prst="rect">
+            <a:avLst/>
+          </a:prstGeom>
+          <a:noFill/>
+          <a:ln w="25400">
+            <a:solidFill>
+              <a:srgbClr val="FF0000"/>
+            </a:solidFill>
+          </a:ln>
+        </p:spPr>
+        <p:style>
+          <a:lnRef idx="2">
+            <a:schemeClr val="accent1">
+              <a:shade val="50000"/>
+            </a:schemeClr>
+          </a:lnRef>
+          <a:fillRef idx="1">
+            <a:schemeClr val="accent1"/>
+          </a:fillRef>
+          <a:effectRef idx="0">
+            <a:schemeClr val="accent1"/>
+          </a:effectRef>
+          <a:fontRef idx="minor">
+            <a:schemeClr val="lt1"/>
+          </a:fontRef>
+        </p:style>
+        <p:txBody>
+          <a:bodyPr rtlCol="0" anchor="ctr"/>
+          <a:lstStyle/>
+          <a:p>
+            <a:pPr algn="ctr"/>
+            <a:endParaRPr lang="zh-CN" altLang="en-US">
+              <a:solidFill>
+                <a:srgbClr val="FF0000"/>
+              </a:solidFill>
+            </a:endParaRPr>
+          </a:p>
+        </p:txBody>
+      </p:sp>
+      <p:sp>
+        <p:nvSpPr>
+          <p:cNvPr id="12" name="矩形 11"/>
+          <p:cNvSpPr/>
+          <p:nvPr/>
+        </p:nvSpPr>
+        <p:spPr>
+          <a:xfrm>
+            <a:off x="4750692" y="4305300"/>
+            <a:ext cx="1195290" cy="189666"/>
+          </a:xfrm>
+          <a:prstGeom prst="rect">
+            <a:avLst/>
+          </a:prstGeom>
+          <a:noFill/>
+          <a:ln w="38100">
+            <a:solidFill>
+              <a:srgbClr val="00B050"/>
+            </a:solidFill>
+          </a:ln>
+        </p:spPr>
+        <p:style>
+          <a:lnRef idx="2">
+            <a:schemeClr val="accent1">
+              <a:shade val="50000"/>
+            </a:schemeClr>
+          </a:lnRef>
+          <a:fillRef idx="1">
+            <a:schemeClr val="accent1"/>
+          </a:fillRef>
+          <a:effectRef idx="0">
+            <a:schemeClr val="accent1"/>
+          </a:effectRef>
+          <a:fontRef idx="minor">
+            <a:schemeClr val="lt1"/>
+          </a:fontRef>
+        </p:style>
+        <p:txBody>
+          <a:bodyPr rtlCol="0" anchor="ctr"/>
+          <a:lstStyle/>
+          <a:p>
+            <a:pPr algn="ctr"/>
+            <a:endParaRPr lang="zh-CN" altLang="en-US">
+              <a:solidFill>
+                <a:srgbClr val="FF0000"/>
+              </a:solidFill>
+            </a:endParaRPr>
+          </a:p>
+        </p:txBody>
+      </p:sp>
+      <p:sp>
+        <p:nvSpPr>
+          <p:cNvPr id="15" name="矩形 14"/>
+          <p:cNvSpPr/>
+          <p:nvPr/>
+        </p:nvSpPr>
+        <p:spPr>
+          <a:xfrm>
+            <a:off x="4102993" y="2994814"/>
+            <a:ext cx="2070741" cy="196382"/>
+          </a:xfrm>
+          <a:prstGeom prst="rect">
+            <a:avLst/>
+          </a:prstGeom>
+          <a:noFill/>
+          <a:ln w="25400">
+            <a:solidFill>
+              <a:srgbClr val="FF0000"/>
+            </a:solidFill>
+          </a:ln>
+        </p:spPr>
+        <p:style>
+          <a:lnRef idx="2">
+            <a:schemeClr val="accent1">
+              <a:shade val="50000"/>
+            </a:schemeClr>
+          </a:lnRef>
+          <a:fillRef idx="1">
+            <a:schemeClr val="accent1"/>
+          </a:fillRef>
+          <a:effectRef idx="0">
+            <a:schemeClr val="accent1"/>
+          </a:effectRef>
+          <a:fontRef idx="minor">
+            <a:schemeClr val="lt1"/>
+          </a:fontRef>
+        </p:style>
+        <p:txBody>
+          <a:bodyPr rtlCol="0" anchor="ctr"/>
+          <a:lstStyle/>
+          <a:p>
+            <a:pPr algn="ctr"/>
+            <a:endParaRPr lang="zh-CN" altLang="en-US">
+              <a:solidFill>
+                <a:srgbClr val="FF0000"/>
+              </a:solidFill>
+            </a:endParaRPr>
+          </a:p>
+        </p:txBody>
+      </p:sp>
+    </p:spTree>
+    <p:extLst>
+      <p:ext uri="{BB962C8B-B14F-4D97-AF65-F5344CB8AC3E}">
+        <p14:creationId xmlns:p14="http://schemas.microsoft.com/office/powerpoint/2010/main" val="626279234"/>
+      </p:ext>
+    </p:extLst>
+  </p:cSld>
+  <p:clrMapOvr>
+    <a:masterClrMapping/>
+  </p:clrMapOvr>
+  <p:timing>
+    <p:tnLst>
+      <p:par>
+        <p:cTn id="1" dur="indefinite" restart="never" nodeType="tmRoot"/>
+      </p:par>
+    </p:tnLst>
+  </p:timing>
+</p:sld>
+</file>
+
+<file path=ppt/slides/slide14.xml><?xml version="1.0" encoding="utf-8"?>
+<p:sld xmlns:a="http://schemas.openxmlformats.org/drawingml/2006/main" xmlns:r="http://schemas.openxmlformats.org/officeDocument/2006/relationships" xmlns:p="http://schemas.openxmlformats.org/presentationml/2006/main">
+  <p:cSld>
+    <p:spTree>
+      <p:nvGrpSpPr>
+        <p:cNvPr id="1" name=""/>
+        <p:cNvGrpSpPr/>
+        <p:nvPr/>
+      </p:nvGrpSpPr>
+      <p:grpSpPr>
+        <a:xfrm>
+          <a:off x="0" y="0"/>
+          <a:ext cx="0" cy="0"/>
+          <a:chOff x="0" y="0"/>
+          <a:chExt cx="0" cy="0"/>
+        </a:xfrm>
+      </p:grpSpPr>
+      <p:sp>
+        <p:nvSpPr>
+          <p:cNvPr id="5" name="标题 4"/>
+          <p:cNvSpPr>
+            <a:spLocks noGrp="1"/>
+          </p:cNvSpPr>
+          <p:nvPr>
+            <p:ph type="title"/>
+          </p:nvPr>
+        </p:nvSpPr>
+        <p:spPr>
+          <a:xfrm>
+            <a:off x="628650" y="1752698"/>
+            <a:ext cx="7886700" cy="2181064"/>
+          </a:xfrm>
+        </p:spPr>
+        <p:txBody>
+          <a:bodyPr/>
+          <a:lstStyle/>
+          <a:p>
+            <a:pPr algn="ctr"/>
+            <a:r>
+              <a:rPr lang="en-US" altLang="zh-CN" b="1" dirty="0" smtClean="0"/>
+              <a:t>3. </a:t>
+            </a:r>
+            <a:r>
+              <a:rPr lang="zh-CN" altLang="en-US" b="1" dirty="0" smtClean="0"/>
+              <a:t>系统架构</a:t>
+            </a:r>
+            <a:endParaRPr lang="zh-CN" altLang="en-US" b="1" dirty="0"/>
+          </a:p>
+        </p:txBody>
+      </p:sp>
+      <p:sp>
+        <p:nvSpPr>
+          <p:cNvPr id="4" name="日期占位符 3"/>
+          <p:cNvSpPr>
+            <a:spLocks noGrp="1"/>
+          </p:cNvSpPr>
+          <p:nvPr>
+            <p:ph type="dt" sz="half" idx="10"/>
+          </p:nvPr>
+        </p:nvSpPr>
+        <p:spPr/>
+        <p:txBody>
+          <a:bodyPr/>
+          <a:lstStyle/>
+          <a:p>
+            <a:fld id="{E093F988-9A29-5E45-8D20-69A04853E7AD}" type="datetime11">
+              <a:rPr lang="zh-CN" altLang="en-US" smtClean="0"/>
+              <a:t>20:20:56</a:t>
+            </a:fld>
+            <a:endParaRPr lang="zh-CN" altLang="en-US"/>
+          </a:p>
+        </p:txBody>
+      </p:sp>
+    </p:spTree>
+    <p:extLst>
+      <p:ext uri="{BB962C8B-B14F-4D97-AF65-F5344CB8AC3E}">
+        <p14:creationId xmlns:p14="http://schemas.microsoft.com/office/powerpoint/2010/main" val="1696980788"/>
+      </p:ext>
+    </p:extLst>
+  </p:cSld>
+  <p:clrMapOvr>
+    <a:masterClrMapping/>
+  </p:clrMapOvr>
+</p:sld>
+</file>
+
+<file path=ppt/slides/slide15.xml><?xml version="1.0" encoding="utf-8"?>
+<p:sld xmlns:a="http://schemas.openxmlformats.org/drawingml/2006/main" xmlns:r="http://schemas.openxmlformats.org/officeDocument/2006/relationships" xmlns:p="http://schemas.openxmlformats.org/presentationml/2006/main">
+  <p:cSld>
+    <p:spTree>
+      <p:nvGrpSpPr>
+        <p:cNvPr id="1" name=""/>
+        <p:cNvGrpSpPr/>
+        <p:nvPr/>
+      </p:nvGrpSpPr>
+      <p:grpSpPr>
+        <a:xfrm>
+          <a:off x="0" y="0"/>
+          <a:ext cx="0" cy="0"/>
+          <a:chOff x="0" y="0"/>
+          <a:chExt cx="0" cy="0"/>
+        </a:xfrm>
+      </p:grpSpPr>
+      <p:sp>
+        <p:nvSpPr>
           <p:cNvPr id="2" name="日期占位符 1"/>
           <p:cNvSpPr>
             <a:spLocks noGrp="1"/>
@@ -4060,7 +5306,7 @@
           <a:p>
             <a:fld id="{4D233439-5E16-0648-BDD8-E0B3303C482E}" type="datetime11">
               <a:rPr lang="zh-CN" altLang="en-US" smtClean="0"/>
-              <a:t>17:39:31</a:t>
+              <a:t>19:09:56</a:t>
             </a:fld>
             <a:endParaRPr lang="zh-CN" altLang="en-US"/>
           </a:p>
@@ -4151,7 +5397,7 @@
 </p:sld>
 </file>
 
-<file path=ppt/slides/slide11.xml><?xml version="1.0" encoding="utf-8"?>
+<file path=ppt/slides/slide16.xml><?xml version="1.0" encoding="utf-8"?>
 <p:sld xmlns:a="http://schemas.openxmlformats.org/drawingml/2006/main" xmlns:r="http://schemas.openxmlformats.org/officeDocument/2006/relationships" xmlns:p="http://schemas.openxmlformats.org/presentationml/2006/main">
   <p:cSld>
     <p:spTree>
@@ -4185,7 +5431,7 @@
           <a:p>
             <a:fld id="{4D233439-5E16-0648-BDD8-E0B3303C482E}" type="datetime11">
               <a:rPr lang="zh-CN" altLang="en-US" smtClean="0"/>
-              <a:t>17:39:31</a:t>
+              <a:t>19:09:56</a:t>
             </a:fld>
             <a:endParaRPr lang="zh-CN" altLang="en-US"/>
           </a:p>
@@ -4276,7 +5522,7 @@
 </p:sld>
 </file>
 
-<file path=ppt/slides/slide12.xml><?xml version="1.0" encoding="utf-8"?>
+<file path=ppt/slides/slide17.xml><?xml version="1.0" encoding="utf-8"?>
 <p:sld xmlns:a="http://schemas.openxmlformats.org/drawingml/2006/main" xmlns:r="http://schemas.openxmlformats.org/officeDocument/2006/relationships" xmlns:p="http://schemas.openxmlformats.org/presentationml/2006/main">
   <p:cSld>
     <p:spTree>
@@ -4295,6 +5541,96 @@
       </p:grpSpPr>
       <p:sp>
         <p:nvSpPr>
+          <p:cNvPr id="5" name="标题 4"/>
+          <p:cNvSpPr>
+            <a:spLocks noGrp="1"/>
+          </p:cNvSpPr>
+          <p:nvPr>
+            <p:ph type="title"/>
+          </p:nvPr>
+        </p:nvSpPr>
+        <p:spPr>
+          <a:xfrm>
+            <a:off x="628650" y="1752698"/>
+            <a:ext cx="7886700" cy="2181064"/>
+          </a:xfrm>
+        </p:spPr>
+        <p:txBody>
+          <a:bodyPr/>
+          <a:lstStyle/>
+          <a:p>
+            <a:pPr algn="ctr"/>
+            <a:r>
+              <a:rPr lang="en-US" altLang="zh-CN" b="1" dirty="0"/>
+              <a:t>4</a:t>
+            </a:r>
+            <a:r>
+              <a:rPr lang="en-US" altLang="zh-CN" b="1" dirty="0" smtClean="0"/>
+              <a:t>. </a:t>
+            </a:r>
+            <a:r>
+              <a:rPr lang="zh-CN" altLang="en-US" b="1" dirty="0" smtClean="0"/>
+              <a:t>总结</a:t>
+            </a:r>
+            <a:endParaRPr lang="zh-CN" altLang="en-US" b="1" dirty="0"/>
+          </a:p>
+        </p:txBody>
+      </p:sp>
+      <p:sp>
+        <p:nvSpPr>
+          <p:cNvPr id="4" name="日期占位符 3"/>
+          <p:cNvSpPr>
+            <a:spLocks noGrp="1"/>
+          </p:cNvSpPr>
+          <p:nvPr>
+            <p:ph type="dt" sz="half" idx="10"/>
+          </p:nvPr>
+        </p:nvSpPr>
+        <p:spPr/>
+        <p:txBody>
+          <a:bodyPr/>
+          <a:lstStyle/>
+          <a:p>
+            <a:fld id="{E093F988-9A29-5E45-8D20-69A04853E7AD}" type="datetime11">
+              <a:rPr lang="zh-CN" altLang="en-US" smtClean="0"/>
+              <a:t>20:25:00</a:t>
+            </a:fld>
+            <a:endParaRPr lang="zh-CN" altLang="en-US"/>
+          </a:p>
+        </p:txBody>
+      </p:sp>
+    </p:spTree>
+    <p:extLst>
+      <p:ext uri="{BB962C8B-B14F-4D97-AF65-F5344CB8AC3E}">
+        <p14:creationId xmlns:p14="http://schemas.microsoft.com/office/powerpoint/2010/main" val="2220124822"/>
+      </p:ext>
+    </p:extLst>
+  </p:cSld>
+  <p:clrMapOvr>
+    <a:masterClrMapping/>
+  </p:clrMapOvr>
+</p:sld>
+</file>
+
+<file path=ppt/slides/slide18.xml><?xml version="1.0" encoding="utf-8"?>
+<p:sld xmlns:a="http://schemas.openxmlformats.org/drawingml/2006/main" xmlns:r="http://schemas.openxmlformats.org/officeDocument/2006/relationships" xmlns:p="http://schemas.openxmlformats.org/presentationml/2006/main">
+  <p:cSld>
+    <p:spTree>
+      <p:nvGrpSpPr>
+        <p:cNvPr id="1" name=""/>
+        <p:cNvGrpSpPr/>
+        <p:nvPr/>
+      </p:nvGrpSpPr>
+      <p:grpSpPr>
+        <a:xfrm>
+          <a:off x="0" y="0"/>
+          <a:ext cx="0" cy="0"/>
+          <a:chOff x="0" y="0"/>
+          <a:chExt cx="0" cy="0"/>
+        </a:xfrm>
+      </p:grpSpPr>
+      <p:sp>
+        <p:nvSpPr>
           <p:cNvPr id="2" name="标题 1"/>
           <p:cNvSpPr>
             <a:spLocks noGrp="1"/>
@@ -4464,7 +5800,7 @@
           <a:p>
             <a:fld id="{E093F988-9A29-5E45-8D20-69A04853E7AD}" type="datetime11">
               <a:rPr lang="zh-CN" altLang="en-US" smtClean="0"/>
-              <a:t>17:39:31</a:t>
+              <a:t>19:09:56</a:t>
             </a:fld>
             <a:endParaRPr lang="zh-CN" altLang="en-US"/>
           </a:p>
@@ -4490,6 +5826,91 @@
 </p:sld>
 </file>
 
+<file path=ppt/slides/slide19.xml><?xml version="1.0" encoding="utf-8"?>
+<p:sld xmlns:a="http://schemas.openxmlformats.org/drawingml/2006/main" xmlns:r="http://schemas.openxmlformats.org/officeDocument/2006/relationships" xmlns:p="http://schemas.openxmlformats.org/presentationml/2006/main">
+  <p:cSld>
+    <p:spTree>
+      <p:nvGrpSpPr>
+        <p:cNvPr id="1" name=""/>
+        <p:cNvGrpSpPr/>
+        <p:nvPr/>
+      </p:nvGrpSpPr>
+      <p:grpSpPr>
+        <a:xfrm>
+          <a:off x="0" y="0"/>
+          <a:ext cx="0" cy="0"/>
+          <a:chOff x="0" y="0"/>
+          <a:chExt cx="0" cy="0"/>
+        </a:xfrm>
+      </p:grpSpPr>
+      <p:sp>
+        <p:nvSpPr>
+          <p:cNvPr id="5" name="标题 4"/>
+          <p:cNvSpPr>
+            <a:spLocks noGrp="1"/>
+          </p:cNvSpPr>
+          <p:nvPr>
+            <p:ph type="title"/>
+          </p:nvPr>
+        </p:nvSpPr>
+        <p:spPr>
+          <a:xfrm>
+            <a:off x="628650" y="1752698"/>
+            <a:ext cx="7886700" cy="2181064"/>
+          </a:xfrm>
+        </p:spPr>
+        <p:txBody>
+          <a:bodyPr/>
+          <a:lstStyle/>
+          <a:p>
+            <a:pPr algn="ctr"/>
+            <a:r>
+              <a:rPr lang="en-US" altLang="zh-CN" b="1" dirty="0" smtClean="0"/>
+              <a:t>5. </a:t>
+            </a:r>
+            <a:r>
+              <a:rPr lang="zh-CN" altLang="en-US" b="1" dirty="0"/>
+              <a:t>致谢</a:t>
+            </a:r>
+          </a:p>
+        </p:txBody>
+      </p:sp>
+      <p:sp>
+        <p:nvSpPr>
+          <p:cNvPr id="4" name="日期占位符 3"/>
+          <p:cNvSpPr>
+            <a:spLocks noGrp="1"/>
+          </p:cNvSpPr>
+          <p:nvPr>
+            <p:ph type="dt" sz="half" idx="10"/>
+          </p:nvPr>
+        </p:nvSpPr>
+        <p:spPr/>
+        <p:txBody>
+          <a:bodyPr/>
+          <a:lstStyle/>
+          <a:p>
+            <a:fld id="{E093F988-9A29-5E45-8D20-69A04853E7AD}" type="datetime11">
+              <a:rPr lang="zh-CN" altLang="en-US" smtClean="0"/>
+              <a:t>20:25:12</a:t>
+            </a:fld>
+            <a:endParaRPr lang="zh-CN" altLang="en-US"/>
+          </a:p>
+        </p:txBody>
+      </p:sp>
+    </p:spTree>
+    <p:extLst>
+      <p:ext uri="{BB962C8B-B14F-4D97-AF65-F5344CB8AC3E}">
+        <p14:creationId xmlns:p14="http://schemas.microsoft.com/office/powerpoint/2010/main" val="663918564"/>
+      </p:ext>
+    </p:extLst>
+  </p:cSld>
+  <p:clrMapOvr>
+    <a:masterClrMapping/>
+  </p:clrMapOvr>
+</p:sld>
+</file>
+
 <file path=ppt/slides/slide2.xml><?xml version="1.0" encoding="utf-8"?>
 <p:sld xmlns:a="http://schemas.openxmlformats.org/drawingml/2006/main" xmlns:r="http://schemas.openxmlformats.org/officeDocument/2006/relationships" xmlns:p="http://schemas.openxmlformats.org/presentationml/2006/main">
   <p:cSld>
@@ -4710,7 +6131,7 @@
           <a:p>
             <a:fld id="{6939E48F-AB3D-7D44-9ABE-6BACA1B72509}" type="datetime11">
               <a:rPr lang="zh-CN" altLang="en-US" smtClean="0"/>
-              <a:t>17:39:30</a:t>
+              <a:t>19:09:56</a:t>
             </a:fld>
             <a:endParaRPr lang="zh-CN" altLang="en-US"/>
           </a:p>
@@ -4720,6 +6141,424 @@
     <p:extLst>
       <p:ext uri="{BB962C8B-B14F-4D97-AF65-F5344CB8AC3E}">
         <p14:creationId xmlns:p14="http://schemas.microsoft.com/office/powerpoint/2010/main" val="275541758"/>
+      </p:ext>
+    </p:extLst>
+  </p:cSld>
+  <p:clrMapOvr>
+    <a:masterClrMapping/>
+  </p:clrMapOvr>
+  <p:timing>
+    <p:tnLst>
+      <p:par>
+        <p:cTn id="1" dur="indefinite" restart="never" nodeType="tmRoot"/>
+      </p:par>
+    </p:tnLst>
+  </p:timing>
+</p:sld>
+</file>
+
+<file path=ppt/slides/slide20.xml><?xml version="1.0" encoding="utf-8"?>
+<p:sld xmlns:a="http://schemas.openxmlformats.org/drawingml/2006/main" xmlns:r="http://schemas.openxmlformats.org/officeDocument/2006/relationships" xmlns:p="http://schemas.openxmlformats.org/presentationml/2006/main">
+  <p:cSld>
+    <p:spTree>
+      <p:nvGrpSpPr>
+        <p:cNvPr id="1" name=""/>
+        <p:cNvGrpSpPr/>
+        <p:nvPr/>
+      </p:nvGrpSpPr>
+      <p:grpSpPr>
+        <a:xfrm>
+          <a:off x="0" y="0"/>
+          <a:ext cx="0" cy="0"/>
+          <a:chOff x="0" y="0"/>
+          <a:chExt cx="0" cy="0"/>
+        </a:xfrm>
+      </p:grpSpPr>
+      <p:sp>
+        <p:nvSpPr>
+          <p:cNvPr id="5" name="标题 4"/>
+          <p:cNvSpPr>
+            <a:spLocks noGrp="1"/>
+          </p:cNvSpPr>
+          <p:nvPr>
+            <p:ph type="title"/>
+          </p:nvPr>
+        </p:nvSpPr>
+        <p:spPr/>
+        <p:txBody>
+          <a:bodyPr/>
+          <a:lstStyle/>
+          <a:p>
+            <a:r>
+              <a:rPr lang="en-US" altLang="zh-CN" dirty="0" smtClean="0"/>
+              <a:t>5. </a:t>
+            </a:r>
+            <a:r>
+              <a:rPr lang="zh-CN" altLang="en-US" dirty="0" smtClean="0"/>
+              <a:t>致谢</a:t>
+            </a:r>
+            <a:endParaRPr lang="zh-CN" altLang="en-US" dirty="0"/>
+          </a:p>
+        </p:txBody>
+      </p:sp>
+      <p:sp>
+        <p:nvSpPr>
+          <p:cNvPr id="6" name="内容占位符 5"/>
+          <p:cNvSpPr>
+            <a:spLocks noGrp="1"/>
+          </p:cNvSpPr>
+          <p:nvPr>
+            <p:ph idx="1"/>
+          </p:nvPr>
+        </p:nvSpPr>
+        <p:spPr>
+          <a:xfrm>
+            <a:off x="386626" y="1184425"/>
+            <a:ext cx="8343516" cy="5245569"/>
+          </a:xfrm>
+        </p:spPr>
+        <p:txBody>
+          <a:bodyPr>
+            <a:noAutofit/>
+          </a:bodyPr>
+          <a:lstStyle/>
+          <a:p>
+            <a:pPr marL="0" indent="0">
+              <a:lnSpc>
+                <a:spcPct val="100000"/>
+              </a:lnSpc>
+              <a:buNone/>
+            </a:pPr>
+            <a:r>
+              <a:rPr lang="zh-CN" altLang="en-US" sz="2100" dirty="0" smtClean="0">
+                <a:latin typeface="宋体" panose="02010600030101010101" pitchFamily="2" charset="-122"/>
+                <a:ea typeface="宋体" panose="02010600030101010101" pitchFamily="2" charset="-122"/>
+              </a:rPr>
+              <a:t>    感谢</a:t>
+            </a:r>
+            <a:r>
+              <a:rPr lang="zh-CN" altLang="en-US" sz="2100" dirty="0">
+                <a:latin typeface="宋体" panose="02010600030101010101" pitchFamily="2" charset="-122"/>
+                <a:ea typeface="宋体" panose="02010600030101010101" pitchFamily="2" charset="-122"/>
+              </a:rPr>
+              <a:t>司国东老师在本次毕业设计中给我的指导。他是我计算机专业基础课程的授课教师，我所掌握的计算机基础离不开老师认真、负责地传道授业解惑。在本文研究过程中，有许多关键的技术问题阻碍着我的进度，老师非常耐心地帮助我分析问题的根本原因与设计解决方案，让我能够突破重重障碍，实现我所设计的系统，完成毕业论文。</a:t>
+            </a:r>
+          </a:p>
+          <a:p>
+            <a:pPr marL="0" indent="0">
+              <a:lnSpc>
+                <a:spcPct val="100000"/>
+              </a:lnSpc>
+              <a:buNone/>
+            </a:pPr>
+            <a:r>
+              <a:rPr lang="zh-CN" altLang="en-US" sz="2100" dirty="0" smtClean="0">
+                <a:latin typeface="宋体" panose="02010600030101010101" pitchFamily="2" charset="-122"/>
+                <a:ea typeface="宋体" panose="02010600030101010101" pitchFamily="2" charset="-122"/>
+              </a:rPr>
+              <a:t>    感谢</a:t>
+            </a:r>
+            <a:r>
+              <a:rPr lang="zh-CN" altLang="en-US" sz="2100" dirty="0">
+                <a:latin typeface="宋体" panose="02010600030101010101" pitchFamily="2" charset="-122"/>
+                <a:ea typeface="宋体" panose="02010600030101010101" pitchFamily="2" charset="-122"/>
+              </a:rPr>
+              <a:t>在我本科四年期间所有为我授课的老师，我现在所拥有的基础知识与技术积累都离不开每位老师以诲人不倦的态度，在每一堂课上耐心的教导。</a:t>
+            </a:r>
+          </a:p>
+          <a:p>
+            <a:pPr marL="0" indent="0">
+              <a:lnSpc>
+                <a:spcPct val="100000"/>
+              </a:lnSpc>
+              <a:buNone/>
+            </a:pPr>
+            <a:r>
+              <a:rPr lang="zh-CN" altLang="en-US" sz="2100" dirty="0" smtClean="0">
+                <a:latin typeface="宋体" panose="02010600030101010101" pitchFamily="2" charset="-122"/>
+                <a:ea typeface="宋体" panose="02010600030101010101" pitchFamily="2" charset="-122"/>
+              </a:rPr>
+              <a:t>    感谢</a:t>
+            </a:r>
+            <a:r>
+              <a:rPr lang="zh-CN" altLang="en-US" sz="2100" dirty="0">
+                <a:latin typeface="宋体" panose="02010600030101010101" pitchFamily="2" charset="-122"/>
+                <a:ea typeface="宋体" panose="02010600030101010101" pitchFamily="2" charset="-122"/>
+              </a:rPr>
+              <a:t>我身边的同学们，在课堂上齐心协力完成课堂任务、课程设计，</a:t>
+            </a:r>
+            <a:r>
+              <a:rPr lang="zh-CN" altLang="en-US" sz="2100" dirty="0" smtClean="0">
+                <a:latin typeface="宋体" panose="02010600030101010101" pitchFamily="2" charset="-122"/>
+                <a:ea typeface="宋体" panose="02010600030101010101" pitchFamily="2" charset="-122"/>
+              </a:rPr>
+              <a:t>在日常生活</a:t>
+            </a:r>
+            <a:r>
+              <a:rPr lang="zh-CN" altLang="en-US" sz="2100" dirty="0">
+                <a:latin typeface="宋体" panose="02010600030101010101" pitchFamily="2" charset="-122"/>
+                <a:ea typeface="宋体" panose="02010600030101010101" pitchFamily="2" charset="-122"/>
+              </a:rPr>
+              <a:t>中进行技术交流，在遇到难题时大家互相帮助。</a:t>
+            </a:r>
+          </a:p>
+          <a:p>
+            <a:pPr marL="0" indent="0">
+              <a:lnSpc>
+                <a:spcPct val="100000"/>
+              </a:lnSpc>
+              <a:buNone/>
+            </a:pPr>
+            <a:r>
+              <a:rPr lang="zh-CN" altLang="en-US" sz="2100" dirty="0" smtClean="0">
+                <a:latin typeface="宋体" panose="02010600030101010101" pitchFamily="2" charset="-122"/>
+                <a:ea typeface="宋体" panose="02010600030101010101" pitchFamily="2" charset="-122"/>
+              </a:rPr>
+              <a:t>    感谢</a:t>
+            </a:r>
+            <a:r>
+              <a:rPr lang="zh-CN" altLang="en-US" sz="2100" dirty="0">
+                <a:latin typeface="宋体" panose="02010600030101010101" pitchFamily="2" charset="-122"/>
+                <a:ea typeface="宋体" panose="02010600030101010101" pitchFamily="2" charset="-122"/>
+              </a:rPr>
+              <a:t>父母多年的养育之恩、对我攻读计算机专业的全力支持。他们在我学习生涯提供了很多物质与精神上的帮助，为我创造了完美的学习条件。</a:t>
+            </a:r>
+          </a:p>
+          <a:p>
+            <a:pPr marL="0" indent="0">
+              <a:lnSpc>
+                <a:spcPct val="100000"/>
+              </a:lnSpc>
+              <a:buNone/>
+            </a:pPr>
+            <a:r>
+              <a:rPr lang="zh-CN" altLang="en-US" sz="2100" dirty="0" smtClean="0">
+                <a:latin typeface="宋体" panose="02010600030101010101" pitchFamily="2" charset="-122"/>
+                <a:ea typeface="宋体" panose="02010600030101010101" pitchFamily="2" charset="-122"/>
+              </a:rPr>
+              <a:t>    感谢</a:t>
+            </a:r>
+            <a:r>
+              <a:rPr lang="zh-CN" altLang="en-US" sz="2100" dirty="0">
+                <a:latin typeface="宋体" panose="02010600030101010101" pitchFamily="2" charset="-122"/>
+                <a:ea typeface="宋体" panose="02010600030101010101" pitchFamily="2" charset="-122"/>
+              </a:rPr>
+              <a:t>所有帮助我的人</a:t>
+            </a:r>
+            <a:r>
+              <a:rPr lang="zh-CN" altLang="en-US" sz="2100" dirty="0" smtClean="0">
+                <a:latin typeface="宋体" panose="02010600030101010101" pitchFamily="2" charset="-122"/>
+                <a:ea typeface="宋体" panose="02010600030101010101" pitchFamily="2" charset="-122"/>
+              </a:rPr>
+              <a:t>。大家</a:t>
+            </a:r>
+            <a:r>
+              <a:rPr lang="zh-CN" altLang="en-US" sz="2100" dirty="0">
+                <a:latin typeface="宋体" panose="02010600030101010101" pitchFamily="2" charset="-122"/>
+                <a:ea typeface="宋体" panose="02010600030101010101" pitchFamily="2" charset="-122"/>
+              </a:rPr>
+              <a:t>的恩情，本人铭记于心。</a:t>
+            </a:r>
+          </a:p>
+          <a:p>
+            <a:pPr marL="0" indent="0">
+              <a:lnSpc>
+                <a:spcPct val="100000"/>
+              </a:lnSpc>
+              <a:buNone/>
+            </a:pPr>
+            <a:endParaRPr lang="zh-CN" altLang="en-US" sz="2100" dirty="0">
+              <a:latin typeface="宋体" panose="02010600030101010101" pitchFamily="2" charset="-122"/>
+              <a:ea typeface="宋体" panose="02010600030101010101" pitchFamily="2" charset="-122"/>
+            </a:endParaRPr>
+          </a:p>
+        </p:txBody>
+      </p:sp>
+      <p:sp>
+        <p:nvSpPr>
+          <p:cNvPr id="4" name="日期占位符 3"/>
+          <p:cNvSpPr>
+            <a:spLocks noGrp="1"/>
+          </p:cNvSpPr>
+          <p:nvPr>
+            <p:ph type="dt" sz="half" idx="10"/>
+          </p:nvPr>
+        </p:nvSpPr>
+        <p:spPr/>
+        <p:txBody>
+          <a:bodyPr/>
+          <a:lstStyle/>
+          <a:p>
+            <a:fld id="{6173DDBA-B680-6A4A-8D1D-1A27589B5E95}" type="datetime11">
+              <a:rPr lang="zh-CN" altLang="en-US" smtClean="0"/>
+              <a:t>20:33:53</a:t>
+            </a:fld>
+            <a:endParaRPr lang="zh-CN" altLang="en-US" dirty="0"/>
+          </a:p>
+        </p:txBody>
+      </p:sp>
+    </p:spTree>
+    <p:extLst>
+      <p:ext uri="{BB962C8B-B14F-4D97-AF65-F5344CB8AC3E}">
+        <p14:creationId xmlns:p14="http://schemas.microsoft.com/office/powerpoint/2010/main" val="30100279"/>
+      </p:ext>
+    </p:extLst>
+  </p:cSld>
+  <p:clrMapOvr>
+    <a:masterClrMapping/>
+  </p:clrMapOvr>
+</p:sld>
+</file>
+
+<file path=ppt/slides/slide21.xml><?xml version="1.0" encoding="utf-8"?>
+<p:sld xmlns:a="http://schemas.openxmlformats.org/drawingml/2006/main" xmlns:r="http://schemas.openxmlformats.org/officeDocument/2006/relationships" xmlns:p="http://schemas.openxmlformats.org/presentationml/2006/main">
+  <p:cSld>
+    <p:spTree>
+      <p:nvGrpSpPr>
+        <p:cNvPr id="1" name=""/>
+        <p:cNvGrpSpPr/>
+        <p:nvPr/>
+      </p:nvGrpSpPr>
+      <p:grpSpPr>
+        <a:xfrm>
+          <a:off x="0" y="0"/>
+          <a:ext cx="0" cy="0"/>
+          <a:chOff x="0" y="0"/>
+          <a:chExt cx="0" cy="0"/>
+        </a:xfrm>
+      </p:grpSpPr>
+      <p:sp>
+        <p:nvSpPr>
+          <p:cNvPr id="3" name="内容占位符 2"/>
+          <p:cNvSpPr>
+            <a:spLocks noGrp="1"/>
+          </p:cNvSpPr>
+          <p:nvPr>
+            <p:ph idx="1"/>
+          </p:nvPr>
+        </p:nvSpPr>
+        <p:spPr>
+          <a:xfrm>
+            <a:off x="628650" y="1589460"/>
+            <a:ext cx="7886700" cy="4587503"/>
+          </a:xfrm>
+        </p:spPr>
+        <p:txBody>
+          <a:bodyPr>
+            <a:normAutofit/>
+          </a:bodyPr>
+          <a:lstStyle/>
+          <a:p>
+            <a:pPr marL="0" indent="0" algn="ctr">
+              <a:buNone/>
+            </a:pPr>
+            <a:r>
+              <a:rPr lang="zh-CN" altLang="en-US" sz="4000" dirty="0" smtClean="0"/>
+              <a:t>感谢评委老师</a:t>
+            </a:r>
+            <a:r>
+              <a:rPr lang="zh-CN" altLang="en-US" sz="4000" dirty="0" smtClean="0"/>
+              <a:t>聆听本次汇报</a:t>
+            </a:r>
+            <a:r>
+              <a:rPr lang="zh-CN" altLang="en-US" sz="4000" dirty="0" smtClean="0"/>
+              <a:t>！</a:t>
+            </a:r>
+            <a:endParaRPr lang="en-US" altLang="zh-CN" sz="4000" dirty="0" smtClean="0"/>
+          </a:p>
+          <a:p>
+            <a:pPr marL="0" indent="0" algn="ctr">
+              <a:buNone/>
+            </a:pPr>
+            <a:r>
+              <a:rPr lang="zh-CN" altLang="en-US" sz="4000" dirty="0" smtClean="0"/>
+              <a:t>敬请各位老师批评指正！</a:t>
+            </a:r>
+            <a:endParaRPr lang="en-US" altLang="zh-CN" sz="4000" dirty="0" smtClean="0"/>
+          </a:p>
+          <a:p>
+            <a:pPr marL="0" indent="0" algn="ctr">
+              <a:buNone/>
+            </a:pPr>
+            <a:endParaRPr lang="en-US" altLang="zh-CN" sz="4000" dirty="0" smtClean="0"/>
+          </a:p>
+          <a:p>
+            <a:pPr marL="0" indent="0" algn="ctr">
+              <a:buNone/>
+            </a:pPr>
+            <a:r>
+              <a:rPr lang="zh-CN" altLang="en-US" sz="4000" dirty="0" smtClean="0"/>
+              <a:t>请</a:t>
+            </a:r>
+            <a:r>
+              <a:rPr lang="zh-CN" altLang="en-US" sz="4000" dirty="0"/>
+              <a:t>您提问</a:t>
+            </a:r>
+            <a:endParaRPr lang="en-US" altLang="zh-CN" sz="4000" dirty="0" smtClean="0"/>
+          </a:p>
+          <a:p>
+            <a:pPr marL="0" indent="0">
+              <a:buNone/>
+            </a:pPr>
+            <a:endParaRPr lang="zh-CN" altLang="en-US" sz="4000" dirty="0"/>
+          </a:p>
+        </p:txBody>
+      </p:sp>
+      <p:sp>
+        <p:nvSpPr>
+          <p:cNvPr id="4" name="日期占位符 3"/>
+          <p:cNvSpPr>
+            <a:spLocks noGrp="1"/>
+          </p:cNvSpPr>
+          <p:nvPr>
+            <p:ph type="dt" sz="half" idx="10"/>
+          </p:nvPr>
+        </p:nvSpPr>
+        <p:spPr/>
+        <p:txBody>
+          <a:bodyPr/>
+          <a:lstStyle/>
+          <a:p>
+            <a:fld id="{E093F988-9A29-5E45-8D20-69A04853E7AD}" type="datetime11">
+              <a:rPr lang="zh-CN" altLang="en-US" smtClean="0"/>
+              <a:t>20:25:39</a:t>
+            </a:fld>
+            <a:endParaRPr lang="zh-CN" altLang="en-US"/>
+          </a:p>
+        </p:txBody>
+      </p:sp>
+      <p:sp>
+        <p:nvSpPr>
+          <p:cNvPr id="5" name="标题 4"/>
+          <p:cNvSpPr>
+            <a:spLocks noGrp="1"/>
+          </p:cNvSpPr>
+          <p:nvPr>
+            <p:ph type="title"/>
+          </p:nvPr>
+        </p:nvSpPr>
+        <p:spPr>
+          <a:xfrm>
+            <a:off x="0" y="0"/>
+            <a:ext cx="6019196" cy="1030837"/>
+          </a:xfrm>
+        </p:spPr>
+        <p:txBody>
+          <a:bodyPr/>
+          <a:lstStyle/>
+          <a:p>
+            <a:r>
+              <a:rPr lang="zh-CN" altLang="en-US" dirty="0" smtClean="0"/>
+              <a:t>汇报完毕</a:t>
+            </a:r>
+            <a:endParaRPr lang="zh-CN" altLang="en-US" dirty="0"/>
+          </a:p>
+        </p:txBody>
+      </p:sp>
+    </p:spTree>
+    <p:extLst>
+      <p:ext uri="{BB962C8B-B14F-4D97-AF65-F5344CB8AC3E}">
+        <p14:creationId xmlns:p14="http://schemas.microsoft.com/office/powerpoint/2010/main" val="2594474440"/>
       </p:ext>
     </p:extLst>
   </p:cSld>
@@ -4755,6 +6594,111 @@
       </p:grpSpPr>
       <p:sp>
         <p:nvSpPr>
+          <p:cNvPr id="5" name="标题 4"/>
+          <p:cNvSpPr>
+            <a:spLocks noGrp="1"/>
+          </p:cNvSpPr>
+          <p:nvPr>
+            <p:ph type="title"/>
+          </p:nvPr>
+        </p:nvSpPr>
+        <p:spPr>
+          <a:xfrm>
+            <a:off x="623888" y="1169691"/>
+            <a:ext cx="7886700" cy="2852737"/>
+          </a:xfrm>
+        </p:spPr>
+        <p:txBody>
+          <a:bodyPr/>
+          <a:lstStyle/>
+          <a:p>
+            <a:pPr algn="ctr"/>
+            <a:r>
+              <a:rPr lang="en-US" altLang="zh-CN" b="1" dirty="0" smtClean="0"/>
+              <a:t>1. </a:t>
+            </a:r>
+            <a:r>
+              <a:rPr lang="zh-CN" altLang="en-US" b="1" dirty="0" smtClean="0"/>
+              <a:t>研究背景与意义</a:t>
+            </a:r>
+            <a:endParaRPr lang="zh-CN" altLang="en-US" b="1" dirty="0"/>
+          </a:p>
+        </p:txBody>
+      </p:sp>
+      <p:sp>
+        <p:nvSpPr>
+          <p:cNvPr id="6" name="文本占位符 5"/>
+          <p:cNvSpPr>
+            <a:spLocks noGrp="1"/>
+          </p:cNvSpPr>
+          <p:nvPr>
+            <p:ph type="body" idx="1"/>
+          </p:nvPr>
+        </p:nvSpPr>
+        <p:spPr/>
+        <p:txBody>
+          <a:bodyPr/>
+          <a:lstStyle/>
+          <a:p>
+            <a:endParaRPr lang="zh-CN" altLang="en-US"/>
+          </a:p>
+        </p:txBody>
+      </p:sp>
+      <p:sp>
+        <p:nvSpPr>
+          <p:cNvPr id="4" name="日期占位符 3"/>
+          <p:cNvSpPr>
+            <a:spLocks noGrp="1"/>
+          </p:cNvSpPr>
+          <p:nvPr>
+            <p:ph type="dt" sz="half" idx="10"/>
+          </p:nvPr>
+        </p:nvSpPr>
+        <p:spPr/>
+        <p:txBody>
+          <a:bodyPr/>
+          <a:lstStyle/>
+          <a:p>
+            <a:fld id="{E093F988-9A29-5E45-8D20-69A04853E7AD}" type="datetime11">
+              <a:rPr lang="zh-CN" altLang="en-US" smtClean="0"/>
+              <a:t>20:23:02</a:t>
+            </a:fld>
+            <a:endParaRPr lang="zh-CN" altLang="en-US"/>
+          </a:p>
+        </p:txBody>
+      </p:sp>
+    </p:spTree>
+    <p:extLst>
+      <p:ext uri="{BB962C8B-B14F-4D97-AF65-F5344CB8AC3E}">
+        <p14:creationId xmlns:p14="http://schemas.microsoft.com/office/powerpoint/2010/main" val="228193178"/>
+      </p:ext>
+    </p:extLst>
+  </p:cSld>
+  <p:clrMapOvr>
+    <a:masterClrMapping/>
+  </p:clrMapOvr>
+</p:sld>
+</file>
+
+<file path=ppt/slides/slide4.xml><?xml version="1.0" encoding="utf-8"?>
+<p:sld xmlns:a="http://schemas.openxmlformats.org/drawingml/2006/main" xmlns:r="http://schemas.openxmlformats.org/officeDocument/2006/relationships" xmlns:p="http://schemas.openxmlformats.org/presentationml/2006/main">
+  <p:cSld>
+    <p:spTree>
+      <p:nvGrpSpPr>
+        <p:cNvPr id="1" name=""/>
+        <p:cNvGrpSpPr/>
+        <p:nvPr/>
+      </p:nvGrpSpPr>
+      <p:grpSpPr>
+        <a:xfrm>
+          <a:off x="0" y="0"/>
+          <a:ext cx="0" cy="0"/>
+          <a:chOff x="0" y="0"/>
+          <a:chExt cx="0" cy="0"/>
+        </a:xfrm>
+      </p:grpSpPr>
+      <p:sp>
+        <p:nvSpPr>
           <p:cNvPr id="2" name="标题 1"/>
           <p:cNvSpPr>
             <a:spLocks noGrp="1"/>
@@ -4921,8 +6865,12 @@
               </a:lnSpc>
             </a:pPr>
             <a:r>
+              <a:rPr lang="zh-CN" altLang="en-US" dirty="0" smtClean="0"/>
+              <a:t>将理论学习资源与实践结合，有助于</a:t>
+            </a:r>
+            <a:r>
               <a:rPr lang="zh-CN" altLang="en-US" dirty="0"/>
-              <a:t>有助于提高用户学习（计算机专业知识）效率</a:t>
+              <a:t>提高用户学习（计算机专业知识）效率</a:t>
             </a:r>
             <a:endParaRPr lang="en-US" altLang="zh-CN" dirty="0"/>
           </a:p>
@@ -5170,7 +7118,7 @@
           <a:p>
             <a:fld id="{B42AC176-3ED8-6048-A23F-3E0886988747}" type="datetime11">
               <a:rPr lang="zh-CN" altLang="en-US" smtClean="0"/>
-              <a:t>17:39:30</a:t>
+              <a:t>19:09:56</a:t>
             </a:fld>
             <a:endParaRPr lang="zh-CN" altLang="en-US"/>
           </a:p>
@@ -5180,265 +7128,6 @@
     <p:extLst>
       <p:ext uri="{BB962C8B-B14F-4D97-AF65-F5344CB8AC3E}">
         <p14:creationId xmlns:p14="http://schemas.microsoft.com/office/powerpoint/2010/main" val="1820401632"/>
-      </p:ext>
-    </p:extLst>
-  </p:cSld>
-  <p:clrMapOvr>
-    <a:masterClrMapping/>
-  </p:clrMapOvr>
-  <p:timing>
-    <p:tnLst>
-      <p:par>
-        <p:cTn id="1" dur="indefinite" restart="never" nodeType="tmRoot"/>
-      </p:par>
-    </p:tnLst>
-  </p:timing>
-</p:sld>
-</file>
-
-<file path=ppt/slides/slide4.xml><?xml version="1.0" encoding="utf-8"?>
-<p:sld xmlns:a="http://schemas.openxmlformats.org/drawingml/2006/main" xmlns:r="http://schemas.openxmlformats.org/officeDocument/2006/relationships" xmlns:p="http://schemas.openxmlformats.org/presentationml/2006/main">
-  <p:cSld>
-    <p:spTree>
-      <p:nvGrpSpPr>
-        <p:cNvPr id="1" name=""/>
-        <p:cNvGrpSpPr/>
-        <p:nvPr/>
-      </p:nvGrpSpPr>
-      <p:grpSpPr>
-        <a:xfrm>
-          <a:off x="0" y="0"/>
-          <a:ext cx="0" cy="0"/>
-          <a:chOff x="0" y="0"/>
-          <a:chExt cx="0" cy="0"/>
-        </a:xfrm>
-      </p:grpSpPr>
-      <p:sp>
-        <p:nvSpPr>
-          <p:cNvPr id="2" name="标题 1"/>
-          <p:cNvSpPr>
-            <a:spLocks noGrp="1"/>
-          </p:cNvSpPr>
-          <p:nvPr>
-            <p:ph type="title"/>
-          </p:nvPr>
-        </p:nvSpPr>
-        <p:spPr>
-          <a:xfrm>
-            <a:off x="0" y="0"/>
-            <a:ext cx="6400800" cy="1028699"/>
-          </a:xfrm>
-        </p:spPr>
-        <p:txBody>
-          <a:bodyPr/>
-          <a:lstStyle/>
-          <a:p>
-            <a:r>
-              <a:rPr kumimoji="1" lang="en-US" altLang="zh-CN" dirty="0" smtClean="0"/>
-              <a:t>2. </a:t>
-            </a:r>
-            <a:r>
-              <a:rPr kumimoji="1" lang="zh-CN" altLang="en-US" dirty="0" smtClean="0"/>
-              <a:t>系统功能</a:t>
-            </a:r>
-            <a:endParaRPr kumimoji="1" lang="zh-CN" altLang="en-US" dirty="0"/>
-          </a:p>
-        </p:txBody>
-      </p:sp>
-      <p:sp>
-        <p:nvSpPr>
-          <p:cNvPr id="3" name="内容占位符 2"/>
-          <p:cNvSpPr>
-            <a:spLocks noGrp="1"/>
-          </p:cNvSpPr>
-          <p:nvPr>
-            <p:ph idx="1"/>
-          </p:nvPr>
-        </p:nvSpPr>
-        <p:spPr>
-          <a:xfrm>
-            <a:off x="628650" y="1194363"/>
-            <a:ext cx="7886700" cy="5252735"/>
-          </a:xfrm>
-        </p:spPr>
-        <p:txBody>
-          <a:bodyPr>
-            <a:normAutofit/>
-          </a:bodyPr>
-          <a:lstStyle/>
-          <a:p>
-            <a:pPr marL="0" indent="0">
-              <a:lnSpc>
-                <a:spcPct val="100000"/>
-              </a:lnSpc>
-              <a:buNone/>
-            </a:pPr>
-            <a:r>
-              <a:rPr kumimoji="1" lang="zh-CN" altLang="en-US" sz="3600" b="1" dirty="0" smtClean="0"/>
-              <a:t>学习资源检索</a:t>
-            </a:r>
-            <a:endParaRPr kumimoji="1" lang="en-US" altLang="zh-CN" sz="2400" b="1" dirty="0" smtClean="0"/>
-          </a:p>
-          <a:p>
-            <a:pPr>
-              <a:lnSpc>
-                <a:spcPct val="100000"/>
-              </a:lnSpc>
-            </a:pPr>
-            <a:r>
-              <a:rPr kumimoji="1" lang="zh-CN" altLang="en-US" sz="1800" dirty="0" smtClean="0"/>
-              <a:t>搜索引擎</a:t>
-            </a:r>
-            <a:endParaRPr kumimoji="1" lang="en-US" altLang="zh-CN" sz="1800" dirty="0" smtClean="0"/>
-          </a:p>
-          <a:p>
-            <a:pPr>
-              <a:lnSpc>
-                <a:spcPct val="100000"/>
-              </a:lnSpc>
-            </a:pPr>
-            <a:r>
-              <a:rPr kumimoji="1" lang="zh-CN" altLang="en-US" sz="1800" dirty="0" smtClean="0"/>
-              <a:t>爬虫集群</a:t>
-            </a:r>
-            <a:endParaRPr kumimoji="1" lang="en-US" altLang="zh-CN" sz="1800" dirty="0" smtClean="0"/>
-          </a:p>
-          <a:p>
-            <a:pPr>
-              <a:lnSpc>
-                <a:spcPct val="100000"/>
-              </a:lnSpc>
-            </a:pPr>
-            <a:r>
-              <a:rPr kumimoji="1" lang="zh-CN" altLang="en-US" sz="1800" dirty="0"/>
-              <a:t>站</a:t>
-            </a:r>
-            <a:r>
-              <a:rPr kumimoji="1" lang="zh-CN" altLang="en-US" sz="1800" dirty="0" smtClean="0"/>
-              <a:t>内学习资源等基本增删改查</a:t>
-            </a:r>
-            <a:endParaRPr kumimoji="1" lang="en-US" altLang="zh-CN" sz="1800" dirty="0" smtClean="0"/>
-          </a:p>
-          <a:p>
-            <a:pPr marL="0" indent="0">
-              <a:lnSpc>
-                <a:spcPct val="100000"/>
-              </a:lnSpc>
-              <a:buNone/>
-            </a:pPr>
-            <a:r>
-              <a:rPr kumimoji="1" lang="zh-CN" altLang="en-US" sz="3600" b="1" dirty="0" smtClean="0"/>
-              <a:t>在线编程</a:t>
-            </a:r>
-            <a:endParaRPr kumimoji="1" lang="en-US" altLang="zh-CN" sz="3600" b="1" dirty="0" smtClean="0"/>
-          </a:p>
-          <a:p>
-            <a:pPr>
-              <a:lnSpc>
-                <a:spcPct val="100000"/>
-              </a:lnSpc>
-            </a:pPr>
-            <a:r>
-              <a:rPr kumimoji="1" lang="zh-CN" altLang="en-US" sz="1800" dirty="0" smtClean="0"/>
-              <a:t>代码评判器</a:t>
-            </a:r>
-            <a:endParaRPr kumimoji="1" lang="en-US" altLang="zh-CN" sz="1800" dirty="0" smtClean="0"/>
-          </a:p>
-          <a:p>
-            <a:pPr>
-              <a:lnSpc>
-                <a:spcPct val="100000"/>
-              </a:lnSpc>
-            </a:pPr>
-            <a:r>
-              <a:rPr kumimoji="1" lang="en-US" altLang="zh-CN" sz="1800" dirty="0"/>
-              <a:t>Web</a:t>
-            </a:r>
-            <a:r>
-              <a:rPr kumimoji="1" lang="zh-CN" altLang="en-US" sz="1800" dirty="0"/>
-              <a:t>嵌入代码编辑器</a:t>
-            </a:r>
-            <a:endParaRPr kumimoji="1" lang="en-US" altLang="zh-CN" sz="1800" dirty="0"/>
-          </a:p>
-          <a:p>
-            <a:pPr>
-              <a:lnSpc>
-                <a:spcPct val="100000"/>
-              </a:lnSpc>
-            </a:pPr>
-            <a:r>
-              <a:rPr kumimoji="1" lang="zh-CN" altLang="en-US" sz="1800" dirty="0" smtClean="0"/>
-              <a:t>编程题目、测试用例等基本增删改查</a:t>
-            </a:r>
-            <a:endParaRPr kumimoji="1" lang="en-US" altLang="zh-CN" sz="1800" dirty="0"/>
-          </a:p>
-          <a:p>
-            <a:pPr marL="0" indent="0">
-              <a:lnSpc>
-                <a:spcPct val="100000"/>
-              </a:lnSpc>
-              <a:buNone/>
-            </a:pPr>
-            <a:r>
-              <a:rPr kumimoji="1" lang="zh-CN" altLang="en-US" sz="2400" dirty="0" smtClean="0"/>
-              <a:t>其他</a:t>
-            </a:r>
-            <a:endParaRPr kumimoji="1" lang="en-US" altLang="zh-CN" dirty="0" smtClean="0"/>
-          </a:p>
-          <a:p>
-            <a:pPr>
-              <a:lnSpc>
-                <a:spcPct val="100000"/>
-              </a:lnSpc>
-            </a:pPr>
-            <a:r>
-              <a:rPr kumimoji="1" lang="en-US" altLang="zh-CN" sz="1800" dirty="0" smtClean="0"/>
-              <a:t>RBAC</a:t>
-            </a:r>
-            <a:r>
-              <a:rPr kumimoji="1" lang="zh-CN" altLang="en-US" sz="1800" dirty="0" smtClean="0"/>
-              <a:t>（基于角色的用户管理）与相关增删改查</a:t>
-            </a:r>
-            <a:endParaRPr kumimoji="1" lang="en-US" altLang="zh-CN" sz="1800" dirty="0" smtClean="0"/>
-          </a:p>
-          <a:p>
-            <a:pPr marL="0" indent="0">
-              <a:lnSpc>
-                <a:spcPct val="100000"/>
-              </a:lnSpc>
-              <a:buNone/>
-            </a:pPr>
-            <a:endParaRPr kumimoji="1" lang="en-US" altLang="zh-CN" sz="2400" dirty="0" smtClean="0"/>
-          </a:p>
-        </p:txBody>
-      </p:sp>
-      <p:sp>
-        <p:nvSpPr>
-          <p:cNvPr id="4" name="日期占位符 3"/>
-          <p:cNvSpPr>
-            <a:spLocks noGrp="1"/>
-          </p:cNvSpPr>
-          <p:nvPr>
-            <p:ph type="dt" sz="half" idx="10"/>
-          </p:nvPr>
-        </p:nvSpPr>
-        <p:spPr/>
-        <p:txBody>
-          <a:bodyPr/>
-          <a:lstStyle/>
-          <a:p>
-            <a:fld id="{7551E2BA-704B-C04E-9043-650619DBAE49}" type="datetime11">
-              <a:rPr lang="zh-CN" altLang="en-US" smtClean="0"/>
-              <a:t>17:39:30</a:t>
-            </a:fld>
-            <a:endParaRPr lang="zh-CN" altLang="en-US"/>
-          </a:p>
-        </p:txBody>
-      </p:sp>
-    </p:spTree>
-    <p:extLst>
-      <p:ext uri="{BB962C8B-B14F-4D97-AF65-F5344CB8AC3E}">
-        <p14:creationId xmlns:p14="http://schemas.microsoft.com/office/powerpoint/2010/main" val="1507621337"/>
       </p:ext>
     </p:extLst>
   </p:cSld>
@@ -5474,6 +7163,405 @@
       </p:grpSpPr>
       <p:sp>
         <p:nvSpPr>
+          <p:cNvPr id="5" name="标题 4"/>
+          <p:cNvSpPr>
+            <a:spLocks noGrp="1"/>
+          </p:cNvSpPr>
+          <p:nvPr>
+            <p:ph type="title"/>
+          </p:nvPr>
+        </p:nvSpPr>
+        <p:spPr>
+          <a:xfrm>
+            <a:off x="623888" y="1083774"/>
+            <a:ext cx="7886700" cy="2852737"/>
+          </a:xfrm>
+        </p:spPr>
+        <p:txBody>
+          <a:bodyPr/>
+          <a:lstStyle/>
+          <a:p>
+            <a:pPr algn="ctr"/>
+            <a:r>
+              <a:rPr lang="en-US" altLang="zh-CN" b="1" dirty="0" smtClean="0"/>
+              <a:t>2. </a:t>
+            </a:r>
+            <a:r>
+              <a:rPr lang="zh-CN" altLang="en-US" b="1" dirty="0" smtClean="0"/>
+              <a:t>系统功能</a:t>
+            </a:r>
+            <a:endParaRPr lang="zh-CN" altLang="en-US" b="1" dirty="0"/>
+          </a:p>
+        </p:txBody>
+      </p:sp>
+      <p:sp>
+        <p:nvSpPr>
+          <p:cNvPr id="6" name="文本占位符 5"/>
+          <p:cNvSpPr>
+            <a:spLocks noGrp="1"/>
+          </p:cNvSpPr>
+          <p:nvPr>
+            <p:ph type="body" idx="1"/>
+          </p:nvPr>
+        </p:nvSpPr>
+        <p:spPr/>
+        <p:txBody>
+          <a:bodyPr/>
+          <a:lstStyle/>
+          <a:p>
+            <a:endParaRPr lang="zh-CN" altLang="en-US"/>
+          </a:p>
+        </p:txBody>
+      </p:sp>
+      <p:sp>
+        <p:nvSpPr>
+          <p:cNvPr id="4" name="日期占位符 3"/>
+          <p:cNvSpPr>
+            <a:spLocks noGrp="1"/>
+          </p:cNvSpPr>
+          <p:nvPr>
+            <p:ph type="dt" sz="half" idx="10"/>
+          </p:nvPr>
+        </p:nvSpPr>
+        <p:spPr/>
+        <p:txBody>
+          <a:bodyPr/>
+          <a:lstStyle/>
+          <a:p>
+            <a:fld id="{E093F988-9A29-5E45-8D20-69A04853E7AD}" type="datetime11">
+              <a:rPr lang="zh-CN" altLang="en-US" smtClean="0"/>
+              <a:t>20:22:27</a:t>
+            </a:fld>
+            <a:endParaRPr lang="zh-CN" altLang="en-US"/>
+          </a:p>
+        </p:txBody>
+      </p:sp>
+    </p:spTree>
+    <p:extLst>
+      <p:ext uri="{BB962C8B-B14F-4D97-AF65-F5344CB8AC3E}">
+        <p14:creationId xmlns:p14="http://schemas.microsoft.com/office/powerpoint/2010/main" val="1608401536"/>
+      </p:ext>
+    </p:extLst>
+  </p:cSld>
+  <p:clrMapOvr>
+    <a:masterClrMapping/>
+  </p:clrMapOvr>
+</p:sld>
+</file>
+
+<file path=ppt/slides/slide6.xml><?xml version="1.0" encoding="utf-8"?>
+<p:sld xmlns:a="http://schemas.openxmlformats.org/drawingml/2006/main" xmlns:r="http://schemas.openxmlformats.org/officeDocument/2006/relationships" xmlns:p="http://schemas.openxmlformats.org/presentationml/2006/main">
+  <p:cSld>
+    <p:spTree>
+      <p:nvGrpSpPr>
+        <p:cNvPr id="1" name=""/>
+        <p:cNvGrpSpPr/>
+        <p:nvPr/>
+      </p:nvGrpSpPr>
+      <p:grpSpPr>
+        <a:xfrm>
+          <a:off x="0" y="0"/>
+          <a:ext cx="0" cy="0"/>
+          <a:chOff x="0" y="0"/>
+          <a:chExt cx="0" cy="0"/>
+        </a:xfrm>
+      </p:grpSpPr>
+      <p:sp>
+        <p:nvSpPr>
+          <p:cNvPr id="2" name="标题 1"/>
+          <p:cNvSpPr>
+            <a:spLocks noGrp="1"/>
+          </p:cNvSpPr>
+          <p:nvPr>
+            <p:ph type="title"/>
+          </p:nvPr>
+        </p:nvSpPr>
+        <p:spPr>
+          <a:xfrm>
+            <a:off x="0" y="0"/>
+            <a:ext cx="6400800" cy="1028699"/>
+          </a:xfrm>
+        </p:spPr>
+        <p:txBody>
+          <a:bodyPr/>
+          <a:lstStyle/>
+          <a:p>
+            <a:r>
+              <a:rPr kumimoji="1" lang="en-US" altLang="zh-CN" dirty="0" smtClean="0"/>
+              <a:t>2. </a:t>
+            </a:r>
+            <a:r>
+              <a:rPr kumimoji="1" lang="zh-CN" altLang="en-US" dirty="0" smtClean="0"/>
+              <a:t>系统功能</a:t>
+            </a:r>
+            <a:endParaRPr kumimoji="1" lang="zh-CN" altLang="en-US" dirty="0"/>
+          </a:p>
+        </p:txBody>
+      </p:sp>
+      <p:sp>
+        <p:nvSpPr>
+          <p:cNvPr id="3" name="内容占位符 2"/>
+          <p:cNvSpPr>
+            <a:spLocks noGrp="1"/>
+          </p:cNvSpPr>
+          <p:nvPr>
+            <p:ph idx="1"/>
+          </p:nvPr>
+        </p:nvSpPr>
+        <p:spPr>
+          <a:xfrm>
+            <a:off x="628650" y="1103616"/>
+            <a:ext cx="7886700" cy="5252735"/>
+          </a:xfrm>
+        </p:spPr>
+        <p:txBody>
+          <a:bodyPr>
+            <a:noAutofit/>
+          </a:bodyPr>
+          <a:lstStyle/>
+          <a:p>
+            <a:pPr marL="0" indent="0">
+              <a:lnSpc>
+                <a:spcPct val="100000"/>
+              </a:lnSpc>
+              <a:buNone/>
+            </a:pPr>
+            <a:r>
+              <a:rPr kumimoji="1" lang="zh-CN" altLang="en-US" sz="3600" b="1" dirty="0" smtClean="0"/>
+              <a:t>学习资源检索</a:t>
+            </a:r>
+            <a:endParaRPr kumimoji="1" lang="en-US" altLang="zh-CN" sz="2400" b="1" dirty="0" smtClean="0"/>
+          </a:p>
+          <a:p>
+            <a:pPr>
+              <a:lnSpc>
+                <a:spcPct val="100000"/>
+              </a:lnSpc>
+            </a:pPr>
+            <a:r>
+              <a:rPr kumimoji="1" lang="zh-CN" altLang="en-US" sz="2400" b="1" dirty="0" smtClean="0"/>
+              <a:t>爬虫</a:t>
+            </a:r>
+            <a:endParaRPr kumimoji="1" lang="en-US" altLang="zh-CN" sz="2400" b="1" dirty="0" smtClean="0"/>
+          </a:p>
+          <a:p>
+            <a:pPr>
+              <a:lnSpc>
+                <a:spcPct val="100000"/>
+              </a:lnSpc>
+            </a:pPr>
+            <a:r>
+              <a:rPr kumimoji="1" lang="zh-CN" altLang="en-US" sz="2400" b="1" dirty="0"/>
+              <a:t>搜索引擎</a:t>
+            </a:r>
+            <a:endParaRPr kumimoji="1" lang="en-US" altLang="zh-CN" sz="2400" b="1" dirty="0"/>
+          </a:p>
+          <a:p>
+            <a:pPr>
+              <a:lnSpc>
+                <a:spcPct val="100000"/>
+              </a:lnSpc>
+            </a:pPr>
+            <a:r>
+              <a:rPr kumimoji="1" lang="zh-CN" altLang="en-US" sz="1800" dirty="0" smtClean="0"/>
+              <a:t>站</a:t>
+            </a:r>
+            <a:r>
+              <a:rPr kumimoji="1" lang="zh-CN" altLang="en-US" sz="1800" dirty="0" smtClean="0"/>
+              <a:t>内学习资源等基本增删改查</a:t>
+            </a:r>
+            <a:endParaRPr kumimoji="1" lang="en-US" altLang="zh-CN" sz="1800" dirty="0" smtClean="0"/>
+          </a:p>
+          <a:p>
+            <a:pPr marL="0" indent="0">
+              <a:lnSpc>
+                <a:spcPct val="100000"/>
+              </a:lnSpc>
+              <a:buNone/>
+            </a:pPr>
+            <a:r>
+              <a:rPr kumimoji="1" lang="zh-CN" altLang="en-US" sz="3600" b="1" dirty="0" smtClean="0"/>
+              <a:t>在线编程</a:t>
+            </a:r>
+            <a:endParaRPr kumimoji="1" lang="en-US" altLang="zh-CN" sz="3600" b="1" dirty="0" smtClean="0"/>
+          </a:p>
+          <a:p>
+            <a:pPr>
+              <a:lnSpc>
+                <a:spcPct val="100000"/>
+              </a:lnSpc>
+            </a:pPr>
+            <a:r>
+              <a:rPr kumimoji="1" lang="zh-CN" altLang="en-US" sz="2400" b="1" dirty="0" smtClean="0"/>
+              <a:t>代码</a:t>
+            </a:r>
+            <a:r>
+              <a:rPr kumimoji="1" lang="zh-CN" altLang="en-US" sz="2400" b="1" dirty="0" smtClean="0"/>
+              <a:t>评判</a:t>
+            </a:r>
+            <a:endParaRPr kumimoji="1" lang="en-US" altLang="zh-CN" sz="2400" b="1" dirty="0" smtClean="0"/>
+          </a:p>
+          <a:p>
+            <a:pPr>
+              <a:lnSpc>
+                <a:spcPct val="100000"/>
+              </a:lnSpc>
+            </a:pPr>
+            <a:r>
+              <a:rPr kumimoji="1" lang="en-US" altLang="zh-CN" sz="1800" dirty="0"/>
+              <a:t>Web</a:t>
+            </a:r>
+            <a:r>
+              <a:rPr kumimoji="1" lang="zh-CN" altLang="en-US" sz="1800" dirty="0"/>
+              <a:t>嵌入代码</a:t>
+            </a:r>
+            <a:r>
+              <a:rPr kumimoji="1" lang="zh-CN" altLang="en-US" sz="1800" dirty="0" smtClean="0"/>
+              <a:t>编辑器</a:t>
+            </a:r>
+            <a:r>
+              <a:rPr kumimoji="1" lang="zh-CN" altLang="en-US" sz="1800" dirty="0" smtClean="0"/>
+              <a:t>（支持自动补全、</a:t>
+            </a:r>
+            <a:r>
+              <a:rPr kumimoji="1" lang="en-US" altLang="zh-CN" sz="1800" dirty="0" smtClean="0"/>
+              <a:t>Vim/</a:t>
+            </a:r>
+            <a:r>
+              <a:rPr kumimoji="1" lang="en-US" altLang="zh-CN" sz="1800" dirty="0" err="1" smtClean="0"/>
+              <a:t>Emacs</a:t>
+            </a:r>
+            <a:r>
+              <a:rPr kumimoji="1" lang="zh-CN" altLang="en-US" sz="1800" dirty="0"/>
+              <a:t>编辑器</a:t>
+            </a:r>
+            <a:r>
+              <a:rPr kumimoji="1" lang="zh-CN" altLang="en-US" sz="1800" dirty="0" smtClean="0"/>
+              <a:t>键位等）</a:t>
+            </a:r>
+            <a:endParaRPr kumimoji="1" lang="en-US" altLang="zh-CN" sz="1800" dirty="0"/>
+          </a:p>
+          <a:p>
+            <a:pPr>
+              <a:lnSpc>
+                <a:spcPct val="100000"/>
+              </a:lnSpc>
+            </a:pPr>
+            <a:r>
+              <a:rPr kumimoji="1" lang="zh-CN" altLang="en-US" sz="1800" dirty="0" smtClean="0"/>
+              <a:t>编程题目、测试用例等基本增删改查</a:t>
+            </a:r>
+            <a:endParaRPr kumimoji="1" lang="en-US" altLang="zh-CN" sz="1800" dirty="0"/>
+          </a:p>
+          <a:p>
+            <a:pPr marL="0" indent="0">
+              <a:lnSpc>
+                <a:spcPct val="100000"/>
+              </a:lnSpc>
+              <a:buNone/>
+            </a:pPr>
+            <a:r>
+              <a:rPr kumimoji="1" lang="zh-CN" altLang="en-US" sz="2400" dirty="0" smtClean="0"/>
+              <a:t>其他</a:t>
+            </a:r>
+            <a:endParaRPr kumimoji="1" lang="en-US" altLang="zh-CN" dirty="0" smtClean="0"/>
+          </a:p>
+          <a:p>
+            <a:pPr>
+              <a:lnSpc>
+                <a:spcPct val="100000"/>
+              </a:lnSpc>
+            </a:pPr>
+            <a:r>
+              <a:rPr kumimoji="1" lang="en-US" altLang="zh-CN" sz="1800" dirty="0" smtClean="0"/>
+              <a:t>RBAC</a:t>
+            </a:r>
+            <a:r>
+              <a:rPr kumimoji="1" lang="zh-CN" altLang="en-US" sz="1800" dirty="0" smtClean="0"/>
+              <a:t>（基于角色的用户管理）与相关增删改</a:t>
+            </a:r>
+            <a:r>
+              <a:rPr kumimoji="1" lang="zh-CN" altLang="en-US" sz="1800" dirty="0" smtClean="0"/>
+              <a:t>查</a:t>
+            </a:r>
+            <a:endParaRPr kumimoji="1" lang="en-US" altLang="zh-CN" sz="1800" dirty="0" smtClean="0"/>
+          </a:p>
+          <a:p>
+            <a:pPr>
+              <a:lnSpc>
+                <a:spcPct val="100000"/>
+              </a:lnSpc>
+            </a:pPr>
+            <a:r>
+              <a:rPr kumimoji="1" lang="zh-CN" altLang="en-US" sz="1800" dirty="0" smtClean="0"/>
+              <a:t>用户浏览行为记录</a:t>
+            </a:r>
+            <a:endParaRPr kumimoji="1" lang="en-US" altLang="zh-CN" sz="1800" dirty="0" smtClean="0"/>
+          </a:p>
+        </p:txBody>
+      </p:sp>
+      <p:sp>
+        <p:nvSpPr>
+          <p:cNvPr id="4" name="日期占位符 3"/>
+          <p:cNvSpPr>
+            <a:spLocks noGrp="1"/>
+          </p:cNvSpPr>
+          <p:nvPr>
+            <p:ph type="dt" sz="half" idx="10"/>
+          </p:nvPr>
+        </p:nvSpPr>
+        <p:spPr/>
+        <p:txBody>
+          <a:bodyPr/>
+          <a:lstStyle/>
+          <a:p>
+            <a:fld id="{7551E2BA-704B-C04E-9043-650619DBAE49}" type="datetime11">
+              <a:rPr lang="zh-CN" altLang="en-US" smtClean="0"/>
+              <a:t>19:38:24</a:t>
+            </a:fld>
+            <a:endParaRPr lang="zh-CN" altLang="en-US"/>
+          </a:p>
+        </p:txBody>
+      </p:sp>
+    </p:spTree>
+    <p:extLst>
+      <p:ext uri="{BB962C8B-B14F-4D97-AF65-F5344CB8AC3E}">
+        <p14:creationId xmlns:p14="http://schemas.microsoft.com/office/powerpoint/2010/main" val="1507621337"/>
+      </p:ext>
+    </p:extLst>
+  </p:cSld>
+  <p:clrMapOvr>
+    <a:masterClrMapping/>
+  </p:clrMapOvr>
+  <p:timing>
+    <p:tnLst>
+      <p:par>
+        <p:cTn id="1" dur="indefinite" restart="never" nodeType="tmRoot"/>
+      </p:par>
+    </p:tnLst>
+  </p:timing>
+</p:sld>
+</file>
+
+<file path=ppt/slides/slide7.xml><?xml version="1.0" encoding="utf-8"?>
+<p:sld xmlns:a="http://schemas.openxmlformats.org/drawingml/2006/main" xmlns:r="http://schemas.openxmlformats.org/officeDocument/2006/relationships" xmlns:p="http://schemas.openxmlformats.org/presentationml/2006/main">
+  <p:cSld>
+    <p:spTree>
+      <p:nvGrpSpPr>
+        <p:cNvPr id="1" name=""/>
+        <p:cNvGrpSpPr/>
+        <p:nvPr/>
+      </p:nvGrpSpPr>
+      <p:grpSpPr>
+        <a:xfrm>
+          <a:off x="0" y="0"/>
+          <a:ext cx="0" cy="0"/>
+          <a:chOff x="0" y="0"/>
+          <a:chExt cx="0" cy="0"/>
+        </a:xfrm>
+      </p:grpSpPr>
+      <p:sp>
+        <p:nvSpPr>
           <p:cNvPr id="2" name="标题 1"/>
           <p:cNvSpPr>
             <a:spLocks noGrp="1"/>
@@ -5515,7 +7603,7 @@
           <a:p>
             <a:fld id="{4D099A2B-7374-C340-8FD8-C09992C9254A}" type="datetime11">
               <a:rPr lang="zh-CN" altLang="en-US" smtClean="0"/>
-              <a:t>17:39:30</a:t>
+              <a:t>19:09:56</a:t>
             </a:fld>
             <a:endParaRPr lang="zh-CN" altLang="en-US"/>
           </a:p>
@@ -5775,7 +7863,7 @@
 </p:sld>
 </file>
 
-<file path=ppt/slides/slide6.xml><?xml version="1.0" encoding="utf-8"?>
+<file path=ppt/slides/slide8.xml><?xml version="1.0" encoding="utf-8"?>
 <p:sld xmlns:a="http://schemas.openxmlformats.org/drawingml/2006/main" xmlns:r="http://schemas.openxmlformats.org/officeDocument/2006/relationships" xmlns:p="http://schemas.openxmlformats.org/presentationml/2006/main">
   <p:cSld>
     <p:spTree>
@@ -5835,7 +7923,7 @@
           <a:p>
             <a:fld id="{4D099A2B-7374-C340-8FD8-C09992C9254A}" type="datetime11">
               <a:rPr lang="zh-CN" altLang="en-US" smtClean="0"/>
-              <a:t>19:02:04</a:t>
+              <a:t>19:09:56</a:t>
             </a:fld>
             <a:endParaRPr lang="zh-CN" altLang="en-US"/>
           </a:p>
@@ -5920,343 +8008,6 @@
     <p:extLst>
       <p:ext uri="{BB962C8B-B14F-4D97-AF65-F5344CB8AC3E}">
         <p14:creationId xmlns:p14="http://schemas.microsoft.com/office/powerpoint/2010/main" val="359375875"/>
-      </p:ext>
-    </p:extLst>
-  </p:cSld>
-  <p:clrMapOvr>
-    <a:masterClrMapping/>
-  </p:clrMapOvr>
-  <p:timing>
-    <p:tnLst>
-      <p:par>
-        <p:cTn id="1" dur="indefinite" restart="never" nodeType="tmRoot"/>
-      </p:par>
-    </p:tnLst>
-  </p:timing>
-</p:sld>
-</file>
-
-<file path=ppt/slides/slide7.xml><?xml version="1.0" encoding="utf-8"?>
-<p:sld xmlns:a="http://schemas.openxmlformats.org/drawingml/2006/main" xmlns:r="http://schemas.openxmlformats.org/officeDocument/2006/relationships" xmlns:p="http://schemas.openxmlformats.org/presentationml/2006/main">
-  <p:cSld>
-    <p:spTree>
-      <p:nvGrpSpPr>
-        <p:cNvPr id="1" name=""/>
-        <p:cNvGrpSpPr/>
-        <p:nvPr/>
-      </p:nvGrpSpPr>
-      <p:grpSpPr>
-        <a:xfrm>
-          <a:off x="0" y="0"/>
-          <a:ext cx="0" cy="0"/>
-          <a:chOff x="0" y="0"/>
-          <a:chExt cx="0" cy="0"/>
-        </a:xfrm>
-      </p:grpSpPr>
-      <p:sp>
-        <p:nvSpPr>
-          <p:cNvPr id="2" name="标题 1"/>
-          <p:cNvSpPr>
-            <a:spLocks noGrp="1"/>
-          </p:cNvSpPr>
-          <p:nvPr>
-            <p:ph type="title"/>
-          </p:nvPr>
-        </p:nvSpPr>
-        <p:spPr/>
-        <p:txBody>
-          <a:bodyPr/>
-          <a:lstStyle/>
-          <a:p>
-            <a:r>
-              <a:rPr kumimoji="1" lang="en-US" altLang="zh-CN" dirty="0"/>
-              <a:t>2. </a:t>
-            </a:r>
-            <a:r>
-              <a:rPr kumimoji="1" lang="zh-CN" altLang="en-US" dirty="0"/>
-              <a:t>系统功能</a:t>
-            </a:r>
-          </a:p>
-        </p:txBody>
-      </p:sp>
-      <p:sp>
-        <p:nvSpPr>
-          <p:cNvPr id="3" name="内容占位符 2"/>
-          <p:cNvSpPr>
-            <a:spLocks noGrp="1"/>
-          </p:cNvSpPr>
-          <p:nvPr>
-            <p:ph idx="1"/>
-          </p:nvPr>
-        </p:nvSpPr>
-        <p:spPr/>
-        <p:txBody>
-          <a:bodyPr/>
-          <a:lstStyle/>
-          <a:p>
-            <a:endParaRPr kumimoji="1" lang="zh-CN" altLang="en-US"/>
-          </a:p>
-        </p:txBody>
-      </p:sp>
-      <p:sp>
-        <p:nvSpPr>
-          <p:cNvPr id="4" name="日期占位符 3"/>
-          <p:cNvSpPr>
-            <a:spLocks noGrp="1"/>
-          </p:cNvSpPr>
-          <p:nvPr>
-            <p:ph type="dt" sz="half" idx="10"/>
-          </p:nvPr>
-        </p:nvSpPr>
-        <p:spPr/>
-        <p:txBody>
-          <a:bodyPr/>
-          <a:lstStyle/>
-          <a:p>
-            <a:fld id="{AFB7005A-8EFB-4B4A-BF7E-783465653614}" type="datetime11">
-              <a:rPr lang="zh-CN" altLang="en-US" smtClean="0"/>
-              <a:t>17:39:30</a:t>
-            </a:fld>
-            <a:endParaRPr lang="zh-CN" altLang="en-US"/>
-          </a:p>
-        </p:txBody>
-      </p:sp>
-    </p:spTree>
-    <p:extLst>
-      <p:ext uri="{BB962C8B-B14F-4D97-AF65-F5344CB8AC3E}">
-        <p14:creationId xmlns:p14="http://schemas.microsoft.com/office/powerpoint/2010/main" val="534903278"/>
-      </p:ext>
-    </p:extLst>
-  </p:cSld>
-  <p:clrMapOvr>
-    <a:masterClrMapping/>
-  </p:clrMapOvr>
-  <p:timing>
-    <p:tnLst>
-      <p:par>
-        <p:cTn id="1" dur="indefinite" restart="never" nodeType="tmRoot"/>
-      </p:par>
-    </p:tnLst>
-  </p:timing>
-</p:sld>
-</file>
-
-<file path=ppt/slides/slide8.xml><?xml version="1.0" encoding="utf-8"?>
-<p:sld xmlns:a="http://schemas.openxmlformats.org/drawingml/2006/main" xmlns:r="http://schemas.openxmlformats.org/officeDocument/2006/relationships" xmlns:p="http://schemas.openxmlformats.org/presentationml/2006/main">
-  <p:cSld>
-    <p:spTree>
-      <p:nvGrpSpPr>
-        <p:cNvPr id="1" name=""/>
-        <p:cNvGrpSpPr/>
-        <p:nvPr/>
-      </p:nvGrpSpPr>
-      <p:grpSpPr>
-        <a:xfrm>
-          <a:off x="0" y="0"/>
-          <a:ext cx="0" cy="0"/>
-          <a:chOff x="0" y="0"/>
-          <a:chExt cx="0" cy="0"/>
-        </a:xfrm>
-      </p:grpSpPr>
-      <p:sp>
-        <p:nvSpPr>
-          <p:cNvPr id="2" name="标题 1"/>
-          <p:cNvSpPr>
-            <a:spLocks noGrp="1"/>
-          </p:cNvSpPr>
-          <p:nvPr>
-            <p:ph type="title"/>
-          </p:nvPr>
-        </p:nvSpPr>
-        <p:spPr/>
-        <p:txBody>
-          <a:bodyPr>
-            <a:normAutofit/>
-          </a:bodyPr>
-          <a:lstStyle/>
-          <a:p>
-            <a:r>
-              <a:rPr kumimoji="1" lang="en-US" altLang="zh-CN" dirty="0"/>
-              <a:t>2. </a:t>
-            </a:r>
-            <a:r>
-              <a:rPr kumimoji="1" lang="zh-CN" altLang="en-US" dirty="0"/>
-              <a:t>系统功能</a:t>
-            </a:r>
-          </a:p>
-        </p:txBody>
-      </p:sp>
-      <p:sp>
-        <p:nvSpPr>
-          <p:cNvPr id="3" name="内容占位符 2"/>
-          <p:cNvSpPr>
-            <a:spLocks noGrp="1"/>
-          </p:cNvSpPr>
-          <p:nvPr>
-            <p:ph idx="1"/>
-          </p:nvPr>
-        </p:nvSpPr>
-        <p:spPr>
-          <a:xfrm>
-            <a:off x="628650" y="1360170"/>
-            <a:ext cx="7886700" cy="5180332"/>
-          </a:xfrm>
-        </p:spPr>
-        <p:txBody>
-          <a:bodyPr>
-            <a:normAutofit lnSpcReduction="10000"/>
-          </a:bodyPr>
-          <a:lstStyle/>
-          <a:p>
-            <a:pPr marL="0" indent="0">
-              <a:lnSpc>
-                <a:spcPct val="110000"/>
-              </a:lnSpc>
-              <a:buNone/>
-            </a:pPr>
-            <a:r>
-              <a:rPr kumimoji="1" lang="zh-CN" altLang="en-US" sz="3600" dirty="0" smtClean="0"/>
-              <a:t>在线编程功能与特点</a:t>
-            </a:r>
-            <a:endParaRPr kumimoji="1" lang="en-US" altLang="zh-CN" dirty="0" smtClean="0"/>
-          </a:p>
-          <a:p>
-            <a:pPr>
-              <a:lnSpc>
-                <a:spcPct val="110000"/>
-              </a:lnSpc>
-            </a:pPr>
-            <a:r>
-              <a:rPr kumimoji="1" lang="zh-CN" altLang="en-US" dirty="0" smtClean="0"/>
-              <a:t>黑盒测试，可评判 </a:t>
-            </a:r>
-            <a:r>
-              <a:rPr kumimoji="1" lang="en-US" altLang="zh-CN" dirty="0" smtClean="0"/>
-              <a:t>Java</a:t>
-            </a:r>
-          </a:p>
-          <a:p>
-            <a:pPr>
-              <a:lnSpc>
-                <a:spcPct val="110000"/>
-              </a:lnSpc>
-            </a:pPr>
-            <a:r>
-              <a:rPr kumimoji="1" lang="zh-CN" altLang="en-US" dirty="0" smtClean="0"/>
-              <a:t>编译代码时</a:t>
-            </a:r>
-            <a:r>
-              <a:rPr kumimoji="1" lang="zh-CN" altLang="en-US" b="1" dirty="0" smtClean="0"/>
-              <a:t>无须创建进程</a:t>
-            </a:r>
-            <a:r>
-              <a:rPr kumimoji="1" lang="zh-CN" altLang="en-US" dirty="0" smtClean="0"/>
-              <a:t>，全程线程级操作</a:t>
-            </a:r>
-            <a:endParaRPr kumimoji="1" lang="en-US" altLang="zh-CN" dirty="0" smtClean="0"/>
-          </a:p>
-          <a:p>
-            <a:pPr>
-              <a:lnSpc>
-                <a:spcPct val="110000"/>
-              </a:lnSpc>
-            </a:pPr>
-            <a:r>
-              <a:rPr kumimoji="1" lang="zh-CN" altLang="en-US" dirty="0" smtClean="0"/>
-              <a:t>不涉及文件操作，评判全程</a:t>
-            </a:r>
-            <a:r>
-              <a:rPr kumimoji="1" lang="zh-CN" altLang="en-US" b="1" dirty="0" smtClean="0"/>
-              <a:t>使用内存存储</a:t>
-            </a:r>
-            <a:endParaRPr kumimoji="1" lang="en-US" altLang="zh-CN" b="1" dirty="0" smtClean="0"/>
-          </a:p>
-          <a:p>
-            <a:pPr>
-              <a:lnSpc>
-                <a:spcPct val="110000"/>
-              </a:lnSpc>
-            </a:pPr>
-            <a:r>
-              <a:rPr kumimoji="1" lang="zh-CN" altLang="en-US" dirty="0"/>
-              <a:t>评判器</a:t>
-            </a:r>
-            <a:r>
-              <a:rPr kumimoji="1" lang="zh-CN" altLang="en-US" b="1" dirty="0"/>
-              <a:t>自动反序列化参数、序列化计算结果</a:t>
-            </a:r>
-            <a:endParaRPr kumimoji="1" lang="en-US" altLang="zh-CN" b="1" dirty="0"/>
-          </a:p>
-          <a:p>
-            <a:pPr>
-              <a:lnSpc>
-                <a:spcPct val="110000"/>
-              </a:lnSpc>
-            </a:pPr>
-            <a:r>
-              <a:rPr kumimoji="1" lang="zh-CN" altLang="en-US" dirty="0" smtClean="0"/>
-              <a:t>充分利用编程语言安全机制，</a:t>
-            </a:r>
-            <a:r>
-              <a:rPr kumimoji="1" lang="zh-CN" altLang="en-US" b="1" dirty="0" smtClean="0"/>
-              <a:t>不依赖操作系统</a:t>
-            </a:r>
-            <a:endParaRPr kumimoji="1" lang="en-US" altLang="zh-CN" b="1" dirty="0"/>
-          </a:p>
-          <a:p>
-            <a:endParaRPr kumimoji="1" lang="en-US" altLang="zh-CN" dirty="0" smtClean="0"/>
-          </a:p>
-          <a:p>
-            <a:pPr marL="0" indent="0">
-              <a:buNone/>
-            </a:pPr>
-            <a:r>
-              <a:rPr kumimoji="1" lang="zh-CN" altLang="en-US" dirty="0" smtClean="0"/>
-              <a:t>缺点</a:t>
-            </a:r>
-            <a:endParaRPr kumimoji="1" lang="en-US" altLang="zh-CN" dirty="0" smtClean="0"/>
-          </a:p>
-          <a:p>
-            <a:r>
-              <a:rPr kumimoji="1" lang="zh-CN" altLang="en-US" dirty="0" smtClean="0"/>
-              <a:t>未实现 限制被评判代码内存使用量</a:t>
-            </a:r>
-            <a:endParaRPr kumimoji="1" lang="zh-CN" altLang="en-US" dirty="0"/>
-          </a:p>
-        </p:txBody>
-      </p:sp>
-      <p:sp>
-        <p:nvSpPr>
-          <p:cNvPr id="6" name="日期占位符 5"/>
-          <p:cNvSpPr>
-            <a:spLocks noGrp="1"/>
-          </p:cNvSpPr>
-          <p:nvPr>
-            <p:ph type="dt" sz="half" idx="10"/>
-          </p:nvPr>
-        </p:nvSpPr>
-        <p:spPr>
-          <a:xfrm>
-            <a:off x="8368748" y="6540502"/>
-            <a:ext cx="775252" cy="317498"/>
-          </a:xfrm>
-        </p:spPr>
-        <p:txBody>
-          <a:bodyPr/>
-          <a:lstStyle/>
-          <a:p>
-            <a:fld id="{23551141-8730-254F-86E1-1D9F9D5E3924}" type="datetime11">
-              <a:rPr lang="zh-CN" altLang="en-US" smtClean="0"/>
-              <a:t>17:39:30</a:t>
-            </a:fld>
-            <a:endParaRPr lang="zh-CN" altLang="en-US" dirty="0"/>
-          </a:p>
-        </p:txBody>
-      </p:sp>
-    </p:spTree>
-    <p:extLst>
-      <p:ext uri="{BB962C8B-B14F-4D97-AF65-F5344CB8AC3E}">
-        <p14:creationId xmlns:p14="http://schemas.microsoft.com/office/powerpoint/2010/main" val="1217229610"/>
       </p:ext>
     </p:extLst>
   </p:cSld>
@@ -6318,12 +8069,12 @@
       </p:sp>
       <p:sp>
         <p:nvSpPr>
-          <p:cNvPr id="3" name="内容占位符 2"/>
-          <p:cNvSpPr>
-            <a:spLocks noGrp="1"/>
-          </p:cNvSpPr>
-          <p:nvPr>
-            <p:ph idx="1"/>
+          <p:cNvPr id="4" name="日期占位符 3"/>
+          <p:cNvSpPr>
+            <a:spLocks noGrp="1"/>
+          </p:cNvSpPr>
+          <p:nvPr>
+            <p:ph type="dt" sz="half" idx="10"/>
           </p:nvPr>
         </p:nvSpPr>
         <p:spPr/>
@@ -6331,62 +8082,47 @@
           <a:bodyPr/>
           <a:lstStyle/>
           <a:p>
-            <a:pPr marL="0" marR="0" lvl="0" indent="0" defTabSz="914400" eaLnBrk="1" fontAlgn="auto" latinLnBrk="0" hangingPunct="1">
-              <a:lnSpc>
-                <a:spcPct val="100000"/>
-              </a:lnSpc>
-              <a:spcBef>
-                <a:spcPts val="0"/>
-              </a:spcBef>
-              <a:spcAft>
-                <a:spcPts val="0"/>
-              </a:spcAft>
-              <a:buClrTx/>
-              <a:buSzTx/>
-              <a:buFontTx/>
-              <a:buNone/>
-              <a:tabLst/>
-              <a:defRPr/>
-            </a:pPr>
-            <a:r>
-              <a:rPr kumimoji="1" lang="zh-CN" altLang="en-US" dirty="0" smtClean="0"/>
-              <a:t>对比</a:t>
-            </a:r>
-            <a:r>
-              <a:rPr kumimoji="1" lang="en-US" altLang="zh-CN" dirty="0" smtClean="0"/>
-              <a:t>SCAU</a:t>
-            </a:r>
-            <a:endParaRPr kumimoji="1" lang="zh-CN" altLang="en-US" dirty="0"/>
-          </a:p>
-        </p:txBody>
-      </p:sp>
-      <p:sp>
-        <p:nvSpPr>
-          <p:cNvPr id="4" name="日期占位符 3"/>
-          <p:cNvSpPr>
-            <a:spLocks noGrp="1"/>
-          </p:cNvSpPr>
-          <p:nvPr>
-            <p:ph type="dt" sz="half" idx="10"/>
-          </p:nvPr>
-        </p:nvSpPr>
-        <p:spPr/>
-        <p:txBody>
-          <a:bodyPr/>
-          <a:lstStyle/>
-          <a:p>
-            <a:fld id="{E4C0FD68-7273-B74C-8DEE-A395D4E30DE1}" type="datetime11">
-              <a:rPr lang="zh-CN" altLang="en-US" smtClean="0"/>
-              <a:t>17:39:31</a:t>
+            <a:fld id="{AFB7005A-8EFB-4B4A-BF7E-783465653614}" type="datetime11">
+              <a:rPr lang="zh-CN" altLang="en-US" smtClean="0"/>
+              <a:t>19:09:56</a:t>
             </a:fld>
             <a:endParaRPr lang="zh-CN" altLang="en-US"/>
           </a:p>
         </p:txBody>
       </p:sp>
+      <p:pic>
+        <p:nvPicPr>
+          <p:cNvPr id="6" name="图片 5"/>
+          <p:cNvPicPr>
+            <a:picLocks noChangeAspect="1"/>
+          </p:cNvPicPr>
+          <p:nvPr/>
+        </p:nvPicPr>
+        <p:blipFill rotWithShape="1">
+          <a:blip r:embed="rId2" cstate="print">
+            <a:extLst>
+              <a:ext uri="{28A0092B-C50C-407E-A947-70E740481C1C}">
+                <a14:useLocalDpi xmlns:a14="http://schemas.microsoft.com/office/drawing/2010/main" val="0"/>
+              </a:ext>
+            </a:extLst>
+          </a:blip>
+          <a:srcRect t="5401" b="10294"/>
+          <a:stretch/>
+        </p:blipFill>
+        <p:spPr>
+          <a:xfrm>
+            <a:off x="2343197" y="1030837"/>
+            <a:ext cx="4155183" cy="5827163"/>
+          </a:xfrm>
+          <a:prstGeom prst="rect">
+            <a:avLst/>
+          </a:prstGeom>
+        </p:spPr>
+      </p:pic>
     </p:spTree>
     <p:extLst>
       <p:ext uri="{BB962C8B-B14F-4D97-AF65-F5344CB8AC3E}">
-        <p14:creationId xmlns:p14="http://schemas.microsoft.com/office/powerpoint/2010/main" val="626279234"/>
+        <p14:creationId xmlns:p14="http://schemas.microsoft.com/office/powerpoint/2010/main" val="534903278"/>
       </p:ext>
     </p:extLst>
   </p:cSld>
@@ -6654,7 +8390,35 @@
       </a:bgFillStyleLst>
     </a:fmtScheme>
   </a:themeElements>
-  <a:objectDefaults/>
+  <a:objectDefaults>
+    <a:spDef>
+      <a:spPr>
+        <a:noFill/>
+      </a:spPr>
+      <a:bodyPr rtlCol="0" anchor="ctr"/>
+      <a:lstStyle>
+        <a:defPPr algn="ctr">
+          <a:defRPr/>
+        </a:defPPr>
+      </a:lstStyle>
+      <a:style>
+        <a:lnRef idx="2">
+          <a:schemeClr val="accent1">
+            <a:shade val="50000"/>
+          </a:schemeClr>
+        </a:lnRef>
+        <a:fillRef idx="1">
+          <a:schemeClr val="accent1"/>
+        </a:fillRef>
+        <a:effectRef idx="0">
+          <a:schemeClr val="accent1"/>
+        </a:effectRef>
+        <a:fontRef idx="minor">
+          <a:schemeClr val="lt1"/>
+        </a:fontRef>
+      </a:style>
+    </a:spDef>
+  </a:objectDefaults>
   <a:extraClrSchemeLst/>
   <a:extLst>
     <a:ext uri="{05A4C25C-085E-4340-85A3-A5531E510DB2}">

--- a/基于Scrapy框架的计算机专业学习资源网站_吴伟杰.pptx
+++ b/基于Scrapy框架的计算机专业学习资源网站_吴伟杰.pptx
@@ -5,7 +5,7 @@
     <p:sldMasterId id="2147484229" r:id="rId1"/>
   </p:sldMasterIdLst>
   <p:notesMasterIdLst>
-    <p:notesMasterId r:id="rId23"/>
+    <p:notesMasterId r:id="rId26"/>
   </p:notesMasterIdLst>
   <p:sldIdLst>
     <p:sldId id="256" r:id="rId2"/>
@@ -14,21 +14,24 @@
     <p:sldId id="258" r:id="rId5"/>
     <p:sldId id="272" r:id="rId6"/>
     <p:sldId id="259" r:id="rId7"/>
-    <p:sldId id="262" r:id="rId8"/>
-    <p:sldId id="268" r:id="rId9"/>
-    <p:sldId id="261" r:id="rId10"/>
-    <p:sldId id="260" r:id="rId11"/>
-    <p:sldId id="270" r:id="rId12"/>
-    <p:sldId id="269" r:id="rId13"/>
-    <p:sldId id="263" r:id="rId14"/>
-    <p:sldId id="271" r:id="rId15"/>
-    <p:sldId id="257" r:id="rId16"/>
-    <p:sldId id="266" r:id="rId17"/>
-    <p:sldId id="274" r:id="rId18"/>
-    <p:sldId id="267" r:id="rId19"/>
-    <p:sldId id="275" r:id="rId20"/>
-    <p:sldId id="278" r:id="rId21"/>
-    <p:sldId id="277" r:id="rId22"/>
+    <p:sldId id="279" r:id="rId8"/>
+    <p:sldId id="280" r:id="rId9"/>
+    <p:sldId id="281" r:id="rId10"/>
+    <p:sldId id="262" r:id="rId11"/>
+    <p:sldId id="268" r:id="rId12"/>
+    <p:sldId id="261" r:id="rId13"/>
+    <p:sldId id="260" r:id="rId14"/>
+    <p:sldId id="270" r:id="rId15"/>
+    <p:sldId id="269" r:id="rId16"/>
+    <p:sldId id="263" r:id="rId17"/>
+    <p:sldId id="271" r:id="rId18"/>
+    <p:sldId id="257" r:id="rId19"/>
+    <p:sldId id="266" r:id="rId20"/>
+    <p:sldId id="274" r:id="rId21"/>
+    <p:sldId id="267" r:id="rId22"/>
+    <p:sldId id="275" r:id="rId23"/>
+    <p:sldId id="278" r:id="rId24"/>
+    <p:sldId id="277" r:id="rId25"/>
   </p:sldIdLst>
   <p:sldSz cx="9144000" cy="6858000" type="screen4x3"/>
   <p:notesSz cx="6858000" cy="9144000"/>
@@ -146,6 +149,9 @@
           <p14:sldIdLst>
             <p14:sldId id="272"/>
             <p14:sldId id="259"/>
+            <p14:sldId id="279"/>
+            <p14:sldId id="280"/>
+            <p14:sldId id="281"/>
             <p14:sldId id="262"/>
             <p14:sldId id="268"/>
             <p14:sldId id="261"/>
@@ -666,13 +672,13 @@
           <a:bodyPr/>
           <a:lstStyle/>
           <a:p>
-            <a:endParaRPr kumimoji="1" lang="zh-CN" altLang="en-US"/>
-          </a:p>
-        </p:txBody>
-      </p:sp>
-      <p:sp>
-        <p:nvSpPr>
-          <p:cNvPr id="4" name="幻灯片编号占位符 3"/>
+            <a:endParaRPr lang="zh-CN" altLang="en-US"/>
+          </a:p>
+        </p:txBody>
+      </p:sp>
+      <p:sp>
+        <p:nvSpPr>
+          <p:cNvPr id="4" name="灯片编号占位符 3"/>
           <p:cNvSpPr>
             <a:spLocks noGrp="1"/>
           </p:cNvSpPr>
@@ -687,7 +693,7 @@
           <a:p>
             <a:fld id="{A438EE0D-1E5A-EE4E-8B4B-E6DDF838F640}" type="slidenum">
               <a:rPr kumimoji="1" lang="zh-CN" altLang="en-US" smtClean="0"/>
-              <a:t>10</a:t>
+              <a:t>4</a:t>
             </a:fld>
             <a:endParaRPr kumimoji="1" lang="zh-CN" altLang="en-US"/>
           </a:p>
@@ -696,7 +702,7 @@
     </p:spTree>
     <p:extLst>
       <p:ext uri="{BB962C8B-B14F-4D97-AF65-F5344CB8AC3E}">
-        <p14:creationId xmlns:p14="http://schemas.microsoft.com/office/powerpoint/2010/main" val="1819786880"/>
+        <p14:creationId xmlns:p14="http://schemas.microsoft.com/office/powerpoint/2010/main" val="742397068"/>
       </p:ext>
     </p:extLst>
   </p:cSld>
@@ -750,6 +756,90 @@
           <a:bodyPr/>
           <a:lstStyle/>
           <a:p>
+            <a:endParaRPr kumimoji="1" lang="zh-CN" altLang="en-US"/>
+          </a:p>
+        </p:txBody>
+      </p:sp>
+      <p:sp>
+        <p:nvSpPr>
+          <p:cNvPr id="4" name="幻灯片编号占位符 3"/>
+          <p:cNvSpPr>
+            <a:spLocks noGrp="1"/>
+          </p:cNvSpPr>
+          <p:nvPr>
+            <p:ph type="sldNum" sz="quarter" idx="10"/>
+          </p:nvPr>
+        </p:nvSpPr>
+        <p:spPr/>
+        <p:txBody>
+          <a:bodyPr/>
+          <a:lstStyle/>
+          <a:p>
+            <a:fld id="{A438EE0D-1E5A-EE4E-8B4B-E6DDF838F640}" type="slidenum">
+              <a:rPr kumimoji="1" lang="zh-CN" altLang="en-US" smtClean="0"/>
+              <a:t>13</a:t>
+            </a:fld>
+            <a:endParaRPr kumimoji="1" lang="zh-CN" altLang="en-US"/>
+          </a:p>
+        </p:txBody>
+      </p:sp>
+    </p:spTree>
+    <p:extLst>
+      <p:ext uri="{BB962C8B-B14F-4D97-AF65-F5344CB8AC3E}">
+        <p14:creationId xmlns:p14="http://schemas.microsoft.com/office/powerpoint/2010/main" val="1819786880"/>
+      </p:ext>
+    </p:extLst>
+  </p:cSld>
+  <p:clrMapOvr>
+    <a:masterClrMapping/>
+  </p:clrMapOvr>
+</p:notes>
+</file>
+
+<file path=ppt/notesSlides/notesSlide4.xml><?xml version="1.0" encoding="utf-8"?>
+<p:notes xmlns:a="http://schemas.openxmlformats.org/drawingml/2006/main" xmlns:r="http://schemas.openxmlformats.org/officeDocument/2006/relationships" xmlns:p="http://schemas.openxmlformats.org/presentationml/2006/main">
+  <p:cSld>
+    <p:spTree>
+      <p:nvGrpSpPr>
+        <p:cNvPr id="1" name=""/>
+        <p:cNvGrpSpPr/>
+        <p:nvPr/>
+      </p:nvGrpSpPr>
+      <p:grpSpPr>
+        <a:xfrm>
+          <a:off x="0" y="0"/>
+          <a:ext cx="0" cy="0"/>
+          <a:chOff x="0" y="0"/>
+          <a:chExt cx="0" cy="0"/>
+        </a:xfrm>
+      </p:grpSpPr>
+      <p:sp>
+        <p:nvSpPr>
+          <p:cNvPr id="2" name="幻灯片图像占位符 1"/>
+          <p:cNvSpPr>
+            <a:spLocks noGrp="1" noRot="1" noChangeAspect="1"/>
+          </p:cNvSpPr>
+          <p:nvPr>
+            <p:ph type="sldImg"/>
+          </p:nvPr>
+        </p:nvSpPr>
+        <p:spPr/>
+      </p:sp>
+      <p:sp>
+        <p:nvSpPr>
+          <p:cNvPr id="3" name="备注占位符 2"/>
+          <p:cNvSpPr>
+            <a:spLocks noGrp="1"/>
+          </p:cNvSpPr>
+          <p:nvPr>
+            <p:ph type="body" idx="1"/>
+          </p:nvPr>
+        </p:nvSpPr>
+        <p:spPr/>
+        <p:txBody>
+          <a:bodyPr/>
+          <a:lstStyle/>
+          <a:p>
             <a:r>
               <a:rPr lang="en-US" altLang="zh-CN" dirty="0" smtClean="0"/>
               <a:t>import </a:t>
@@ -875,7 +965,7 @@
           <a:p>
             <a:fld id="{A438EE0D-1E5A-EE4E-8B4B-E6DDF838F640}" type="slidenum">
               <a:rPr kumimoji="1" lang="zh-CN" altLang="en-US" smtClean="0"/>
-              <a:t>12</a:t>
+              <a:t>15</a:t>
             </a:fld>
             <a:endParaRPr kumimoji="1" lang="zh-CN" altLang="en-US"/>
           </a:p>
@@ -1025,7 +1115,7 @@
           <a:p>
             <a:fld id="{5ECD60F8-BCA7-FB4A-868B-81E09D9A8B51}" type="datetime11">
               <a:rPr lang="zh-CN" altLang="en-US" smtClean="0"/>
-              <a:t>19:09:55</a:t>
+              <a:t>22:23:06</a:t>
             </a:fld>
             <a:endParaRPr lang="zh-CN" altLang="en-US"/>
           </a:p>
@@ -1197,7 +1287,7 @@
           <a:p>
             <a:fld id="{07E88D81-B883-A34A-9540-CEDC59CBB58B}" type="datetime11">
               <a:rPr lang="zh-CN" altLang="en-US" smtClean="0"/>
-              <a:t>19:09:55</a:t>
+              <a:t>22:23:06</a:t>
             </a:fld>
             <a:endParaRPr lang="zh-CN" altLang="en-US"/>
           </a:p>
@@ -1379,7 +1469,7 @@
           <a:p>
             <a:fld id="{3DF5F07E-3A0C-504B-B876-3D7D1967EA3C}" type="datetime11">
               <a:rPr lang="zh-CN" altLang="en-US" smtClean="0"/>
-              <a:t>19:09:55</a:t>
+              <a:t>22:23:06</a:t>
             </a:fld>
             <a:endParaRPr lang="zh-CN" altLang="en-US"/>
           </a:p>
@@ -1562,14 +1652,19 @@
             <p:ph type="dt" sz="half" idx="10"/>
           </p:nvPr>
         </p:nvSpPr>
-        <p:spPr/>
+        <p:spPr>
+          <a:xfrm>
+            <a:off x="0" y="6492875"/>
+            <a:ext cx="2057400" cy="365125"/>
+          </a:xfrm>
+        </p:spPr>
         <p:txBody>
           <a:bodyPr/>
           <a:lstStyle/>
           <a:p>
             <a:fld id="{E093F988-9A29-5E45-8D20-69A04853E7AD}" type="datetime11">
               <a:rPr lang="zh-CN" altLang="en-US" smtClean="0"/>
-              <a:t>19:09:55</a:t>
+              <a:t>22:23:06</a:t>
             </a:fld>
             <a:endParaRPr lang="zh-CN" altLang="en-US"/>
           </a:p>
@@ -1815,7 +1910,7 @@
           <a:p>
             <a:fld id="{6173DDBA-B680-6A4A-8D1D-1A27589B5E95}" type="datetime11">
               <a:rPr lang="zh-CN" altLang="en-US" smtClean="0"/>
-              <a:t>19:09:55</a:t>
+              <a:t>22:23:06</a:t>
             </a:fld>
             <a:endParaRPr lang="zh-CN" altLang="en-US"/>
           </a:p>
@@ -2049,7 +2144,7 @@
           <a:p>
             <a:fld id="{9275D0CC-BA07-D441-9CED-FD41EAC9DAA9}" type="datetime11">
               <a:rPr lang="zh-CN" altLang="en-US" smtClean="0"/>
-              <a:t>19:09:55</a:t>
+              <a:t>22:23:06</a:t>
             </a:fld>
             <a:endParaRPr lang="zh-CN" altLang="en-US"/>
           </a:p>
@@ -2423,7 +2518,7 @@
           <a:p>
             <a:fld id="{5878D75F-A3E8-8142-8AF3-3DEE6BCBEE63}" type="datetime11">
               <a:rPr lang="zh-CN" altLang="en-US" smtClean="0"/>
-              <a:t>19:09:55</a:t>
+              <a:t>22:23:06</a:t>
             </a:fld>
             <a:endParaRPr lang="zh-CN" altLang="en-US"/>
           </a:p>
@@ -2548,7 +2643,7 @@
           <a:p>
             <a:fld id="{E959AB34-1740-CE4E-A318-8FA83AE911A1}" type="datetime11">
               <a:rPr lang="zh-CN" altLang="en-US" smtClean="0"/>
-              <a:t>19:09:55</a:t>
+              <a:t>22:23:06</a:t>
             </a:fld>
             <a:endParaRPr lang="zh-CN" altLang="en-US"/>
           </a:p>
@@ -2638,7 +2733,7 @@
           <a:p>
             <a:fld id="{87BC8D96-DEF2-6340-A3B7-E54FC6CC2903}" type="datetime11">
               <a:rPr lang="zh-CN" altLang="en-US" smtClean="0"/>
-              <a:t>19:09:55</a:t>
+              <a:t>22:23:06</a:t>
             </a:fld>
             <a:endParaRPr lang="zh-CN" altLang="en-US"/>
           </a:p>
@@ -2910,7 +3005,7 @@
           <a:p>
             <a:fld id="{3DF0D7E1-8531-C34B-AF47-56C48989C843}" type="datetime11">
               <a:rPr lang="zh-CN" altLang="en-US" smtClean="0"/>
-              <a:t>19:09:55</a:t>
+              <a:t>22:23:06</a:t>
             </a:fld>
             <a:endParaRPr lang="zh-CN" altLang="en-US"/>
           </a:p>
@@ -3174,7 +3269,7 @@
           <a:p>
             <a:fld id="{1F5C8B91-33D4-3B46-98A0-1A7911CE6EE5}" type="datetime11">
               <a:rPr lang="zh-CN" altLang="en-US" smtClean="0"/>
-              <a:t>19:09:55</a:t>
+              <a:t>22:23:06</a:t>
             </a:fld>
             <a:endParaRPr lang="zh-CN" altLang="en-US"/>
           </a:p>
@@ -3521,7 +3616,7 @@
           <a:p>
             <a:fld id="{C1CAB5B8-A118-C145-A611-0AD7F2ACB9C6}" type="datetime11">
               <a:rPr lang="zh-CN" altLang="en-US" smtClean="0"/>
-              <a:t>19:09:55</a:t>
+              <a:t>22:23:06</a:t>
             </a:fld>
             <a:endParaRPr lang="zh-CN" altLang="en-US"/>
           </a:p>
@@ -4250,7 +4345,7 @@
           <a:p>
             <a:fld id="{94E70139-B0AB-7948-B662-8E6463EF7FCC}" type="datetime11">
               <a:rPr lang="zh-CN" altLang="en-US" smtClean="0"/>
-              <a:t>19:09:55</a:t>
+              <a:t>22:23:06</a:t>
             </a:fld>
             <a:endParaRPr lang="zh-CN" altLang="en-US"/>
           </a:p>
@@ -4305,9 +4400,7 @@
         </p:nvSpPr>
         <p:spPr/>
         <p:txBody>
-          <a:bodyPr>
-            <a:normAutofit/>
-          </a:bodyPr>
+          <a:bodyPr/>
           <a:lstStyle/>
           <a:p>
             <a:r>
@@ -4323,146 +4416,7 @@
       </p:sp>
       <p:sp>
         <p:nvSpPr>
-          <p:cNvPr id="3" name="内容占位符 2"/>
-          <p:cNvSpPr>
-            <a:spLocks noGrp="1"/>
-          </p:cNvSpPr>
-          <p:nvPr>
-            <p:ph idx="1"/>
-          </p:nvPr>
-        </p:nvSpPr>
-        <p:spPr>
-          <a:xfrm>
-            <a:off x="628650" y="1360170"/>
-            <a:ext cx="7886700" cy="5180332"/>
-          </a:xfrm>
-        </p:spPr>
-        <p:txBody>
-          <a:bodyPr>
-            <a:normAutofit lnSpcReduction="10000"/>
-          </a:bodyPr>
-          <a:lstStyle/>
-          <a:p>
-            <a:pPr marL="0" indent="0">
-              <a:lnSpc>
-                <a:spcPct val="110000"/>
-              </a:lnSpc>
-              <a:buNone/>
-            </a:pPr>
-            <a:r>
-              <a:rPr kumimoji="1" lang="zh-CN" altLang="en-US" sz="3600" dirty="0" smtClean="0"/>
-              <a:t>在线编程功能与特点</a:t>
-            </a:r>
-            <a:endParaRPr kumimoji="1" lang="en-US" altLang="zh-CN" dirty="0" smtClean="0"/>
-          </a:p>
-          <a:p>
-            <a:pPr>
-              <a:lnSpc>
-                <a:spcPct val="110000"/>
-              </a:lnSpc>
-            </a:pPr>
-            <a:r>
-              <a:rPr kumimoji="1" lang="zh-CN" altLang="en-US" dirty="0" smtClean="0"/>
-              <a:t>黑盒测试，可评判 </a:t>
-            </a:r>
-            <a:r>
-              <a:rPr kumimoji="1" lang="en-US" altLang="zh-CN" dirty="0" smtClean="0"/>
-              <a:t>Java</a:t>
-            </a:r>
-          </a:p>
-          <a:p>
-            <a:pPr>
-              <a:lnSpc>
-                <a:spcPct val="110000"/>
-              </a:lnSpc>
-            </a:pPr>
-            <a:r>
-              <a:rPr kumimoji="1" lang="zh-CN" altLang="en-US" dirty="0" smtClean="0"/>
-              <a:t>编译代码时</a:t>
-            </a:r>
-            <a:r>
-              <a:rPr kumimoji="1" lang="zh-CN" altLang="en-US" b="1" dirty="0" smtClean="0"/>
-              <a:t>无须创建进程</a:t>
-            </a:r>
-            <a:r>
-              <a:rPr kumimoji="1" lang="zh-CN" altLang="en-US" dirty="0" smtClean="0"/>
-              <a:t>，全程线程级操作</a:t>
-            </a:r>
-            <a:endParaRPr kumimoji="1" lang="en-US" altLang="zh-CN" dirty="0" smtClean="0"/>
-          </a:p>
-          <a:p>
-            <a:pPr>
-              <a:lnSpc>
-                <a:spcPct val="110000"/>
-              </a:lnSpc>
-            </a:pPr>
-            <a:r>
-              <a:rPr kumimoji="1" lang="zh-CN" altLang="en-US" dirty="0" smtClean="0"/>
-              <a:t>不涉及文件操作，评判全程</a:t>
-            </a:r>
-            <a:r>
-              <a:rPr kumimoji="1" lang="zh-CN" altLang="en-US" b="1" dirty="0" smtClean="0"/>
-              <a:t>使用内存存储</a:t>
-            </a:r>
-            <a:endParaRPr kumimoji="1" lang="en-US" altLang="zh-CN" b="1" dirty="0" smtClean="0"/>
-          </a:p>
-          <a:p>
-            <a:pPr>
-              <a:lnSpc>
-                <a:spcPct val="110000"/>
-              </a:lnSpc>
-            </a:pPr>
-            <a:r>
-              <a:rPr kumimoji="1" lang="zh-CN" altLang="en-US" dirty="0"/>
-              <a:t>评判器</a:t>
-            </a:r>
-            <a:r>
-              <a:rPr kumimoji="1" lang="zh-CN" altLang="en-US" b="1" dirty="0"/>
-              <a:t>自动反序列化参数、序列化计算结果</a:t>
-            </a:r>
-            <a:endParaRPr kumimoji="1" lang="en-US" altLang="zh-CN" b="1" dirty="0"/>
-          </a:p>
-          <a:p>
-            <a:pPr>
-              <a:lnSpc>
-                <a:spcPct val="110000"/>
-              </a:lnSpc>
-            </a:pPr>
-            <a:r>
-              <a:rPr kumimoji="1" lang="zh-CN" altLang="en-US" dirty="0" smtClean="0"/>
-              <a:t>充分利用编程语言安全机制，</a:t>
-            </a:r>
-            <a:r>
-              <a:rPr kumimoji="1" lang="zh-CN" altLang="en-US" b="1" dirty="0" smtClean="0"/>
-              <a:t>不依赖操作系统</a:t>
-            </a:r>
-            <a:endParaRPr kumimoji="1" lang="en-US" altLang="zh-CN" b="1" dirty="0"/>
-          </a:p>
-          <a:p>
-            <a:endParaRPr kumimoji="1" lang="en-US" altLang="zh-CN" dirty="0" smtClean="0"/>
-          </a:p>
-          <a:p>
-            <a:pPr marL="0" indent="0">
-              <a:buNone/>
-            </a:pPr>
-            <a:r>
-              <a:rPr kumimoji="1" lang="zh-CN" altLang="en-US" dirty="0" smtClean="0"/>
-              <a:t>缺点</a:t>
-            </a:r>
-            <a:endParaRPr kumimoji="1" lang="en-US" altLang="zh-CN" dirty="0" smtClean="0"/>
-          </a:p>
-          <a:p>
-            <a:r>
-              <a:rPr kumimoji="1" lang="zh-CN" altLang="en-US" dirty="0" smtClean="0"/>
-              <a:t>未实现 限制被评判代码内存使用量</a:t>
-            </a:r>
-            <a:endParaRPr kumimoji="1" lang="zh-CN" altLang="en-US" dirty="0"/>
-          </a:p>
-        </p:txBody>
-      </p:sp>
-      <p:sp>
-        <p:nvSpPr>
-          <p:cNvPr id="6" name="日期占位符 5"/>
+          <p:cNvPr id="4" name="日期占位符 3"/>
           <p:cNvSpPr>
             <a:spLocks noGrp="1"/>
           </p:cNvSpPr>
@@ -4470,3140 +4424,14 @@
             <p:ph type="dt" sz="half" idx="10"/>
           </p:nvPr>
         </p:nvSpPr>
-        <p:spPr>
-          <a:xfrm>
-            <a:off x="8368748" y="6540502"/>
-            <a:ext cx="775252" cy="317498"/>
-          </a:xfrm>
-        </p:spPr>
-        <p:txBody>
-          <a:bodyPr/>
-          <a:lstStyle/>
-          <a:p>
-            <a:fld id="{23551141-8730-254F-86E1-1D9F9D5E3924}" type="datetime11">
-              <a:rPr lang="zh-CN" altLang="en-US" smtClean="0"/>
-              <a:t>19:09:56</a:t>
-            </a:fld>
-            <a:endParaRPr lang="zh-CN" altLang="en-US" dirty="0"/>
-          </a:p>
-        </p:txBody>
-      </p:sp>
-    </p:spTree>
-    <p:extLst>
-      <p:ext uri="{BB962C8B-B14F-4D97-AF65-F5344CB8AC3E}">
-        <p14:creationId xmlns:p14="http://schemas.microsoft.com/office/powerpoint/2010/main" val="1217229610"/>
-      </p:ext>
-    </p:extLst>
-  </p:cSld>
-  <p:clrMapOvr>
-    <a:masterClrMapping/>
-  </p:clrMapOvr>
-  <p:timing>
-    <p:tnLst>
-      <p:par>
-        <p:cTn id="1" dur="indefinite" restart="never" nodeType="tmRoot"/>
-      </p:par>
-    </p:tnLst>
-  </p:timing>
-</p:sld>
-</file>
-
-<file path=ppt/slides/slide11.xml><?xml version="1.0" encoding="utf-8"?>
-<p:sld xmlns:a="http://schemas.openxmlformats.org/drawingml/2006/main" xmlns:r="http://schemas.openxmlformats.org/officeDocument/2006/relationships" xmlns:p="http://schemas.openxmlformats.org/presentationml/2006/main">
-  <p:cSld>
-    <p:spTree>
-      <p:nvGrpSpPr>
-        <p:cNvPr id="1" name=""/>
-        <p:cNvGrpSpPr/>
-        <p:nvPr/>
-      </p:nvGrpSpPr>
-      <p:grpSpPr>
-        <a:xfrm>
-          <a:off x="0" y="0"/>
-          <a:ext cx="0" cy="0"/>
-          <a:chOff x="0" y="0"/>
-          <a:chExt cx="0" cy="0"/>
-        </a:xfrm>
-      </p:grpSpPr>
-      <p:sp>
-        <p:nvSpPr>
-          <p:cNvPr id="2" name="标题 1"/>
-          <p:cNvSpPr>
-            <a:spLocks noGrp="1"/>
-          </p:cNvSpPr>
-          <p:nvPr>
-            <p:ph type="title"/>
-          </p:nvPr>
-        </p:nvSpPr>
         <p:spPr/>
         <p:txBody>
           <a:bodyPr/>
           <a:lstStyle/>
           <a:p>
-            <a:r>
-              <a:rPr kumimoji="1" lang="en-US" altLang="zh-CN" dirty="0"/>
-              <a:t>2. </a:t>
-            </a:r>
-            <a:r>
-              <a:rPr kumimoji="1" lang="zh-CN" altLang="en-US" dirty="0"/>
-              <a:t>系统功能</a:t>
-            </a:r>
-          </a:p>
-        </p:txBody>
-      </p:sp>
-      <p:sp>
-        <p:nvSpPr>
-          <p:cNvPr id="4" name="日期占位符 3"/>
-          <p:cNvSpPr>
-            <a:spLocks noGrp="1"/>
-          </p:cNvSpPr>
-          <p:nvPr>
-            <p:ph type="dt" sz="half" idx="10"/>
-          </p:nvPr>
-        </p:nvSpPr>
-        <p:spPr/>
-        <p:txBody>
-          <a:bodyPr/>
-          <a:lstStyle/>
-          <a:p>
-            <a:fld id="{E4C0FD68-7273-B74C-8DEE-A395D4E30DE1}" type="datetime11">
-              <a:rPr lang="zh-CN" altLang="en-US" smtClean="0"/>
-              <a:t>19:54:12</a:t>
-            </a:fld>
-            <a:endParaRPr lang="zh-CN" altLang="en-US"/>
-          </a:p>
-        </p:txBody>
-      </p:sp>
-      <p:pic>
-        <p:nvPicPr>
-          <p:cNvPr id="6" name="图片 5"/>
-          <p:cNvPicPr>
-            <a:picLocks noChangeAspect="1"/>
-          </p:cNvPicPr>
-          <p:nvPr/>
-        </p:nvPicPr>
-        <p:blipFill rotWithShape="1">
-          <a:blip r:embed="rId2">
-            <a:extLst>
-              <a:ext uri="{28A0092B-C50C-407E-A947-70E740481C1C}">
-                <a14:useLocalDpi xmlns:a14="http://schemas.microsoft.com/office/drawing/2010/main" val="0"/>
-              </a:ext>
-            </a:extLst>
-          </a:blip>
-          <a:srcRect l="2342" t="13441" r="11455"/>
-          <a:stretch/>
-        </p:blipFill>
-        <p:spPr>
-          <a:xfrm>
-            <a:off x="628650" y="1237426"/>
-            <a:ext cx="7882359" cy="4912335"/>
-          </a:xfrm>
-          <a:prstGeom prst="rect">
-            <a:avLst/>
-          </a:prstGeom>
-        </p:spPr>
-      </p:pic>
-    </p:spTree>
-    <p:extLst>
-      <p:ext uri="{BB962C8B-B14F-4D97-AF65-F5344CB8AC3E}">
-        <p14:creationId xmlns:p14="http://schemas.microsoft.com/office/powerpoint/2010/main" val="2890550903"/>
-      </p:ext>
-    </p:extLst>
-  </p:cSld>
-  <p:clrMapOvr>
-    <a:masterClrMapping/>
-  </p:clrMapOvr>
-  <p:timing>
-    <p:tnLst>
-      <p:par>
-        <p:cTn id="1" dur="indefinite" restart="never" nodeType="tmRoot"/>
-      </p:par>
-    </p:tnLst>
-  </p:timing>
-</p:sld>
-</file>
-
-<file path=ppt/slides/slide12.xml><?xml version="1.0" encoding="utf-8"?>
-<p:sld xmlns:a="http://schemas.openxmlformats.org/drawingml/2006/main" xmlns:r="http://schemas.openxmlformats.org/officeDocument/2006/relationships" xmlns:p="http://schemas.openxmlformats.org/presentationml/2006/main">
-  <p:cSld>
-    <p:spTree>
-      <p:nvGrpSpPr>
-        <p:cNvPr id="1" name=""/>
-        <p:cNvGrpSpPr/>
-        <p:nvPr/>
-      </p:nvGrpSpPr>
-      <p:grpSpPr>
-        <a:xfrm>
-          <a:off x="0" y="0"/>
-          <a:ext cx="0" cy="0"/>
-          <a:chOff x="0" y="0"/>
-          <a:chExt cx="0" cy="0"/>
-        </a:xfrm>
-      </p:grpSpPr>
-      <p:sp>
-        <p:nvSpPr>
-          <p:cNvPr id="2" name="标题 1"/>
-          <p:cNvSpPr>
-            <a:spLocks noGrp="1"/>
-          </p:cNvSpPr>
-          <p:nvPr>
-            <p:ph type="title"/>
-          </p:nvPr>
-        </p:nvSpPr>
-        <p:spPr/>
-        <p:txBody>
-          <a:bodyPr/>
-          <a:lstStyle/>
-          <a:p>
-            <a:r>
-              <a:rPr kumimoji="1" lang="en-US" altLang="zh-CN" dirty="0"/>
-              <a:t>2. </a:t>
-            </a:r>
-            <a:r>
-              <a:rPr kumimoji="1" lang="zh-CN" altLang="en-US" dirty="0"/>
-              <a:t>系统功能</a:t>
-            </a:r>
-          </a:p>
-        </p:txBody>
-      </p:sp>
-      <p:sp>
-        <p:nvSpPr>
-          <p:cNvPr id="3" name="内容占位符 2"/>
-          <p:cNvSpPr>
-            <a:spLocks noGrp="1"/>
-          </p:cNvSpPr>
-          <p:nvPr>
-            <p:ph idx="1"/>
-          </p:nvPr>
-        </p:nvSpPr>
-        <p:spPr/>
-        <p:txBody>
-          <a:bodyPr/>
-          <a:lstStyle/>
-          <a:p>
-            <a:pPr marL="0" marR="0" lvl="0" indent="0" defTabSz="914400" eaLnBrk="1" fontAlgn="auto" latinLnBrk="0" hangingPunct="1">
-              <a:lnSpc>
-                <a:spcPct val="100000"/>
-              </a:lnSpc>
-              <a:spcBef>
-                <a:spcPts val="0"/>
-              </a:spcBef>
-              <a:spcAft>
-                <a:spcPts val="0"/>
-              </a:spcAft>
-              <a:buClrTx/>
-              <a:buSzTx/>
-              <a:buFontTx/>
-              <a:buNone/>
-              <a:tabLst/>
-              <a:defRPr/>
-            </a:pPr>
-            <a:r>
-              <a:rPr kumimoji="1" lang="zh-CN" altLang="en-US" dirty="0" smtClean="0"/>
-              <a:t>对比</a:t>
-            </a:r>
-            <a:r>
-              <a:rPr kumimoji="1" lang="en-US" altLang="zh-CN" dirty="0" smtClean="0"/>
-              <a:t>SCAU</a:t>
-            </a:r>
-            <a:endParaRPr kumimoji="1" lang="zh-CN" altLang="en-US" dirty="0"/>
-          </a:p>
-        </p:txBody>
-      </p:sp>
-      <p:sp>
-        <p:nvSpPr>
-          <p:cNvPr id="4" name="日期占位符 3"/>
-          <p:cNvSpPr>
-            <a:spLocks noGrp="1"/>
-          </p:cNvSpPr>
-          <p:nvPr>
-            <p:ph type="dt" sz="half" idx="10"/>
-          </p:nvPr>
-        </p:nvSpPr>
-        <p:spPr/>
-        <p:txBody>
-          <a:bodyPr/>
-          <a:lstStyle/>
-          <a:p>
-            <a:fld id="{E4C0FD68-7273-B74C-8DEE-A395D4E30DE1}" type="datetime11">
-              <a:rPr lang="zh-CN" altLang="en-US" smtClean="0"/>
-              <a:t>20:03:09</a:t>
-            </a:fld>
-            <a:endParaRPr lang="zh-CN" altLang="en-US"/>
-          </a:p>
-        </p:txBody>
-      </p:sp>
-      <p:pic>
-        <p:nvPicPr>
-          <p:cNvPr id="5" name="图片 4"/>
-          <p:cNvPicPr>
-            <a:picLocks noChangeAspect="1"/>
-          </p:cNvPicPr>
-          <p:nvPr/>
-        </p:nvPicPr>
-        <p:blipFill rotWithShape="1">
-          <a:blip r:embed="rId3">
-            <a:extLst>
-              <a:ext uri="{28A0092B-C50C-407E-A947-70E740481C1C}">
-                <a14:useLocalDpi xmlns:a14="http://schemas.microsoft.com/office/drawing/2010/main" val="0"/>
-              </a:ext>
-            </a:extLst>
-          </a:blip>
-          <a:srcRect b="21380"/>
-          <a:stretch/>
-        </p:blipFill>
-        <p:spPr>
-          <a:xfrm>
-            <a:off x="0" y="1030837"/>
-            <a:ext cx="9137243" cy="5325514"/>
-          </a:xfrm>
-          <a:prstGeom prst="rect">
-            <a:avLst/>
-          </a:prstGeom>
-        </p:spPr>
-      </p:pic>
-    </p:spTree>
-    <p:extLst>
-      <p:ext uri="{BB962C8B-B14F-4D97-AF65-F5344CB8AC3E}">
-        <p14:creationId xmlns:p14="http://schemas.microsoft.com/office/powerpoint/2010/main" val="1462443608"/>
-      </p:ext>
-    </p:extLst>
-  </p:cSld>
-  <p:clrMapOvr>
-    <a:masterClrMapping/>
-  </p:clrMapOvr>
-  <p:timing>
-    <p:tnLst>
-      <p:par>
-        <p:cTn id="1" dur="indefinite" restart="never" nodeType="tmRoot"/>
-      </p:par>
-    </p:tnLst>
-  </p:timing>
-</p:sld>
-</file>
-
-<file path=ppt/slides/slide13.xml><?xml version="1.0" encoding="utf-8"?>
-<p:sld xmlns:a="http://schemas.openxmlformats.org/drawingml/2006/main" xmlns:r="http://schemas.openxmlformats.org/officeDocument/2006/relationships" xmlns:p="http://schemas.openxmlformats.org/presentationml/2006/main">
-  <p:cSld>
-    <p:spTree>
-      <p:nvGrpSpPr>
-        <p:cNvPr id="1" name=""/>
-        <p:cNvGrpSpPr/>
-        <p:nvPr/>
-      </p:nvGrpSpPr>
-      <p:grpSpPr>
-        <a:xfrm>
-          <a:off x="0" y="0"/>
-          <a:ext cx="0" cy="0"/>
-          <a:chOff x="0" y="0"/>
-          <a:chExt cx="0" cy="0"/>
-        </a:xfrm>
-      </p:grpSpPr>
-      <p:sp>
-        <p:nvSpPr>
-          <p:cNvPr id="2" name="标题 1"/>
-          <p:cNvSpPr>
-            <a:spLocks noGrp="1"/>
-          </p:cNvSpPr>
-          <p:nvPr>
-            <p:ph type="title"/>
-          </p:nvPr>
-        </p:nvSpPr>
-        <p:spPr/>
-        <p:txBody>
-          <a:bodyPr/>
-          <a:lstStyle/>
-          <a:p>
-            <a:r>
-              <a:rPr kumimoji="1" lang="en-US" altLang="zh-CN" dirty="0"/>
-              <a:t>2. </a:t>
-            </a:r>
-            <a:r>
-              <a:rPr kumimoji="1" lang="zh-CN" altLang="en-US" dirty="0"/>
-              <a:t>系统功能</a:t>
-            </a:r>
-          </a:p>
-        </p:txBody>
-      </p:sp>
-      <p:sp>
-        <p:nvSpPr>
-          <p:cNvPr id="4" name="日期占位符 3"/>
-          <p:cNvSpPr>
-            <a:spLocks noGrp="1"/>
-          </p:cNvSpPr>
-          <p:nvPr>
-            <p:ph type="dt" sz="half" idx="10"/>
-          </p:nvPr>
-        </p:nvSpPr>
-        <p:spPr/>
-        <p:txBody>
-          <a:bodyPr/>
-          <a:lstStyle/>
-          <a:p>
-            <a:fld id="{E4C0FD68-7273-B74C-8DEE-A395D4E30DE1}" type="datetime11">
-              <a:rPr lang="zh-CN" altLang="en-US" smtClean="0"/>
-              <a:t>19:09:56</a:t>
-            </a:fld>
-            <a:endParaRPr lang="zh-CN" altLang="en-US"/>
-          </a:p>
-        </p:txBody>
-      </p:sp>
-      <p:pic>
-        <p:nvPicPr>
-          <p:cNvPr id="7" name="图片 6"/>
-          <p:cNvPicPr>
-            <a:picLocks noChangeAspect="1"/>
-          </p:cNvPicPr>
-          <p:nvPr/>
-        </p:nvPicPr>
-        <p:blipFill rotWithShape="1">
-          <a:blip r:embed="rId2">
-            <a:extLst>
-              <a:ext uri="{28A0092B-C50C-407E-A947-70E740481C1C}">
-                <a14:useLocalDpi xmlns:a14="http://schemas.microsoft.com/office/drawing/2010/main" val="0"/>
-              </a:ext>
-            </a:extLst>
-          </a:blip>
-          <a:srcRect l="3971" r="33144"/>
-          <a:stretch/>
-        </p:blipFill>
-        <p:spPr>
-          <a:xfrm>
-            <a:off x="4056499" y="1030835"/>
-            <a:ext cx="5085696" cy="5106077"/>
-          </a:xfrm>
-          <a:prstGeom prst="rect">
-            <a:avLst/>
-          </a:prstGeom>
-          <a:ln>
-            <a:solidFill>
-              <a:schemeClr val="tx1"/>
-            </a:solidFill>
-          </a:ln>
-        </p:spPr>
-      </p:pic>
-      <p:pic>
-        <p:nvPicPr>
-          <p:cNvPr id="8" name="图片 7"/>
-          <p:cNvPicPr>
-            <a:picLocks noChangeAspect="1"/>
-          </p:cNvPicPr>
-          <p:nvPr/>
-        </p:nvPicPr>
-        <p:blipFill rotWithShape="1">
-          <a:blip r:embed="rId3" cstate="print">
-            <a:extLst>
-              <a:ext uri="{28A0092B-C50C-407E-A947-70E740481C1C}">
-                <a14:useLocalDpi xmlns:a14="http://schemas.microsoft.com/office/drawing/2010/main" val="0"/>
-              </a:ext>
-            </a:extLst>
-          </a:blip>
-          <a:srcRect l="3817" t="1790" r="2902" b="27775"/>
-          <a:stretch/>
-        </p:blipFill>
-        <p:spPr>
-          <a:xfrm>
-            <a:off x="0" y="1030835"/>
-            <a:ext cx="4056499" cy="3252727"/>
-          </a:xfrm>
-          <a:prstGeom prst="rect">
-            <a:avLst/>
-          </a:prstGeom>
-          <a:ln>
-            <a:solidFill>
-              <a:schemeClr val="tx1"/>
-            </a:solidFill>
-          </a:ln>
-        </p:spPr>
-      </p:pic>
-      <p:sp>
-        <p:nvSpPr>
-          <p:cNvPr id="11" name="矩形 10"/>
-          <p:cNvSpPr/>
-          <p:nvPr/>
-        </p:nvSpPr>
-        <p:spPr>
-          <a:xfrm>
-            <a:off x="1380805" y="3387576"/>
-            <a:ext cx="1368531" cy="220929"/>
-          </a:xfrm>
-          <a:prstGeom prst="rect">
-            <a:avLst/>
-          </a:prstGeom>
-          <a:noFill/>
-          <a:ln w="38100">
-            <a:solidFill>
-              <a:srgbClr val="00B050"/>
-            </a:solidFill>
-          </a:ln>
-        </p:spPr>
-        <p:style>
-          <a:lnRef idx="2">
-            <a:schemeClr val="accent1">
-              <a:shade val="50000"/>
-            </a:schemeClr>
-          </a:lnRef>
-          <a:fillRef idx="1">
-            <a:schemeClr val="accent1"/>
-          </a:fillRef>
-          <a:effectRef idx="0">
-            <a:schemeClr val="accent1"/>
-          </a:effectRef>
-          <a:fontRef idx="minor">
-            <a:schemeClr val="lt1"/>
-          </a:fontRef>
-        </p:style>
-        <p:txBody>
-          <a:bodyPr rtlCol="0" anchor="ctr"/>
-          <a:lstStyle/>
-          <a:p>
-            <a:pPr algn="ctr"/>
-            <a:endParaRPr lang="zh-CN" altLang="en-US">
-              <a:solidFill>
-                <a:srgbClr val="FF0000"/>
-              </a:solidFill>
-            </a:endParaRPr>
-          </a:p>
-        </p:txBody>
-      </p:sp>
-      <p:sp>
-        <p:nvSpPr>
-          <p:cNvPr id="13" name="矩形 12"/>
-          <p:cNvSpPr/>
-          <p:nvPr/>
-        </p:nvSpPr>
-        <p:spPr>
-          <a:xfrm>
-            <a:off x="4750692" y="3736357"/>
-            <a:ext cx="3251842" cy="547205"/>
-          </a:xfrm>
-          <a:prstGeom prst="rect">
-            <a:avLst/>
-          </a:prstGeom>
-          <a:noFill/>
-          <a:ln w="25400">
-            <a:solidFill>
-              <a:srgbClr val="FF0000"/>
-            </a:solidFill>
-          </a:ln>
-        </p:spPr>
-        <p:style>
-          <a:lnRef idx="2">
-            <a:schemeClr val="accent1">
-              <a:shade val="50000"/>
-            </a:schemeClr>
-          </a:lnRef>
-          <a:fillRef idx="1">
-            <a:schemeClr val="accent1"/>
-          </a:fillRef>
-          <a:effectRef idx="0">
-            <a:schemeClr val="accent1"/>
-          </a:effectRef>
-          <a:fontRef idx="minor">
-            <a:schemeClr val="lt1"/>
-          </a:fontRef>
-        </p:style>
-        <p:txBody>
-          <a:bodyPr rtlCol="0" anchor="ctr"/>
-          <a:lstStyle/>
-          <a:p>
-            <a:pPr algn="ctr"/>
-            <a:endParaRPr lang="zh-CN" altLang="en-US">
-              <a:solidFill>
-                <a:srgbClr val="FF0000"/>
-              </a:solidFill>
-            </a:endParaRPr>
-          </a:p>
-        </p:txBody>
-      </p:sp>
-      <p:sp>
-        <p:nvSpPr>
-          <p:cNvPr id="14" name="矩形 13"/>
-          <p:cNvSpPr/>
-          <p:nvPr/>
-        </p:nvSpPr>
-        <p:spPr>
-          <a:xfrm>
-            <a:off x="4750692" y="4511107"/>
-            <a:ext cx="1842989" cy="168049"/>
-          </a:xfrm>
-          <a:prstGeom prst="rect">
-            <a:avLst/>
-          </a:prstGeom>
-          <a:noFill/>
-          <a:ln w="25400">
-            <a:solidFill>
-              <a:srgbClr val="FF0000"/>
-            </a:solidFill>
-          </a:ln>
-        </p:spPr>
-        <p:style>
-          <a:lnRef idx="2">
-            <a:schemeClr val="accent1">
-              <a:shade val="50000"/>
-            </a:schemeClr>
-          </a:lnRef>
-          <a:fillRef idx="1">
-            <a:schemeClr val="accent1"/>
-          </a:fillRef>
-          <a:effectRef idx="0">
-            <a:schemeClr val="accent1"/>
-          </a:effectRef>
-          <a:fontRef idx="minor">
-            <a:schemeClr val="lt1"/>
-          </a:fontRef>
-        </p:style>
-        <p:txBody>
-          <a:bodyPr rtlCol="0" anchor="ctr"/>
-          <a:lstStyle/>
-          <a:p>
-            <a:pPr algn="ctr"/>
-            <a:endParaRPr lang="zh-CN" altLang="en-US">
-              <a:solidFill>
-                <a:srgbClr val="FF0000"/>
-              </a:solidFill>
-            </a:endParaRPr>
-          </a:p>
-        </p:txBody>
-      </p:sp>
-      <p:sp>
-        <p:nvSpPr>
-          <p:cNvPr id="12" name="矩形 11"/>
-          <p:cNvSpPr/>
-          <p:nvPr/>
-        </p:nvSpPr>
-        <p:spPr>
-          <a:xfrm>
-            <a:off x="4750692" y="4305300"/>
-            <a:ext cx="1195290" cy="189666"/>
-          </a:xfrm>
-          <a:prstGeom prst="rect">
-            <a:avLst/>
-          </a:prstGeom>
-          <a:noFill/>
-          <a:ln w="38100">
-            <a:solidFill>
-              <a:srgbClr val="00B050"/>
-            </a:solidFill>
-          </a:ln>
-        </p:spPr>
-        <p:style>
-          <a:lnRef idx="2">
-            <a:schemeClr val="accent1">
-              <a:shade val="50000"/>
-            </a:schemeClr>
-          </a:lnRef>
-          <a:fillRef idx="1">
-            <a:schemeClr val="accent1"/>
-          </a:fillRef>
-          <a:effectRef idx="0">
-            <a:schemeClr val="accent1"/>
-          </a:effectRef>
-          <a:fontRef idx="minor">
-            <a:schemeClr val="lt1"/>
-          </a:fontRef>
-        </p:style>
-        <p:txBody>
-          <a:bodyPr rtlCol="0" anchor="ctr"/>
-          <a:lstStyle/>
-          <a:p>
-            <a:pPr algn="ctr"/>
-            <a:endParaRPr lang="zh-CN" altLang="en-US">
-              <a:solidFill>
-                <a:srgbClr val="FF0000"/>
-              </a:solidFill>
-            </a:endParaRPr>
-          </a:p>
-        </p:txBody>
-      </p:sp>
-      <p:sp>
-        <p:nvSpPr>
-          <p:cNvPr id="15" name="矩形 14"/>
-          <p:cNvSpPr/>
-          <p:nvPr/>
-        </p:nvSpPr>
-        <p:spPr>
-          <a:xfrm>
-            <a:off x="4102993" y="2994814"/>
-            <a:ext cx="2070741" cy="196382"/>
-          </a:xfrm>
-          <a:prstGeom prst="rect">
-            <a:avLst/>
-          </a:prstGeom>
-          <a:noFill/>
-          <a:ln w="25400">
-            <a:solidFill>
-              <a:srgbClr val="FF0000"/>
-            </a:solidFill>
-          </a:ln>
-        </p:spPr>
-        <p:style>
-          <a:lnRef idx="2">
-            <a:schemeClr val="accent1">
-              <a:shade val="50000"/>
-            </a:schemeClr>
-          </a:lnRef>
-          <a:fillRef idx="1">
-            <a:schemeClr val="accent1"/>
-          </a:fillRef>
-          <a:effectRef idx="0">
-            <a:schemeClr val="accent1"/>
-          </a:effectRef>
-          <a:fontRef idx="minor">
-            <a:schemeClr val="lt1"/>
-          </a:fontRef>
-        </p:style>
-        <p:txBody>
-          <a:bodyPr rtlCol="0" anchor="ctr"/>
-          <a:lstStyle/>
-          <a:p>
-            <a:pPr algn="ctr"/>
-            <a:endParaRPr lang="zh-CN" altLang="en-US">
-              <a:solidFill>
-                <a:srgbClr val="FF0000"/>
-              </a:solidFill>
-            </a:endParaRPr>
-          </a:p>
-        </p:txBody>
-      </p:sp>
-    </p:spTree>
-    <p:extLst>
-      <p:ext uri="{BB962C8B-B14F-4D97-AF65-F5344CB8AC3E}">
-        <p14:creationId xmlns:p14="http://schemas.microsoft.com/office/powerpoint/2010/main" val="626279234"/>
-      </p:ext>
-    </p:extLst>
-  </p:cSld>
-  <p:clrMapOvr>
-    <a:masterClrMapping/>
-  </p:clrMapOvr>
-  <p:timing>
-    <p:tnLst>
-      <p:par>
-        <p:cTn id="1" dur="indefinite" restart="never" nodeType="tmRoot"/>
-      </p:par>
-    </p:tnLst>
-  </p:timing>
-</p:sld>
-</file>
-
-<file path=ppt/slides/slide14.xml><?xml version="1.0" encoding="utf-8"?>
-<p:sld xmlns:a="http://schemas.openxmlformats.org/drawingml/2006/main" xmlns:r="http://schemas.openxmlformats.org/officeDocument/2006/relationships" xmlns:p="http://schemas.openxmlformats.org/presentationml/2006/main">
-  <p:cSld>
-    <p:spTree>
-      <p:nvGrpSpPr>
-        <p:cNvPr id="1" name=""/>
-        <p:cNvGrpSpPr/>
-        <p:nvPr/>
-      </p:nvGrpSpPr>
-      <p:grpSpPr>
-        <a:xfrm>
-          <a:off x="0" y="0"/>
-          <a:ext cx="0" cy="0"/>
-          <a:chOff x="0" y="0"/>
-          <a:chExt cx="0" cy="0"/>
-        </a:xfrm>
-      </p:grpSpPr>
-      <p:sp>
-        <p:nvSpPr>
-          <p:cNvPr id="5" name="标题 4"/>
-          <p:cNvSpPr>
-            <a:spLocks noGrp="1"/>
-          </p:cNvSpPr>
-          <p:nvPr>
-            <p:ph type="title"/>
-          </p:nvPr>
-        </p:nvSpPr>
-        <p:spPr>
-          <a:xfrm>
-            <a:off x="628650" y="1752698"/>
-            <a:ext cx="7886700" cy="2181064"/>
-          </a:xfrm>
-        </p:spPr>
-        <p:txBody>
-          <a:bodyPr/>
-          <a:lstStyle/>
-          <a:p>
-            <a:pPr algn="ctr"/>
-            <a:r>
-              <a:rPr lang="en-US" altLang="zh-CN" b="1" dirty="0" smtClean="0"/>
-              <a:t>3. </a:t>
-            </a:r>
-            <a:r>
-              <a:rPr lang="zh-CN" altLang="en-US" b="1" dirty="0" smtClean="0"/>
-              <a:t>系统架构</a:t>
-            </a:r>
-            <a:endParaRPr lang="zh-CN" altLang="en-US" b="1" dirty="0"/>
-          </a:p>
-        </p:txBody>
-      </p:sp>
-      <p:sp>
-        <p:nvSpPr>
-          <p:cNvPr id="4" name="日期占位符 3"/>
-          <p:cNvSpPr>
-            <a:spLocks noGrp="1"/>
-          </p:cNvSpPr>
-          <p:nvPr>
-            <p:ph type="dt" sz="half" idx="10"/>
-          </p:nvPr>
-        </p:nvSpPr>
-        <p:spPr/>
-        <p:txBody>
-          <a:bodyPr/>
-          <a:lstStyle/>
-          <a:p>
-            <a:fld id="{E093F988-9A29-5E45-8D20-69A04853E7AD}" type="datetime11">
-              <a:rPr lang="zh-CN" altLang="en-US" smtClean="0"/>
-              <a:t>20:20:56</a:t>
-            </a:fld>
-            <a:endParaRPr lang="zh-CN" altLang="en-US"/>
-          </a:p>
-        </p:txBody>
-      </p:sp>
-    </p:spTree>
-    <p:extLst>
-      <p:ext uri="{BB962C8B-B14F-4D97-AF65-F5344CB8AC3E}">
-        <p14:creationId xmlns:p14="http://schemas.microsoft.com/office/powerpoint/2010/main" val="1696980788"/>
-      </p:ext>
-    </p:extLst>
-  </p:cSld>
-  <p:clrMapOvr>
-    <a:masterClrMapping/>
-  </p:clrMapOvr>
-</p:sld>
-</file>
-
-<file path=ppt/slides/slide15.xml><?xml version="1.0" encoding="utf-8"?>
-<p:sld xmlns:a="http://schemas.openxmlformats.org/drawingml/2006/main" xmlns:r="http://schemas.openxmlformats.org/officeDocument/2006/relationships" xmlns:p="http://schemas.openxmlformats.org/presentationml/2006/main">
-  <p:cSld>
-    <p:spTree>
-      <p:nvGrpSpPr>
-        <p:cNvPr id="1" name=""/>
-        <p:cNvGrpSpPr/>
-        <p:nvPr/>
-      </p:nvGrpSpPr>
-      <p:grpSpPr>
-        <a:xfrm>
-          <a:off x="0" y="0"/>
-          <a:ext cx="0" cy="0"/>
-          <a:chOff x="0" y="0"/>
-          <a:chExt cx="0" cy="0"/>
-        </a:xfrm>
-      </p:grpSpPr>
-      <p:sp>
-        <p:nvSpPr>
-          <p:cNvPr id="2" name="日期占位符 1"/>
-          <p:cNvSpPr>
-            <a:spLocks noGrp="1"/>
-          </p:cNvSpPr>
-          <p:nvPr>
-            <p:ph type="dt" sz="half" idx="10"/>
-          </p:nvPr>
-        </p:nvSpPr>
-        <p:spPr/>
-        <p:txBody>
-          <a:bodyPr/>
-          <a:lstStyle/>
-          <a:p>
-            <a:fld id="{4D233439-5E16-0648-BDD8-E0B3303C482E}" type="datetime11">
-              <a:rPr lang="zh-CN" altLang="en-US" smtClean="0"/>
-              <a:t>19:09:56</a:t>
-            </a:fld>
-            <a:endParaRPr lang="zh-CN" altLang="en-US"/>
-          </a:p>
-        </p:txBody>
-      </p:sp>
-      <p:sp>
-        <p:nvSpPr>
-          <p:cNvPr id="7" name="标题 1"/>
-          <p:cNvSpPr>
-            <a:spLocks noGrp="1"/>
-          </p:cNvSpPr>
-          <p:nvPr>
-            <p:ph type="title"/>
-          </p:nvPr>
-        </p:nvSpPr>
-        <p:spPr>
-          <a:xfrm>
-            <a:off x="0" y="0"/>
-            <a:ext cx="6019196" cy="1030837"/>
-          </a:xfrm>
-        </p:spPr>
-        <p:txBody>
-          <a:bodyPr>
-            <a:normAutofit/>
-          </a:bodyPr>
-          <a:lstStyle/>
-          <a:p>
-            <a:r>
-              <a:rPr kumimoji="1" lang="en-US" altLang="zh-CN" dirty="0"/>
-              <a:t>3</a:t>
-            </a:r>
-            <a:r>
-              <a:rPr kumimoji="1" lang="en-US" altLang="zh-CN" dirty="0" smtClean="0"/>
-              <a:t>. </a:t>
-            </a:r>
-            <a:r>
-              <a:rPr kumimoji="1" lang="zh-CN" altLang="en-US" dirty="0" smtClean="0"/>
-              <a:t>系统</a:t>
-            </a:r>
-            <a:r>
-              <a:rPr kumimoji="1" lang="zh-CN" altLang="en-US" dirty="0"/>
-              <a:t>架构</a:t>
-            </a:r>
-          </a:p>
-        </p:txBody>
-      </p:sp>
-      <p:pic>
-        <p:nvPicPr>
-          <p:cNvPr id="5" name="图片 4"/>
-          <p:cNvPicPr>
-            <a:picLocks noChangeAspect="1"/>
-          </p:cNvPicPr>
-          <p:nvPr/>
-        </p:nvPicPr>
-        <p:blipFill>
-          <a:blip r:embed="rId2"/>
-          <a:stretch>
-            <a:fillRect/>
-          </a:stretch>
-        </p:blipFill>
-        <p:spPr>
-          <a:xfrm>
-            <a:off x="473115" y="1030837"/>
-            <a:ext cx="8167320" cy="5827163"/>
-          </a:xfrm>
-          <a:prstGeom prst="rect">
-            <a:avLst/>
-          </a:prstGeom>
-        </p:spPr>
-      </p:pic>
-    </p:spTree>
-    <p:extLst>
-      <p:ext uri="{BB962C8B-B14F-4D97-AF65-F5344CB8AC3E}">
-        <p14:creationId xmlns:p14="http://schemas.microsoft.com/office/powerpoint/2010/main" val="3722289401"/>
-      </p:ext>
-    </p:extLst>
-  </p:cSld>
-  <p:clrMapOvr>
-    <a:masterClrMapping/>
-  </p:clrMapOvr>
-  <p:timing>
-    <p:tnLst>
-      <p:par>
-        <p:cTn id="1" dur="indefinite" restart="never" nodeType="tmRoot"/>
-      </p:par>
-    </p:tnLst>
-  </p:timing>
-</p:sld>
-</file>
-
-<file path=ppt/slides/slide16.xml><?xml version="1.0" encoding="utf-8"?>
-<p:sld xmlns:a="http://schemas.openxmlformats.org/drawingml/2006/main" xmlns:r="http://schemas.openxmlformats.org/officeDocument/2006/relationships" xmlns:p="http://schemas.openxmlformats.org/presentationml/2006/main">
-  <p:cSld>
-    <p:spTree>
-      <p:nvGrpSpPr>
-        <p:cNvPr id="1" name=""/>
-        <p:cNvGrpSpPr/>
-        <p:nvPr/>
-      </p:nvGrpSpPr>
-      <p:grpSpPr>
-        <a:xfrm>
-          <a:off x="0" y="0"/>
-          <a:ext cx="0" cy="0"/>
-          <a:chOff x="0" y="0"/>
-          <a:chExt cx="0" cy="0"/>
-        </a:xfrm>
-      </p:grpSpPr>
-      <p:sp>
-        <p:nvSpPr>
-          <p:cNvPr id="2" name="日期占位符 1"/>
-          <p:cNvSpPr>
-            <a:spLocks noGrp="1"/>
-          </p:cNvSpPr>
-          <p:nvPr>
-            <p:ph type="dt" sz="half" idx="10"/>
-          </p:nvPr>
-        </p:nvSpPr>
-        <p:spPr/>
-        <p:txBody>
-          <a:bodyPr/>
-          <a:lstStyle/>
-          <a:p>
-            <a:fld id="{4D233439-5E16-0648-BDD8-E0B3303C482E}" type="datetime11">
-              <a:rPr lang="zh-CN" altLang="en-US" smtClean="0"/>
-              <a:t>19:09:56</a:t>
-            </a:fld>
-            <a:endParaRPr lang="zh-CN" altLang="en-US"/>
-          </a:p>
-        </p:txBody>
-      </p:sp>
-      <p:sp>
-        <p:nvSpPr>
-          <p:cNvPr id="4" name="标题 1"/>
-          <p:cNvSpPr>
-            <a:spLocks noGrp="1"/>
-          </p:cNvSpPr>
-          <p:nvPr>
-            <p:ph type="title"/>
-          </p:nvPr>
-        </p:nvSpPr>
-        <p:spPr>
-          <a:xfrm>
-            <a:off x="0" y="0"/>
-            <a:ext cx="6019196" cy="1030837"/>
-          </a:xfrm>
-        </p:spPr>
-        <p:txBody>
-          <a:bodyPr>
-            <a:normAutofit/>
-          </a:bodyPr>
-          <a:lstStyle/>
-          <a:p>
-            <a:r>
-              <a:rPr kumimoji="1" lang="en-US" altLang="zh-CN" dirty="0"/>
-              <a:t>3</a:t>
-            </a:r>
-            <a:r>
-              <a:rPr kumimoji="1" lang="en-US" altLang="zh-CN" dirty="0" smtClean="0"/>
-              <a:t>. </a:t>
-            </a:r>
-            <a:r>
-              <a:rPr kumimoji="1" lang="zh-CN" altLang="en-US" dirty="0" smtClean="0"/>
-              <a:t>系统</a:t>
-            </a:r>
-            <a:r>
-              <a:rPr kumimoji="1" lang="zh-CN" altLang="en-US" dirty="0"/>
-              <a:t>架构</a:t>
-            </a:r>
-          </a:p>
-        </p:txBody>
-      </p:sp>
-      <p:pic>
-        <p:nvPicPr>
-          <p:cNvPr id="6" name="图片 5"/>
-          <p:cNvPicPr>
-            <a:picLocks noChangeAspect="1"/>
-          </p:cNvPicPr>
-          <p:nvPr/>
-        </p:nvPicPr>
-        <p:blipFill>
-          <a:blip r:embed="rId2"/>
-          <a:stretch>
-            <a:fillRect/>
-          </a:stretch>
-        </p:blipFill>
-        <p:spPr>
-          <a:xfrm>
-            <a:off x="511043" y="1030837"/>
-            <a:ext cx="8051534" cy="5827163"/>
-          </a:xfrm>
-          <a:prstGeom prst="rect">
-            <a:avLst/>
-          </a:prstGeom>
-        </p:spPr>
-      </p:pic>
-    </p:spTree>
-    <p:extLst>
-      <p:ext uri="{BB962C8B-B14F-4D97-AF65-F5344CB8AC3E}">
-        <p14:creationId xmlns:p14="http://schemas.microsoft.com/office/powerpoint/2010/main" val="331014007"/>
-      </p:ext>
-    </p:extLst>
-  </p:cSld>
-  <p:clrMapOvr>
-    <a:masterClrMapping/>
-  </p:clrMapOvr>
-  <p:timing>
-    <p:tnLst>
-      <p:par>
-        <p:cTn id="1" dur="indefinite" restart="never" nodeType="tmRoot"/>
-      </p:par>
-    </p:tnLst>
-  </p:timing>
-</p:sld>
-</file>
-
-<file path=ppt/slides/slide17.xml><?xml version="1.0" encoding="utf-8"?>
-<p:sld xmlns:a="http://schemas.openxmlformats.org/drawingml/2006/main" xmlns:r="http://schemas.openxmlformats.org/officeDocument/2006/relationships" xmlns:p="http://schemas.openxmlformats.org/presentationml/2006/main">
-  <p:cSld>
-    <p:spTree>
-      <p:nvGrpSpPr>
-        <p:cNvPr id="1" name=""/>
-        <p:cNvGrpSpPr/>
-        <p:nvPr/>
-      </p:nvGrpSpPr>
-      <p:grpSpPr>
-        <a:xfrm>
-          <a:off x="0" y="0"/>
-          <a:ext cx="0" cy="0"/>
-          <a:chOff x="0" y="0"/>
-          <a:chExt cx="0" cy="0"/>
-        </a:xfrm>
-      </p:grpSpPr>
-      <p:sp>
-        <p:nvSpPr>
-          <p:cNvPr id="5" name="标题 4"/>
-          <p:cNvSpPr>
-            <a:spLocks noGrp="1"/>
-          </p:cNvSpPr>
-          <p:nvPr>
-            <p:ph type="title"/>
-          </p:nvPr>
-        </p:nvSpPr>
-        <p:spPr>
-          <a:xfrm>
-            <a:off x="628650" y="1752698"/>
-            <a:ext cx="7886700" cy="2181064"/>
-          </a:xfrm>
-        </p:spPr>
-        <p:txBody>
-          <a:bodyPr/>
-          <a:lstStyle/>
-          <a:p>
-            <a:pPr algn="ctr"/>
-            <a:r>
-              <a:rPr lang="en-US" altLang="zh-CN" b="1" dirty="0"/>
-              <a:t>4</a:t>
-            </a:r>
-            <a:r>
-              <a:rPr lang="en-US" altLang="zh-CN" b="1" dirty="0" smtClean="0"/>
-              <a:t>. </a:t>
-            </a:r>
-            <a:r>
-              <a:rPr lang="zh-CN" altLang="en-US" b="1" dirty="0" smtClean="0"/>
-              <a:t>总结</a:t>
-            </a:r>
-            <a:endParaRPr lang="zh-CN" altLang="en-US" b="1" dirty="0"/>
-          </a:p>
-        </p:txBody>
-      </p:sp>
-      <p:sp>
-        <p:nvSpPr>
-          <p:cNvPr id="4" name="日期占位符 3"/>
-          <p:cNvSpPr>
-            <a:spLocks noGrp="1"/>
-          </p:cNvSpPr>
-          <p:nvPr>
-            <p:ph type="dt" sz="half" idx="10"/>
-          </p:nvPr>
-        </p:nvSpPr>
-        <p:spPr/>
-        <p:txBody>
-          <a:bodyPr/>
-          <a:lstStyle/>
-          <a:p>
-            <a:fld id="{E093F988-9A29-5E45-8D20-69A04853E7AD}" type="datetime11">
-              <a:rPr lang="zh-CN" altLang="en-US" smtClean="0"/>
-              <a:t>20:25:00</a:t>
-            </a:fld>
-            <a:endParaRPr lang="zh-CN" altLang="en-US"/>
-          </a:p>
-        </p:txBody>
-      </p:sp>
-    </p:spTree>
-    <p:extLst>
-      <p:ext uri="{BB962C8B-B14F-4D97-AF65-F5344CB8AC3E}">
-        <p14:creationId xmlns:p14="http://schemas.microsoft.com/office/powerpoint/2010/main" val="2220124822"/>
-      </p:ext>
-    </p:extLst>
-  </p:cSld>
-  <p:clrMapOvr>
-    <a:masterClrMapping/>
-  </p:clrMapOvr>
-</p:sld>
-</file>
-
-<file path=ppt/slides/slide18.xml><?xml version="1.0" encoding="utf-8"?>
-<p:sld xmlns:a="http://schemas.openxmlformats.org/drawingml/2006/main" xmlns:r="http://schemas.openxmlformats.org/officeDocument/2006/relationships" xmlns:p="http://schemas.openxmlformats.org/presentationml/2006/main">
-  <p:cSld>
-    <p:spTree>
-      <p:nvGrpSpPr>
-        <p:cNvPr id="1" name=""/>
-        <p:cNvGrpSpPr/>
-        <p:nvPr/>
-      </p:nvGrpSpPr>
-      <p:grpSpPr>
-        <a:xfrm>
-          <a:off x="0" y="0"/>
-          <a:ext cx="0" cy="0"/>
-          <a:chOff x="0" y="0"/>
-          <a:chExt cx="0" cy="0"/>
-        </a:xfrm>
-      </p:grpSpPr>
-      <p:sp>
-        <p:nvSpPr>
-          <p:cNvPr id="2" name="标题 1"/>
-          <p:cNvSpPr>
-            <a:spLocks noGrp="1"/>
-          </p:cNvSpPr>
-          <p:nvPr>
-            <p:ph type="title"/>
-          </p:nvPr>
-        </p:nvSpPr>
-        <p:spPr/>
-        <p:txBody>
-          <a:bodyPr/>
-          <a:lstStyle/>
-          <a:p>
-            <a:r>
-              <a:rPr lang="en-US" altLang="zh-CN" dirty="0" smtClean="0"/>
-              <a:t>4. </a:t>
-            </a:r>
-            <a:r>
-              <a:rPr lang="zh-CN" altLang="en-US" dirty="0" smtClean="0"/>
-              <a:t>总结</a:t>
-            </a:r>
-            <a:endParaRPr lang="zh-CN" altLang="en-US" dirty="0"/>
-          </a:p>
-        </p:txBody>
-      </p:sp>
-      <p:sp>
-        <p:nvSpPr>
-          <p:cNvPr id="3" name="内容占位符 2"/>
-          <p:cNvSpPr>
-            <a:spLocks noGrp="1"/>
-          </p:cNvSpPr>
-          <p:nvPr>
-            <p:ph idx="1"/>
-          </p:nvPr>
-        </p:nvSpPr>
-        <p:spPr/>
-        <p:txBody>
-          <a:bodyPr>
-            <a:normAutofit/>
-          </a:bodyPr>
-          <a:lstStyle/>
-          <a:p>
-            <a:pPr marL="0" indent="0">
-              <a:buNone/>
-            </a:pPr>
-            <a:r>
-              <a:rPr lang="zh-CN" altLang="en-US" b="1" dirty="0" smtClean="0"/>
-              <a:t>工作总结</a:t>
-            </a:r>
-            <a:endParaRPr lang="en-US" altLang="zh-CN" dirty="0" smtClean="0"/>
-          </a:p>
-          <a:p>
-            <a:pPr marL="514350" indent="-514350">
-              <a:buFont typeface="+mj-lt"/>
-              <a:buAutoNum type="arabicPeriod"/>
-            </a:pPr>
-            <a:r>
-              <a:rPr lang="zh-CN" altLang="en-US" dirty="0" smtClean="0"/>
-              <a:t>实现支持集群、增量抓取数据的网络爬虫</a:t>
-            </a:r>
-            <a:endParaRPr lang="en-US" altLang="zh-CN" dirty="0" smtClean="0"/>
-          </a:p>
-          <a:p>
-            <a:pPr marL="514350" indent="-514350">
-              <a:buFont typeface="+mj-lt"/>
-              <a:buAutoNum type="arabicPeriod"/>
-            </a:pPr>
-            <a:r>
-              <a:rPr lang="zh-CN" altLang="en-US" dirty="0" smtClean="0"/>
-              <a:t>实现针对计算机专业的资源检索功能</a:t>
-            </a:r>
-            <a:endParaRPr lang="en-US" altLang="zh-CN" dirty="0" smtClean="0"/>
-          </a:p>
-          <a:p>
-            <a:pPr marL="514350" indent="-514350">
-              <a:buFont typeface="+mj-lt"/>
-              <a:buAutoNum type="arabicPeriod"/>
-            </a:pPr>
-            <a:r>
-              <a:rPr lang="zh-CN" altLang="en-US" dirty="0" smtClean="0"/>
-              <a:t>实现较健壮、部署难度低的代码评判器</a:t>
-            </a:r>
-            <a:endParaRPr lang="en-US" altLang="zh-CN" dirty="0" smtClean="0"/>
-          </a:p>
-          <a:p>
-            <a:pPr marL="514350" indent="-514350">
-              <a:buFont typeface="+mj-lt"/>
-              <a:buAutoNum type="arabicPeriod"/>
-            </a:pPr>
-            <a:r>
-              <a:rPr lang="zh-CN" altLang="en-US" dirty="0" smtClean="0"/>
-              <a:t>将</a:t>
-            </a:r>
-            <a:r>
-              <a:rPr lang="zh-CN" altLang="en-US" dirty="0"/>
-              <a:t>学习资源与编程题目关联，理论结合</a:t>
-            </a:r>
-            <a:r>
-              <a:rPr lang="zh-CN" altLang="en-US" dirty="0" smtClean="0"/>
-              <a:t>实践</a:t>
-            </a:r>
-            <a:endParaRPr lang="en-US" altLang="zh-CN" dirty="0" smtClean="0"/>
-          </a:p>
-          <a:p>
-            <a:pPr marL="0" indent="0">
-              <a:buNone/>
-            </a:pPr>
-            <a:r>
-              <a:rPr lang="zh-CN" altLang="en-US" b="1" dirty="0" smtClean="0"/>
-              <a:t>需要改进</a:t>
-            </a:r>
-            <a:endParaRPr lang="en-US" altLang="zh-CN" b="1" dirty="0" smtClean="0"/>
-          </a:p>
-          <a:p>
-            <a:pPr marL="514350" indent="-514350">
-              <a:buFont typeface="+mj-lt"/>
-              <a:buAutoNum type="arabicPeriod"/>
-            </a:pPr>
-            <a:r>
-              <a:rPr lang="zh-CN" altLang="en-US" dirty="0" smtClean="0"/>
-              <a:t>需要一种算法为没有标签的学习资源打标签</a:t>
-            </a:r>
-            <a:endParaRPr lang="en-US" altLang="zh-CN" dirty="0" smtClean="0"/>
-          </a:p>
-          <a:p>
-            <a:pPr marL="514350" indent="-514350">
-              <a:buFont typeface="+mj-lt"/>
-              <a:buAutoNum type="arabicPeriod"/>
-            </a:pPr>
-            <a:r>
-              <a:rPr lang="zh-CN" altLang="en-US" dirty="0"/>
-              <a:t>需要</a:t>
-            </a:r>
-            <a:r>
-              <a:rPr lang="zh-CN" altLang="en-US" dirty="0" smtClean="0"/>
-              <a:t>增加评判器所支持的编程语言数量</a:t>
-            </a:r>
-            <a:endParaRPr lang="en-US" altLang="zh-CN" dirty="0" smtClean="0"/>
-          </a:p>
-          <a:p>
-            <a:pPr marL="514350" indent="-514350">
-              <a:buFont typeface="+mj-lt"/>
-              <a:buAutoNum type="arabicPeriod"/>
-            </a:pPr>
-            <a:r>
-              <a:rPr lang="zh-CN" altLang="en-US" dirty="0" smtClean="0"/>
-              <a:t>完善前端界面，优化用户体验</a:t>
-            </a:r>
-            <a:endParaRPr lang="zh-CN" altLang="en-US" dirty="0"/>
-          </a:p>
-        </p:txBody>
-      </p:sp>
-      <p:sp>
-        <p:nvSpPr>
-          <p:cNvPr id="4" name="日期占位符 3"/>
-          <p:cNvSpPr>
-            <a:spLocks noGrp="1"/>
-          </p:cNvSpPr>
-          <p:nvPr>
-            <p:ph type="dt" sz="half" idx="10"/>
-          </p:nvPr>
-        </p:nvSpPr>
-        <p:spPr/>
-        <p:txBody>
-          <a:bodyPr/>
-          <a:lstStyle/>
-          <a:p>
-            <a:fld id="{E093F988-9A29-5E45-8D20-69A04853E7AD}" type="datetime11">
-              <a:rPr lang="zh-CN" altLang="en-US" smtClean="0"/>
-              <a:t>19:09:56</a:t>
-            </a:fld>
-            <a:endParaRPr lang="zh-CN" altLang="en-US"/>
-          </a:p>
-        </p:txBody>
-      </p:sp>
-    </p:spTree>
-    <p:extLst>
-      <p:ext uri="{BB962C8B-B14F-4D97-AF65-F5344CB8AC3E}">
-        <p14:creationId xmlns:p14="http://schemas.microsoft.com/office/powerpoint/2010/main" val="2593667565"/>
-      </p:ext>
-    </p:extLst>
-  </p:cSld>
-  <p:clrMapOvr>
-    <a:masterClrMapping/>
-  </p:clrMapOvr>
-  <p:timing>
-    <p:tnLst>
-      <p:par>
-        <p:cTn id="1" dur="indefinite" restart="never" nodeType="tmRoot"/>
-      </p:par>
-    </p:tnLst>
-  </p:timing>
-</p:sld>
-</file>
-
-<file path=ppt/slides/slide19.xml><?xml version="1.0" encoding="utf-8"?>
-<p:sld xmlns:a="http://schemas.openxmlformats.org/drawingml/2006/main" xmlns:r="http://schemas.openxmlformats.org/officeDocument/2006/relationships" xmlns:p="http://schemas.openxmlformats.org/presentationml/2006/main">
-  <p:cSld>
-    <p:spTree>
-      <p:nvGrpSpPr>
-        <p:cNvPr id="1" name=""/>
-        <p:cNvGrpSpPr/>
-        <p:nvPr/>
-      </p:nvGrpSpPr>
-      <p:grpSpPr>
-        <a:xfrm>
-          <a:off x="0" y="0"/>
-          <a:ext cx="0" cy="0"/>
-          <a:chOff x="0" y="0"/>
-          <a:chExt cx="0" cy="0"/>
-        </a:xfrm>
-      </p:grpSpPr>
-      <p:sp>
-        <p:nvSpPr>
-          <p:cNvPr id="5" name="标题 4"/>
-          <p:cNvSpPr>
-            <a:spLocks noGrp="1"/>
-          </p:cNvSpPr>
-          <p:nvPr>
-            <p:ph type="title"/>
-          </p:nvPr>
-        </p:nvSpPr>
-        <p:spPr>
-          <a:xfrm>
-            <a:off x="628650" y="1752698"/>
-            <a:ext cx="7886700" cy="2181064"/>
-          </a:xfrm>
-        </p:spPr>
-        <p:txBody>
-          <a:bodyPr/>
-          <a:lstStyle/>
-          <a:p>
-            <a:pPr algn="ctr"/>
-            <a:r>
-              <a:rPr lang="en-US" altLang="zh-CN" b="1" dirty="0" smtClean="0"/>
-              <a:t>5. </a:t>
-            </a:r>
-            <a:r>
-              <a:rPr lang="zh-CN" altLang="en-US" b="1" dirty="0"/>
-              <a:t>致谢</a:t>
-            </a:r>
-          </a:p>
-        </p:txBody>
-      </p:sp>
-      <p:sp>
-        <p:nvSpPr>
-          <p:cNvPr id="4" name="日期占位符 3"/>
-          <p:cNvSpPr>
-            <a:spLocks noGrp="1"/>
-          </p:cNvSpPr>
-          <p:nvPr>
-            <p:ph type="dt" sz="half" idx="10"/>
-          </p:nvPr>
-        </p:nvSpPr>
-        <p:spPr/>
-        <p:txBody>
-          <a:bodyPr/>
-          <a:lstStyle/>
-          <a:p>
-            <a:fld id="{E093F988-9A29-5E45-8D20-69A04853E7AD}" type="datetime11">
-              <a:rPr lang="zh-CN" altLang="en-US" smtClean="0"/>
-              <a:t>20:25:12</a:t>
-            </a:fld>
-            <a:endParaRPr lang="zh-CN" altLang="en-US"/>
-          </a:p>
-        </p:txBody>
-      </p:sp>
-    </p:spTree>
-    <p:extLst>
-      <p:ext uri="{BB962C8B-B14F-4D97-AF65-F5344CB8AC3E}">
-        <p14:creationId xmlns:p14="http://schemas.microsoft.com/office/powerpoint/2010/main" val="663918564"/>
-      </p:ext>
-    </p:extLst>
-  </p:cSld>
-  <p:clrMapOvr>
-    <a:masterClrMapping/>
-  </p:clrMapOvr>
-</p:sld>
-</file>
-
-<file path=ppt/slides/slide2.xml><?xml version="1.0" encoding="utf-8"?>
-<p:sld xmlns:a="http://schemas.openxmlformats.org/drawingml/2006/main" xmlns:r="http://schemas.openxmlformats.org/officeDocument/2006/relationships" xmlns:p="http://schemas.openxmlformats.org/presentationml/2006/main">
-  <p:cSld>
-    <p:spTree>
-      <p:nvGrpSpPr>
-        <p:cNvPr id="1" name=""/>
-        <p:cNvGrpSpPr/>
-        <p:nvPr/>
-      </p:nvGrpSpPr>
-      <p:grpSpPr>
-        <a:xfrm>
-          <a:off x="0" y="0"/>
-          <a:ext cx="0" cy="0"/>
-          <a:chOff x="0" y="0"/>
-          <a:chExt cx="0" cy="0"/>
-        </a:xfrm>
-      </p:grpSpPr>
-      <p:sp>
-        <p:nvSpPr>
-          <p:cNvPr id="2" name="标题 1"/>
-          <p:cNvSpPr>
-            <a:spLocks noGrp="1"/>
-          </p:cNvSpPr>
-          <p:nvPr>
-            <p:ph type="title"/>
-          </p:nvPr>
-        </p:nvSpPr>
-        <p:spPr>
-          <a:xfrm>
-            <a:off x="0" y="0"/>
-            <a:ext cx="6019196" cy="1030837"/>
-          </a:xfrm>
-        </p:spPr>
-        <p:txBody>
-          <a:bodyPr/>
-          <a:lstStyle/>
-          <a:p>
-            <a:r>
-              <a:rPr kumimoji="1" lang="zh-CN" altLang="en-US" dirty="0" smtClean="0"/>
-              <a:t>目录</a:t>
-            </a:r>
-            <a:endParaRPr kumimoji="1" lang="zh-CN" altLang="en-US" dirty="0"/>
-          </a:p>
-        </p:txBody>
-      </p:sp>
-      <p:sp>
-        <p:nvSpPr>
-          <p:cNvPr id="3" name="内容占位符 2"/>
-          <p:cNvSpPr>
-            <a:spLocks noGrp="1"/>
-          </p:cNvSpPr>
-          <p:nvPr>
-            <p:ph idx="1"/>
-          </p:nvPr>
-        </p:nvSpPr>
-        <p:spPr/>
-        <p:txBody>
-          <a:bodyPr>
-            <a:normAutofit/>
-          </a:bodyPr>
-          <a:lstStyle/>
-          <a:p>
-            <a:pPr marL="514350" marR="0" lvl="0" indent="-514350" defTabSz="914400" eaLnBrk="1" fontAlgn="auto" latinLnBrk="0" hangingPunct="1">
-              <a:lnSpc>
-                <a:spcPct val="150000"/>
-              </a:lnSpc>
-              <a:spcBef>
-                <a:spcPts val="0"/>
-              </a:spcBef>
-              <a:spcAft>
-                <a:spcPts val="0"/>
-              </a:spcAft>
-              <a:buClrTx/>
-              <a:buSzTx/>
-              <a:buFont typeface="+mj-lt"/>
-              <a:buAutoNum type="arabicPeriod"/>
-              <a:tabLst/>
-              <a:defRPr/>
-            </a:pPr>
-            <a:r>
-              <a:rPr kumimoji="1" lang="zh-CN" altLang="en-US" sz="3600" dirty="0" smtClean="0"/>
-              <a:t>研究背景与意义</a:t>
-            </a:r>
-            <a:endParaRPr kumimoji="1" lang="en-US" altLang="zh-CN" sz="3600" dirty="0" smtClean="0"/>
-          </a:p>
-          <a:p>
-            <a:pPr marL="514350" marR="0" lvl="0" indent="-514350" defTabSz="914400" eaLnBrk="1" fontAlgn="auto" latinLnBrk="0" hangingPunct="1">
-              <a:lnSpc>
-                <a:spcPct val="150000"/>
-              </a:lnSpc>
-              <a:spcBef>
-                <a:spcPts val="0"/>
-              </a:spcBef>
-              <a:spcAft>
-                <a:spcPts val="0"/>
-              </a:spcAft>
-              <a:buClrTx/>
-              <a:buSzTx/>
-              <a:buFont typeface="+mj-lt"/>
-              <a:buAutoNum type="arabicPeriod"/>
-              <a:tabLst/>
-              <a:defRPr/>
-            </a:pPr>
-            <a:r>
-              <a:rPr kumimoji="1" lang="zh-CN" altLang="en-US" sz="3600" dirty="0" smtClean="0"/>
-              <a:t>系统功能</a:t>
-            </a:r>
-            <a:endParaRPr kumimoji="1" lang="en-US" altLang="zh-CN" sz="3600" dirty="0" smtClean="0"/>
-          </a:p>
-          <a:p>
-            <a:pPr marL="514350" marR="0" lvl="0" indent="-514350" defTabSz="914400" eaLnBrk="1" fontAlgn="auto" latinLnBrk="0" hangingPunct="1">
-              <a:lnSpc>
-                <a:spcPct val="150000"/>
-              </a:lnSpc>
-              <a:spcBef>
-                <a:spcPts val="0"/>
-              </a:spcBef>
-              <a:spcAft>
-                <a:spcPts val="0"/>
-              </a:spcAft>
-              <a:buClrTx/>
-              <a:buSzTx/>
-              <a:buFont typeface="+mj-lt"/>
-              <a:buAutoNum type="arabicPeriod"/>
-              <a:tabLst/>
-              <a:defRPr/>
-            </a:pPr>
-            <a:r>
-              <a:rPr kumimoji="1" lang="zh-CN" altLang="en-US" sz="3600" dirty="0" smtClean="0"/>
-              <a:t>系统架构</a:t>
-            </a:r>
-            <a:endParaRPr kumimoji="1" lang="en-US" altLang="zh-CN" sz="3600" dirty="0" smtClean="0"/>
-          </a:p>
-          <a:p>
-            <a:pPr marL="514350" marR="0" lvl="0" indent="-514350" defTabSz="914400" eaLnBrk="1" fontAlgn="auto" latinLnBrk="0" hangingPunct="1">
-              <a:lnSpc>
-                <a:spcPct val="150000"/>
-              </a:lnSpc>
-              <a:spcBef>
-                <a:spcPts val="0"/>
-              </a:spcBef>
-              <a:spcAft>
-                <a:spcPts val="0"/>
-              </a:spcAft>
-              <a:buClrTx/>
-              <a:buSzTx/>
-              <a:buFont typeface="+mj-lt"/>
-              <a:buAutoNum type="arabicPeriod"/>
-              <a:tabLst/>
-              <a:defRPr/>
-            </a:pPr>
-            <a:r>
-              <a:rPr kumimoji="1" lang="zh-CN" altLang="en-US" sz="3600" dirty="0" smtClean="0"/>
-              <a:t>总结</a:t>
-            </a:r>
-            <a:endParaRPr kumimoji="1" lang="en-US" altLang="zh-CN" sz="3600" dirty="0" smtClean="0"/>
-          </a:p>
-          <a:p>
-            <a:pPr marL="514350" marR="0" lvl="0" indent="-514350" defTabSz="914400" eaLnBrk="1" fontAlgn="auto" latinLnBrk="0" hangingPunct="1">
-              <a:lnSpc>
-                <a:spcPct val="150000"/>
-              </a:lnSpc>
-              <a:spcBef>
-                <a:spcPts val="0"/>
-              </a:spcBef>
-              <a:spcAft>
-                <a:spcPts val="0"/>
-              </a:spcAft>
-              <a:buClrTx/>
-              <a:buSzTx/>
-              <a:buFont typeface="+mj-lt"/>
-              <a:buAutoNum type="arabicPeriod"/>
-              <a:tabLst/>
-              <a:defRPr/>
-            </a:pPr>
-            <a:r>
-              <a:rPr kumimoji="1" lang="zh-CN" altLang="en-US" sz="3600" dirty="0" smtClean="0"/>
-              <a:t>致谢</a:t>
-            </a:r>
-            <a:endParaRPr kumimoji="1" lang="en-US" altLang="zh-CN" sz="3600" dirty="0" smtClean="0"/>
-          </a:p>
-          <a:p>
-            <a:pPr marL="514350" marR="0" lvl="0" indent="-514350" defTabSz="914400" eaLnBrk="1" fontAlgn="auto" latinLnBrk="0" hangingPunct="1">
-              <a:lnSpc>
-                <a:spcPct val="150000"/>
-              </a:lnSpc>
-              <a:spcBef>
-                <a:spcPts val="0"/>
-              </a:spcBef>
-              <a:spcAft>
-                <a:spcPts val="0"/>
-              </a:spcAft>
-              <a:buClrTx/>
-              <a:buSzTx/>
-              <a:buFont typeface="+mj-lt"/>
-              <a:buAutoNum type="arabicPeriod"/>
-              <a:tabLst/>
-              <a:defRPr/>
-            </a:pPr>
-            <a:endParaRPr kumimoji="1" lang="en-US" altLang="zh-CN" sz="3600" dirty="0" smtClean="0"/>
-          </a:p>
-        </p:txBody>
-      </p:sp>
-      <p:sp>
-        <p:nvSpPr>
-          <p:cNvPr id="4" name="日期占位符 3"/>
-          <p:cNvSpPr>
-            <a:spLocks noGrp="1"/>
-          </p:cNvSpPr>
-          <p:nvPr>
-            <p:ph type="dt" sz="half" idx="10"/>
-          </p:nvPr>
-        </p:nvSpPr>
-        <p:spPr/>
-        <p:txBody>
-          <a:bodyPr/>
-          <a:lstStyle/>
-          <a:p>
-            <a:fld id="{6939E48F-AB3D-7D44-9ABE-6BACA1B72509}" type="datetime11">
-              <a:rPr lang="zh-CN" altLang="en-US" smtClean="0"/>
-              <a:t>19:09:56</a:t>
-            </a:fld>
-            <a:endParaRPr lang="zh-CN" altLang="en-US"/>
-          </a:p>
-        </p:txBody>
-      </p:sp>
-    </p:spTree>
-    <p:extLst>
-      <p:ext uri="{BB962C8B-B14F-4D97-AF65-F5344CB8AC3E}">
-        <p14:creationId xmlns:p14="http://schemas.microsoft.com/office/powerpoint/2010/main" val="275541758"/>
-      </p:ext>
-    </p:extLst>
-  </p:cSld>
-  <p:clrMapOvr>
-    <a:masterClrMapping/>
-  </p:clrMapOvr>
-  <p:timing>
-    <p:tnLst>
-      <p:par>
-        <p:cTn id="1" dur="indefinite" restart="never" nodeType="tmRoot"/>
-      </p:par>
-    </p:tnLst>
-  </p:timing>
-</p:sld>
-</file>
-
-<file path=ppt/slides/slide20.xml><?xml version="1.0" encoding="utf-8"?>
-<p:sld xmlns:a="http://schemas.openxmlformats.org/drawingml/2006/main" xmlns:r="http://schemas.openxmlformats.org/officeDocument/2006/relationships" xmlns:p="http://schemas.openxmlformats.org/presentationml/2006/main">
-  <p:cSld>
-    <p:spTree>
-      <p:nvGrpSpPr>
-        <p:cNvPr id="1" name=""/>
-        <p:cNvGrpSpPr/>
-        <p:nvPr/>
-      </p:nvGrpSpPr>
-      <p:grpSpPr>
-        <a:xfrm>
-          <a:off x="0" y="0"/>
-          <a:ext cx="0" cy="0"/>
-          <a:chOff x="0" y="0"/>
-          <a:chExt cx="0" cy="0"/>
-        </a:xfrm>
-      </p:grpSpPr>
-      <p:sp>
-        <p:nvSpPr>
-          <p:cNvPr id="5" name="标题 4"/>
-          <p:cNvSpPr>
-            <a:spLocks noGrp="1"/>
-          </p:cNvSpPr>
-          <p:nvPr>
-            <p:ph type="title"/>
-          </p:nvPr>
-        </p:nvSpPr>
-        <p:spPr/>
-        <p:txBody>
-          <a:bodyPr/>
-          <a:lstStyle/>
-          <a:p>
-            <a:r>
-              <a:rPr lang="en-US" altLang="zh-CN" dirty="0" smtClean="0"/>
-              <a:t>5. </a:t>
-            </a:r>
-            <a:r>
-              <a:rPr lang="zh-CN" altLang="en-US" dirty="0" smtClean="0"/>
-              <a:t>致谢</a:t>
-            </a:r>
-            <a:endParaRPr lang="zh-CN" altLang="en-US" dirty="0"/>
-          </a:p>
-        </p:txBody>
-      </p:sp>
-      <p:sp>
-        <p:nvSpPr>
-          <p:cNvPr id="6" name="内容占位符 5"/>
-          <p:cNvSpPr>
-            <a:spLocks noGrp="1"/>
-          </p:cNvSpPr>
-          <p:nvPr>
-            <p:ph idx="1"/>
-          </p:nvPr>
-        </p:nvSpPr>
-        <p:spPr>
-          <a:xfrm>
-            <a:off x="386626" y="1184425"/>
-            <a:ext cx="8343516" cy="5245569"/>
-          </a:xfrm>
-        </p:spPr>
-        <p:txBody>
-          <a:bodyPr>
-            <a:noAutofit/>
-          </a:bodyPr>
-          <a:lstStyle/>
-          <a:p>
-            <a:pPr marL="0" indent="0">
-              <a:lnSpc>
-                <a:spcPct val="100000"/>
-              </a:lnSpc>
-              <a:buNone/>
-            </a:pPr>
-            <a:r>
-              <a:rPr lang="zh-CN" altLang="en-US" sz="2100" dirty="0" smtClean="0">
-                <a:latin typeface="宋体" panose="02010600030101010101" pitchFamily="2" charset="-122"/>
-                <a:ea typeface="宋体" panose="02010600030101010101" pitchFamily="2" charset="-122"/>
-              </a:rPr>
-              <a:t>    感谢</a:t>
-            </a:r>
-            <a:r>
-              <a:rPr lang="zh-CN" altLang="en-US" sz="2100" dirty="0">
-                <a:latin typeface="宋体" panose="02010600030101010101" pitchFamily="2" charset="-122"/>
-                <a:ea typeface="宋体" panose="02010600030101010101" pitchFamily="2" charset="-122"/>
-              </a:rPr>
-              <a:t>司国东老师在本次毕业设计中给我的指导。他是我计算机专业基础课程的授课教师，我所掌握的计算机基础离不开老师认真、负责地传道授业解惑。在本文研究过程中，有许多关键的技术问题阻碍着我的进度，老师非常耐心地帮助我分析问题的根本原因与设计解决方案，让我能够突破重重障碍，实现我所设计的系统，完成毕业论文。</a:t>
-            </a:r>
-          </a:p>
-          <a:p>
-            <a:pPr marL="0" indent="0">
-              <a:lnSpc>
-                <a:spcPct val="100000"/>
-              </a:lnSpc>
-              <a:buNone/>
-            </a:pPr>
-            <a:r>
-              <a:rPr lang="zh-CN" altLang="en-US" sz="2100" dirty="0" smtClean="0">
-                <a:latin typeface="宋体" panose="02010600030101010101" pitchFamily="2" charset="-122"/>
-                <a:ea typeface="宋体" panose="02010600030101010101" pitchFamily="2" charset="-122"/>
-              </a:rPr>
-              <a:t>    感谢</a:t>
-            </a:r>
-            <a:r>
-              <a:rPr lang="zh-CN" altLang="en-US" sz="2100" dirty="0">
-                <a:latin typeface="宋体" panose="02010600030101010101" pitchFamily="2" charset="-122"/>
-                <a:ea typeface="宋体" panose="02010600030101010101" pitchFamily="2" charset="-122"/>
-              </a:rPr>
-              <a:t>在我本科四年期间所有为我授课的老师，我现在所拥有的基础知识与技术积累都离不开每位老师以诲人不倦的态度，在每一堂课上耐心的教导。</a:t>
-            </a:r>
-          </a:p>
-          <a:p>
-            <a:pPr marL="0" indent="0">
-              <a:lnSpc>
-                <a:spcPct val="100000"/>
-              </a:lnSpc>
-              <a:buNone/>
-            </a:pPr>
-            <a:r>
-              <a:rPr lang="zh-CN" altLang="en-US" sz="2100" dirty="0" smtClean="0">
-                <a:latin typeface="宋体" panose="02010600030101010101" pitchFamily="2" charset="-122"/>
-                <a:ea typeface="宋体" panose="02010600030101010101" pitchFamily="2" charset="-122"/>
-              </a:rPr>
-              <a:t>    感谢</a:t>
-            </a:r>
-            <a:r>
-              <a:rPr lang="zh-CN" altLang="en-US" sz="2100" dirty="0">
-                <a:latin typeface="宋体" panose="02010600030101010101" pitchFamily="2" charset="-122"/>
-                <a:ea typeface="宋体" panose="02010600030101010101" pitchFamily="2" charset="-122"/>
-              </a:rPr>
-              <a:t>我身边的同学们，在课堂上齐心协力完成课堂任务、课程设计，</a:t>
-            </a:r>
-            <a:r>
-              <a:rPr lang="zh-CN" altLang="en-US" sz="2100" dirty="0" smtClean="0">
-                <a:latin typeface="宋体" panose="02010600030101010101" pitchFamily="2" charset="-122"/>
-                <a:ea typeface="宋体" panose="02010600030101010101" pitchFamily="2" charset="-122"/>
-              </a:rPr>
-              <a:t>在日常生活</a:t>
-            </a:r>
-            <a:r>
-              <a:rPr lang="zh-CN" altLang="en-US" sz="2100" dirty="0">
-                <a:latin typeface="宋体" panose="02010600030101010101" pitchFamily="2" charset="-122"/>
-                <a:ea typeface="宋体" panose="02010600030101010101" pitchFamily="2" charset="-122"/>
-              </a:rPr>
-              <a:t>中进行技术交流，在遇到难题时大家互相帮助。</a:t>
-            </a:r>
-          </a:p>
-          <a:p>
-            <a:pPr marL="0" indent="0">
-              <a:lnSpc>
-                <a:spcPct val="100000"/>
-              </a:lnSpc>
-              <a:buNone/>
-            </a:pPr>
-            <a:r>
-              <a:rPr lang="zh-CN" altLang="en-US" sz="2100" dirty="0" smtClean="0">
-                <a:latin typeface="宋体" panose="02010600030101010101" pitchFamily="2" charset="-122"/>
-                <a:ea typeface="宋体" panose="02010600030101010101" pitchFamily="2" charset="-122"/>
-              </a:rPr>
-              <a:t>    感谢</a:t>
-            </a:r>
-            <a:r>
-              <a:rPr lang="zh-CN" altLang="en-US" sz="2100" dirty="0">
-                <a:latin typeface="宋体" panose="02010600030101010101" pitchFamily="2" charset="-122"/>
-                <a:ea typeface="宋体" panose="02010600030101010101" pitchFamily="2" charset="-122"/>
-              </a:rPr>
-              <a:t>父母多年的养育之恩、对我攻读计算机专业的全力支持。他们在我学习生涯提供了很多物质与精神上的帮助，为我创造了完美的学习条件。</a:t>
-            </a:r>
-          </a:p>
-          <a:p>
-            <a:pPr marL="0" indent="0">
-              <a:lnSpc>
-                <a:spcPct val="100000"/>
-              </a:lnSpc>
-              <a:buNone/>
-            </a:pPr>
-            <a:r>
-              <a:rPr lang="zh-CN" altLang="en-US" sz="2100" dirty="0" smtClean="0">
-                <a:latin typeface="宋体" panose="02010600030101010101" pitchFamily="2" charset="-122"/>
-                <a:ea typeface="宋体" panose="02010600030101010101" pitchFamily="2" charset="-122"/>
-              </a:rPr>
-              <a:t>    感谢</a:t>
-            </a:r>
-            <a:r>
-              <a:rPr lang="zh-CN" altLang="en-US" sz="2100" dirty="0">
-                <a:latin typeface="宋体" panose="02010600030101010101" pitchFamily="2" charset="-122"/>
-                <a:ea typeface="宋体" panose="02010600030101010101" pitchFamily="2" charset="-122"/>
-              </a:rPr>
-              <a:t>所有帮助我的人</a:t>
-            </a:r>
-            <a:r>
-              <a:rPr lang="zh-CN" altLang="en-US" sz="2100" dirty="0" smtClean="0">
-                <a:latin typeface="宋体" panose="02010600030101010101" pitchFamily="2" charset="-122"/>
-                <a:ea typeface="宋体" panose="02010600030101010101" pitchFamily="2" charset="-122"/>
-              </a:rPr>
-              <a:t>。大家</a:t>
-            </a:r>
-            <a:r>
-              <a:rPr lang="zh-CN" altLang="en-US" sz="2100" dirty="0">
-                <a:latin typeface="宋体" panose="02010600030101010101" pitchFamily="2" charset="-122"/>
-                <a:ea typeface="宋体" panose="02010600030101010101" pitchFamily="2" charset="-122"/>
-              </a:rPr>
-              <a:t>的恩情，本人铭记于心。</a:t>
-            </a:r>
-          </a:p>
-          <a:p>
-            <a:pPr marL="0" indent="0">
-              <a:lnSpc>
-                <a:spcPct val="100000"/>
-              </a:lnSpc>
-              <a:buNone/>
-            </a:pPr>
-            <a:endParaRPr lang="zh-CN" altLang="en-US" sz="2100" dirty="0">
-              <a:latin typeface="宋体" panose="02010600030101010101" pitchFamily="2" charset="-122"/>
-              <a:ea typeface="宋体" panose="02010600030101010101" pitchFamily="2" charset="-122"/>
-            </a:endParaRPr>
-          </a:p>
-        </p:txBody>
-      </p:sp>
-      <p:sp>
-        <p:nvSpPr>
-          <p:cNvPr id="4" name="日期占位符 3"/>
-          <p:cNvSpPr>
-            <a:spLocks noGrp="1"/>
-          </p:cNvSpPr>
-          <p:nvPr>
-            <p:ph type="dt" sz="half" idx="10"/>
-          </p:nvPr>
-        </p:nvSpPr>
-        <p:spPr/>
-        <p:txBody>
-          <a:bodyPr/>
-          <a:lstStyle/>
-          <a:p>
-            <a:fld id="{6173DDBA-B680-6A4A-8D1D-1A27589B5E95}" type="datetime11">
-              <a:rPr lang="zh-CN" altLang="en-US" smtClean="0"/>
-              <a:t>20:33:53</a:t>
-            </a:fld>
-            <a:endParaRPr lang="zh-CN" altLang="en-US" dirty="0"/>
-          </a:p>
-        </p:txBody>
-      </p:sp>
-    </p:spTree>
-    <p:extLst>
-      <p:ext uri="{BB962C8B-B14F-4D97-AF65-F5344CB8AC3E}">
-        <p14:creationId xmlns:p14="http://schemas.microsoft.com/office/powerpoint/2010/main" val="30100279"/>
-      </p:ext>
-    </p:extLst>
-  </p:cSld>
-  <p:clrMapOvr>
-    <a:masterClrMapping/>
-  </p:clrMapOvr>
-</p:sld>
-</file>
-
-<file path=ppt/slides/slide21.xml><?xml version="1.0" encoding="utf-8"?>
-<p:sld xmlns:a="http://schemas.openxmlformats.org/drawingml/2006/main" xmlns:r="http://schemas.openxmlformats.org/officeDocument/2006/relationships" xmlns:p="http://schemas.openxmlformats.org/presentationml/2006/main">
-  <p:cSld>
-    <p:spTree>
-      <p:nvGrpSpPr>
-        <p:cNvPr id="1" name=""/>
-        <p:cNvGrpSpPr/>
-        <p:nvPr/>
-      </p:nvGrpSpPr>
-      <p:grpSpPr>
-        <a:xfrm>
-          <a:off x="0" y="0"/>
-          <a:ext cx="0" cy="0"/>
-          <a:chOff x="0" y="0"/>
-          <a:chExt cx="0" cy="0"/>
-        </a:xfrm>
-      </p:grpSpPr>
-      <p:sp>
-        <p:nvSpPr>
-          <p:cNvPr id="3" name="内容占位符 2"/>
-          <p:cNvSpPr>
-            <a:spLocks noGrp="1"/>
-          </p:cNvSpPr>
-          <p:nvPr>
-            <p:ph idx="1"/>
-          </p:nvPr>
-        </p:nvSpPr>
-        <p:spPr>
-          <a:xfrm>
-            <a:off x="628650" y="1589460"/>
-            <a:ext cx="7886700" cy="4587503"/>
-          </a:xfrm>
-        </p:spPr>
-        <p:txBody>
-          <a:bodyPr>
-            <a:normAutofit/>
-          </a:bodyPr>
-          <a:lstStyle/>
-          <a:p>
-            <a:pPr marL="0" indent="0" algn="ctr">
-              <a:buNone/>
-            </a:pPr>
-            <a:r>
-              <a:rPr lang="zh-CN" altLang="en-US" sz="4000" dirty="0" smtClean="0"/>
-              <a:t>感谢评委老师</a:t>
-            </a:r>
-            <a:r>
-              <a:rPr lang="zh-CN" altLang="en-US" sz="4000" dirty="0" smtClean="0"/>
-              <a:t>聆听本次汇报</a:t>
-            </a:r>
-            <a:r>
-              <a:rPr lang="zh-CN" altLang="en-US" sz="4000" dirty="0" smtClean="0"/>
-              <a:t>！</a:t>
-            </a:r>
-            <a:endParaRPr lang="en-US" altLang="zh-CN" sz="4000" dirty="0" smtClean="0"/>
-          </a:p>
-          <a:p>
-            <a:pPr marL="0" indent="0" algn="ctr">
-              <a:buNone/>
-            </a:pPr>
-            <a:r>
-              <a:rPr lang="zh-CN" altLang="en-US" sz="4000" dirty="0" smtClean="0"/>
-              <a:t>敬请各位老师批评指正！</a:t>
-            </a:r>
-            <a:endParaRPr lang="en-US" altLang="zh-CN" sz="4000" dirty="0" smtClean="0"/>
-          </a:p>
-          <a:p>
-            <a:pPr marL="0" indent="0" algn="ctr">
-              <a:buNone/>
-            </a:pPr>
-            <a:endParaRPr lang="en-US" altLang="zh-CN" sz="4000" dirty="0" smtClean="0"/>
-          </a:p>
-          <a:p>
-            <a:pPr marL="0" indent="0" algn="ctr">
-              <a:buNone/>
-            </a:pPr>
-            <a:r>
-              <a:rPr lang="zh-CN" altLang="en-US" sz="4000" dirty="0" smtClean="0"/>
-              <a:t>请</a:t>
-            </a:r>
-            <a:r>
-              <a:rPr lang="zh-CN" altLang="en-US" sz="4000" dirty="0"/>
-              <a:t>您提问</a:t>
-            </a:r>
-            <a:endParaRPr lang="en-US" altLang="zh-CN" sz="4000" dirty="0" smtClean="0"/>
-          </a:p>
-          <a:p>
-            <a:pPr marL="0" indent="0">
-              <a:buNone/>
-            </a:pPr>
-            <a:endParaRPr lang="zh-CN" altLang="en-US" sz="4000" dirty="0"/>
-          </a:p>
-        </p:txBody>
-      </p:sp>
-      <p:sp>
-        <p:nvSpPr>
-          <p:cNvPr id="4" name="日期占位符 3"/>
-          <p:cNvSpPr>
-            <a:spLocks noGrp="1"/>
-          </p:cNvSpPr>
-          <p:nvPr>
-            <p:ph type="dt" sz="half" idx="10"/>
-          </p:nvPr>
-        </p:nvSpPr>
-        <p:spPr/>
-        <p:txBody>
-          <a:bodyPr/>
-          <a:lstStyle/>
-          <a:p>
-            <a:fld id="{E093F988-9A29-5E45-8D20-69A04853E7AD}" type="datetime11">
-              <a:rPr lang="zh-CN" altLang="en-US" smtClean="0"/>
-              <a:t>20:25:39</a:t>
-            </a:fld>
-            <a:endParaRPr lang="zh-CN" altLang="en-US"/>
-          </a:p>
-        </p:txBody>
-      </p:sp>
-      <p:sp>
-        <p:nvSpPr>
-          <p:cNvPr id="5" name="标题 4"/>
-          <p:cNvSpPr>
-            <a:spLocks noGrp="1"/>
-          </p:cNvSpPr>
-          <p:nvPr>
-            <p:ph type="title"/>
-          </p:nvPr>
-        </p:nvSpPr>
-        <p:spPr>
-          <a:xfrm>
-            <a:off x="0" y="0"/>
-            <a:ext cx="6019196" cy="1030837"/>
-          </a:xfrm>
-        </p:spPr>
-        <p:txBody>
-          <a:bodyPr/>
-          <a:lstStyle/>
-          <a:p>
-            <a:r>
-              <a:rPr lang="zh-CN" altLang="en-US" dirty="0" smtClean="0"/>
-              <a:t>汇报完毕</a:t>
-            </a:r>
-            <a:endParaRPr lang="zh-CN" altLang="en-US" dirty="0"/>
-          </a:p>
-        </p:txBody>
-      </p:sp>
-    </p:spTree>
-    <p:extLst>
-      <p:ext uri="{BB962C8B-B14F-4D97-AF65-F5344CB8AC3E}">
-        <p14:creationId xmlns:p14="http://schemas.microsoft.com/office/powerpoint/2010/main" val="2594474440"/>
-      </p:ext>
-    </p:extLst>
-  </p:cSld>
-  <p:clrMapOvr>
-    <a:masterClrMapping/>
-  </p:clrMapOvr>
-  <p:timing>
-    <p:tnLst>
-      <p:par>
-        <p:cTn id="1" dur="indefinite" restart="never" nodeType="tmRoot"/>
-      </p:par>
-    </p:tnLst>
-  </p:timing>
-</p:sld>
-</file>
-
-<file path=ppt/slides/slide3.xml><?xml version="1.0" encoding="utf-8"?>
-<p:sld xmlns:a="http://schemas.openxmlformats.org/drawingml/2006/main" xmlns:r="http://schemas.openxmlformats.org/officeDocument/2006/relationships" xmlns:p="http://schemas.openxmlformats.org/presentationml/2006/main">
-  <p:cSld>
-    <p:spTree>
-      <p:nvGrpSpPr>
-        <p:cNvPr id="1" name=""/>
-        <p:cNvGrpSpPr/>
-        <p:nvPr/>
-      </p:nvGrpSpPr>
-      <p:grpSpPr>
-        <a:xfrm>
-          <a:off x="0" y="0"/>
-          <a:ext cx="0" cy="0"/>
-          <a:chOff x="0" y="0"/>
-          <a:chExt cx="0" cy="0"/>
-        </a:xfrm>
-      </p:grpSpPr>
-      <p:sp>
-        <p:nvSpPr>
-          <p:cNvPr id="5" name="标题 4"/>
-          <p:cNvSpPr>
-            <a:spLocks noGrp="1"/>
-          </p:cNvSpPr>
-          <p:nvPr>
-            <p:ph type="title"/>
-          </p:nvPr>
-        </p:nvSpPr>
-        <p:spPr>
-          <a:xfrm>
-            <a:off x="623888" y="1169691"/>
-            <a:ext cx="7886700" cy="2852737"/>
-          </a:xfrm>
-        </p:spPr>
-        <p:txBody>
-          <a:bodyPr/>
-          <a:lstStyle/>
-          <a:p>
-            <a:pPr algn="ctr"/>
-            <a:r>
-              <a:rPr lang="en-US" altLang="zh-CN" b="1" dirty="0" smtClean="0"/>
-              <a:t>1. </a:t>
-            </a:r>
-            <a:r>
-              <a:rPr lang="zh-CN" altLang="en-US" b="1" dirty="0" smtClean="0"/>
-              <a:t>研究背景与意义</a:t>
-            </a:r>
-            <a:endParaRPr lang="zh-CN" altLang="en-US" b="1" dirty="0"/>
-          </a:p>
-        </p:txBody>
-      </p:sp>
-      <p:sp>
-        <p:nvSpPr>
-          <p:cNvPr id="6" name="文本占位符 5"/>
-          <p:cNvSpPr>
-            <a:spLocks noGrp="1"/>
-          </p:cNvSpPr>
-          <p:nvPr>
-            <p:ph type="body" idx="1"/>
-          </p:nvPr>
-        </p:nvSpPr>
-        <p:spPr/>
-        <p:txBody>
-          <a:bodyPr/>
-          <a:lstStyle/>
-          <a:p>
-            <a:endParaRPr lang="zh-CN" altLang="en-US"/>
-          </a:p>
-        </p:txBody>
-      </p:sp>
-      <p:sp>
-        <p:nvSpPr>
-          <p:cNvPr id="4" name="日期占位符 3"/>
-          <p:cNvSpPr>
-            <a:spLocks noGrp="1"/>
-          </p:cNvSpPr>
-          <p:nvPr>
-            <p:ph type="dt" sz="half" idx="10"/>
-          </p:nvPr>
-        </p:nvSpPr>
-        <p:spPr/>
-        <p:txBody>
-          <a:bodyPr/>
-          <a:lstStyle/>
-          <a:p>
-            <a:fld id="{E093F988-9A29-5E45-8D20-69A04853E7AD}" type="datetime11">
-              <a:rPr lang="zh-CN" altLang="en-US" smtClean="0"/>
-              <a:t>20:23:02</a:t>
-            </a:fld>
-            <a:endParaRPr lang="zh-CN" altLang="en-US"/>
-          </a:p>
-        </p:txBody>
-      </p:sp>
-    </p:spTree>
-    <p:extLst>
-      <p:ext uri="{BB962C8B-B14F-4D97-AF65-F5344CB8AC3E}">
-        <p14:creationId xmlns:p14="http://schemas.microsoft.com/office/powerpoint/2010/main" val="228193178"/>
-      </p:ext>
-    </p:extLst>
-  </p:cSld>
-  <p:clrMapOvr>
-    <a:masterClrMapping/>
-  </p:clrMapOvr>
-</p:sld>
-</file>
-
-<file path=ppt/slides/slide4.xml><?xml version="1.0" encoding="utf-8"?>
-<p:sld xmlns:a="http://schemas.openxmlformats.org/drawingml/2006/main" xmlns:r="http://schemas.openxmlformats.org/officeDocument/2006/relationships" xmlns:p="http://schemas.openxmlformats.org/presentationml/2006/main">
-  <p:cSld>
-    <p:spTree>
-      <p:nvGrpSpPr>
-        <p:cNvPr id="1" name=""/>
-        <p:cNvGrpSpPr/>
-        <p:nvPr/>
-      </p:nvGrpSpPr>
-      <p:grpSpPr>
-        <a:xfrm>
-          <a:off x="0" y="0"/>
-          <a:ext cx="0" cy="0"/>
-          <a:chOff x="0" y="0"/>
-          <a:chExt cx="0" cy="0"/>
-        </a:xfrm>
-      </p:grpSpPr>
-      <p:sp>
-        <p:nvSpPr>
-          <p:cNvPr id="2" name="标题 1"/>
-          <p:cNvSpPr>
-            <a:spLocks noGrp="1"/>
-          </p:cNvSpPr>
-          <p:nvPr>
-            <p:ph type="title"/>
-          </p:nvPr>
-        </p:nvSpPr>
-        <p:spPr>
-          <a:xfrm>
-            <a:off x="0" y="0"/>
-            <a:ext cx="6869430" cy="1054032"/>
-          </a:xfrm>
-        </p:spPr>
-        <p:txBody>
-          <a:bodyPr>
-            <a:normAutofit/>
-          </a:bodyPr>
-          <a:lstStyle/>
-          <a:p>
-            <a:r>
-              <a:rPr lang="en-US" altLang="zh-CN" dirty="0" smtClean="0"/>
-              <a:t>1.</a:t>
-            </a:r>
-            <a:r>
-              <a:rPr lang="zh-CN" altLang="en-US" dirty="0" smtClean="0"/>
-              <a:t> 研究背景与意义</a:t>
-            </a:r>
-            <a:endParaRPr lang="zh-CN" altLang="en-US" dirty="0"/>
-          </a:p>
-        </p:txBody>
-      </p:sp>
-      <p:sp>
-        <p:nvSpPr>
-          <p:cNvPr id="3" name="内容占位符 2"/>
-          <p:cNvSpPr>
-            <a:spLocks noGrp="1"/>
-          </p:cNvSpPr>
-          <p:nvPr>
-            <p:ph idx="1"/>
-          </p:nvPr>
-        </p:nvSpPr>
-        <p:spPr>
-          <a:xfrm>
-            <a:off x="499441" y="1403285"/>
-            <a:ext cx="8376202" cy="4953065"/>
-          </a:xfrm>
-        </p:spPr>
-        <p:txBody>
-          <a:bodyPr>
-            <a:noAutofit/>
-          </a:bodyPr>
-          <a:lstStyle/>
-          <a:p>
-            <a:pPr marL="0" indent="0">
-              <a:lnSpc>
-                <a:spcPct val="100000"/>
-              </a:lnSpc>
-              <a:buNone/>
-            </a:pPr>
-            <a:r>
-              <a:rPr lang="zh-CN" altLang="en-US" b="1" dirty="0" smtClean="0"/>
-              <a:t>研究背景</a:t>
-            </a:r>
-            <a:endParaRPr lang="en-US" altLang="zh-CN" b="1" dirty="0" smtClean="0"/>
-          </a:p>
-          <a:p>
-            <a:pPr>
-              <a:lnSpc>
-                <a:spcPct val="100000"/>
-              </a:lnSpc>
-            </a:pPr>
-            <a:r>
-              <a:rPr lang="zh-CN" altLang="en-US" dirty="0" smtClean="0"/>
-              <a:t>计算机专业热门，人才缺口大，培养不易</a:t>
-            </a:r>
-            <a:endParaRPr lang="en-US" altLang="zh-CN" dirty="0" smtClean="0"/>
-          </a:p>
-          <a:p>
-            <a:pPr>
-              <a:lnSpc>
-                <a:spcPct val="100000"/>
-              </a:lnSpc>
-            </a:pPr>
-            <a:r>
-              <a:rPr lang="zh-CN" altLang="en-US" dirty="0" smtClean="0"/>
-              <a:t>课堂</a:t>
-            </a:r>
-            <a:r>
-              <a:rPr lang="zh-CN" altLang="en-US" dirty="0"/>
-              <a:t>教学</a:t>
-            </a:r>
-            <a:r>
-              <a:rPr lang="zh-CN" altLang="en-US" dirty="0" smtClean="0"/>
-              <a:t>的局限性较大</a:t>
-            </a:r>
-            <a:endParaRPr lang="en-US" altLang="zh-CN" dirty="0" smtClean="0"/>
-          </a:p>
-          <a:p>
-            <a:pPr>
-              <a:lnSpc>
-                <a:spcPct val="100000"/>
-              </a:lnSpc>
-            </a:pPr>
-            <a:r>
-              <a:rPr lang="zh-CN" altLang="en-US" dirty="0" smtClean="0"/>
-              <a:t>计算机专业知识</a:t>
-            </a:r>
-            <a:r>
-              <a:rPr lang="zh-CN" altLang="en-US" dirty="0"/>
-              <a:t>学习</a:t>
-            </a:r>
-            <a:r>
-              <a:rPr lang="zh-CN" altLang="en-US" dirty="0" smtClean="0"/>
-              <a:t>主要通过自学</a:t>
-            </a:r>
-            <a:r>
-              <a:rPr lang="zh-CN" altLang="en-US" dirty="0"/>
-              <a:t>、</a:t>
-            </a:r>
-            <a:r>
-              <a:rPr lang="zh-CN" altLang="en-US" dirty="0" smtClean="0"/>
-              <a:t>实践</a:t>
-            </a:r>
-            <a:endParaRPr lang="en-US" altLang="zh-CN" dirty="0" smtClean="0"/>
-          </a:p>
-          <a:p>
-            <a:pPr>
-              <a:lnSpc>
-                <a:spcPct val="100000"/>
-              </a:lnSpc>
-            </a:pPr>
-            <a:r>
-              <a:rPr lang="zh-CN" altLang="en-US" dirty="0"/>
-              <a:t>通用搜索引擎、在线评判网站的</a:t>
-            </a:r>
-            <a:r>
-              <a:rPr lang="zh-CN" altLang="en-US" dirty="0" smtClean="0"/>
-              <a:t>局限性较大</a:t>
-            </a:r>
-            <a:endParaRPr lang="en-US" altLang="zh-CN" dirty="0" smtClean="0"/>
-          </a:p>
-          <a:p>
-            <a:pPr marL="0" indent="0">
-              <a:lnSpc>
-                <a:spcPct val="100000"/>
-              </a:lnSpc>
-              <a:buNone/>
-            </a:pPr>
-            <a:r>
-              <a:rPr lang="zh-CN" altLang="en-US" b="1" dirty="0" smtClean="0"/>
-              <a:t>目的</a:t>
-            </a:r>
-            <a:r>
-              <a:rPr lang="zh-CN" altLang="en-US" b="1" dirty="0"/>
-              <a:t>与意义</a:t>
-            </a:r>
-            <a:endParaRPr lang="en-US" altLang="zh-CN" b="1" dirty="0"/>
-          </a:p>
-          <a:p>
-            <a:pPr>
-              <a:lnSpc>
-                <a:spcPct val="100000"/>
-              </a:lnSpc>
-            </a:pPr>
-            <a:r>
-              <a:rPr lang="zh-CN" altLang="en-US" dirty="0" smtClean="0"/>
-              <a:t>将理论学习资源与实践结合，有助于</a:t>
-            </a:r>
-            <a:r>
-              <a:rPr lang="zh-CN" altLang="en-US" dirty="0"/>
-              <a:t>提高用户学习（计算机专业知识）效率</a:t>
-            </a:r>
-            <a:endParaRPr lang="en-US" altLang="zh-CN" dirty="0"/>
-          </a:p>
-          <a:p>
-            <a:pPr>
-              <a:lnSpc>
-                <a:spcPct val="100000"/>
-              </a:lnSpc>
-            </a:pPr>
-            <a:r>
-              <a:rPr lang="zh-CN" altLang="en-US" dirty="0"/>
-              <a:t>为计算机专业人才培养作微不足道的贡献</a:t>
-            </a:r>
-            <a:endParaRPr lang="en-US" altLang="zh-CN" dirty="0"/>
-          </a:p>
-          <a:p>
-            <a:pPr marL="0" indent="0">
-              <a:lnSpc>
-                <a:spcPct val="100000"/>
-              </a:lnSpc>
-              <a:buNone/>
-            </a:pPr>
-            <a:endParaRPr lang="en-US" altLang="zh-CN" dirty="0"/>
-          </a:p>
-          <a:p>
-            <a:pPr>
-              <a:lnSpc>
-                <a:spcPct val="100000"/>
-              </a:lnSpc>
-            </a:pPr>
-            <a:endParaRPr lang="en-US" altLang="zh-CN" dirty="0" smtClean="0"/>
-          </a:p>
-        </p:txBody>
-      </p:sp>
-      <p:sp>
-        <p:nvSpPr>
-          <p:cNvPr id="4" name="内容占位符 2"/>
-          <p:cNvSpPr txBox="1">
-            <a:spLocks/>
-          </p:cNvSpPr>
-          <p:nvPr/>
-        </p:nvSpPr>
-        <p:spPr>
-          <a:xfrm>
-            <a:off x="499441" y="4509200"/>
-            <a:ext cx="8376202" cy="1948069"/>
-          </a:xfrm>
-          <a:prstGeom prst="rect">
-            <a:avLst/>
-          </a:prstGeom>
-        </p:spPr>
-        <p:txBody>
-          <a:bodyPr vert="horz" lIns="91440" tIns="45720" rIns="91440" bIns="45720" rtlCol="0">
-            <a:noAutofit/>
-          </a:bodyPr>
-          <a:lstStyle>
-            <a:lvl1pPr marL="171450" indent="-171450" algn="l" defTabSz="685800" rtl="0" eaLnBrk="1" latinLnBrk="0" hangingPunct="1">
-              <a:lnSpc>
-                <a:spcPct val="90000"/>
-              </a:lnSpc>
-              <a:spcBef>
-                <a:spcPts val="750"/>
-              </a:spcBef>
-              <a:buFont typeface="Arial"/>
-              <a:buChar char="•"/>
-              <a:defRPr sz="2100" kern="1200">
-                <a:solidFill>
-                  <a:schemeClr val="tx1"/>
-                </a:solidFill>
-                <a:latin typeface="+mn-lt"/>
-                <a:ea typeface="+mn-ea"/>
-                <a:cs typeface="+mn-cs"/>
-              </a:defRPr>
-            </a:lvl1pPr>
-            <a:lvl2pPr marL="514350" indent="-171450" algn="l" defTabSz="685800" rtl="0" eaLnBrk="1" latinLnBrk="0" hangingPunct="1">
-              <a:lnSpc>
-                <a:spcPct val="90000"/>
-              </a:lnSpc>
-              <a:spcBef>
-                <a:spcPts val="375"/>
-              </a:spcBef>
-              <a:buFont typeface="Arial"/>
-              <a:buChar char="•"/>
-              <a:defRPr sz="1800" kern="1200">
-                <a:solidFill>
-                  <a:schemeClr val="tx1"/>
-                </a:solidFill>
-                <a:latin typeface="+mn-lt"/>
-                <a:ea typeface="+mn-ea"/>
-                <a:cs typeface="+mn-cs"/>
-              </a:defRPr>
-            </a:lvl2pPr>
-            <a:lvl3pPr marL="857250" indent="-171450" algn="l" defTabSz="685800" rtl="0" eaLnBrk="1" latinLnBrk="0" hangingPunct="1">
-              <a:lnSpc>
-                <a:spcPct val="90000"/>
-              </a:lnSpc>
-              <a:spcBef>
-                <a:spcPts val="375"/>
-              </a:spcBef>
-              <a:buFont typeface="Arial"/>
-              <a:buChar char="•"/>
-              <a:defRPr sz="1500" kern="1200">
-                <a:solidFill>
-                  <a:schemeClr val="tx1"/>
-                </a:solidFill>
-                <a:latin typeface="+mn-lt"/>
-                <a:ea typeface="+mn-ea"/>
-                <a:cs typeface="+mn-cs"/>
-              </a:defRPr>
-            </a:lvl3pPr>
-            <a:lvl4pPr marL="1200150" indent="-171450" algn="l" defTabSz="685800" rtl="0" eaLnBrk="1" latinLnBrk="0" hangingPunct="1">
-              <a:lnSpc>
-                <a:spcPct val="90000"/>
-              </a:lnSpc>
-              <a:spcBef>
-                <a:spcPts val="375"/>
-              </a:spcBef>
-              <a:buFont typeface="Arial"/>
-              <a:buChar char="•"/>
-              <a:defRPr sz="1350" kern="1200">
-                <a:solidFill>
-                  <a:schemeClr val="tx1"/>
-                </a:solidFill>
-                <a:latin typeface="+mn-lt"/>
-                <a:ea typeface="+mn-ea"/>
-                <a:cs typeface="+mn-cs"/>
-              </a:defRPr>
-            </a:lvl4pPr>
-            <a:lvl5pPr marL="1543050" indent="-171450" algn="l" defTabSz="685800" rtl="0" eaLnBrk="1" latinLnBrk="0" hangingPunct="1">
-              <a:lnSpc>
-                <a:spcPct val="90000"/>
-              </a:lnSpc>
-              <a:spcBef>
-                <a:spcPts val="375"/>
-              </a:spcBef>
-              <a:buFont typeface="Arial"/>
-              <a:buChar char="•"/>
-              <a:defRPr sz="1350" kern="1200">
-                <a:solidFill>
-                  <a:schemeClr val="tx1"/>
-                </a:solidFill>
-                <a:latin typeface="+mn-lt"/>
-                <a:ea typeface="+mn-ea"/>
-                <a:cs typeface="+mn-cs"/>
-              </a:defRPr>
-            </a:lvl5pPr>
-            <a:lvl6pPr marL="1885950" indent="-171450" algn="l" defTabSz="685800" rtl="0" eaLnBrk="1" latinLnBrk="0" hangingPunct="1">
-              <a:lnSpc>
-                <a:spcPct val="90000"/>
-              </a:lnSpc>
-              <a:spcBef>
-                <a:spcPts val="375"/>
-              </a:spcBef>
-              <a:buFont typeface="Arial"/>
-              <a:buChar char="•"/>
-              <a:defRPr sz="1350" kern="1200">
-                <a:solidFill>
-                  <a:schemeClr val="tx1"/>
-                </a:solidFill>
-                <a:latin typeface="+mn-lt"/>
-                <a:ea typeface="+mn-ea"/>
-                <a:cs typeface="+mn-cs"/>
-              </a:defRPr>
-            </a:lvl6pPr>
-            <a:lvl7pPr marL="2228850" indent="-171450" algn="l" defTabSz="685800" rtl="0" eaLnBrk="1" latinLnBrk="0" hangingPunct="1">
-              <a:lnSpc>
-                <a:spcPct val="90000"/>
-              </a:lnSpc>
-              <a:spcBef>
-                <a:spcPts val="375"/>
-              </a:spcBef>
-              <a:buFont typeface="Arial"/>
-              <a:buChar char="•"/>
-              <a:defRPr sz="1350" kern="1200">
-                <a:solidFill>
-                  <a:schemeClr val="tx1"/>
-                </a:solidFill>
-                <a:latin typeface="+mn-lt"/>
-                <a:ea typeface="+mn-ea"/>
-                <a:cs typeface="+mn-cs"/>
-              </a:defRPr>
-            </a:lvl7pPr>
-            <a:lvl8pPr marL="2571750" indent="-171450" algn="l" defTabSz="685800" rtl="0" eaLnBrk="1" latinLnBrk="0" hangingPunct="1">
-              <a:lnSpc>
-                <a:spcPct val="90000"/>
-              </a:lnSpc>
-              <a:spcBef>
-                <a:spcPts val="375"/>
-              </a:spcBef>
-              <a:buFont typeface="Arial"/>
-              <a:buChar char="•"/>
-              <a:defRPr sz="1350" kern="1200">
-                <a:solidFill>
-                  <a:schemeClr val="tx1"/>
-                </a:solidFill>
-                <a:latin typeface="+mn-lt"/>
-                <a:ea typeface="+mn-ea"/>
-                <a:cs typeface="+mn-cs"/>
-              </a:defRPr>
-            </a:lvl8pPr>
-            <a:lvl9pPr marL="2914650" indent="-171450" algn="l" defTabSz="685800" rtl="0" eaLnBrk="1" latinLnBrk="0" hangingPunct="1">
-              <a:lnSpc>
-                <a:spcPct val="90000"/>
-              </a:lnSpc>
-              <a:spcBef>
-                <a:spcPts val="375"/>
-              </a:spcBef>
-              <a:buFont typeface="Arial"/>
-              <a:buChar char="•"/>
-              <a:defRPr sz="1350" kern="1200">
-                <a:solidFill>
-                  <a:schemeClr val="tx1"/>
-                </a:solidFill>
-                <a:latin typeface="+mn-lt"/>
-                <a:ea typeface="+mn-ea"/>
-                <a:cs typeface="+mn-cs"/>
-              </a:defRPr>
-            </a:lvl9pPr>
-          </a:lstStyle>
-          <a:p>
-            <a:pPr marL="0" indent="0">
-              <a:lnSpc>
-                <a:spcPct val="100000"/>
-              </a:lnSpc>
-              <a:buNone/>
-            </a:pPr>
-            <a:endParaRPr lang="en-US" altLang="zh-CN" sz="2800" dirty="0" smtClean="0"/>
-          </a:p>
-        </p:txBody>
-      </p:sp>
-      <p:sp>
-        <p:nvSpPr>
-          <p:cNvPr id="6" name="日期占位符 5"/>
-          <p:cNvSpPr>
-            <a:spLocks noGrp="1"/>
-          </p:cNvSpPr>
-          <p:nvPr>
-            <p:ph type="dt" sz="half" idx="10"/>
-          </p:nvPr>
-        </p:nvSpPr>
-        <p:spPr/>
-        <p:txBody>
-          <a:bodyPr/>
-          <a:lstStyle/>
-          <a:p>
-            <a:fld id="{B42AC176-3ED8-6048-A23F-3E0886988747}" type="datetime11">
-              <a:rPr lang="zh-CN" altLang="en-US" smtClean="0"/>
-              <a:t>19:09:56</a:t>
-            </a:fld>
-            <a:endParaRPr lang="zh-CN" altLang="en-US"/>
-          </a:p>
-        </p:txBody>
-      </p:sp>
-    </p:spTree>
-    <p:extLst>
-      <p:ext uri="{BB962C8B-B14F-4D97-AF65-F5344CB8AC3E}">
-        <p14:creationId xmlns:p14="http://schemas.microsoft.com/office/powerpoint/2010/main" val="1820401632"/>
-      </p:ext>
-    </p:extLst>
-  </p:cSld>
-  <p:clrMapOvr>
-    <a:masterClrMapping/>
-  </p:clrMapOvr>
-  <p:timing>
-    <p:tnLst>
-      <p:par>
-        <p:cTn id="1" dur="indefinite" restart="never" nodeType="tmRoot"/>
-      </p:par>
-    </p:tnLst>
-  </p:timing>
-</p:sld>
-</file>
-
-<file path=ppt/slides/slide5.xml><?xml version="1.0" encoding="utf-8"?>
-<p:sld xmlns:a="http://schemas.openxmlformats.org/drawingml/2006/main" xmlns:r="http://schemas.openxmlformats.org/officeDocument/2006/relationships" xmlns:p="http://schemas.openxmlformats.org/presentationml/2006/main">
-  <p:cSld>
-    <p:spTree>
-      <p:nvGrpSpPr>
-        <p:cNvPr id="1" name=""/>
-        <p:cNvGrpSpPr/>
-        <p:nvPr/>
-      </p:nvGrpSpPr>
-      <p:grpSpPr>
-        <a:xfrm>
-          <a:off x="0" y="0"/>
-          <a:ext cx="0" cy="0"/>
-          <a:chOff x="0" y="0"/>
-          <a:chExt cx="0" cy="0"/>
-        </a:xfrm>
-      </p:grpSpPr>
-      <p:sp>
-        <p:nvSpPr>
-          <p:cNvPr id="5" name="标题 4"/>
-          <p:cNvSpPr>
-            <a:spLocks noGrp="1"/>
-          </p:cNvSpPr>
-          <p:nvPr>
-            <p:ph type="title"/>
-          </p:nvPr>
-        </p:nvSpPr>
-        <p:spPr>
-          <a:xfrm>
-            <a:off x="623888" y="1083774"/>
-            <a:ext cx="7886700" cy="2852737"/>
-          </a:xfrm>
-        </p:spPr>
-        <p:txBody>
-          <a:bodyPr/>
-          <a:lstStyle/>
-          <a:p>
-            <a:pPr algn="ctr"/>
-            <a:r>
-              <a:rPr lang="en-US" altLang="zh-CN" b="1" dirty="0" smtClean="0"/>
-              <a:t>2. </a:t>
-            </a:r>
-            <a:r>
-              <a:rPr lang="zh-CN" altLang="en-US" b="1" dirty="0" smtClean="0"/>
-              <a:t>系统功能</a:t>
-            </a:r>
-            <a:endParaRPr lang="zh-CN" altLang="en-US" b="1" dirty="0"/>
-          </a:p>
-        </p:txBody>
-      </p:sp>
-      <p:sp>
-        <p:nvSpPr>
-          <p:cNvPr id="6" name="文本占位符 5"/>
-          <p:cNvSpPr>
-            <a:spLocks noGrp="1"/>
-          </p:cNvSpPr>
-          <p:nvPr>
-            <p:ph type="body" idx="1"/>
-          </p:nvPr>
-        </p:nvSpPr>
-        <p:spPr/>
-        <p:txBody>
-          <a:bodyPr/>
-          <a:lstStyle/>
-          <a:p>
-            <a:endParaRPr lang="zh-CN" altLang="en-US"/>
-          </a:p>
-        </p:txBody>
-      </p:sp>
-      <p:sp>
-        <p:nvSpPr>
-          <p:cNvPr id="4" name="日期占位符 3"/>
-          <p:cNvSpPr>
-            <a:spLocks noGrp="1"/>
-          </p:cNvSpPr>
-          <p:nvPr>
-            <p:ph type="dt" sz="half" idx="10"/>
-          </p:nvPr>
-        </p:nvSpPr>
-        <p:spPr/>
-        <p:txBody>
-          <a:bodyPr/>
-          <a:lstStyle/>
-          <a:p>
-            <a:fld id="{E093F988-9A29-5E45-8D20-69A04853E7AD}" type="datetime11">
-              <a:rPr lang="zh-CN" altLang="en-US" smtClean="0"/>
-              <a:t>20:22:27</a:t>
-            </a:fld>
-            <a:endParaRPr lang="zh-CN" altLang="en-US"/>
-          </a:p>
-        </p:txBody>
-      </p:sp>
-    </p:spTree>
-    <p:extLst>
-      <p:ext uri="{BB962C8B-B14F-4D97-AF65-F5344CB8AC3E}">
-        <p14:creationId xmlns:p14="http://schemas.microsoft.com/office/powerpoint/2010/main" val="1608401536"/>
-      </p:ext>
-    </p:extLst>
-  </p:cSld>
-  <p:clrMapOvr>
-    <a:masterClrMapping/>
-  </p:clrMapOvr>
-</p:sld>
-</file>
-
-<file path=ppt/slides/slide6.xml><?xml version="1.0" encoding="utf-8"?>
-<p:sld xmlns:a="http://schemas.openxmlformats.org/drawingml/2006/main" xmlns:r="http://schemas.openxmlformats.org/officeDocument/2006/relationships" xmlns:p="http://schemas.openxmlformats.org/presentationml/2006/main">
-  <p:cSld>
-    <p:spTree>
-      <p:nvGrpSpPr>
-        <p:cNvPr id="1" name=""/>
-        <p:cNvGrpSpPr/>
-        <p:nvPr/>
-      </p:nvGrpSpPr>
-      <p:grpSpPr>
-        <a:xfrm>
-          <a:off x="0" y="0"/>
-          <a:ext cx="0" cy="0"/>
-          <a:chOff x="0" y="0"/>
-          <a:chExt cx="0" cy="0"/>
-        </a:xfrm>
-      </p:grpSpPr>
-      <p:sp>
-        <p:nvSpPr>
-          <p:cNvPr id="2" name="标题 1"/>
-          <p:cNvSpPr>
-            <a:spLocks noGrp="1"/>
-          </p:cNvSpPr>
-          <p:nvPr>
-            <p:ph type="title"/>
-          </p:nvPr>
-        </p:nvSpPr>
-        <p:spPr>
-          <a:xfrm>
-            <a:off x="0" y="0"/>
-            <a:ext cx="6400800" cy="1028699"/>
-          </a:xfrm>
-        </p:spPr>
-        <p:txBody>
-          <a:bodyPr/>
-          <a:lstStyle/>
-          <a:p>
-            <a:r>
-              <a:rPr kumimoji="1" lang="en-US" altLang="zh-CN" dirty="0" smtClean="0"/>
-              <a:t>2. </a:t>
-            </a:r>
-            <a:r>
-              <a:rPr kumimoji="1" lang="zh-CN" altLang="en-US" dirty="0" smtClean="0"/>
-              <a:t>系统功能</a:t>
-            </a:r>
-            <a:endParaRPr kumimoji="1" lang="zh-CN" altLang="en-US" dirty="0"/>
-          </a:p>
-        </p:txBody>
-      </p:sp>
-      <p:sp>
-        <p:nvSpPr>
-          <p:cNvPr id="3" name="内容占位符 2"/>
-          <p:cNvSpPr>
-            <a:spLocks noGrp="1"/>
-          </p:cNvSpPr>
-          <p:nvPr>
-            <p:ph idx="1"/>
-          </p:nvPr>
-        </p:nvSpPr>
-        <p:spPr>
-          <a:xfrm>
-            <a:off x="628650" y="1103616"/>
-            <a:ext cx="7886700" cy="5252735"/>
-          </a:xfrm>
-        </p:spPr>
-        <p:txBody>
-          <a:bodyPr>
-            <a:noAutofit/>
-          </a:bodyPr>
-          <a:lstStyle/>
-          <a:p>
-            <a:pPr marL="0" indent="0">
-              <a:lnSpc>
-                <a:spcPct val="100000"/>
-              </a:lnSpc>
-              <a:buNone/>
-            </a:pPr>
-            <a:r>
-              <a:rPr kumimoji="1" lang="zh-CN" altLang="en-US" sz="3600" b="1" dirty="0" smtClean="0"/>
-              <a:t>学习资源检索</a:t>
-            </a:r>
-            <a:endParaRPr kumimoji="1" lang="en-US" altLang="zh-CN" sz="2400" b="1" dirty="0" smtClean="0"/>
-          </a:p>
-          <a:p>
-            <a:pPr>
-              <a:lnSpc>
-                <a:spcPct val="100000"/>
-              </a:lnSpc>
-            </a:pPr>
-            <a:r>
-              <a:rPr kumimoji="1" lang="zh-CN" altLang="en-US" sz="2400" b="1" dirty="0" smtClean="0"/>
-              <a:t>爬虫</a:t>
-            </a:r>
-            <a:endParaRPr kumimoji="1" lang="en-US" altLang="zh-CN" sz="2400" b="1" dirty="0" smtClean="0"/>
-          </a:p>
-          <a:p>
-            <a:pPr>
-              <a:lnSpc>
-                <a:spcPct val="100000"/>
-              </a:lnSpc>
-            </a:pPr>
-            <a:r>
-              <a:rPr kumimoji="1" lang="zh-CN" altLang="en-US" sz="2400" b="1" dirty="0"/>
-              <a:t>搜索引擎</a:t>
-            </a:r>
-            <a:endParaRPr kumimoji="1" lang="en-US" altLang="zh-CN" sz="2400" b="1" dirty="0"/>
-          </a:p>
-          <a:p>
-            <a:pPr>
-              <a:lnSpc>
-                <a:spcPct val="100000"/>
-              </a:lnSpc>
-            </a:pPr>
-            <a:r>
-              <a:rPr kumimoji="1" lang="zh-CN" altLang="en-US" sz="1800" dirty="0" smtClean="0"/>
-              <a:t>站</a:t>
-            </a:r>
-            <a:r>
-              <a:rPr kumimoji="1" lang="zh-CN" altLang="en-US" sz="1800" dirty="0" smtClean="0"/>
-              <a:t>内学习资源等基本增删改查</a:t>
-            </a:r>
-            <a:endParaRPr kumimoji="1" lang="en-US" altLang="zh-CN" sz="1800" dirty="0" smtClean="0"/>
-          </a:p>
-          <a:p>
-            <a:pPr marL="0" indent="0">
-              <a:lnSpc>
-                <a:spcPct val="100000"/>
-              </a:lnSpc>
-              <a:buNone/>
-            </a:pPr>
-            <a:r>
-              <a:rPr kumimoji="1" lang="zh-CN" altLang="en-US" sz="3600" b="1" dirty="0" smtClean="0"/>
-              <a:t>在线编程</a:t>
-            </a:r>
-            <a:endParaRPr kumimoji="1" lang="en-US" altLang="zh-CN" sz="3600" b="1" dirty="0" smtClean="0"/>
-          </a:p>
-          <a:p>
-            <a:pPr>
-              <a:lnSpc>
-                <a:spcPct val="100000"/>
-              </a:lnSpc>
-            </a:pPr>
-            <a:r>
-              <a:rPr kumimoji="1" lang="zh-CN" altLang="en-US" sz="2400" b="1" dirty="0" smtClean="0"/>
-              <a:t>代码</a:t>
-            </a:r>
-            <a:r>
-              <a:rPr kumimoji="1" lang="zh-CN" altLang="en-US" sz="2400" b="1" dirty="0" smtClean="0"/>
-              <a:t>评判</a:t>
-            </a:r>
-            <a:endParaRPr kumimoji="1" lang="en-US" altLang="zh-CN" sz="2400" b="1" dirty="0" smtClean="0"/>
-          </a:p>
-          <a:p>
-            <a:pPr>
-              <a:lnSpc>
-                <a:spcPct val="100000"/>
-              </a:lnSpc>
-            </a:pPr>
-            <a:r>
-              <a:rPr kumimoji="1" lang="en-US" altLang="zh-CN" sz="1800" dirty="0"/>
-              <a:t>Web</a:t>
-            </a:r>
-            <a:r>
-              <a:rPr kumimoji="1" lang="zh-CN" altLang="en-US" sz="1800" dirty="0"/>
-              <a:t>嵌入代码</a:t>
-            </a:r>
-            <a:r>
-              <a:rPr kumimoji="1" lang="zh-CN" altLang="en-US" sz="1800" dirty="0" smtClean="0"/>
-              <a:t>编辑器</a:t>
-            </a:r>
-            <a:r>
-              <a:rPr kumimoji="1" lang="zh-CN" altLang="en-US" sz="1800" dirty="0" smtClean="0"/>
-              <a:t>（支持自动补全、</a:t>
-            </a:r>
-            <a:r>
-              <a:rPr kumimoji="1" lang="en-US" altLang="zh-CN" sz="1800" dirty="0" smtClean="0"/>
-              <a:t>Vim/</a:t>
-            </a:r>
-            <a:r>
-              <a:rPr kumimoji="1" lang="en-US" altLang="zh-CN" sz="1800" dirty="0" err="1" smtClean="0"/>
-              <a:t>Emacs</a:t>
-            </a:r>
-            <a:r>
-              <a:rPr kumimoji="1" lang="zh-CN" altLang="en-US" sz="1800" dirty="0"/>
-              <a:t>编辑器</a:t>
-            </a:r>
-            <a:r>
-              <a:rPr kumimoji="1" lang="zh-CN" altLang="en-US" sz="1800" dirty="0" smtClean="0"/>
-              <a:t>键位等）</a:t>
-            </a:r>
-            <a:endParaRPr kumimoji="1" lang="en-US" altLang="zh-CN" sz="1800" dirty="0"/>
-          </a:p>
-          <a:p>
-            <a:pPr>
-              <a:lnSpc>
-                <a:spcPct val="100000"/>
-              </a:lnSpc>
-            </a:pPr>
-            <a:r>
-              <a:rPr kumimoji="1" lang="zh-CN" altLang="en-US" sz="1800" dirty="0" smtClean="0"/>
-              <a:t>编程题目、测试用例等基本增删改查</a:t>
-            </a:r>
-            <a:endParaRPr kumimoji="1" lang="en-US" altLang="zh-CN" sz="1800" dirty="0"/>
-          </a:p>
-          <a:p>
-            <a:pPr marL="0" indent="0">
-              <a:lnSpc>
-                <a:spcPct val="100000"/>
-              </a:lnSpc>
-              <a:buNone/>
-            </a:pPr>
-            <a:r>
-              <a:rPr kumimoji="1" lang="zh-CN" altLang="en-US" sz="2400" dirty="0" smtClean="0"/>
-              <a:t>其他</a:t>
-            </a:r>
-            <a:endParaRPr kumimoji="1" lang="en-US" altLang="zh-CN" dirty="0" smtClean="0"/>
-          </a:p>
-          <a:p>
-            <a:pPr>
-              <a:lnSpc>
-                <a:spcPct val="100000"/>
-              </a:lnSpc>
-            </a:pPr>
-            <a:r>
-              <a:rPr kumimoji="1" lang="en-US" altLang="zh-CN" sz="1800" dirty="0" smtClean="0"/>
-              <a:t>RBAC</a:t>
-            </a:r>
-            <a:r>
-              <a:rPr kumimoji="1" lang="zh-CN" altLang="en-US" sz="1800" dirty="0" smtClean="0"/>
-              <a:t>（基于角色的用户管理）与相关增删改</a:t>
-            </a:r>
-            <a:r>
-              <a:rPr kumimoji="1" lang="zh-CN" altLang="en-US" sz="1800" dirty="0" smtClean="0"/>
-              <a:t>查</a:t>
-            </a:r>
-            <a:endParaRPr kumimoji="1" lang="en-US" altLang="zh-CN" sz="1800" dirty="0" smtClean="0"/>
-          </a:p>
-          <a:p>
-            <a:pPr>
-              <a:lnSpc>
-                <a:spcPct val="100000"/>
-              </a:lnSpc>
-            </a:pPr>
-            <a:r>
-              <a:rPr kumimoji="1" lang="zh-CN" altLang="en-US" sz="1800" dirty="0" smtClean="0"/>
-              <a:t>用户浏览行为记录</a:t>
-            </a:r>
-            <a:endParaRPr kumimoji="1" lang="en-US" altLang="zh-CN" sz="1800" dirty="0" smtClean="0"/>
-          </a:p>
-        </p:txBody>
-      </p:sp>
-      <p:sp>
-        <p:nvSpPr>
-          <p:cNvPr id="4" name="日期占位符 3"/>
-          <p:cNvSpPr>
-            <a:spLocks noGrp="1"/>
-          </p:cNvSpPr>
-          <p:nvPr>
-            <p:ph type="dt" sz="half" idx="10"/>
-          </p:nvPr>
-        </p:nvSpPr>
-        <p:spPr/>
-        <p:txBody>
-          <a:bodyPr/>
-          <a:lstStyle/>
-          <a:p>
-            <a:fld id="{7551E2BA-704B-C04E-9043-650619DBAE49}" type="datetime11">
-              <a:rPr lang="zh-CN" altLang="en-US" smtClean="0"/>
-              <a:t>19:38:24</a:t>
-            </a:fld>
-            <a:endParaRPr lang="zh-CN" altLang="en-US"/>
-          </a:p>
-        </p:txBody>
-      </p:sp>
-    </p:spTree>
-    <p:extLst>
-      <p:ext uri="{BB962C8B-B14F-4D97-AF65-F5344CB8AC3E}">
-        <p14:creationId xmlns:p14="http://schemas.microsoft.com/office/powerpoint/2010/main" val="1507621337"/>
-      </p:ext>
-    </p:extLst>
-  </p:cSld>
-  <p:clrMapOvr>
-    <a:masterClrMapping/>
-  </p:clrMapOvr>
-  <p:timing>
-    <p:tnLst>
-      <p:par>
-        <p:cTn id="1" dur="indefinite" restart="never" nodeType="tmRoot"/>
-      </p:par>
-    </p:tnLst>
-  </p:timing>
-</p:sld>
-</file>
-
-<file path=ppt/slides/slide7.xml><?xml version="1.0" encoding="utf-8"?>
-<p:sld xmlns:a="http://schemas.openxmlformats.org/drawingml/2006/main" xmlns:r="http://schemas.openxmlformats.org/officeDocument/2006/relationships" xmlns:p="http://schemas.openxmlformats.org/presentationml/2006/main">
-  <p:cSld>
-    <p:spTree>
-      <p:nvGrpSpPr>
-        <p:cNvPr id="1" name=""/>
-        <p:cNvGrpSpPr/>
-        <p:nvPr/>
-      </p:nvGrpSpPr>
-      <p:grpSpPr>
-        <a:xfrm>
-          <a:off x="0" y="0"/>
-          <a:ext cx="0" cy="0"/>
-          <a:chOff x="0" y="0"/>
-          <a:chExt cx="0" cy="0"/>
-        </a:xfrm>
-      </p:grpSpPr>
-      <p:sp>
-        <p:nvSpPr>
-          <p:cNvPr id="2" name="标题 1"/>
-          <p:cNvSpPr>
-            <a:spLocks noGrp="1"/>
-          </p:cNvSpPr>
-          <p:nvPr>
-            <p:ph type="title"/>
-          </p:nvPr>
-        </p:nvSpPr>
-        <p:spPr/>
-        <p:txBody>
-          <a:bodyPr/>
-          <a:lstStyle/>
-          <a:p>
-            <a:r>
-              <a:rPr kumimoji="1" lang="en-US" altLang="zh-CN" dirty="0"/>
-              <a:t>2. </a:t>
-            </a:r>
-            <a:r>
-              <a:rPr kumimoji="1" lang="zh-CN" altLang="en-US" dirty="0"/>
-              <a:t>系统功能</a:t>
-            </a:r>
-          </a:p>
-        </p:txBody>
-      </p:sp>
-      <p:sp>
-        <p:nvSpPr>
-          <p:cNvPr id="4" name="日期占位符 3"/>
-          <p:cNvSpPr>
-            <a:spLocks noGrp="1"/>
-          </p:cNvSpPr>
-          <p:nvPr>
-            <p:ph type="dt" sz="half" idx="10"/>
-          </p:nvPr>
-        </p:nvSpPr>
-        <p:spPr/>
-        <p:txBody>
-          <a:bodyPr/>
-          <a:lstStyle/>
-          <a:p>
             <a:fld id="{4D099A2B-7374-C340-8FD8-C09992C9254A}" type="datetime11">
               <a:rPr lang="zh-CN" altLang="en-US" smtClean="0"/>
-              <a:t>19:09:56</a:t>
+              <a:t>22:23:07</a:t>
             </a:fld>
             <a:endParaRPr lang="zh-CN" altLang="en-US"/>
           </a:p>
@@ -7863,7 +4691,7 @@
 </p:sld>
 </file>
 
-<file path=ppt/slides/slide8.xml><?xml version="1.0" encoding="utf-8"?>
+<file path=ppt/slides/slide11.xml><?xml version="1.0" encoding="utf-8"?>
 <p:sld xmlns:a="http://schemas.openxmlformats.org/drawingml/2006/main" xmlns:r="http://schemas.openxmlformats.org/officeDocument/2006/relationships" xmlns:p="http://schemas.openxmlformats.org/presentationml/2006/main">
   <p:cSld>
     <p:spTree>
@@ -7923,7 +4751,7 @@
           <a:p>
             <a:fld id="{4D099A2B-7374-C340-8FD8-C09992C9254A}" type="datetime11">
               <a:rPr lang="zh-CN" altLang="en-US" smtClean="0"/>
-              <a:t>19:09:56</a:t>
+              <a:t>22:23:07</a:t>
             </a:fld>
             <a:endParaRPr lang="zh-CN" altLang="en-US"/>
           </a:p>
@@ -8024,7 +4852,7 @@
 </p:sld>
 </file>
 
-<file path=ppt/slides/slide9.xml><?xml version="1.0" encoding="utf-8"?>
+<file path=ppt/slides/slide12.xml><?xml version="1.0" encoding="utf-8"?>
 <p:sld xmlns:a="http://schemas.openxmlformats.org/drawingml/2006/main" xmlns:r="http://schemas.openxmlformats.org/officeDocument/2006/relationships" xmlns:p="http://schemas.openxmlformats.org/presentationml/2006/main">
   <p:cSld>
     <p:spTree>
@@ -8084,7 +4912,7 @@
           <a:p>
             <a:fld id="{AFB7005A-8EFB-4B4A-BF7E-783465653614}" type="datetime11">
               <a:rPr lang="zh-CN" altLang="en-US" smtClean="0"/>
-              <a:t>19:09:56</a:t>
+              <a:t>22:23:07</a:t>
             </a:fld>
             <a:endParaRPr lang="zh-CN" altLang="en-US"/>
           </a:p>
@@ -8136,6 +4964,3909 @@
       </p:par>
     </p:tnLst>
   </p:timing>
+</p:sld>
+</file>
+
+<file path=ppt/slides/slide13.xml><?xml version="1.0" encoding="utf-8"?>
+<p:sld xmlns:a="http://schemas.openxmlformats.org/drawingml/2006/main" xmlns:r="http://schemas.openxmlformats.org/officeDocument/2006/relationships" xmlns:p="http://schemas.openxmlformats.org/presentationml/2006/main">
+  <p:cSld>
+    <p:spTree>
+      <p:nvGrpSpPr>
+        <p:cNvPr id="1" name=""/>
+        <p:cNvGrpSpPr/>
+        <p:nvPr/>
+      </p:nvGrpSpPr>
+      <p:grpSpPr>
+        <a:xfrm>
+          <a:off x="0" y="0"/>
+          <a:ext cx="0" cy="0"/>
+          <a:chOff x="0" y="0"/>
+          <a:chExt cx="0" cy="0"/>
+        </a:xfrm>
+      </p:grpSpPr>
+      <p:sp>
+        <p:nvSpPr>
+          <p:cNvPr id="2" name="标题 1"/>
+          <p:cNvSpPr>
+            <a:spLocks noGrp="1"/>
+          </p:cNvSpPr>
+          <p:nvPr>
+            <p:ph type="title"/>
+          </p:nvPr>
+        </p:nvSpPr>
+        <p:spPr/>
+        <p:txBody>
+          <a:bodyPr>
+            <a:normAutofit/>
+          </a:bodyPr>
+          <a:lstStyle/>
+          <a:p>
+            <a:r>
+              <a:rPr kumimoji="1" lang="en-US" altLang="zh-CN" dirty="0"/>
+              <a:t>2. </a:t>
+            </a:r>
+            <a:r>
+              <a:rPr kumimoji="1" lang="zh-CN" altLang="en-US" dirty="0"/>
+              <a:t>系统功能</a:t>
+            </a:r>
+          </a:p>
+        </p:txBody>
+      </p:sp>
+      <p:sp>
+        <p:nvSpPr>
+          <p:cNvPr id="3" name="内容占位符 2"/>
+          <p:cNvSpPr>
+            <a:spLocks noGrp="1"/>
+          </p:cNvSpPr>
+          <p:nvPr>
+            <p:ph idx="1"/>
+          </p:nvPr>
+        </p:nvSpPr>
+        <p:spPr>
+          <a:xfrm>
+            <a:off x="628650" y="1360170"/>
+            <a:ext cx="7886700" cy="5180332"/>
+          </a:xfrm>
+        </p:spPr>
+        <p:txBody>
+          <a:bodyPr>
+            <a:normAutofit lnSpcReduction="10000"/>
+          </a:bodyPr>
+          <a:lstStyle/>
+          <a:p>
+            <a:pPr marL="0" indent="0">
+              <a:lnSpc>
+                <a:spcPct val="110000"/>
+              </a:lnSpc>
+              <a:buNone/>
+            </a:pPr>
+            <a:r>
+              <a:rPr kumimoji="1" lang="zh-CN" altLang="en-US" sz="3600" dirty="0" smtClean="0"/>
+              <a:t>在线编程功能与特点</a:t>
+            </a:r>
+            <a:endParaRPr kumimoji="1" lang="en-US" altLang="zh-CN" dirty="0" smtClean="0"/>
+          </a:p>
+          <a:p>
+            <a:pPr>
+              <a:lnSpc>
+                <a:spcPct val="110000"/>
+              </a:lnSpc>
+            </a:pPr>
+            <a:r>
+              <a:rPr kumimoji="1" lang="zh-CN" altLang="en-US" dirty="0" smtClean="0"/>
+              <a:t>黑盒测试，可评判 </a:t>
+            </a:r>
+            <a:r>
+              <a:rPr kumimoji="1" lang="en-US" altLang="zh-CN" dirty="0" smtClean="0"/>
+              <a:t>Java</a:t>
+            </a:r>
+          </a:p>
+          <a:p>
+            <a:pPr>
+              <a:lnSpc>
+                <a:spcPct val="110000"/>
+              </a:lnSpc>
+            </a:pPr>
+            <a:r>
+              <a:rPr kumimoji="1" lang="zh-CN" altLang="en-US" dirty="0" smtClean="0"/>
+              <a:t>编译代码时</a:t>
+            </a:r>
+            <a:r>
+              <a:rPr kumimoji="1" lang="zh-CN" altLang="en-US" b="1" dirty="0" smtClean="0"/>
+              <a:t>无须创建进程</a:t>
+            </a:r>
+            <a:r>
+              <a:rPr kumimoji="1" lang="zh-CN" altLang="en-US" dirty="0" smtClean="0"/>
+              <a:t>，全程线程级操作</a:t>
+            </a:r>
+            <a:endParaRPr kumimoji="1" lang="en-US" altLang="zh-CN" dirty="0" smtClean="0"/>
+          </a:p>
+          <a:p>
+            <a:pPr>
+              <a:lnSpc>
+                <a:spcPct val="110000"/>
+              </a:lnSpc>
+            </a:pPr>
+            <a:r>
+              <a:rPr kumimoji="1" lang="zh-CN" altLang="en-US" dirty="0" smtClean="0"/>
+              <a:t>不涉及文件操作，评判全程</a:t>
+            </a:r>
+            <a:r>
+              <a:rPr kumimoji="1" lang="zh-CN" altLang="en-US" b="1" dirty="0" smtClean="0"/>
+              <a:t>使用内存存储</a:t>
+            </a:r>
+            <a:endParaRPr kumimoji="1" lang="en-US" altLang="zh-CN" b="1" dirty="0" smtClean="0"/>
+          </a:p>
+          <a:p>
+            <a:pPr>
+              <a:lnSpc>
+                <a:spcPct val="110000"/>
+              </a:lnSpc>
+            </a:pPr>
+            <a:r>
+              <a:rPr kumimoji="1" lang="zh-CN" altLang="en-US" dirty="0"/>
+              <a:t>评判器</a:t>
+            </a:r>
+            <a:r>
+              <a:rPr kumimoji="1" lang="zh-CN" altLang="en-US" b="1" dirty="0"/>
+              <a:t>自动反序列化参数、序列化计算结果</a:t>
+            </a:r>
+            <a:endParaRPr kumimoji="1" lang="en-US" altLang="zh-CN" b="1" dirty="0"/>
+          </a:p>
+          <a:p>
+            <a:pPr>
+              <a:lnSpc>
+                <a:spcPct val="110000"/>
+              </a:lnSpc>
+            </a:pPr>
+            <a:r>
+              <a:rPr kumimoji="1" lang="zh-CN" altLang="en-US" dirty="0" smtClean="0"/>
+              <a:t>充分利用编程语言安全机制，</a:t>
+            </a:r>
+            <a:r>
+              <a:rPr kumimoji="1" lang="zh-CN" altLang="en-US" b="1" dirty="0" smtClean="0"/>
+              <a:t>不依赖操作系统</a:t>
+            </a:r>
+            <a:endParaRPr kumimoji="1" lang="en-US" altLang="zh-CN" b="1" dirty="0"/>
+          </a:p>
+          <a:p>
+            <a:endParaRPr kumimoji="1" lang="en-US" altLang="zh-CN" dirty="0" smtClean="0"/>
+          </a:p>
+          <a:p>
+            <a:pPr marL="0" indent="0">
+              <a:buNone/>
+            </a:pPr>
+            <a:r>
+              <a:rPr kumimoji="1" lang="zh-CN" altLang="en-US" dirty="0" smtClean="0"/>
+              <a:t>缺点</a:t>
+            </a:r>
+            <a:endParaRPr kumimoji="1" lang="en-US" altLang="zh-CN" dirty="0" smtClean="0"/>
+          </a:p>
+          <a:p>
+            <a:r>
+              <a:rPr kumimoji="1" lang="zh-CN" altLang="en-US" dirty="0" smtClean="0"/>
+              <a:t>未实现 限制被评判代码内存使用量</a:t>
+            </a:r>
+            <a:endParaRPr kumimoji="1" lang="zh-CN" altLang="en-US" dirty="0"/>
+          </a:p>
+        </p:txBody>
+      </p:sp>
+      <p:sp>
+        <p:nvSpPr>
+          <p:cNvPr id="6" name="日期占位符 5"/>
+          <p:cNvSpPr>
+            <a:spLocks noGrp="1"/>
+          </p:cNvSpPr>
+          <p:nvPr>
+            <p:ph type="dt" sz="half" idx="10"/>
+          </p:nvPr>
+        </p:nvSpPr>
+        <p:spPr>
+          <a:xfrm>
+            <a:off x="8368748" y="6540502"/>
+            <a:ext cx="775252" cy="317498"/>
+          </a:xfrm>
+        </p:spPr>
+        <p:txBody>
+          <a:bodyPr/>
+          <a:lstStyle/>
+          <a:p>
+            <a:fld id="{23551141-8730-254F-86E1-1D9F9D5E3924}" type="datetime11">
+              <a:rPr lang="zh-CN" altLang="en-US" smtClean="0"/>
+              <a:t>22:23:07</a:t>
+            </a:fld>
+            <a:endParaRPr lang="zh-CN" altLang="en-US" dirty="0"/>
+          </a:p>
+        </p:txBody>
+      </p:sp>
+    </p:spTree>
+    <p:extLst>
+      <p:ext uri="{BB962C8B-B14F-4D97-AF65-F5344CB8AC3E}">
+        <p14:creationId xmlns:p14="http://schemas.microsoft.com/office/powerpoint/2010/main" val="1217229610"/>
+      </p:ext>
+    </p:extLst>
+  </p:cSld>
+  <p:clrMapOvr>
+    <a:masterClrMapping/>
+  </p:clrMapOvr>
+  <p:timing>
+    <p:tnLst>
+      <p:par>
+        <p:cTn id="1" dur="indefinite" restart="never" nodeType="tmRoot"/>
+      </p:par>
+    </p:tnLst>
+  </p:timing>
+</p:sld>
+</file>
+
+<file path=ppt/slides/slide14.xml><?xml version="1.0" encoding="utf-8"?>
+<p:sld xmlns:a="http://schemas.openxmlformats.org/drawingml/2006/main" xmlns:r="http://schemas.openxmlformats.org/officeDocument/2006/relationships" xmlns:p="http://schemas.openxmlformats.org/presentationml/2006/main">
+  <p:cSld>
+    <p:spTree>
+      <p:nvGrpSpPr>
+        <p:cNvPr id="1" name=""/>
+        <p:cNvGrpSpPr/>
+        <p:nvPr/>
+      </p:nvGrpSpPr>
+      <p:grpSpPr>
+        <a:xfrm>
+          <a:off x="0" y="0"/>
+          <a:ext cx="0" cy="0"/>
+          <a:chOff x="0" y="0"/>
+          <a:chExt cx="0" cy="0"/>
+        </a:xfrm>
+      </p:grpSpPr>
+      <p:sp>
+        <p:nvSpPr>
+          <p:cNvPr id="2" name="标题 1"/>
+          <p:cNvSpPr>
+            <a:spLocks noGrp="1"/>
+          </p:cNvSpPr>
+          <p:nvPr>
+            <p:ph type="title"/>
+          </p:nvPr>
+        </p:nvSpPr>
+        <p:spPr/>
+        <p:txBody>
+          <a:bodyPr/>
+          <a:lstStyle/>
+          <a:p>
+            <a:r>
+              <a:rPr kumimoji="1" lang="en-US" altLang="zh-CN" dirty="0"/>
+              <a:t>2. </a:t>
+            </a:r>
+            <a:r>
+              <a:rPr kumimoji="1" lang="zh-CN" altLang="en-US" dirty="0"/>
+              <a:t>系统功能</a:t>
+            </a:r>
+          </a:p>
+        </p:txBody>
+      </p:sp>
+      <p:sp>
+        <p:nvSpPr>
+          <p:cNvPr id="4" name="日期占位符 3"/>
+          <p:cNvSpPr>
+            <a:spLocks noGrp="1"/>
+          </p:cNvSpPr>
+          <p:nvPr>
+            <p:ph type="dt" sz="half" idx="10"/>
+          </p:nvPr>
+        </p:nvSpPr>
+        <p:spPr/>
+        <p:txBody>
+          <a:bodyPr/>
+          <a:lstStyle/>
+          <a:p>
+            <a:fld id="{E4C0FD68-7273-B74C-8DEE-A395D4E30DE1}" type="datetime11">
+              <a:rPr lang="zh-CN" altLang="en-US" smtClean="0"/>
+              <a:t>22:23:07</a:t>
+            </a:fld>
+            <a:endParaRPr lang="zh-CN" altLang="en-US"/>
+          </a:p>
+        </p:txBody>
+      </p:sp>
+      <p:pic>
+        <p:nvPicPr>
+          <p:cNvPr id="6" name="图片 5"/>
+          <p:cNvPicPr>
+            <a:picLocks noChangeAspect="1"/>
+          </p:cNvPicPr>
+          <p:nvPr/>
+        </p:nvPicPr>
+        <p:blipFill rotWithShape="1">
+          <a:blip r:embed="rId2">
+            <a:extLst>
+              <a:ext uri="{28A0092B-C50C-407E-A947-70E740481C1C}">
+                <a14:useLocalDpi xmlns:a14="http://schemas.microsoft.com/office/drawing/2010/main" val="0"/>
+              </a:ext>
+            </a:extLst>
+          </a:blip>
+          <a:srcRect l="2342" t="13441" r="11455"/>
+          <a:stretch/>
+        </p:blipFill>
+        <p:spPr>
+          <a:xfrm>
+            <a:off x="254298" y="1134131"/>
+            <a:ext cx="8432922" cy="5255449"/>
+          </a:xfrm>
+          <a:prstGeom prst="rect">
+            <a:avLst/>
+          </a:prstGeom>
+        </p:spPr>
+      </p:pic>
+    </p:spTree>
+    <p:extLst>
+      <p:ext uri="{BB962C8B-B14F-4D97-AF65-F5344CB8AC3E}">
+        <p14:creationId xmlns:p14="http://schemas.microsoft.com/office/powerpoint/2010/main" val="2890550903"/>
+      </p:ext>
+    </p:extLst>
+  </p:cSld>
+  <p:clrMapOvr>
+    <a:masterClrMapping/>
+  </p:clrMapOvr>
+  <p:timing>
+    <p:tnLst>
+      <p:par>
+        <p:cTn id="1" dur="indefinite" restart="never" nodeType="tmRoot"/>
+      </p:par>
+    </p:tnLst>
+  </p:timing>
+</p:sld>
+</file>
+
+<file path=ppt/slides/slide15.xml><?xml version="1.0" encoding="utf-8"?>
+<p:sld xmlns:a="http://schemas.openxmlformats.org/drawingml/2006/main" xmlns:r="http://schemas.openxmlformats.org/officeDocument/2006/relationships" xmlns:p="http://schemas.openxmlformats.org/presentationml/2006/main">
+  <p:cSld>
+    <p:spTree>
+      <p:nvGrpSpPr>
+        <p:cNvPr id="1" name=""/>
+        <p:cNvGrpSpPr/>
+        <p:nvPr/>
+      </p:nvGrpSpPr>
+      <p:grpSpPr>
+        <a:xfrm>
+          <a:off x="0" y="0"/>
+          <a:ext cx="0" cy="0"/>
+          <a:chOff x="0" y="0"/>
+          <a:chExt cx="0" cy="0"/>
+        </a:xfrm>
+      </p:grpSpPr>
+      <p:sp>
+        <p:nvSpPr>
+          <p:cNvPr id="2" name="标题 1"/>
+          <p:cNvSpPr>
+            <a:spLocks noGrp="1"/>
+          </p:cNvSpPr>
+          <p:nvPr>
+            <p:ph type="title"/>
+          </p:nvPr>
+        </p:nvSpPr>
+        <p:spPr/>
+        <p:txBody>
+          <a:bodyPr/>
+          <a:lstStyle/>
+          <a:p>
+            <a:r>
+              <a:rPr kumimoji="1" lang="en-US" altLang="zh-CN" dirty="0"/>
+              <a:t>2. </a:t>
+            </a:r>
+            <a:r>
+              <a:rPr kumimoji="1" lang="zh-CN" altLang="en-US" dirty="0"/>
+              <a:t>系统功能</a:t>
+            </a:r>
+          </a:p>
+        </p:txBody>
+      </p:sp>
+      <p:sp>
+        <p:nvSpPr>
+          <p:cNvPr id="3" name="内容占位符 2"/>
+          <p:cNvSpPr>
+            <a:spLocks noGrp="1"/>
+          </p:cNvSpPr>
+          <p:nvPr>
+            <p:ph idx="1"/>
+          </p:nvPr>
+        </p:nvSpPr>
+        <p:spPr/>
+        <p:txBody>
+          <a:bodyPr/>
+          <a:lstStyle/>
+          <a:p>
+            <a:pPr marL="0" marR="0" lvl="0" indent="0" defTabSz="914400" eaLnBrk="1" fontAlgn="auto" latinLnBrk="0" hangingPunct="1">
+              <a:lnSpc>
+                <a:spcPct val="100000"/>
+              </a:lnSpc>
+              <a:spcBef>
+                <a:spcPts val="0"/>
+              </a:spcBef>
+              <a:spcAft>
+                <a:spcPts val="0"/>
+              </a:spcAft>
+              <a:buClrTx/>
+              <a:buSzTx/>
+              <a:buFontTx/>
+              <a:buNone/>
+              <a:tabLst/>
+              <a:defRPr/>
+            </a:pPr>
+            <a:r>
+              <a:rPr kumimoji="1" lang="zh-CN" altLang="en-US" dirty="0" smtClean="0"/>
+              <a:t>对比</a:t>
+            </a:r>
+            <a:r>
+              <a:rPr kumimoji="1" lang="en-US" altLang="zh-CN" dirty="0" smtClean="0"/>
+              <a:t>SCAU</a:t>
+            </a:r>
+            <a:endParaRPr kumimoji="1" lang="zh-CN" altLang="en-US" dirty="0"/>
+          </a:p>
+        </p:txBody>
+      </p:sp>
+      <p:sp>
+        <p:nvSpPr>
+          <p:cNvPr id="4" name="日期占位符 3"/>
+          <p:cNvSpPr>
+            <a:spLocks noGrp="1"/>
+          </p:cNvSpPr>
+          <p:nvPr>
+            <p:ph type="dt" sz="half" idx="10"/>
+          </p:nvPr>
+        </p:nvSpPr>
+        <p:spPr/>
+        <p:txBody>
+          <a:bodyPr/>
+          <a:lstStyle/>
+          <a:p>
+            <a:fld id="{E4C0FD68-7273-B74C-8DEE-A395D4E30DE1}" type="datetime11">
+              <a:rPr lang="zh-CN" altLang="en-US" smtClean="0"/>
+              <a:t>22:23:07</a:t>
+            </a:fld>
+            <a:endParaRPr lang="zh-CN" altLang="en-US"/>
+          </a:p>
+        </p:txBody>
+      </p:sp>
+      <p:pic>
+        <p:nvPicPr>
+          <p:cNvPr id="5" name="图片 4"/>
+          <p:cNvPicPr>
+            <a:picLocks noChangeAspect="1"/>
+          </p:cNvPicPr>
+          <p:nvPr/>
+        </p:nvPicPr>
+        <p:blipFill rotWithShape="1">
+          <a:blip r:embed="rId3">
+            <a:extLst>
+              <a:ext uri="{28A0092B-C50C-407E-A947-70E740481C1C}">
+                <a14:useLocalDpi xmlns:a14="http://schemas.microsoft.com/office/drawing/2010/main" val="0"/>
+              </a:ext>
+            </a:extLst>
+          </a:blip>
+          <a:srcRect b="21380"/>
+          <a:stretch/>
+        </p:blipFill>
+        <p:spPr>
+          <a:xfrm>
+            <a:off x="0" y="1030837"/>
+            <a:ext cx="9137243" cy="5325514"/>
+          </a:xfrm>
+          <a:prstGeom prst="rect">
+            <a:avLst/>
+          </a:prstGeom>
+        </p:spPr>
+      </p:pic>
+    </p:spTree>
+    <p:extLst>
+      <p:ext uri="{BB962C8B-B14F-4D97-AF65-F5344CB8AC3E}">
+        <p14:creationId xmlns:p14="http://schemas.microsoft.com/office/powerpoint/2010/main" val="1462443608"/>
+      </p:ext>
+    </p:extLst>
+  </p:cSld>
+  <p:clrMapOvr>
+    <a:masterClrMapping/>
+  </p:clrMapOvr>
+  <p:timing>
+    <p:tnLst>
+      <p:par>
+        <p:cTn id="1" dur="indefinite" restart="never" nodeType="tmRoot"/>
+      </p:par>
+    </p:tnLst>
+  </p:timing>
+</p:sld>
+</file>
+
+<file path=ppt/slides/slide16.xml><?xml version="1.0" encoding="utf-8"?>
+<p:sld xmlns:a="http://schemas.openxmlformats.org/drawingml/2006/main" xmlns:r="http://schemas.openxmlformats.org/officeDocument/2006/relationships" xmlns:p="http://schemas.openxmlformats.org/presentationml/2006/main">
+  <p:cSld>
+    <p:spTree>
+      <p:nvGrpSpPr>
+        <p:cNvPr id="1" name=""/>
+        <p:cNvGrpSpPr/>
+        <p:nvPr/>
+      </p:nvGrpSpPr>
+      <p:grpSpPr>
+        <a:xfrm>
+          <a:off x="0" y="0"/>
+          <a:ext cx="0" cy="0"/>
+          <a:chOff x="0" y="0"/>
+          <a:chExt cx="0" cy="0"/>
+        </a:xfrm>
+      </p:grpSpPr>
+      <p:sp>
+        <p:nvSpPr>
+          <p:cNvPr id="2" name="标题 1"/>
+          <p:cNvSpPr>
+            <a:spLocks noGrp="1"/>
+          </p:cNvSpPr>
+          <p:nvPr>
+            <p:ph type="title"/>
+          </p:nvPr>
+        </p:nvSpPr>
+        <p:spPr/>
+        <p:txBody>
+          <a:bodyPr/>
+          <a:lstStyle/>
+          <a:p>
+            <a:r>
+              <a:rPr kumimoji="1" lang="en-US" altLang="zh-CN" dirty="0"/>
+              <a:t>2. </a:t>
+            </a:r>
+            <a:r>
+              <a:rPr kumimoji="1" lang="zh-CN" altLang="en-US" dirty="0"/>
+              <a:t>系统功能</a:t>
+            </a:r>
+          </a:p>
+        </p:txBody>
+      </p:sp>
+      <p:sp>
+        <p:nvSpPr>
+          <p:cNvPr id="4" name="日期占位符 3"/>
+          <p:cNvSpPr>
+            <a:spLocks noGrp="1"/>
+          </p:cNvSpPr>
+          <p:nvPr>
+            <p:ph type="dt" sz="half" idx="10"/>
+          </p:nvPr>
+        </p:nvSpPr>
+        <p:spPr/>
+        <p:txBody>
+          <a:bodyPr/>
+          <a:lstStyle/>
+          <a:p>
+            <a:fld id="{E4C0FD68-7273-B74C-8DEE-A395D4E30DE1}" type="datetime11">
+              <a:rPr lang="zh-CN" altLang="en-US" smtClean="0"/>
+              <a:t>22:23:07</a:t>
+            </a:fld>
+            <a:endParaRPr lang="zh-CN" altLang="en-US"/>
+          </a:p>
+        </p:txBody>
+      </p:sp>
+      <p:pic>
+        <p:nvPicPr>
+          <p:cNvPr id="7" name="图片 6"/>
+          <p:cNvPicPr>
+            <a:picLocks noChangeAspect="1"/>
+          </p:cNvPicPr>
+          <p:nvPr/>
+        </p:nvPicPr>
+        <p:blipFill rotWithShape="1">
+          <a:blip r:embed="rId2">
+            <a:extLst>
+              <a:ext uri="{28A0092B-C50C-407E-A947-70E740481C1C}">
+                <a14:useLocalDpi xmlns:a14="http://schemas.microsoft.com/office/drawing/2010/main" val="0"/>
+              </a:ext>
+            </a:extLst>
+          </a:blip>
+          <a:srcRect l="3971" r="33144"/>
+          <a:stretch/>
+        </p:blipFill>
+        <p:spPr>
+          <a:xfrm>
+            <a:off x="4056499" y="1030835"/>
+            <a:ext cx="5085696" cy="5106077"/>
+          </a:xfrm>
+          <a:prstGeom prst="rect">
+            <a:avLst/>
+          </a:prstGeom>
+          <a:ln>
+            <a:solidFill>
+              <a:schemeClr val="tx1"/>
+            </a:solidFill>
+          </a:ln>
+        </p:spPr>
+      </p:pic>
+      <p:pic>
+        <p:nvPicPr>
+          <p:cNvPr id="8" name="图片 7"/>
+          <p:cNvPicPr>
+            <a:picLocks noChangeAspect="1"/>
+          </p:cNvPicPr>
+          <p:nvPr/>
+        </p:nvPicPr>
+        <p:blipFill rotWithShape="1">
+          <a:blip r:embed="rId3" cstate="print">
+            <a:extLst>
+              <a:ext uri="{28A0092B-C50C-407E-A947-70E740481C1C}">
+                <a14:useLocalDpi xmlns:a14="http://schemas.microsoft.com/office/drawing/2010/main" val="0"/>
+              </a:ext>
+            </a:extLst>
+          </a:blip>
+          <a:srcRect l="3817" t="1790" r="2902" b="27775"/>
+          <a:stretch/>
+        </p:blipFill>
+        <p:spPr>
+          <a:xfrm>
+            <a:off x="0" y="1030835"/>
+            <a:ext cx="4056499" cy="3252727"/>
+          </a:xfrm>
+          <a:prstGeom prst="rect">
+            <a:avLst/>
+          </a:prstGeom>
+          <a:ln>
+            <a:solidFill>
+              <a:schemeClr val="tx1"/>
+            </a:solidFill>
+          </a:ln>
+        </p:spPr>
+      </p:pic>
+      <p:sp>
+        <p:nvSpPr>
+          <p:cNvPr id="11" name="矩形 10"/>
+          <p:cNvSpPr/>
+          <p:nvPr/>
+        </p:nvSpPr>
+        <p:spPr>
+          <a:xfrm>
+            <a:off x="1380805" y="3387576"/>
+            <a:ext cx="1368531" cy="220929"/>
+          </a:xfrm>
+          <a:prstGeom prst="rect">
+            <a:avLst/>
+          </a:prstGeom>
+          <a:noFill/>
+          <a:ln w="38100">
+            <a:solidFill>
+              <a:srgbClr val="00B050"/>
+            </a:solidFill>
+          </a:ln>
+        </p:spPr>
+        <p:style>
+          <a:lnRef idx="2">
+            <a:schemeClr val="accent1">
+              <a:shade val="50000"/>
+            </a:schemeClr>
+          </a:lnRef>
+          <a:fillRef idx="1">
+            <a:schemeClr val="accent1"/>
+          </a:fillRef>
+          <a:effectRef idx="0">
+            <a:schemeClr val="accent1"/>
+          </a:effectRef>
+          <a:fontRef idx="minor">
+            <a:schemeClr val="lt1"/>
+          </a:fontRef>
+        </p:style>
+        <p:txBody>
+          <a:bodyPr rtlCol="0" anchor="ctr"/>
+          <a:lstStyle/>
+          <a:p>
+            <a:pPr algn="ctr"/>
+            <a:endParaRPr lang="zh-CN" altLang="en-US">
+              <a:solidFill>
+                <a:srgbClr val="FF0000"/>
+              </a:solidFill>
+            </a:endParaRPr>
+          </a:p>
+        </p:txBody>
+      </p:sp>
+      <p:sp>
+        <p:nvSpPr>
+          <p:cNvPr id="13" name="矩形 12"/>
+          <p:cNvSpPr/>
+          <p:nvPr/>
+        </p:nvSpPr>
+        <p:spPr>
+          <a:xfrm>
+            <a:off x="4750692" y="3736357"/>
+            <a:ext cx="3251842" cy="547205"/>
+          </a:xfrm>
+          <a:prstGeom prst="rect">
+            <a:avLst/>
+          </a:prstGeom>
+          <a:noFill/>
+          <a:ln w="25400">
+            <a:solidFill>
+              <a:srgbClr val="FF0000"/>
+            </a:solidFill>
+          </a:ln>
+        </p:spPr>
+        <p:style>
+          <a:lnRef idx="2">
+            <a:schemeClr val="accent1">
+              <a:shade val="50000"/>
+            </a:schemeClr>
+          </a:lnRef>
+          <a:fillRef idx="1">
+            <a:schemeClr val="accent1"/>
+          </a:fillRef>
+          <a:effectRef idx="0">
+            <a:schemeClr val="accent1"/>
+          </a:effectRef>
+          <a:fontRef idx="minor">
+            <a:schemeClr val="lt1"/>
+          </a:fontRef>
+        </p:style>
+        <p:txBody>
+          <a:bodyPr rtlCol="0" anchor="ctr"/>
+          <a:lstStyle/>
+          <a:p>
+            <a:pPr algn="ctr"/>
+            <a:endParaRPr lang="zh-CN" altLang="en-US">
+              <a:solidFill>
+                <a:srgbClr val="FF0000"/>
+              </a:solidFill>
+            </a:endParaRPr>
+          </a:p>
+        </p:txBody>
+      </p:sp>
+      <p:sp>
+        <p:nvSpPr>
+          <p:cNvPr id="14" name="矩形 13"/>
+          <p:cNvSpPr/>
+          <p:nvPr/>
+        </p:nvSpPr>
+        <p:spPr>
+          <a:xfrm>
+            <a:off x="4750692" y="4511107"/>
+            <a:ext cx="1842989" cy="168049"/>
+          </a:xfrm>
+          <a:prstGeom prst="rect">
+            <a:avLst/>
+          </a:prstGeom>
+          <a:noFill/>
+          <a:ln w="25400">
+            <a:solidFill>
+              <a:srgbClr val="FF0000"/>
+            </a:solidFill>
+          </a:ln>
+        </p:spPr>
+        <p:style>
+          <a:lnRef idx="2">
+            <a:schemeClr val="accent1">
+              <a:shade val="50000"/>
+            </a:schemeClr>
+          </a:lnRef>
+          <a:fillRef idx="1">
+            <a:schemeClr val="accent1"/>
+          </a:fillRef>
+          <a:effectRef idx="0">
+            <a:schemeClr val="accent1"/>
+          </a:effectRef>
+          <a:fontRef idx="minor">
+            <a:schemeClr val="lt1"/>
+          </a:fontRef>
+        </p:style>
+        <p:txBody>
+          <a:bodyPr rtlCol="0" anchor="ctr"/>
+          <a:lstStyle/>
+          <a:p>
+            <a:pPr algn="ctr"/>
+            <a:endParaRPr lang="zh-CN" altLang="en-US">
+              <a:solidFill>
+                <a:srgbClr val="FF0000"/>
+              </a:solidFill>
+            </a:endParaRPr>
+          </a:p>
+        </p:txBody>
+      </p:sp>
+      <p:sp>
+        <p:nvSpPr>
+          <p:cNvPr id="12" name="矩形 11"/>
+          <p:cNvSpPr/>
+          <p:nvPr/>
+        </p:nvSpPr>
+        <p:spPr>
+          <a:xfrm>
+            <a:off x="4750692" y="4305300"/>
+            <a:ext cx="1195290" cy="189666"/>
+          </a:xfrm>
+          <a:prstGeom prst="rect">
+            <a:avLst/>
+          </a:prstGeom>
+          <a:noFill/>
+          <a:ln w="38100">
+            <a:solidFill>
+              <a:srgbClr val="00B050"/>
+            </a:solidFill>
+          </a:ln>
+        </p:spPr>
+        <p:style>
+          <a:lnRef idx="2">
+            <a:schemeClr val="accent1">
+              <a:shade val="50000"/>
+            </a:schemeClr>
+          </a:lnRef>
+          <a:fillRef idx="1">
+            <a:schemeClr val="accent1"/>
+          </a:fillRef>
+          <a:effectRef idx="0">
+            <a:schemeClr val="accent1"/>
+          </a:effectRef>
+          <a:fontRef idx="minor">
+            <a:schemeClr val="lt1"/>
+          </a:fontRef>
+        </p:style>
+        <p:txBody>
+          <a:bodyPr rtlCol="0" anchor="ctr"/>
+          <a:lstStyle/>
+          <a:p>
+            <a:pPr algn="ctr"/>
+            <a:endParaRPr lang="zh-CN" altLang="en-US">
+              <a:solidFill>
+                <a:srgbClr val="FF0000"/>
+              </a:solidFill>
+            </a:endParaRPr>
+          </a:p>
+        </p:txBody>
+      </p:sp>
+      <p:sp>
+        <p:nvSpPr>
+          <p:cNvPr id="15" name="矩形 14"/>
+          <p:cNvSpPr/>
+          <p:nvPr/>
+        </p:nvSpPr>
+        <p:spPr>
+          <a:xfrm>
+            <a:off x="4102993" y="2994814"/>
+            <a:ext cx="2070741" cy="196382"/>
+          </a:xfrm>
+          <a:prstGeom prst="rect">
+            <a:avLst/>
+          </a:prstGeom>
+          <a:noFill/>
+          <a:ln w="25400">
+            <a:solidFill>
+              <a:srgbClr val="FF0000"/>
+            </a:solidFill>
+          </a:ln>
+        </p:spPr>
+        <p:style>
+          <a:lnRef idx="2">
+            <a:schemeClr val="accent1">
+              <a:shade val="50000"/>
+            </a:schemeClr>
+          </a:lnRef>
+          <a:fillRef idx="1">
+            <a:schemeClr val="accent1"/>
+          </a:fillRef>
+          <a:effectRef idx="0">
+            <a:schemeClr val="accent1"/>
+          </a:effectRef>
+          <a:fontRef idx="minor">
+            <a:schemeClr val="lt1"/>
+          </a:fontRef>
+        </p:style>
+        <p:txBody>
+          <a:bodyPr rtlCol="0" anchor="ctr"/>
+          <a:lstStyle/>
+          <a:p>
+            <a:pPr algn="ctr"/>
+            <a:endParaRPr lang="zh-CN" altLang="en-US">
+              <a:solidFill>
+                <a:srgbClr val="FF0000"/>
+              </a:solidFill>
+            </a:endParaRPr>
+          </a:p>
+        </p:txBody>
+      </p:sp>
+    </p:spTree>
+    <p:extLst>
+      <p:ext uri="{BB962C8B-B14F-4D97-AF65-F5344CB8AC3E}">
+        <p14:creationId xmlns:p14="http://schemas.microsoft.com/office/powerpoint/2010/main" val="626279234"/>
+      </p:ext>
+    </p:extLst>
+  </p:cSld>
+  <p:clrMapOvr>
+    <a:masterClrMapping/>
+  </p:clrMapOvr>
+  <p:timing>
+    <p:tnLst>
+      <p:par>
+        <p:cTn id="1" dur="indefinite" restart="never" nodeType="tmRoot"/>
+      </p:par>
+    </p:tnLst>
+  </p:timing>
+</p:sld>
+</file>
+
+<file path=ppt/slides/slide17.xml><?xml version="1.0" encoding="utf-8"?>
+<p:sld xmlns:a="http://schemas.openxmlformats.org/drawingml/2006/main" xmlns:r="http://schemas.openxmlformats.org/officeDocument/2006/relationships" xmlns:p="http://schemas.openxmlformats.org/presentationml/2006/main">
+  <p:cSld>
+    <p:spTree>
+      <p:nvGrpSpPr>
+        <p:cNvPr id="1" name=""/>
+        <p:cNvGrpSpPr/>
+        <p:nvPr/>
+      </p:nvGrpSpPr>
+      <p:grpSpPr>
+        <a:xfrm>
+          <a:off x="0" y="0"/>
+          <a:ext cx="0" cy="0"/>
+          <a:chOff x="0" y="0"/>
+          <a:chExt cx="0" cy="0"/>
+        </a:xfrm>
+      </p:grpSpPr>
+      <p:sp>
+        <p:nvSpPr>
+          <p:cNvPr id="5" name="标题 4"/>
+          <p:cNvSpPr>
+            <a:spLocks noGrp="1"/>
+          </p:cNvSpPr>
+          <p:nvPr>
+            <p:ph type="title"/>
+          </p:nvPr>
+        </p:nvSpPr>
+        <p:spPr>
+          <a:xfrm>
+            <a:off x="628650" y="1752698"/>
+            <a:ext cx="7886700" cy="2181064"/>
+          </a:xfrm>
+        </p:spPr>
+        <p:txBody>
+          <a:bodyPr/>
+          <a:lstStyle/>
+          <a:p>
+            <a:pPr algn="ctr"/>
+            <a:r>
+              <a:rPr lang="en-US" altLang="zh-CN" b="1" dirty="0" smtClean="0"/>
+              <a:t>3. </a:t>
+            </a:r>
+            <a:r>
+              <a:rPr lang="zh-CN" altLang="en-US" b="1" dirty="0" smtClean="0"/>
+              <a:t>系统架构</a:t>
+            </a:r>
+            <a:endParaRPr lang="zh-CN" altLang="en-US" b="1" dirty="0"/>
+          </a:p>
+        </p:txBody>
+      </p:sp>
+      <p:sp>
+        <p:nvSpPr>
+          <p:cNvPr id="4" name="日期占位符 3"/>
+          <p:cNvSpPr>
+            <a:spLocks noGrp="1"/>
+          </p:cNvSpPr>
+          <p:nvPr>
+            <p:ph type="dt" sz="half" idx="10"/>
+          </p:nvPr>
+        </p:nvSpPr>
+        <p:spPr/>
+        <p:txBody>
+          <a:bodyPr/>
+          <a:lstStyle/>
+          <a:p>
+            <a:fld id="{E093F988-9A29-5E45-8D20-69A04853E7AD}" type="datetime11">
+              <a:rPr lang="zh-CN" altLang="en-US" smtClean="0"/>
+              <a:t>22:23:07</a:t>
+            </a:fld>
+            <a:endParaRPr lang="zh-CN" altLang="en-US"/>
+          </a:p>
+        </p:txBody>
+      </p:sp>
+    </p:spTree>
+    <p:extLst>
+      <p:ext uri="{BB962C8B-B14F-4D97-AF65-F5344CB8AC3E}">
+        <p14:creationId xmlns:p14="http://schemas.microsoft.com/office/powerpoint/2010/main" val="1696980788"/>
+      </p:ext>
+    </p:extLst>
+  </p:cSld>
+  <p:clrMapOvr>
+    <a:masterClrMapping/>
+  </p:clrMapOvr>
+</p:sld>
+</file>
+
+<file path=ppt/slides/slide18.xml><?xml version="1.0" encoding="utf-8"?>
+<p:sld xmlns:a="http://schemas.openxmlformats.org/drawingml/2006/main" xmlns:r="http://schemas.openxmlformats.org/officeDocument/2006/relationships" xmlns:p="http://schemas.openxmlformats.org/presentationml/2006/main">
+  <p:cSld>
+    <p:spTree>
+      <p:nvGrpSpPr>
+        <p:cNvPr id="1" name=""/>
+        <p:cNvGrpSpPr/>
+        <p:nvPr/>
+      </p:nvGrpSpPr>
+      <p:grpSpPr>
+        <a:xfrm>
+          <a:off x="0" y="0"/>
+          <a:ext cx="0" cy="0"/>
+          <a:chOff x="0" y="0"/>
+          <a:chExt cx="0" cy="0"/>
+        </a:xfrm>
+      </p:grpSpPr>
+      <p:sp>
+        <p:nvSpPr>
+          <p:cNvPr id="2" name="日期占位符 1"/>
+          <p:cNvSpPr>
+            <a:spLocks noGrp="1"/>
+          </p:cNvSpPr>
+          <p:nvPr>
+            <p:ph type="dt" sz="half" idx="10"/>
+          </p:nvPr>
+        </p:nvSpPr>
+        <p:spPr/>
+        <p:txBody>
+          <a:bodyPr/>
+          <a:lstStyle/>
+          <a:p>
+            <a:fld id="{4D233439-5E16-0648-BDD8-E0B3303C482E}" type="datetime11">
+              <a:rPr lang="zh-CN" altLang="en-US" smtClean="0"/>
+              <a:t>22:23:07</a:t>
+            </a:fld>
+            <a:endParaRPr lang="zh-CN" altLang="en-US"/>
+          </a:p>
+        </p:txBody>
+      </p:sp>
+      <p:sp>
+        <p:nvSpPr>
+          <p:cNvPr id="7" name="标题 1"/>
+          <p:cNvSpPr>
+            <a:spLocks noGrp="1"/>
+          </p:cNvSpPr>
+          <p:nvPr>
+            <p:ph type="title"/>
+          </p:nvPr>
+        </p:nvSpPr>
+        <p:spPr>
+          <a:xfrm>
+            <a:off x="0" y="0"/>
+            <a:ext cx="6019196" cy="1030837"/>
+          </a:xfrm>
+        </p:spPr>
+        <p:txBody>
+          <a:bodyPr>
+            <a:normAutofit/>
+          </a:bodyPr>
+          <a:lstStyle/>
+          <a:p>
+            <a:r>
+              <a:rPr kumimoji="1" lang="en-US" altLang="zh-CN" dirty="0"/>
+              <a:t>3</a:t>
+            </a:r>
+            <a:r>
+              <a:rPr kumimoji="1" lang="en-US" altLang="zh-CN" dirty="0" smtClean="0"/>
+              <a:t>. </a:t>
+            </a:r>
+            <a:r>
+              <a:rPr kumimoji="1" lang="zh-CN" altLang="en-US" dirty="0" smtClean="0"/>
+              <a:t>系统</a:t>
+            </a:r>
+            <a:r>
+              <a:rPr kumimoji="1" lang="zh-CN" altLang="en-US" dirty="0"/>
+              <a:t>架构</a:t>
+            </a:r>
+          </a:p>
+        </p:txBody>
+      </p:sp>
+      <p:pic>
+        <p:nvPicPr>
+          <p:cNvPr id="5" name="图片 4"/>
+          <p:cNvPicPr>
+            <a:picLocks noChangeAspect="1"/>
+          </p:cNvPicPr>
+          <p:nvPr/>
+        </p:nvPicPr>
+        <p:blipFill>
+          <a:blip r:embed="rId2"/>
+          <a:stretch>
+            <a:fillRect/>
+          </a:stretch>
+        </p:blipFill>
+        <p:spPr>
+          <a:xfrm>
+            <a:off x="473115" y="1030837"/>
+            <a:ext cx="8167320" cy="5827163"/>
+          </a:xfrm>
+          <a:prstGeom prst="rect">
+            <a:avLst/>
+          </a:prstGeom>
+        </p:spPr>
+      </p:pic>
+    </p:spTree>
+    <p:extLst>
+      <p:ext uri="{BB962C8B-B14F-4D97-AF65-F5344CB8AC3E}">
+        <p14:creationId xmlns:p14="http://schemas.microsoft.com/office/powerpoint/2010/main" val="3722289401"/>
+      </p:ext>
+    </p:extLst>
+  </p:cSld>
+  <p:clrMapOvr>
+    <a:masterClrMapping/>
+  </p:clrMapOvr>
+  <p:timing>
+    <p:tnLst>
+      <p:par>
+        <p:cTn id="1" dur="indefinite" restart="never" nodeType="tmRoot"/>
+      </p:par>
+    </p:tnLst>
+  </p:timing>
+</p:sld>
+</file>
+
+<file path=ppt/slides/slide19.xml><?xml version="1.0" encoding="utf-8"?>
+<p:sld xmlns:a="http://schemas.openxmlformats.org/drawingml/2006/main" xmlns:r="http://schemas.openxmlformats.org/officeDocument/2006/relationships" xmlns:p="http://schemas.openxmlformats.org/presentationml/2006/main">
+  <p:cSld>
+    <p:spTree>
+      <p:nvGrpSpPr>
+        <p:cNvPr id="1" name=""/>
+        <p:cNvGrpSpPr/>
+        <p:nvPr/>
+      </p:nvGrpSpPr>
+      <p:grpSpPr>
+        <a:xfrm>
+          <a:off x="0" y="0"/>
+          <a:ext cx="0" cy="0"/>
+          <a:chOff x="0" y="0"/>
+          <a:chExt cx="0" cy="0"/>
+        </a:xfrm>
+      </p:grpSpPr>
+      <p:sp>
+        <p:nvSpPr>
+          <p:cNvPr id="2" name="日期占位符 1"/>
+          <p:cNvSpPr>
+            <a:spLocks noGrp="1"/>
+          </p:cNvSpPr>
+          <p:nvPr>
+            <p:ph type="dt" sz="half" idx="10"/>
+          </p:nvPr>
+        </p:nvSpPr>
+        <p:spPr/>
+        <p:txBody>
+          <a:bodyPr/>
+          <a:lstStyle/>
+          <a:p>
+            <a:fld id="{4D233439-5E16-0648-BDD8-E0B3303C482E}" type="datetime11">
+              <a:rPr lang="zh-CN" altLang="en-US" smtClean="0"/>
+              <a:t>22:23:07</a:t>
+            </a:fld>
+            <a:endParaRPr lang="zh-CN" altLang="en-US"/>
+          </a:p>
+        </p:txBody>
+      </p:sp>
+      <p:sp>
+        <p:nvSpPr>
+          <p:cNvPr id="4" name="标题 1"/>
+          <p:cNvSpPr>
+            <a:spLocks noGrp="1"/>
+          </p:cNvSpPr>
+          <p:nvPr>
+            <p:ph type="title"/>
+          </p:nvPr>
+        </p:nvSpPr>
+        <p:spPr>
+          <a:xfrm>
+            <a:off x="0" y="0"/>
+            <a:ext cx="6019196" cy="1030837"/>
+          </a:xfrm>
+        </p:spPr>
+        <p:txBody>
+          <a:bodyPr>
+            <a:normAutofit/>
+          </a:bodyPr>
+          <a:lstStyle/>
+          <a:p>
+            <a:r>
+              <a:rPr kumimoji="1" lang="en-US" altLang="zh-CN" dirty="0"/>
+              <a:t>3</a:t>
+            </a:r>
+            <a:r>
+              <a:rPr kumimoji="1" lang="en-US" altLang="zh-CN" dirty="0" smtClean="0"/>
+              <a:t>. </a:t>
+            </a:r>
+            <a:r>
+              <a:rPr kumimoji="1" lang="zh-CN" altLang="en-US" dirty="0" smtClean="0"/>
+              <a:t>系统</a:t>
+            </a:r>
+            <a:r>
+              <a:rPr kumimoji="1" lang="zh-CN" altLang="en-US" dirty="0"/>
+              <a:t>架构</a:t>
+            </a:r>
+          </a:p>
+        </p:txBody>
+      </p:sp>
+      <p:pic>
+        <p:nvPicPr>
+          <p:cNvPr id="6" name="图片 5"/>
+          <p:cNvPicPr>
+            <a:picLocks noChangeAspect="1"/>
+          </p:cNvPicPr>
+          <p:nvPr/>
+        </p:nvPicPr>
+        <p:blipFill>
+          <a:blip r:embed="rId2"/>
+          <a:stretch>
+            <a:fillRect/>
+          </a:stretch>
+        </p:blipFill>
+        <p:spPr>
+          <a:xfrm>
+            <a:off x="511043" y="1030837"/>
+            <a:ext cx="8051534" cy="5827163"/>
+          </a:xfrm>
+          <a:prstGeom prst="rect">
+            <a:avLst/>
+          </a:prstGeom>
+        </p:spPr>
+      </p:pic>
+    </p:spTree>
+    <p:extLst>
+      <p:ext uri="{BB962C8B-B14F-4D97-AF65-F5344CB8AC3E}">
+        <p14:creationId xmlns:p14="http://schemas.microsoft.com/office/powerpoint/2010/main" val="331014007"/>
+      </p:ext>
+    </p:extLst>
+  </p:cSld>
+  <p:clrMapOvr>
+    <a:masterClrMapping/>
+  </p:clrMapOvr>
+  <p:timing>
+    <p:tnLst>
+      <p:par>
+        <p:cTn id="1" dur="indefinite" restart="never" nodeType="tmRoot"/>
+      </p:par>
+    </p:tnLst>
+  </p:timing>
+</p:sld>
+</file>
+
+<file path=ppt/slides/slide2.xml><?xml version="1.0" encoding="utf-8"?>
+<p:sld xmlns:a="http://schemas.openxmlformats.org/drawingml/2006/main" xmlns:r="http://schemas.openxmlformats.org/officeDocument/2006/relationships" xmlns:p="http://schemas.openxmlformats.org/presentationml/2006/main">
+  <p:cSld>
+    <p:spTree>
+      <p:nvGrpSpPr>
+        <p:cNvPr id="1" name=""/>
+        <p:cNvGrpSpPr/>
+        <p:nvPr/>
+      </p:nvGrpSpPr>
+      <p:grpSpPr>
+        <a:xfrm>
+          <a:off x="0" y="0"/>
+          <a:ext cx="0" cy="0"/>
+          <a:chOff x="0" y="0"/>
+          <a:chExt cx="0" cy="0"/>
+        </a:xfrm>
+      </p:grpSpPr>
+      <p:sp>
+        <p:nvSpPr>
+          <p:cNvPr id="2" name="标题 1"/>
+          <p:cNvSpPr>
+            <a:spLocks noGrp="1"/>
+          </p:cNvSpPr>
+          <p:nvPr>
+            <p:ph type="title"/>
+          </p:nvPr>
+        </p:nvSpPr>
+        <p:spPr>
+          <a:xfrm>
+            <a:off x="0" y="0"/>
+            <a:ext cx="6019196" cy="1030837"/>
+          </a:xfrm>
+        </p:spPr>
+        <p:txBody>
+          <a:bodyPr/>
+          <a:lstStyle/>
+          <a:p>
+            <a:r>
+              <a:rPr kumimoji="1" lang="zh-CN" altLang="en-US" dirty="0" smtClean="0"/>
+              <a:t>目录</a:t>
+            </a:r>
+            <a:endParaRPr kumimoji="1" lang="zh-CN" altLang="en-US" dirty="0"/>
+          </a:p>
+        </p:txBody>
+      </p:sp>
+      <p:sp>
+        <p:nvSpPr>
+          <p:cNvPr id="3" name="内容占位符 2"/>
+          <p:cNvSpPr>
+            <a:spLocks noGrp="1"/>
+          </p:cNvSpPr>
+          <p:nvPr>
+            <p:ph idx="1"/>
+          </p:nvPr>
+        </p:nvSpPr>
+        <p:spPr/>
+        <p:txBody>
+          <a:bodyPr>
+            <a:normAutofit/>
+          </a:bodyPr>
+          <a:lstStyle/>
+          <a:p>
+            <a:pPr marL="514350" marR="0" lvl="0" indent="-514350" defTabSz="914400" eaLnBrk="1" fontAlgn="auto" latinLnBrk="0" hangingPunct="1">
+              <a:lnSpc>
+                <a:spcPct val="150000"/>
+              </a:lnSpc>
+              <a:spcBef>
+                <a:spcPts val="0"/>
+              </a:spcBef>
+              <a:spcAft>
+                <a:spcPts val="0"/>
+              </a:spcAft>
+              <a:buClrTx/>
+              <a:buSzTx/>
+              <a:buFont typeface="+mj-lt"/>
+              <a:buAutoNum type="arabicPeriod"/>
+              <a:tabLst/>
+              <a:defRPr/>
+            </a:pPr>
+            <a:r>
+              <a:rPr kumimoji="1" lang="zh-CN" altLang="en-US" sz="3600" dirty="0" smtClean="0"/>
+              <a:t>研究背景与意义</a:t>
+            </a:r>
+            <a:endParaRPr kumimoji="1" lang="en-US" altLang="zh-CN" sz="3600" dirty="0" smtClean="0"/>
+          </a:p>
+          <a:p>
+            <a:pPr marL="514350" marR="0" lvl="0" indent="-514350" defTabSz="914400" eaLnBrk="1" fontAlgn="auto" latinLnBrk="0" hangingPunct="1">
+              <a:lnSpc>
+                <a:spcPct val="150000"/>
+              </a:lnSpc>
+              <a:spcBef>
+                <a:spcPts val="0"/>
+              </a:spcBef>
+              <a:spcAft>
+                <a:spcPts val="0"/>
+              </a:spcAft>
+              <a:buClrTx/>
+              <a:buSzTx/>
+              <a:buFont typeface="+mj-lt"/>
+              <a:buAutoNum type="arabicPeriod"/>
+              <a:tabLst/>
+              <a:defRPr/>
+            </a:pPr>
+            <a:r>
+              <a:rPr kumimoji="1" lang="zh-CN" altLang="en-US" sz="3600" dirty="0" smtClean="0"/>
+              <a:t>系统功能</a:t>
+            </a:r>
+            <a:endParaRPr kumimoji="1" lang="en-US" altLang="zh-CN" sz="3600" dirty="0" smtClean="0"/>
+          </a:p>
+          <a:p>
+            <a:pPr marL="514350" marR="0" lvl="0" indent="-514350" defTabSz="914400" eaLnBrk="1" fontAlgn="auto" latinLnBrk="0" hangingPunct="1">
+              <a:lnSpc>
+                <a:spcPct val="150000"/>
+              </a:lnSpc>
+              <a:spcBef>
+                <a:spcPts val="0"/>
+              </a:spcBef>
+              <a:spcAft>
+                <a:spcPts val="0"/>
+              </a:spcAft>
+              <a:buClrTx/>
+              <a:buSzTx/>
+              <a:buFont typeface="+mj-lt"/>
+              <a:buAutoNum type="arabicPeriod"/>
+              <a:tabLst/>
+              <a:defRPr/>
+            </a:pPr>
+            <a:r>
+              <a:rPr kumimoji="1" lang="zh-CN" altLang="en-US" sz="3600" dirty="0" smtClean="0"/>
+              <a:t>系统架构</a:t>
+            </a:r>
+            <a:endParaRPr kumimoji="1" lang="en-US" altLang="zh-CN" sz="3600" dirty="0" smtClean="0"/>
+          </a:p>
+          <a:p>
+            <a:pPr marL="514350" marR="0" lvl="0" indent="-514350" defTabSz="914400" eaLnBrk="1" fontAlgn="auto" latinLnBrk="0" hangingPunct="1">
+              <a:lnSpc>
+                <a:spcPct val="150000"/>
+              </a:lnSpc>
+              <a:spcBef>
+                <a:spcPts val="0"/>
+              </a:spcBef>
+              <a:spcAft>
+                <a:spcPts val="0"/>
+              </a:spcAft>
+              <a:buClrTx/>
+              <a:buSzTx/>
+              <a:buFont typeface="+mj-lt"/>
+              <a:buAutoNum type="arabicPeriod"/>
+              <a:tabLst/>
+              <a:defRPr/>
+            </a:pPr>
+            <a:r>
+              <a:rPr kumimoji="1" lang="zh-CN" altLang="en-US" sz="3600" dirty="0" smtClean="0"/>
+              <a:t>总结</a:t>
+            </a:r>
+            <a:endParaRPr kumimoji="1" lang="en-US" altLang="zh-CN" sz="3600" dirty="0" smtClean="0"/>
+          </a:p>
+          <a:p>
+            <a:pPr marL="514350" marR="0" lvl="0" indent="-514350" defTabSz="914400" eaLnBrk="1" fontAlgn="auto" latinLnBrk="0" hangingPunct="1">
+              <a:lnSpc>
+                <a:spcPct val="150000"/>
+              </a:lnSpc>
+              <a:spcBef>
+                <a:spcPts val="0"/>
+              </a:spcBef>
+              <a:spcAft>
+                <a:spcPts val="0"/>
+              </a:spcAft>
+              <a:buClrTx/>
+              <a:buSzTx/>
+              <a:buFont typeface="+mj-lt"/>
+              <a:buAutoNum type="arabicPeriod"/>
+              <a:tabLst/>
+              <a:defRPr/>
+            </a:pPr>
+            <a:r>
+              <a:rPr kumimoji="1" lang="zh-CN" altLang="en-US" sz="3600" dirty="0" smtClean="0"/>
+              <a:t>致谢</a:t>
+            </a:r>
+            <a:endParaRPr kumimoji="1" lang="en-US" altLang="zh-CN" sz="3600" dirty="0" smtClean="0"/>
+          </a:p>
+          <a:p>
+            <a:pPr marL="514350" marR="0" lvl="0" indent="-514350" defTabSz="914400" eaLnBrk="1" fontAlgn="auto" latinLnBrk="0" hangingPunct="1">
+              <a:lnSpc>
+                <a:spcPct val="150000"/>
+              </a:lnSpc>
+              <a:spcBef>
+                <a:spcPts val="0"/>
+              </a:spcBef>
+              <a:spcAft>
+                <a:spcPts val="0"/>
+              </a:spcAft>
+              <a:buClrTx/>
+              <a:buSzTx/>
+              <a:buFont typeface="+mj-lt"/>
+              <a:buAutoNum type="arabicPeriod"/>
+              <a:tabLst/>
+              <a:defRPr/>
+            </a:pPr>
+            <a:endParaRPr kumimoji="1" lang="en-US" altLang="zh-CN" sz="3600" dirty="0" smtClean="0"/>
+          </a:p>
+        </p:txBody>
+      </p:sp>
+      <p:sp>
+        <p:nvSpPr>
+          <p:cNvPr id="4" name="日期占位符 3"/>
+          <p:cNvSpPr>
+            <a:spLocks noGrp="1"/>
+          </p:cNvSpPr>
+          <p:nvPr>
+            <p:ph type="dt" sz="half" idx="10"/>
+          </p:nvPr>
+        </p:nvSpPr>
+        <p:spPr/>
+        <p:txBody>
+          <a:bodyPr/>
+          <a:lstStyle/>
+          <a:p>
+            <a:fld id="{6939E48F-AB3D-7D44-9ABE-6BACA1B72509}" type="datetime11">
+              <a:rPr lang="zh-CN" altLang="en-US" smtClean="0"/>
+              <a:t>22:23:07</a:t>
+            </a:fld>
+            <a:endParaRPr lang="zh-CN" altLang="en-US"/>
+          </a:p>
+        </p:txBody>
+      </p:sp>
+    </p:spTree>
+    <p:extLst>
+      <p:ext uri="{BB962C8B-B14F-4D97-AF65-F5344CB8AC3E}">
+        <p14:creationId xmlns:p14="http://schemas.microsoft.com/office/powerpoint/2010/main" val="275541758"/>
+      </p:ext>
+    </p:extLst>
+  </p:cSld>
+  <p:clrMapOvr>
+    <a:masterClrMapping/>
+  </p:clrMapOvr>
+  <p:timing>
+    <p:tnLst>
+      <p:par>
+        <p:cTn id="1" dur="indefinite" restart="never" nodeType="tmRoot"/>
+      </p:par>
+    </p:tnLst>
+  </p:timing>
+</p:sld>
+</file>
+
+<file path=ppt/slides/slide20.xml><?xml version="1.0" encoding="utf-8"?>
+<p:sld xmlns:a="http://schemas.openxmlformats.org/drawingml/2006/main" xmlns:r="http://schemas.openxmlformats.org/officeDocument/2006/relationships" xmlns:p="http://schemas.openxmlformats.org/presentationml/2006/main">
+  <p:cSld>
+    <p:spTree>
+      <p:nvGrpSpPr>
+        <p:cNvPr id="1" name=""/>
+        <p:cNvGrpSpPr/>
+        <p:nvPr/>
+      </p:nvGrpSpPr>
+      <p:grpSpPr>
+        <a:xfrm>
+          <a:off x="0" y="0"/>
+          <a:ext cx="0" cy="0"/>
+          <a:chOff x="0" y="0"/>
+          <a:chExt cx="0" cy="0"/>
+        </a:xfrm>
+      </p:grpSpPr>
+      <p:sp>
+        <p:nvSpPr>
+          <p:cNvPr id="5" name="标题 4"/>
+          <p:cNvSpPr>
+            <a:spLocks noGrp="1"/>
+          </p:cNvSpPr>
+          <p:nvPr>
+            <p:ph type="title"/>
+          </p:nvPr>
+        </p:nvSpPr>
+        <p:spPr>
+          <a:xfrm>
+            <a:off x="628650" y="1752698"/>
+            <a:ext cx="7886700" cy="2181064"/>
+          </a:xfrm>
+        </p:spPr>
+        <p:txBody>
+          <a:bodyPr/>
+          <a:lstStyle/>
+          <a:p>
+            <a:pPr algn="ctr"/>
+            <a:r>
+              <a:rPr lang="en-US" altLang="zh-CN" b="1" dirty="0"/>
+              <a:t>4</a:t>
+            </a:r>
+            <a:r>
+              <a:rPr lang="en-US" altLang="zh-CN" b="1" dirty="0" smtClean="0"/>
+              <a:t>. </a:t>
+            </a:r>
+            <a:r>
+              <a:rPr lang="zh-CN" altLang="en-US" b="1" dirty="0" smtClean="0"/>
+              <a:t>总结</a:t>
+            </a:r>
+            <a:endParaRPr lang="zh-CN" altLang="en-US" b="1" dirty="0"/>
+          </a:p>
+        </p:txBody>
+      </p:sp>
+      <p:sp>
+        <p:nvSpPr>
+          <p:cNvPr id="4" name="日期占位符 3"/>
+          <p:cNvSpPr>
+            <a:spLocks noGrp="1"/>
+          </p:cNvSpPr>
+          <p:nvPr>
+            <p:ph type="dt" sz="half" idx="10"/>
+          </p:nvPr>
+        </p:nvSpPr>
+        <p:spPr/>
+        <p:txBody>
+          <a:bodyPr/>
+          <a:lstStyle/>
+          <a:p>
+            <a:fld id="{E093F988-9A29-5E45-8D20-69A04853E7AD}" type="datetime11">
+              <a:rPr lang="zh-CN" altLang="en-US" smtClean="0"/>
+              <a:t>22:23:07</a:t>
+            </a:fld>
+            <a:endParaRPr lang="zh-CN" altLang="en-US"/>
+          </a:p>
+        </p:txBody>
+      </p:sp>
+    </p:spTree>
+    <p:extLst>
+      <p:ext uri="{BB962C8B-B14F-4D97-AF65-F5344CB8AC3E}">
+        <p14:creationId xmlns:p14="http://schemas.microsoft.com/office/powerpoint/2010/main" val="2220124822"/>
+      </p:ext>
+    </p:extLst>
+  </p:cSld>
+  <p:clrMapOvr>
+    <a:masterClrMapping/>
+  </p:clrMapOvr>
+</p:sld>
+</file>
+
+<file path=ppt/slides/slide21.xml><?xml version="1.0" encoding="utf-8"?>
+<p:sld xmlns:a="http://schemas.openxmlformats.org/drawingml/2006/main" xmlns:r="http://schemas.openxmlformats.org/officeDocument/2006/relationships" xmlns:p="http://schemas.openxmlformats.org/presentationml/2006/main">
+  <p:cSld>
+    <p:spTree>
+      <p:nvGrpSpPr>
+        <p:cNvPr id="1" name=""/>
+        <p:cNvGrpSpPr/>
+        <p:nvPr/>
+      </p:nvGrpSpPr>
+      <p:grpSpPr>
+        <a:xfrm>
+          <a:off x="0" y="0"/>
+          <a:ext cx="0" cy="0"/>
+          <a:chOff x="0" y="0"/>
+          <a:chExt cx="0" cy="0"/>
+        </a:xfrm>
+      </p:grpSpPr>
+      <p:sp>
+        <p:nvSpPr>
+          <p:cNvPr id="2" name="标题 1"/>
+          <p:cNvSpPr>
+            <a:spLocks noGrp="1"/>
+          </p:cNvSpPr>
+          <p:nvPr>
+            <p:ph type="title"/>
+          </p:nvPr>
+        </p:nvSpPr>
+        <p:spPr/>
+        <p:txBody>
+          <a:bodyPr/>
+          <a:lstStyle/>
+          <a:p>
+            <a:r>
+              <a:rPr lang="en-US" altLang="zh-CN" dirty="0" smtClean="0"/>
+              <a:t>4. </a:t>
+            </a:r>
+            <a:r>
+              <a:rPr lang="zh-CN" altLang="en-US" dirty="0" smtClean="0"/>
+              <a:t>总结</a:t>
+            </a:r>
+            <a:endParaRPr lang="zh-CN" altLang="en-US" dirty="0"/>
+          </a:p>
+        </p:txBody>
+      </p:sp>
+      <p:sp>
+        <p:nvSpPr>
+          <p:cNvPr id="3" name="内容占位符 2"/>
+          <p:cNvSpPr>
+            <a:spLocks noGrp="1"/>
+          </p:cNvSpPr>
+          <p:nvPr>
+            <p:ph idx="1"/>
+          </p:nvPr>
+        </p:nvSpPr>
+        <p:spPr/>
+        <p:txBody>
+          <a:bodyPr>
+            <a:normAutofit/>
+          </a:bodyPr>
+          <a:lstStyle/>
+          <a:p>
+            <a:pPr marL="0" indent="0">
+              <a:buNone/>
+            </a:pPr>
+            <a:r>
+              <a:rPr lang="zh-CN" altLang="en-US" b="1" dirty="0" smtClean="0"/>
+              <a:t>工作总结</a:t>
+            </a:r>
+            <a:endParaRPr lang="en-US" altLang="zh-CN" dirty="0" smtClean="0"/>
+          </a:p>
+          <a:p>
+            <a:pPr marL="514350" indent="-514350">
+              <a:buFont typeface="+mj-lt"/>
+              <a:buAutoNum type="arabicPeriod"/>
+            </a:pPr>
+            <a:r>
+              <a:rPr lang="zh-CN" altLang="en-US" dirty="0" smtClean="0"/>
+              <a:t>实现支持集群、增量抓取数据的网络爬虫</a:t>
+            </a:r>
+            <a:endParaRPr lang="en-US" altLang="zh-CN" dirty="0" smtClean="0"/>
+          </a:p>
+          <a:p>
+            <a:pPr marL="514350" indent="-514350">
+              <a:buFont typeface="+mj-lt"/>
+              <a:buAutoNum type="arabicPeriod"/>
+            </a:pPr>
+            <a:r>
+              <a:rPr lang="zh-CN" altLang="en-US" dirty="0" smtClean="0"/>
+              <a:t>实现针对计算机专业的资源检索功能</a:t>
+            </a:r>
+            <a:endParaRPr lang="en-US" altLang="zh-CN" dirty="0" smtClean="0"/>
+          </a:p>
+          <a:p>
+            <a:pPr marL="514350" indent="-514350">
+              <a:buFont typeface="+mj-lt"/>
+              <a:buAutoNum type="arabicPeriod"/>
+            </a:pPr>
+            <a:r>
+              <a:rPr lang="zh-CN" altLang="en-US" dirty="0" smtClean="0"/>
+              <a:t>实现较健壮、部署难度低的代码评判器</a:t>
+            </a:r>
+            <a:endParaRPr lang="en-US" altLang="zh-CN" dirty="0" smtClean="0"/>
+          </a:p>
+          <a:p>
+            <a:pPr marL="514350" indent="-514350">
+              <a:buFont typeface="+mj-lt"/>
+              <a:buAutoNum type="arabicPeriod"/>
+            </a:pPr>
+            <a:r>
+              <a:rPr lang="zh-CN" altLang="en-US" dirty="0" smtClean="0"/>
+              <a:t>将</a:t>
+            </a:r>
+            <a:r>
+              <a:rPr lang="zh-CN" altLang="en-US" dirty="0"/>
+              <a:t>学习资源与编程题目关联，理论结合</a:t>
+            </a:r>
+            <a:r>
+              <a:rPr lang="zh-CN" altLang="en-US" dirty="0" smtClean="0"/>
+              <a:t>实践</a:t>
+            </a:r>
+            <a:endParaRPr lang="en-US" altLang="zh-CN" dirty="0" smtClean="0"/>
+          </a:p>
+          <a:p>
+            <a:pPr marL="0" indent="0">
+              <a:buNone/>
+            </a:pPr>
+            <a:r>
+              <a:rPr lang="zh-CN" altLang="en-US" b="1" dirty="0" smtClean="0"/>
+              <a:t>需要改进</a:t>
+            </a:r>
+            <a:endParaRPr lang="en-US" altLang="zh-CN" b="1" dirty="0" smtClean="0"/>
+          </a:p>
+          <a:p>
+            <a:pPr marL="514350" indent="-514350">
+              <a:buFont typeface="+mj-lt"/>
+              <a:buAutoNum type="arabicPeriod"/>
+            </a:pPr>
+            <a:r>
+              <a:rPr lang="zh-CN" altLang="en-US" dirty="0" smtClean="0"/>
+              <a:t>需要一种算法为没有标签的学习资源打标签</a:t>
+            </a:r>
+            <a:endParaRPr lang="en-US" altLang="zh-CN" dirty="0" smtClean="0"/>
+          </a:p>
+          <a:p>
+            <a:pPr marL="514350" indent="-514350">
+              <a:buFont typeface="+mj-lt"/>
+              <a:buAutoNum type="arabicPeriod"/>
+            </a:pPr>
+            <a:r>
+              <a:rPr lang="zh-CN" altLang="en-US" dirty="0"/>
+              <a:t>需要</a:t>
+            </a:r>
+            <a:r>
+              <a:rPr lang="zh-CN" altLang="en-US" dirty="0" smtClean="0"/>
+              <a:t>增加评判器所支持的编程语言数量</a:t>
+            </a:r>
+            <a:endParaRPr lang="en-US" altLang="zh-CN" dirty="0" smtClean="0"/>
+          </a:p>
+          <a:p>
+            <a:pPr marL="514350" indent="-514350">
+              <a:buFont typeface="+mj-lt"/>
+              <a:buAutoNum type="arabicPeriod"/>
+            </a:pPr>
+            <a:r>
+              <a:rPr lang="zh-CN" altLang="en-US" dirty="0" smtClean="0"/>
+              <a:t>完善前端界面，优化用户体验</a:t>
+            </a:r>
+            <a:endParaRPr lang="zh-CN" altLang="en-US" dirty="0"/>
+          </a:p>
+        </p:txBody>
+      </p:sp>
+      <p:sp>
+        <p:nvSpPr>
+          <p:cNvPr id="4" name="日期占位符 3"/>
+          <p:cNvSpPr>
+            <a:spLocks noGrp="1"/>
+          </p:cNvSpPr>
+          <p:nvPr>
+            <p:ph type="dt" sz="half" idx="10"/>
+          </p:nvPr>
+        </p:nvSpPr>
+        <p:spPr/>
+        <p:txBody>
+          <a:bodyPr/>
+          <a:lstStyle/>
+          <a:p>
+            <a:fld id="{E093F988-9A29-5E45-8D20-69A04853E7AD}" type="datetime11">
+              <a:rPr lang="zh-CN" altLang="en-US" smtClean="0"/>
+              <a:t>22:23:07</a:t>
+            </a:fld>
+            <a:endParaRPr lang="zh-CN" altLang="en-US"/>
+          </a:p>
+        </p:txBody>
+      </p:sp>
+    </p:spTree>
+    <p:extLst>
+      <p:ext uri="{BB962C8B-B14F-4D97-AF65-F5344CB8AC3E}">
+        <p14:creationId xmlns:p14="http://schemas.microsoft.com/office/powerpoint/2010/main" val="2593667565"/>
+      </p:ext>
+    </p:extLst>
+  </p:cSld>
+  <p:clrMapOvr>
+    <a:masterClrMapping/>
+  </p:clrMapOvr>
+  <p:timing>
+    <p:tnLst>
+      <p:par>
+        <p:cTn id="1" dur="indefinite" restart="never" nodeType="tmRoot"/>
+      </p:par>
+    </p:tnLst>
+  </p:timing>
+</p:sld>
+</file>
+
+<file path=ppt/slides/slide22.xml><?xml version="1.0" encoding="utf-8"?>
+<p:sld xmlns:a="http://schemas.openxmlformats.org/drawingml/2006/main" xmlns:r="http://schemas.openxmlformats.org/officeDocument/2006/relationships" xmlns:p="http://schemas.openxmlformats.org/presentationml/2006/main">
+  <p:cSld>
+    <p:spTree>
+      <p:nvGrpSpPr>
+        <p:cNvPr id="1" name=""/>
+        <p:cNvGrpSpPr/>
+        <p:nvPr/>
+      </p:nvGrpSpPr>
+      <p:grpSpPr>
+        <a:xfrm>
+          <a:off x="0" y="0"/>
+          <a:ext cx="0" cy="0"/>
+          <a:chOff x="0" y="0"/>
+          <a:chExt cx="0" cy="0"/>
+        </a:xfrm>
+      </p:grpSpPr>
+      <p:sp>
+        <p:nvSpPr>
+          <p:cNvPr id="5" name="标题 4"/>
+          <p:cNvSpPr>
+            <a:spLocks noGrp="1"/>
+          </p:cNvSpPr>
+          <p:nvPr>
+            <p:ph type="title"/>
+          </p:nvPr>
+        </p:nvSpPr>
+        <p:spPr>
+          <a:xfrm>
+            <a:off x="628650" y="1752698"/>
+            <a:ext cx="7886700" cy="2181064"/>
+          </a:xfrm>
+        </p:spPr>
+        <p:txBody>
+          <a:bodyPr/>
+          <a:lstStyle/>
+          <a:p>
+            <a:pPr algn="ctr"/>
+            <a:r>
+              <a:rPr lang="en-US" altLang="zh-CN" b="1" dirty="0" smtClean="0"/>
+              <a:t>5. </a:t>
+            </a:r>
+            <a:r>
+              <a:rPr lang="zh-CN" altLang="en-US" b="1" dirty="0"/>
+              <a:t>致谢</a:t>
+            </a:r>
+          </a:p>
+        </p:txBody>
+      </p:sp>
+      <p:sp>
+        <p:nvSpPr>
+          <p:cNvPr id="4" name="日期占位符 3"/>
+          <p:cNvSpPr>
+            <a:spLocks noGrp="1"/>
+          </p:cNvSpPr>
+          <p:nvPr>
+            <p:ph type="dt" sz="half" idx="10"/>
+          </p:nvPr>
+        </p:nvSpPr>
+        <p:spPr/>
+        <p:txBody>
+          <a:bodyPr/>
+          <a:lstStyle/>
+          <a:p>
+            <a:fld id="{E093F988-9A29-5E45-8D20-69A04853E7AD}" type="datetime11">
+              <a:rPr lang="zh-CN" altLang="en-US" smtClean="0"/>
+              <a:t>22:23:07</a:t>
+            </a:fld>
+            <a:endParaRPr lang="zh-CN" altLang="en-US"/>
+          </a:p>
+        </p:txBody>
+      </p:sp>
+    </p:spTree>
+    <p:extLst>
+      <p:ext uri="{BB962C8B-B14F-4D97-AF65-F5344CB8AC3E}">
+        <p14:creationId xmlns:p14="http://schemas.microsoft.com/office/powerpoint/2010/main" val="663918564"/>
+      </p:ext>
+    </p:extLst>
+  </p:cSld>
+  <p:clrMapOvr>
+    <a:masterClrMapping/>
+  </p:clrMapOvr>
+</p:sld>
+</file>
+
+<file path=ppt/slides/slide23.xml><?xml version="1.0" encoding="utf-8"?>
+<p:sld xmlns:a="http://schemas.openxmlformats.org/drawingml/2006/main" xmlns:r="http://schemas.openxmlformats.org/officeDocument/2006/relationships" xmlns:p="http://schemas.openxmlformats.org/presentationml/2006/main">
+  <p:cSld>
+    <p:spTree>
+      <p:nvGrpSpPr>
+        <p:cNvPr id="1" name=""/>
+        <p:cNvGrpSpPr/>
+        <p:nvPr/>
+      </p:nvGrpSpPr>
+      <p:grpSpPr>
+        <a:xfrm>
+          <a:off x="0" y="0"/>
+          <a:ext cx="0" cy="0"/>
+          <a:chOff x="0" y="0"/>
+          <a:chExt cx="0" cy="0"/>
+        </a:xfrm>
+      </p:grpSpPr>
+      <p:sp>
+        <p:nvSpPr>
+          <p:cNvPr id="5" name="标题 4"/>
+          <p:cNvSpPr>
+            <a:spLocks noGrp="1"/>
+          </p:cNvSpPr>
+          <p:nvPr>
+            <p:ph type="title"/>
+          </p:nvPr>
+        </p:nvSpPr>
+        <p:spPr/>
+        <p:txBody>
+          <a:bodyPr/>
+          <a:lstStyle/>
+          <a:p>
+            <a:r>
+              <a:rPr lang="en-US" altLang="zh-CN" dirty="0" smtClean="0"/>
+              <a:t>5. </a:t>
+            </a:r>
+            <a:r>
+              <a:rPr lang="zh-CN" altLang="en-US" dirty="0" smtClean="0"/>
+              <a:t>致谢</a:t>
+            </a:r>
+            <a:endParaRPr lang="zh-CN" altLang="en-US" dirty="0"/>
+          </a:p>
+        </p:txBody>
+      </p:sp>
+      <p:sp>
+        <p:nvSpPr>
+          <p:cNvPr id="6" name="内容占位符 5"/>
+          <p:cNvSpPr>
+            <a:spLocks noGrp="1"/>
+          </p:cNvSpPr>
+          <p:nvPr>
+            <p:ph idx="1"/>
+          </p:nvPr>
+        </p:nvSpPr>
+        <p:spPr>
+          <a:xfrm>
+            <a:off x="386626" y="1184425"/>
+            <a:ext cx="8343516" cy="5245569"/>
+          </a:xfrm>
+        </p:spPr>
+        <p:txBody>
+          <a:bodyPr>
+            <a:noAutofit/>
+          </a:bodyPr>
+          <a:lstStyle/>
+          <a:p>
+            <a:pPr marL="0" indent="0">
+              <a:lnSpc>
+                <a:spcPct val="100000"/>
+              </a:lnSpc>
+              <a:buNone/>
+            </a:pPr>
+            <a:r>
+              <a:rPr lang="zh-CN" altLang="en-US" sz="2100" dirty="0" smtClean="0">
+                <a:latin typeface="宋体" panose="02010600030101010101" pitchFamily="2" charset="-122"/>
+                <a:ea typeface="宋体" panose="02010600030101010101" pitchFamily="2" charset="-122"/>
+              </a:rPr>
+              <a:t>    感谢</a:t>
+            </a:r>
+            <a:r>
+              <a:rPr lang="zh-CN" altLang="en-US" sz="2100" dirty="0">
+                <a:latin typeface="宋体" panose="02010600030101010101" pitchFamily="2" charset="-122"/>
+                <a:ea typeface="宋体" panose="02010600030101010101" pitchFamily="2" charset="-122"/>
+              </a:rPr>
+              <a:t>司国东老师在本次毕业设计中给我的指导。他是我计算机专业基础课程的授课教师，我所掌握的计算机基础离不开老师认真、负责地传道授业解惑。在本文研究过程中，有许多关键的技术问题阻碍着我的进度，老师非常耐心地帮助我分析问题的根本原因与设计解决方案，让我能够突破重重障碍，实现我所设计的系统，完成毕业论文。</a:t>
+            </a:r>
+          </a:p>
+          <a:p>
+            <a:pPr marL="0" indent="0">
+              <a:lnSpc>
+                <a:spcPct val="100000"/>
+              </a:lnSpc>
+              <a:buNone/>
+            </a:pPr>
+            <a:r>
+              <a:rPr lang="zh-CN" altLang="en-US" sz="2100" dirty="0" smtClean="0">
+                <a:latin typeface="宋体" panose="02010600030101010101" pitchFamily="2" charset="-122"/>
+                <a:ea typeface="宋体" panose="02010600030101010101" pitchFamily="2" charset="-122"/>
+              </a:rPr>
+              <a:t>    感谢</a:t>
+            </a:r>
+            <a:r>
+              <a:rPr lang="zh-CN" altLang="en-US" sz="2100" dirty="0">
+                <a:latin typeface="宋体" panose="02010600030101010101" pitchFamily="2" charset="-122"/>
+                <a:ea typeface="宋体" panose="02010600030101010101" pitchFamily="2" charset="-122"/>
+              </a:rPr>
+              <a:t>在我本科四年期间所有为我授课的老师，我现在所拥有的基础知识与技术积累都离不开每位老师以诲人不倦的态度，在每一堂课上耐心的教导。</a:t>
+            </a:r>
+          </a:p>
+          <a:p>
+            <a:pPr marL="0" indent="0">
+              <a:lnSpc>
+                <a:spcPct val="100000"/>
+              </a:lnSpc>
+              <a:buNone/>
+            </a:pPr>
+            <a:r>
+              <a:rPr lang="zh-CN" altLang="en-US" sz="2100" dirty="0" smtClean="0">
+                <a:latin typeface="宋体" panose="02010600030101010101" pitchFamily="2" charset="-122"/>
+                <a:ea typeface="宋体" panose="02010600030101010101" pitchFamily="2" charset="-122"/>
+              </a:rPr>
+              <a:t>    感谢</a:t>
+            </a:r>
+            <a:r>
+              <a:rPr lang="zh-CN" altLang="en-US" sz="2100" dirty="0">
+                <a:latin typeface="宋体" panose="02010600030101010101" pitchFamily="2" charset="-122"/>
+                <a:ea typeface="宋体" panose="02010600030101010101" pitchFamily="2" charset="-122"/>
+              </a:rPr>
+              <a:t>我身边的同学们，在课堂上齐心协力完成课堂任务、课程设计，</a:t>
+            </a:r>
+            <a:r>
+              <a:rPr lang="zh-CN" altLang="en-US" sz="2100" dirty="0" smtClean="0">
+                <a:latin typeface="宋体" panose="02010600030101010101" pitchFamily="2" charset="-122"/>
+                <a:ea typeface="宋体" panose="02010600030101010101" pitchFamily="2" charset="-122"/>
+              </a:rPr>
+              <a:t>在日常生活</a:t>
+            </a:r>
+            <a:r>
+              <a:rPr lang="zh-CN" altLang="en-US" sz="2100" dirty="0">
+                <a:latin typeface="宋体" panose="02010600030101010101" pitchFamily="2" charset="-122"/>
+                <a:ea typeface="宋体" panose="02010600030101010101" pitchFamily="2" charset="-122"/>
+              </a:rPr>
+              <a:t>中进行技术交流，在遇到难题时大家互相帮助。</a:t>
+            </a:r>
+          </a:p>
+          <a:p>
+            <a:pPr marL="0" indent="0">
+              <a:lnSpc>
+                <a:spcPct val="100000"/>
+              </a:lnSpc>
+              <a:buNone/>
+            </a:pPr>
+            <a:r>
+              <a:rPr lang="zh-CN" altLang="en-US" sz="2100" dirty="0" smtClean="0">
+                <a:latin typeface="宋体" panose="02010600030101010101" pitchFamily="2" charset="-122"/>
+                <a:ea typeface="宋体" panose="02010600030101010101" pitchFamily="2" charset="-122"/>
+              </a:rPr>
+              <a:t>    感谢</a:t>
+            </a:r>
+            <a:r>
+              <a:rPr lang="zh-CN" altLang="en-US" sz="2100" dirty="0">
+                <a:latin typeface="宋体" panose="02010600030101010101" pitchFamily="2" charset="-122"/>
+                <a:ea typeface="宋体" panose="02010600030101010101" pitchFamily="2" charset="-122"/>
+              </a:rPr>
+              <a:t>父母多年的养育之恩、对我攻读计算机专业的全力支持。他们在我学习生涯提供了很多物质与精神上的帮助，为我创造了完美的学习条件。</a:t>
+            </a:r>
+          </a:p>
+          <a:p>
+            <a:pPr marL="0" indent="0">
+              <a:lnSpc>
+                <a:spcPct val="100000"/>
+              </a:lnSpc>
+              <a:buNone/>
+            </a:pPr>
+            <a:r>
+              <a:rPr lang="zh-CN" altLang="en-US" sz="2100" dirty="0" smtClean="0">
+                <a:latin typeface="宋体" panose="02010600030101010101" pitchFamily="2" charset="-122"/>
+                <a:ea typeface="宋体" panose="02010600030101010101" pitchFamily="2" charset="-122"/>
+              </a:rPr>
+              <a:t>    感谢</a:t>
+            </a:r>
+            <a:r>
+              <a:rPr lang="zh-CN" altLang="en-US" sz="2100" dirty="0">
+                <a:latin typeface="宋体" panose="02010600030101010101" pitchFamily="2" charset="-122"/>
+                <a:ea typeface="宋体" panose="02010600030101010101" pitchFamily="2" charset="-122"/>
+              </a:rPr>
+              <a:t>所有帮助我的人</a:t>
+            </a:r>
+            <a:r>
+              <a:rPr lang="zh-CN" altLang="en-US" sz="2100" dirty="0" smtClean="0">
+                <a:latin typeface="宋体" panose="02010600030101010101" pitchFamily="2" charset="-122"/>
+                <a:ea typeface="宋体" panose="02010600030101010101" pitchFamily="2" charset="-122"/>
+              </a:rPr>
+              <a:t>。大家</a:t>
+            </a:r>
+            <a:r>
+              <a:rPr lang="zh-CN" altLang="en-US" sz="2100" dirty="0">
+                <a:latin typeface="宋体" panose="02010600030101010101" pitchFamily="2" charset="-122"/>
+                <a:ea typeface="宋体" panose="02010600030101010101" pitchFamily="2" charset="-122"/>
+              </a:rPr>
+              <a:t>的恩情，本人铭记于心。</a:t>
+            </a:r>
+          </a:p>
+          <a:p>
+            <a:pPr marL="0" indent="0">
+              <a:lnSpc>
+                <a:spcPct val="100000"/>
+              </a:lnSpc>
+              <a:buNone/>
+            </a:pPr>
+            <a:endParaRPr lang="zh-CN" altLang="en-US" sz="2100" dirty="0">
+              <a:latin typeface="宋体" panose="02010600030101010101" pitchFamily="2" charset="-122"/>
+              <a:ea typeface="宋体" panose="02010600030101010101" pitchFamily="2" charset="-122"/>
+            </a:endParaRPr>
+          </a:p>
+        </p:txBody>
+      </p:sp>
+      <p:sp>
+        <p:nvSpPr>
+          <p:cNvPr id="4" name="日期占位符 3"/>
+          <p:cNvSpPr>
+            <a:spLocks noGrp="1"/>
+          </p:cNvSpPr>
+          <p:nvPr>
+            <p:ph type="dt" sz="half" idx="10"/>
+          </p:nvPr>
+        </p:nvSpPr>
+        <p:spPr/>
+        <p:txBody>
+          <a:bodyPr/>
+          <a:lstStyle/>
+          <a:p>
+            <a:fld id="{6173DDBA-B680-6A4A-8D1D-1A27589B5E95}" type="datetime11">
+              <a:rPr lang="zh-CN" altLang="en-US" smtClean="0"/>
+              <a:t>22:23:07</a:t>
+            </a:fld>
+            <a:endParaRPr lang="zh-CN" altLang="en-US" dirty="0"/>
+          </a:p>
+        </p:txBody>
+      </p:sp>
+    </p:spTree>
+    <p:extLst>
+      <p:ext uri="{BB962C8B-B14F-4D97-AF65-F5344CB8AC3E}">
+        <p14:creationId xmlns:p14="http://schemas.microsoft.com/office/powerpoint/2010/main" val="30100279"/>
+      </p:ext>
+    </p:extLst>
+  </p:cSld>
+  <p:clrMapOvr>
+    <a:masterClrMapping/>
+  </p:clrMapOvr>
+</p:sld>
+</file>
+
+<file path=ppt/slides/slide24.xml><?xml version="1.0" encoding="utf-8"?>
+<p:sld xmlns:a="http://schemas.openxmlformats.org/drawingml/2006/main" xmlns:r="http://schemas.openxmlformats.org/officeDocument/2006/relationships" xmlns:p="http://schemas.openxmlformats.org/presentationml/2006/main">
+  <p:cSld>
+    <p:spTree>
+      <p:nvGrpSpPr>
+        <p:cNvPr id="1" name=""/>
+        <p:cNvGrpSpPr/>
+        <p:nvPr/>
+      </p:nvGrpSpPr>
+      <p:grpSpPr>
+        <a:xfrm>
+          <a:off x="0" y="0"/>
+          <a:ext cx="0" cy="0"/>
+          <a:chOff x="0" y="0"/>
+          <a:chExt cx="0" cy="0"/>
+        </a:xfrm>
+      </p:grpSpPr>
+      <p:sp>
+        <p:nvSpPr>
+          <p:cNvPr id="3" name="内容占位符 2"/>
+          <p:cNvSpPr>
+            <a:spLocks noGrp="1"/>
+          </p:cNvSpPr>
+          <p:nvPr>
+            <p:ph idx="1"/>
+          </p:nvPr>
+        </p:nvSpPr>
+        <p:spPr>
+          <a:xfrm>
+            <a:off x="628650" y="1589460"/>
+            <a:ext cx="7886700" cy="4587503"/>
+          </a:xfrm>
+        </p:spPr>
+        <p:txBody>
+          <a:bodyPr>
+            <a:normAutofit/>
+          </a:bodyPr>
+          <a:lstStyle/>
+          <a:p>
+            <a:pPr marL="0" indent="0" algn="ctr">
+              <a:buNone/>
+            </a:pPr>
+            <a:r>
+              <a:rPr lang="zh-CN" altLang="en-US" sz="4000" dirty="0" smtClean="0"/>
+              <a:t>感谢评委老师聆听本次汇报！</a:t>
+            </a:r>
+            <a:endParaRPr lang="en-US" altLang="zh-CN" sz="4000" dirty="0" smtClean="0"/>
+          </a:p>
+          <a:p>
+            <a:pPr marL="0" indent="0" algn="ctr">
+              <a:buNone/>
+            </a:pPr>
+            <a:r>
+              <a:rPr lang="zh-CN" altLang="en-US" sz="4000" dirty="0" smtClean="0"/>
+              <a:t>敬请各位老师批评指正！</a:t>
+            </a:r>
+            <a:endParaRPr lang="en-US" altLang="zh-CN" sz="4000" dirty="0" smtClean="0"/>
+          </a:p>
+          <a:p>
+            <a:pPr marL="0" indent="0" algn="ctr">
+              <a:buNone/>
+            </a:pPr>
+            <a:endParaRPr lang="en-US" altLang="zh-CN" sz="4000" dirty="0" smtClean="0"/>
+          </a:p>
+          <a:p>
+            <a:pPr marL="0" indent="0" algn="ctr">
+              <a:buNone/>
+            </a:pPr>
+            <a:r>
+              <a:rPr lang="zh-CN" altLang="en-US" sz="4000" dirty="0" smtClean="0"/>
+              <a:t>请</a:t>
+            </a:r>
+            <a:r>
+              <a:rPr lang="zh-CN" altLang="en-US" sz="4000" dirty="0"/>
+              <a:t>您提问</a:t>
+            </a:r>
+            <a:endParaRPr lang="en-US" altLang="zh-CN" sz="4000" dirty="0" smtClean="0"/>
+          </a:p>
+          <a:p>
+            <a:pPr marL="0" indent="0">
+              <a:buNone/>
+            </a:pPr>
+            <a:endParaRPr lang="zh-CN" altLang="en-US" sz="4000" dirty="0"/>
+          </a:p>
+        </p:txBody>
+      </p:sp>
+      <p:sp>
+        <p:nvSpPr>
+          <p:cNvPr id="4" name="日期占位符 3"/>
+          <p:cNvSpPr>
+            <a:spLocks noGrp="1"/>
+          </p:cNvSpPr>
+          <p:nvPr>
+            <p:ph type="dt" sz="half" idx="10"/>
+          </p:nvPr>
+        </p:nvSpPr>
+        <p:spPr/>
+        <p:txBody>
+          <a:bodyPr/>
+          <a:lstStyle/>
+          <a:p>
+            <a:fld id="{E093F988-9A29-5E45-8D20-69A04853E7AD}" type="datetime11">
+              <a:rPr lang="zh-CN" altLang="en-US" smtClean="0"/>
+              <a:t>22:23:07</a:t>
+            </a:fld>
+            <a:endParaRPr lang="zh-CN" altLang="en-US"/>
+          </a:p>
+        </p:txBody>
+      </p:sp>
+      <p:sp>
+        <p:nvSpPr>
+          <p:cNvPr id="5" name="标题 4"/>
+          <p:cNvSpPr>
+            <a:spLocks noGrp="1"/>
+          </p:cNvSpPr>
+          <p:nvPr>
+            <p:ph type="title"/>
+          </p:nvPr>
+        </p:nvSpPr>
+        <p:spPr>
+          <a:xfrm>
+            <a:off x="0" y="0"/>
+            <a:ext cx="6019196" cy="1030837"/>
+          </a:xfrm>
+        </p:spPr>
+        <p:txBody>
+          <a:bodyPr/>
+          <a:lstStyle/>
+          <a:p>
+            <a:r>
+              <a:rPr lang="zh-CN" altLang="en-US" dirty="0" smtClean="0"/>
+              <a:t>汇报完毕</a:t>
+            </a:r>
+            <a:endParaRPr lang="zh-CN" altLang="en-US" dirty="0"/>
+          </a:p>
+        </p:txBody>
+      </p:sp>
+    </p:spTree>
+    <p:extLst>
+      <p:ext uri="{BB962C8B-B14F-4D97-AF65-F5344CB8AC3E}">
+        <p14:creationId xmlns:p14="http://schemas.microsoft.com/office/powerpoint/2010/main" val="2594474440"/>
+      </p:ext>
+    </p:extLst>
+  </p:cSld>
+  <p:clrMapOvr>
+    <a:masterClrMapping/>
+  </p:clrMapOvr>
+  <p:timing>
+    <p:tnLst>
+      <p:par>
+        <p:cTn id="1" dur="indefinite" restart="never" nodeType="tmRoot"/>
+      </p:par>
+    </p:tnLst>
+  </p:timing>
+</p:sld>
+</file>
+
+<file path=ppt/slides/slide3.xml><?xml version="1.0" encoding="utf-8"?>
+<p:sld xmlns:a="http://schemas.openxmlformats.org/drawingml/2006/main" xmlns:r="http://schemas.openxmlformats.org/officeDocument/2006/relationships" xmlns:p="http://schemas.openxmlformats.org/presentationml/2006/main">
+  <p:cSld>
+    <p:spTree>
+      <p:nvGrpSpPr>
+        <p:cNvPr id="1" name=""/>
+        <p:cNvGrpSpPr/>
+        <p:nvPr/>
+      </p:nvGrpSpPr>
+      <p:grpSpPr>
+        <a:xfrm>
+          <a:off x="0" y="0"/>
+          <a:ext cx="0" cy="0"/>
+          <a:chOff x="0" y="0"/>
+          <a:chExt cx="0" cy="0"/>
+        </a:xfrm>
+      </p:grpSpPr>
+      <p:sp>
+        <p:nvSpPr>
+          <p:cNvPr id="5" name="标题 4"/>
+          <p:cNvSpPr>
+            <a:spLocks noGrp="1"/>
+          </p:cNvSpPr>
+          <p:nvPr>
+            <p:ph type="title"/>
+          </p:nvPr>
+        </p:nvSpPr>
+        <p:spPr>
+          <a:xfrm>
+            <a:off x="623888" y="1169691"/>
+            <a:ext cx="7886700" cy="2852737"/>
+          </a:xfrm>
+        </p:spPr>
+        <p:txBody>
+          <a:bodyPr/>
+          <a:lstStyle/>
+          <a:p>
+            <a:pPr algn="ctr"/>
+            <a:r>
+              <a:rPr lang="en-US" altLang="zh-CN" b="1" dirty="0" smtClean="0"/>
+              <a:t>1. </a:t>
+            </a:r>
+            <a:r>
+              <a:rPr lang="zh-CN" altLang="en-US" b="1" dirty="0" smtClean="0"/>
+              <a:t>研究背景与意义</a:t>
+            </a:r>
+            <a:endParaRPr lang="zh-CN" altLang="en-US" b="1" dirty="0"/>
+          </a:p>
+        </p:txBody>
+      </p:sp>
+      <p:sp>
+        <p:nvSpPr>
+          <p:cNvPr id="6" name="文本占位符 5"/>
+          <p:cNvSpPr>
+            <a:spLocks noGrp="1"/>
+          </p:cNvSpPr>
+          <p:nvPr>
+            <p:ph type="body" idx="1"/>
+          </p:nvPr>
+        </p:nvSpPr>
+        <p:spPr/>
+        <p:txBody>
+          <a:bodyPr/>
+          <a:lstStyle/>
+          <a:p>
+            <a:endParaRPr lang="zh-CN" altLang="en-US"/>
+          </a:p>
+        </p:txBody>
+      </p:sp>
+      <p:sp>
+        <p:nvSpPr>
+          <p:cNvPr id="4" name="日期占位符 3"/>
+          <p:cNvSpPr>
+            <a:spLocks noGrp="1"/>
+          </p:cNvSpPr>
+          <p:nvPr>
+            <p:ph type="dt" sz="half" idx="10"/>
+          </p:nvPr>
+        </p:nvSpPr>
+        <p:spPr/>
+        <p:txBody>
+          <a:bodyPr/>
+          <a:lstStyle/>
+          <a:p>
+            <a:fld id="{E093F988-9A29-5E45-8D20-69A04853E7AD}" type="datetime11">
+              <a:rPr lang="zh-CN" altLang="en-US" smtClean="0"/>
+              <a:t>22:23:07</a:t>
+            </a:fld>
+            <a:endParaRPr lang="zh-CN" altLang="en-US"/>
+          </a:p>
+        </p:txBody>
+      </p:sp>
+    </p:spTree>
+    <p:extLst>
+      <p:ext uri="{BB962C8B-B14F-4D97-AF65-F5344CB8AC3E}">
+        <p14:creationId xmlns:p14="http://schemas.microsoft.com/office/powerpoint/2010/main" val="228193178"/>
+      </p:ext>
+    </p:extLst>
+  </p:cSld>
+  <p:clrMapOvr>
+    <a:masterClrMapping/>
+  </p:clrMapOvr>
+  <p:timing>
+    <p:tnLst>
+      <p:par>
+        <p:cTn id="1" dur="indefinite" restart="never" nodeType="tmRoot"/>
+      </p:par>
+    </p:tnLst>
+  </p:timing>
+</p:sld>
+</file>
+
+<file path=ppt/slides/slide4.xml><?xml version="1.0" encoding="utf-8"?>
+<p:sld xmlns:a="http://schemas.openxmlformats.org/drawingml/2006/main" xmlns:r="http://schemas.openxmlformats.org/officeDocument/2006/relationships" xmlns:p="http://schemas.openxmlformats.org/presentationml/2006/main">
+  <p:cSld>
+    <p:spTree>
+      <p:nvGrpSpPr>
+        <p:cNvPr id="1" name=""/>
+        <p:cNvGrpSpPr/>
+        <p:nvPr/>
+      </p:nvGrpSpPr>
+      <p:grpSpPr>
+        <a:xfrm>
+          <a:off x="0" y="0"/>
+          <a:ext cx="0" cy="0"/>
+          <a:chOff x="0" y="0"/>
+          <a:chExt cx="0" cy="0"/>
+        </a:xfrm>
+      </p:grpSpPr>
+      <p:sp>
+        <p:nvSpPr>
+          <p:cNvPr id="2" name="标题 1"/>
+          <p:cNvSpPr>
+            <a:spLocks noGrp="1"/>
+          </p:cNvSpPr>
+          <p:nvPr>
+            <p:ph type="title"/>
+          </p:nvPr>
+        </p:nvSpPr>
+        <p:spPr>
+          <a:xfrm>
+            <a:off x="0" y="0"/>
+            <a:ext cx="6869430" cy="1054032"/>
+          </a:xfrm>
+        </p:spPr>
+        <p:txBody>
+          <a:bodyPr>
+            <a:normAutofit/>
+          </a:bodyPr>
+          <a:lstStyle/>
+          <a:p>
+            <a:r>
+              <a:rPr lang="en-US" altLang="zh-CN" dirty="0" smtClean="0"/>
+              <a:t>1.</a:t>
+            </a:r>
+            <a:r>
+              <a:rPr lang="zh-CN" altLang="en-US" dirty="0" smtClean="0"/>
+              <a:t> 研究背景与意义</a:t>
+            </a:r>
+            <a:endParaRPr lang="zh-CN" altLang="en-US" dirty="0"/>
+          </a:p>
+        </p:txBody>
+      </p:sp>
+      <p:sp>
+        <p:nvSpPr>
+          <p:cNvPr id="3" name="内容占位符 2"/>
+          <p:cNvSpPr>
+            <a:spLocks noGrp="1"/>
+          </p:cNvSpPr>
+          <p:nvPr>
+            <p:ph idx="1"/>
+          </p:nvPr>
+        </p:nvSpPr>
+        <p:spPr>
+          <a:xfrm>
+            <a:off x="499441" y="1403285"/>
+            <a:ext cx="8376202" cy="4953065"/>
+          </a:xfrm>
+        </p:spPr>
+        <p:txBody>
+          <a:bodyPr>
+            <a:noAutofit/>
+          </a:bodyPr>
+          <a:lstStyle/>
+          <a:p>
+            <a:pPr marL="0" indent="0">
+              <a:lnSpc>
+                <a:spcPct val="100000"/>
+              </a:lnSpc>
+              <a:buNone/>
+            </a:pPr>
+            <a:r>
+              <a:rPr lang="zh-CN" altLang="en-US" b="1" dirty="0" smtClean="0"/>
+              <a:t>研究背景</a:t>
+            </a:r>
+            <a:endParaRPr lang="en-US" altLang="zh-CN" b="1" dirty="0" smtClean="0"/>
+          </a:p>
+          <a:p>
+            <a:pPr>
+              <a:lnSpc>
+                <a:spcPct val="100000"/>
+              </a:lnSpc>
+            </a:pPr>
+            <a:r>
+              <a:rPr lang="zh-CN" altLang="en-US" dirty="0" smtClean="0"/>
+              <a:t>计算机专业热门，人才缺口大，培养不易</a:t>
+            </a:r>
+            <a:endParaRPr lang="en-US" altLang="zh-CN" dirty="0" smtClean="0"/>
+          </a:p>
+          <a:p>
+            <a:pPr>
+              <a:lnSpc>
+                <a:spcPct val="100000"/>
+              </a:lnSpc>
+            </a:pPr>
+            <a:r>
+              <a:rPr lang="zh-CN" altLang="en-US" dirty="0" smtClean="0"/>
+              <a:t>课堂</a:t>
+            </a:r>
+            <a:r>
+              <a:rPr lang="zh-CN" altLang="en-US" dirty="0"/>
+              <a:t>教学</a:t>
+            </a:r>
+            <a:r>
+              <a:rPr lang="zh-CN" altLang="en-US" dirty="0" smtClean="0"/>
+              <a:t>的局限性较大</a:t>
+            </a:r>
+            <a:endParaRPr lang="en-US" altLang="zh-CN" dirty="0" smtClean="0"/>
+          </a:p>
+          <a:p>
+            <a:pPr>
+              <a:lnSpc>
+                <a:spcPct val="100000"/>
+              </a:lnSpc>
+            </a:pPr>
+            <a:r>
+              <a:rPr lang="zh-CN" altLang="en-US" dirty="0" smtClean="0"/>
+              <a:t>计算机专业知识</a:t>
+            </a:r>
+            <a:r>
+              <a:rPr lang="zh-CN" altLang="en-US" dirty="0"/>
+              <a:t>学习</a:t>
+            </a:r>
+            <a:r>
+              <a:rPr lang="zh-CN" altLang="en-US" dirty="0" smtClean="0"/>
+              <a:t>主要通过自学</a:t>
+            </a:r>
+            <a:r>
+              <a:rPr lang="zh-CN" altLang="en-US" dirty="0"/>
+              <a:t>、</a:t>
+            </a:r>
+            <a:r>
+              <a:rPr lang="zh-CN" altLang="en-US" dirty="0" smtClean="0"/>
+              <a:t>实践</a:t>
+            </a:r>
+            <a:endParaRPr lang="en-US" altLang="zh-CN" dirty="0" smtClean="0"/>
+          </a:p>
+          <a:p>
+            <a:pPr>
+              <a:lnSpc>
+                <a:spcPct val="100000"/>
+              </a:lnSpc>
+            </a:pPr>
+            <a:r>
+              <a:rPr lang="zh-CN" altLang="en-US" dirty="0"/>
+              <a:t>通用搜索引擎、在线评判网站的</a:t>
+            </a:r>
+            <a:r>
+              <a:rPr lang="zh-CN" altLang="en-US" dirty="0" smtClean="0"/>
+              <a:t>局限性较大</a:t>
+            </a:r>
+            <a:endParaRPr lang="en-US" altLang="zh-CN" dirty="0" smtClean="0"/>
+          </a:p>
+          <a:p>
+            <a:pPr marL="0" indent="0">
+              <a:lnSpc>
+                <a:spcPct val="100000"/>
+              </a:lnSpc>
+              <a:buNone/>
+            </a:pPr>
+            <a:r>
+              <a:rPr lang="zh-CN" altLang="en-US" b="1" dirty="0" smtClean="0"/>
+              <a:t>目的</a:t>
+            </a:r>
+            <a:r>
+              <a:rPr lang="zh-CN" altLang="en-US" b="1" dirty="0"/>
+              <a:t>与意义</a:t>
+            </a:r>
+            <a:endParaRPr lang="en-US" altLang="zh-CN" b="1" dirty="0"/>
+          </a:p>
+          <a:p>
+            <a:pPr>
+              <a:lnSpc>
+                <a:spcPct val="100000"/>
+              </a:lnSpc>
+            </a:pPr>
+            <a:r>
+              <a:rPr lang="zh-CN" altLang="en-US" dirty="0" smtClean="0"/>
+              <a:t>将理论学习资源与实践结合，有助于</a:t>
+            </a:r>
+            <a:r>
+              <a:rPr lang="zh-CN" altLang="en-US" dirty="0"/>
+              <a:t>提高用户学习（计算机专业知识）效率</a:t>
+            </a:r>
+            <a:endParaRPr lang="en-US" altLang="zh-CN" dirty="0"/>
+          </a:p>
+          <a:p>
+            <a:pPr>
+              <a:lnSpc>
+                <a:spcPct val="100000"/>
+              </a:lnSpc>
+            </a:pPr>
+            <a:r>
+              <a:rPr lang="zh-CN" altLang="en-US" dirty="0"/>
+              <a:t>为计算机专业人才培养作微不足道的贡献</a:t>
+            </a:r>
+            <a:endParaRPr lang="en-US" altLang="zh-CN" dirty="0"/>
+          </a:p>
+          <a:p>
+            <a:pPr marL="0" indent="0">
+              <a:lnSpc>
+                <a:spcPct val="100000"/>
+              </a:lnSpc>
+              <a:buNone/>
+            </a:pPr>
+            <a:endParaRPr lang="en-US" altLang="zh-CN" dirty="0"/>
+          </a:p>
+          <a:p>
+            <a:pPr>
+              <a:lnSpc>
+                <a:spcPct val="100000"/>
+              </a:lnSpc>
+            </a:pPr>
+            <a:endParaRPr lang="en-US" altLang="zh-CN" dirty="0" smtClean="0"/>
+          </a:p>
+        </p:txBody>
+      </p:sp>
+      <p:sp>
+        <p:nvSpPr>
+          <p:cNvPr id="4" name="内容占位符 2"/>
+          <p:cNvSpPr txBox="1">
+            <a:spLocks/>
+          </p:cNvSpPr>
+          <p:nvPr/>
+        </p:nvSpPr>
+        <p:spPr>
+          <a:xfrm>
+            <a:off x="499441" y="4509200"/>
+            <a:ext cx="8376202" cy="1948069"/>
+          </a:xfrm>
+          <a:prstGeom prst="rect">
+            <a:avLst/>
+          </a:prstGeom>
+        </p:spPr>
+        <p:txBody>
+          <a:bodyPr vert="horz" lIns="91440" tIns="45720" rIns="91440" bIns="45720" rtlCol="0">
+            <a:noAutofit/>
+          </a:bodyPr>
+          <a:lstStyle>
+            <a:lvl1pPr marL="171450" indent="-171450" algn="l" defTabSz="685800" rtl="0" eaLnBrk="1" latinLnBrk="0" hangingPunct="1">
+              <a:lnSpc>
+                <a:spcPct val="90000"/>
+              </a:lnSpc>
+              <a:spcBef>
+                <a:spcPts val="750"/>
+              </a:spcBef>
+              <a:buFont typeface="Arial"/>
+              <a:buChar char="•"/>
+              <a:defRPr sz="2100" kern="1200">
+                <a:solidFill>
+                  <a:schemeClr val="tx1"/>
+                </a:solidFill>
+                <a:latin typeface="+mn-lt"/>
+                <a:ea typeface="+mn-ea"/>
+                <a:cs typeface="+mn-cs"/>
+              </a:defRPr>
+            </a:lvl1pPr>
+            <a:lvl2pPr marL="514350" indent="-171450" algn="l" defTabSz="685800" rtl="0" eaLnBrk="1" latinLnBrk="0" hangingPunct="1">
+              <a:lnSpc>
+                <a:spcPct val="90000"/>
+              </a:lnSpc>
+              <a:spcBef>
+                <a:spcPts val="375"/>
+              </a:spcBef>
+              <a:buFont typeface="Arial"/>
+              <a:buChar char="•"/>
+              <a:defRPr sz="1800" kern="1200">
+                <a:solidFill>
+                  <a:schemeClr val="tx1"/>
+                </a:solidFill>
+                <a:latin typeface="+mn-lt"/>
+                <a:ea typeface="+mn-ea"/>
+                <a:cs typeface="+mn-cs"/>
+              </a:defRPr>
+            </a:lvl2pPr>
+            <a:lvl3pPr marL="857250" indent="-171450" algn="l" defTabSz="685800" rtl="0" eaLnBrk="1" latinLnBrk="0" hangingPunct="1">
+              <a:lnSpc>
+                <a:spcPct val="90000"/>
+              </a:lnSpc>
+              <a:spcBef>
+                <a:spcPts val="375"/>
+              </a:spcBef>
+              <a:buFont typeface="Arial"/>
+              <a:buChar char="•"/>
+              <a:defRPr sz="1500" kern="1200">
+                <a:solidFill>
+                  <a:schemeClr val="tx1"/>
+                </a:solidFill>
+                <a:latin typeface="+mn-lt"/>
+                <a:ea typeface="+mn-ea"/>
+                <a:cs typeface="+mn-cs"/>
+              </a:defRPr>
+            </a:lvl3pPr>
+            <a:lvl4pPr marL="1200150" indent="-171450" algn="l" defTabSz="685800" rtl="0" eaLnBrk="1" latinLnBrk="0" hangingPunct="1">
+              <a:lnSpc>
+                <a:spcPct val="90000"/>
+              </a:lnSpc>
+              <a:spcBef>
+                <a:spcPts val="375"/>
+              </a:spcBef>
+              <a:buFont typeface="Arial"/>
+              <a:buChar char="•"/>
+              <a:defRPr sz="1350" kern="1200">
+                <a:solidFill>
+                  <a:schemeClr val="tx1"/>
+                </a:solidFill>
+                <a:latin typeface="+mn-lt"/>
+                <a:ea typeface="+mn-ea"/>
+                <a:cs typeface="+mn-cs"/>
+              </a:defRPr>
+            </a:lvl4pPr>
+            <a:lvl5pPr marL="1543050" indent="-171450" algn="l" defTabSz="685800" rtl="0" eaLnBrk="1" latinLnBrk="0" hangingPunct="1">
+              <a:lnSpc>
+                <a:spcPct val="90000"/>
+              </a:lnSpc>
+              <a:spcBef>
+                <a:spcPts val="375"/>
+              </a:spcBef>
+              <a:buFont typeface="Arial"/>
+              <a:buChar char="•"/>
+              <a:defRPr sz="1350" kern="1200">
+                <a:solidFill>
+                  <a:schemeClr val="tx1"/>
+                </a:solidFill>
+                <a:latin typeface="+mn-lt"/>
+                <a:ea typeface="+mn-ea"/>
+                <a:cs typeface="+mn-cs"/>
+              </a:defRPr>
+            </a:lvl5pPr>
+            <a:lvl6pPr marL="1885950" indent="-171450" algn="l" defTabSz="685800" rtl="0" eaLnBrk="1" latinLnBrk="0" hangingPunct="1">
+              <a:lnSpc>
+                <a:spcPct val="90000"/>
+              </a:lnSpc>
+              <a:spcBef>
+                <a:spcPts val="375"/>
+              </a:spcBef>
+              <a:buFont typeface="Arial"/>
+              <a:buChar char="•"/>
+              <a:defRPr sz="1350" kern="1200">
+                <a:solidFill>
+                  <a:schemeClr val="tx1"/>
+                </a:solidFill>
+                <a:latin typeface="+mn-lt"/>
+                <a:ea typeface="+mn-ea"/>
+                <a:cs typeface="+mn-cs"/>
+              </a:defRPr>
+            </a:lvl6pPr>
+            <a:lvl7pPr marL="2228850" indent="-171450" algn="l" defTabSz="685800" rtl="0" eaLnBrk="1" latinLnBrk="0" hangingPunct="1">
+              <a:lnSpc>
+                <a:spcPct val="90000"/>
+              </a:lnSpc>
+              <a:spcBef>
+                <a:spcPts val="375"/>
+              </a:spcBef>
+              <a:buFont typeface="Arial"/>
+              <a:buChar char="•"/>
+              <a:defRPr sz="1350" kern="1200">
+                <a:solidFill>
+                  <a:schemeClr val="tx1"/>
+                </a:solidFill>
+                <a:latin typeface="+mn-lt"/>
+                <a:ea typeface="+mn-ea"/>
+                <a:cs typeface="+mn-cs"/>
+              </a:defRPr>
+            </a:lvl7pPr>
+            <a:lvl8pPr marL="2571750" indent="-171450" algn="l" defTabSz="685800" rtl="0" eaLnBrk="1" latinLnBrk="0" hangingPunct="1">
+              <a:lnSpc>
+                <a:spcPct val="90000"/>
+              </a:lnSpc>
+              <a:spcBef>
+                <a:spcPts val="375"/>
+              </a:spcBef>
+              <a:buFont typeface="Arial"/>
+              <a:buChar char="•"/>
+              <a:defRPr sz="1350" kern="1200">
+                <a:solidFill>
+                  <a:schemeClr val="tx1"/>
+                </a:solidFill>
+                <a:latin typeface="+mn-lt"/>
+                <a:ea typeface="+mn-ea"/>
+                <a:cs typeface="+mn-cs"/>
+              </a:defRPr>
+            </a:lvl8pPr>
+            <a:lvl9pPr marL="2914650" indent="-171450" algn="l" defTabSz="685800" rtl="0" eaLnBrk="1" latinLnBrk="0" hangingPunct="1">
+              <a:lnSpc>
+                <a:spcPct val="90000"/>
+              </a:lnSpc>
+              <a:spcBef>
+                <a:spcPts val="375"/>
+              </a:spcBef>
+              <a:buFont typeface="Arial"/>
+              <a:buChar char="•"/>
+              <a:defRPr sz="1350" kern="1200">
+                <a:solidFill>
+                  <a:schemeClr val="tx1"/>
+                </a:solidFill>
+                <a:latin typeface="+mn-lt"/>
+                <a:ea typeface="+mn-ea"/>
+                <a:cs typeface="+mn-cs"/>
+              </a:defRPr>
+            </a:lvl9pPr>
+          </a:lstStyle>
+          <a:p>
+            <a:pPr marL="0" indent="0">
+              <a:lnSpc>
+                <a:spcPct val="100000"/>
+              </a:lnSpc>
+              <a:buNone/>
+            </a:pPr>
+            <a:endParaRPr lang="en-US" altLang="zh-CN" sz="2800" dirty="0" smtClean="0"/>
+          </a:p>
+        </p:txBody>
+      </p:sp>
+      <p:sp>
+        <p:nvSpPr>
+          <p:cNvPr id="6" name="日期占位符 5"/>
+          <p:cNvSpPr>
+            <a:spLocks noGrp="1"/>
+          </p:cNvSpPr>
+          <p:nvPr>
+            <p:ph type="dt" sz="half" idx="10"/>
+          </p:nvPr>
+        </p:nvSpPr>
+        <p:spPr/>
+        <p:txBody>
+          <a:bodyPr/>
+          <a:lstStyle/>
+          <a:p>
+            <a:fld id="{B42AC176-3ED8-6048-A23F-3E0886988747}" type="datetime11">
+              <a:rPr lang="zh-CN" altLang="en-US" smtClean="0"/>
+              <a:t>22:23:07</a:t>
+            </a:fld>
+            <a:endParaRPr lang="zh-CN" altLang="en-US"/>
+          </a:p>
+        </p:txBody>
+      </p:sp>
+    </p:spTree>
+    <p:extLst>
+      <p:ext uri="{BB962C8B-B14F-4D97-AF65-F5344CB8AC3E}">
+        <p14:creationId xmlns:p14="http://schemas.microsoft.com/office/powerpoint/2010/main" val="1820401632"/>
+      </p:ext>
+    </p:extLst>
+  </p:cSld>
+  <p:clrMapOvr>
+    <a:masterClrMapping/>
+  </p:clrMapOvr>
+  <p:timing>
+    <p:tnLst>
+      <p:par>
+        <p:cTn id="1" dur="indefinite" restart="never" nodeType="tmRoot"/>
+      </p:par>
+    </p:tnLst>
+  </p:timing>
+</p:sld>
+</file>
+
+<file path=ppt/slides/slide5.xml><?xml version="1.0" encoding="utf-8"?>
+<p:sld xmlns:a="http://schemas.openxmlformats.org/drawingml/2006/main" xmlns:r="http://schemas.openxmlformats.org/officeDocument/2006/relationships" xmlns:p="http://schemas.openxmlformats.org/presentationml/2006/main">
+  <p:cSld>
+    <p:spTree>
+      <p:nvGrpSpPr>
+        <p:cNvPr id="1" name=""/>
+        <p:cNvGrpSpPr/>
+        <p:nvPr/>
+      </p:nvGrpSpPr>
+      <p:grpSpPr>
+        <a:xfrm>
+          <a:off x="0" y="0"/>
+          <a:ext cx="0" cy="0"/>
+          <a:chOff x="0" y="0"/>
+          <a:chExt cx="0" cy="0"/>
+        </a:xfrm>
+      </p:grpSpPr>
+      <p:sp>
+        <p:nvSpPr>
+          <p:cNvPr id="5" name="标题 4"/>
+          <p:cNvSpPr>
+            <a:spLocks noGrp="1"/>
+          </p:cNvSpPr>
+          <p:nvPr>
+            <p:ph type="title"/>
+          </p:nvPr>
+        </p:nvSpPr>
+        <p:spPr>
+          <a:xfrm>
+            <a:off x="623888" y="1083774"/>
+            <a:ext cx="7886700" cy="2852737"/>
+          </a:xfrm>
+        </p:spPr>
+        <p:txBody>
+          <a:bodyPr/>
+          <a:lstStyle/>
+          <a:p>
+            <a:pPr algn="ctr"/>
+            <a:r>
+              <a:rPr lang="en-US" altLang="zh-CN" b="1" dirty="0" smtClean="0"/>
+              <a:t>2. </a:t>
+            </a:r>
+            <a:r>
+              <a:rPr lang="zh-CN" altLang="en-US" b="1" dirty="0" smtClean="0"/>
+              <a:t>系统功能</a:t>
+            </a:r>
+            <a:endParaRPr lang="zh-CN" altLang="en-US" b="1" dirty="0"/>
+          </a:p>
+        </p:txBody>
+      </p:sp>
+      <p:sp>
+        <p:nvSpPr>
+          <p:cNvPr id="6" name="文本占位符 5"/>
+          <p:cNvSpPr>
+            <a:spLocks noGrp="1"/>
+          </p:cNvSpPr>
+          <p:nvPr>
+            <p:ph type="body" idx="1"/>
+          </p:nvPr>
+        </p:nvSpPr>
+        <p:spPr/>
+        <p:txBody>
+          <a:bodyPr/>
+          <a:lstStyle/>
+          <a:p>
+            <a:endParaRPr lang="zh-CN" altLang="en-US"/>
+          </a:p>
+        </p:txBody>
+      </p:sp>
+      <p:sp>
+        <p:nvSpPr>
+          <p:cNvPr id="4" name="日期占位符 3"/>
+          <p:cNvSpPr>
+            <a:spLocks noGrp="1"/>
+          </p:cNvSpPr>
+          <p:nvPr>
+            <p:ph type="dt" sz="half" idx="10"/>
+          </p:nvPr>
+        </p:nvSpPr>
+        <p:spPr/>
+        <p:txBody>
+          <a:bodyPr/>
+          <a:lstStyle/>
+          <a:p>
+            <a:fld id="{E093F988-9A29-5E45-8D20-69A04853E7AD}" type="datetime11">
+              <a:rPr lang="zh-CN" altLang="en-US" smtClean="0"/>
+              <a:t>22:23:07</a:t>
+            </a:fld>
+            <a:endParaRPr lang="zh-CN" altLang="en-US"/>
+          </a:p>
+        </p:txBody>
+      </p:sp>
+    </p:spTree>
+    <p:extLst>
+      <p:ext uri="{BB962C8B-B14F-4D97-AF65-F5344CB8AC3E}">
+        <p14:creationId xmlns:p14="http://schemas.microsoft.com/office/powerpoint/2010/main" val="1608401536"/>
+      </p:ext>
+    </p:extLst>
+  </p:cSld>
+  <p:clrMapOvr>
+    <a:masterClrMapping/>
+  </p:clrMapOvr>
+</p:sld>
+</file>
+
+<file path=ppt/slides/slide6.xml><?xml version="1.0" encoding="utf-8"?>
+<p:sld xmlns:a="http://schemas.openxmlformats.org/drawingml/2006/main" xmlns:r="http://schemas.openxmlformats.org/officeDocument/2006/relationships" xmlns:p="http://schemas.openxmlformats.org/presentationml/2006/main">
+  <p:cSld>
+    <p:spTree>
+      <p:nvGrpSpPr>
+        <p:cNvPr id="1" name=""/>
+        <p:cNvGrpSpPr/>
+        <p:nvPr/>
+      </p:nvGrpSpPr>
+      <p:grpSpPr>
+        <a:xfrm>
+          <a:off x="0" y="0"/>
+          <a:ext cx="0" cy="0"/>
+          <a:chOff x="0" y="0"/>
+          <a:chExt cx="0" cy="0"/>
+        </a:xfrm>
+      </p:grpSpPr>
+      <p:sp>
+        <p:nvSpPr>
+          <p:cNvPr id="2" name="标题 1"/>
+          <p:cNvSpPr>
+            <a:spLocks noGrp="1"/>
+          </p:cNvSpPr>
+          <p:nvPr>
+            <p:ph type="title"/>
+          </p:nvPr>
+        </p:nvSpPr>
+        <p:spPr>
+          <a:xfrm>
+            <a:off x="0" y="0"/>
+            <a:ext cx="6400800" cy="1028699"/>
+          </a:xfrm>
+        </p:spPr>
+        <p:txBody>
+          <a:bodyPr/>
+          <a:lstStyle/>
+          <a:p>
+            <a:r>
+              <a:rPr kumimoji="1" lang="en-US" altLang="zh-CN" dirty="0" smtClean="0"/>
+              <a:t>2. </a:t>
+            </a:r>
+            <a:r>
+              <a:rPr kumimoji="1" lang="zh-CN" altLang="en-US" dirty="0" smtClean="0"/>
+              <a:t>系统功能</a:t>
+            </a:r>
+            <a:endParaRPr kumimoji="1" lang="zh-CN" altLang="en-US" dirty="0"/>
+          </a:p>
+        </p:txBody>
+      </p:sp>
+      <p:sp>
+        <p:nvSpPr>
+          <p:cNvPr id="3" name="内容占位符 2"/>
+          <p:cNvSpPr>
+            <a:spLocks noGrp="1"/>
+          </p:cNvSpPr>
+          <p:nvPr>
+            <p:ph idx="1"/>
+          </p:nvPr>
+        </p:nvSpPr>
+        <p:spPr>
+          <a:xfrm>
+            <a:off x="628650" y="1103616"/>
+            <a:ext cx="7886700" cy="5252735"/>
+          </a:xfrm>
+        </p:spPr>
+        <p:txBody>
+          <a:bodyPr>
+            <a:noAutofit/>
+          </a:bodyPr>
+          <a:lstStyle/>
+          <a:p>
+            <a:pPr marL="0" indent="0">
+              <a:lnSpc>
+                <a:spcPct val="100000"/>
+              </a:lnSpc>
+              <a:buNone/>
+            </a:pPr>
+            <a:r>
+              <a:rPr kumimoji="1" lang="zh-CN" altLang="en-US" sz="3600" b="1" dirty="0" smtClean="0"/>
+              <a:t>学习资源检索</a:t>
+            </a:r>
+            <a:endParaRPr kumimoji="1" lang="en-US" altLang="zh-CN" sz="2400" b="1" dirty="0" smtClean="0"/>
+          </a:p>
+          <a:p>
+            <a:pPr>
+              <a:lnSpc>
+                <a:spcPct val="100000"/>
+              </a:lnSpc>
+            </a:pPr>
+            <a:r>
+              <a:rPr kumimoji="1" lang="zh-CN" altLang="en-US" sz="2400" dirty="0" smtClean="0"/>
+              <a:t>爬虫</a:t>
+            </a:r>
+            <a:endParaRPr kumimoji="1" lang="en-US" altLang="zh-CN" sz="2400" dirty="0" smtClean="0"/>
+          </a:p>
+          <a:p>
+            <a:pPr>
+              <a:lnSpc>
+                <a:spcPct val="100000"/>
+              </a:lnSpc>
+            </a:pPr>
+            <a:r>
+              <a:rPr kumimoji="1" lang="zh-CN" altLang="en-US" sz="2400" b="1" dirty="0"/>
+              <a:t>搜索引擎</a:t>
+            </a:r>
+            <a:endParaRPr kumimoji="1" lang="en-US" altLang="zh-CN" sz="2400" b="1" dirty="0"/>
+          </a:p>
+          <a:p>
+            <a:pPr>
+              <a:lnSpc>
+                <a:spcPct val="100000"/>
+              </a:lnSpc>
+            </a:pPr>
+            <a:r>
+              <a:rPr kumimoji="1" lang="zh-CN" altLang="en-US" sz="1600" dirty="0" smtClean="0"/>
+              <a:t>站内学习资源等基本增删改查</a:t>
+            </a:r>
+            <a:endParaRPr kumimoji="1" lang="en-US" altLang="zh-CN" sz="1600" dirty="0" smtClean="0"/>
+          </a:p>
+          <a:p>
+            <a:pPr marL="0" indent="0">
+              <a:lnSpc>
+                <a:spcPct val="100000"/>
+              </a:lnSpc>
+              <a:buNone/>
+            </a:pPr>
+            <a:r>
+              <a:rPr kumimoji="1" lang="zh-CN" altLang="en-US" sz="3600" b="1" dirty="0" smtClean="0"/>
+              <a:t>在线编程</a:t>
+            </a:r>
+            <a:endParaRPr kumimoji="1" lang="en-US" altLang="zh-CN" sz="3600" b="1" dirty="0" smtClean="0"/>
+          </a:p>
+          <a:p>
+            <a:pPr>
+              <a:lnSpc>
+                <a:spcPct val="100000"/>
+              </a:lnSpc>
+            </a:pPr>
+            <a:r>
+              <a:rPr kumimoji="1" lang="zh-CN" altLang="en-US" sz="2400" b="1" dirty="0" smtClean="0"/>
+              <a:t>代码评判</a:t>
+            </a:r>
+            <a:endParaRPr kumimoji="1" lang="en-US" altLang="zh-CN" sz="2400" b="1" dirty="0" smtClean="0"/>
+          </a:p>
+          <a:p>
+            <a:pPr>
+              <a:lnSpc>
+                <a:spcPct val="100000"/>
+              </a:lnSpc>
+            </a:pPr>
+            <a:r>
+              <a:rPr kumimoji="1" lang="en-US" altLang="zh-CN" sz="1600" dirty="0"/>
+              <a:t>Web</a:t>
+            </a:r>
+            <a:r>
+              <a:rPr kumimoji="1" lang="zh-CN" altLang="en-US" sz="1600" dirty="0"/>
+              <a:t>嵌入代码</a:t>
+            </a:r>
+            <a:r>
+              <a:rPr kumimoji="1" lang="zh-CN" altLang="en-US" sz="1600" dirty="0" smtClean="0"/>
+              <a:t>编辑器（支持自动补全、</a:t>
+            </a:r>
+            <a:r>
+              <a:rPr kumimoji="1" lang="en-US" altLang="zh-CN" sz="1600" dirty="0" smtClean="0"/>
+              <a:t>Vim/</a:t>
+            </a:r>
+            <a:r>
+              <a:rPr kumimoji="1" lang="en-US" altLang="zh-CN" sz="1600" dirty="0" err="1" smtClean="0"/>
+              <a:t>Emacs</a:t>
+            </a:r>
+            <a:r>
+              <a:rPr kumimoji="1" lang="zh-CN" altLang="en-US" sz="1600" dirty="0"/>
+              <a:t>编辑器</a:t>
+            </a:r>
+            <a:r>
+              <a:rPr kumimoji="1" lang="zh-CN" altLang="en-US" sz="1600" dirty="0" smtClean="0"/>
+              <a:t>键位等）</a:t>
+            </a:r>
+            <a:endParaRPr kumimoji="1" lang="en-US" altLang="zh-CN" sz="1600" dirty="0"/>
+          </a:p>
+          <a:p>
+            <a:pPr>
+              <a:lnSpc>
+                <a:spcPct val="100000"/>
+              </a:lnSpc>
+            </a:pPr>
+            <a:r>
+              <a:rPr kumimoji="1" lang="zh-CN" altLang="en-US" sz="1600" dirty="0" smtClean="0"/>
+              <a:t>编程题目、测试用例等基本增删改查</a:t>
+            </a:r>
+            <a:endParaRPr kumimoji="1" lang="en-US" altLang="zh-CN" sz="1600" dirty="0"/>
+          </a:p>
+          <a:p>
+            <a:pPr marL="0" indent="0">
+              <a:lnSpc>
+                <a:spcPct val="100000"/>
+              </a:lnSpc>
+              <a:buNone/>
+            </a:pPr>
+            <a:r>
+              <a:rPr kumimoji="1" lang="zh-CN" altLang="en-US" sz="2400" dirty="0" smtClean="0"/>
+              <a:t>其他</a:t>
+            </a:r>
+            <a:endParaRPr kumimoji="1" lang="en-US" altLang="zh-CN" dirty="0" smtClean="0"/>
+          </a:p>
+          <a:p>
+            <a:pPr>
+              <a:lnSpc>
+                <a:spcPct val="100000"/>
+              </a:lnSpc>
+            </a:pPr>
+            <a:r>
+              <a:rPr kumimoji="1" lang="en-US" altLang="zh-CN" sz="1600" dirty="0" smtClean="0"/>
+              <a:t>RBAC</a:t>
+            </a:r>
+            <a:r>
+              <a:rPr kumimoji="1" lang="zh-CN" altLang="en-US" sz="1600" dirty="0" smtClean="0"/>
+              <a:t>（基于角色的用户管理）与相关增删改查</a:t>
+            </a:r>
+            <a:endParaRPr kumimoji="1" lang="en-US" altLang="zh-CN" sz="1600" dirty="0" smtClean="0"/>
+          </a:p>
+          <a:p>
+            <a:pPr>
+              <a:lnSpc>
+                <a:spcPct val="100000"/>
+              </a:lnSpc>
+            </a:pPr>
+            <a:r>
+              <a:rPr kumimoji="1" lang="zh-CN" altLang="en-US" sz="1600" dirty="0" smtClean="0"/>
+              <a:t>用户浏览行为记录</a:t>
+            </a:r>
+            <a:endParaRPr kumimoji="1" lang="en-US" altLang="zh-CN" sz="1600" dirty="0" smtClean="0"/>
+          </a:p>
+        </p:txBody>
+      </p:sp>
+      <p:sp>
+        <p:nvSpPr>
+          <p:cNvPr id="4" name="日期占位符 3"/>
+          <p:cNvSpPr>
+            <a:spLocks noGrp="1"/>
+          </p:cNvSpPr>
+          <p:nvPr>
+            <p:ph type="dt" sz="half" idx="10"/>
+          </p:nvPr>
+        </p:nvSpPr>
+        <p:spPr/>
+        <p:txBody>
+          <a:bodyPr/>
+          <a:lstStyle/>
+          <a:p>
+            <a:fld id="{7551E2BA-704B-C04E-9043-650619DBAE49}" type="datetime11">
+              <a:rPr lang="zh-CN" altLang="en-US" smtClean="0"/>
+              <a:t>22:23:06</a:t>
+            </a:fld>
+            <a:endParaRPr lang="zh-CN" altLang="en-US"/>
+          </a:p>
+        </p:txBody>
+      </p:sp>
+    </p:spTree>
+    <p:extLst>
+      <p:ext uri="{BB962C8B-B14F-4D97-AF65-F5344CB8AC3E}">
+        <p14:creationId xmlns:p14="http://schemas.microsoft.com/office/powerpoint/2010/main" val="1507621337"/>
+      </p:ext>
+    </p:extLst>
+  </p:cSld>
+  <p:clrMapOvr>
+    <a:masterClrMapping/>
+  </p:clrMapOvr>
+  <p:timing>
+    <p:tnLst>
+      <p:par>
+        <p:cTn id="1" dur="indefinite" restart="never" nodeType="tmRoot"/>
+      </p:par>
+    </p:tnLst>
+  </p:timing>
+</p:sld>
+</file>
+
+<file path=ppt/slides/slide7.xml><?xml version="1.0" encoding="utf-8"?>
+<p:sld xmlns:a="http://schemas.openxmlformats.org/drawingml/2006/main" xmlns:r="http://schemas.openxmlformats.org/officeDocument/2006/relationships" xmlns:p="http://schemas.openxmlformats.org/presentationml/2006/main">
+  <p:cSld>
+    <p:spTree>
+      <p:nvGrpSpPr>
+        <p:cNvPr id="1" name=""/>
+        <p:cNvGrpSpPr/>
+        <p:nvPr/>
+      </p:nvGrpSpPr>
+      <p:grpSpPr>
+        <a:xfrm>
+          <a:off x="0" y="0"/>
+          <a:ext cx="0" cy="0"/>
+          <a:chOff x="0" y="0"/>
+          <a:chExt cx="0" cy="0"/>
+        </a:xfrm>
+      </p:grpSpPr>
+      <p:sp>
+        <p:nvSpPr>
+          <p:cNvPr id="2" name="标题 1"/>
+          <p:cNvSpPr>
+            <a:spLocks noGrp="1"/>
+          </p:cNvSpPr>
+          <p:nvPr>
+            <p:ph type="title"/>
+          </p:nvPr>
+        </p:nvSpPr>
+        <p:spPr/>
+        <p:txBody>
+          <a:bodyPr/>
+          <a:lstStyle/>
+          <a:p>
+            <a:r>
+              <a:rPr lang="en-US" altLang="zh-CN" dirty="0" smtClean="0"/>
+              <a:t>2. </a:t>
+            </a:r>
+            <a:r>
+              <a:rPr lang="zh-CN" altLang="en-US" dirty="0" smtClean="0"/>
+              <a:t>系统功能</a:t>
+            </a:r>
+            <a:endParaRPr lang="zh-CN" altLang="en-US" dirty="0"/>
+          </a:p>
+        </p:txBody>
+      </p:sp>
+      <p:sp>
+        <p:nvSpPr>
+          <p:cNvPr id="3" name="内容占位符 2"/>
+          <p:cNvSpPr>
+            <a:spLocks noGrp="1"/>
+          </p:cNvSpPr>
+          <p:nvPr>
+            <p:ph idx="1"/>
+          </p:nvPr>
+        </p:nvSpPr>
+        <p:spPr/>
+        <p:txBody>
+          <a:bodyPr>
+            <a:normAutofit/>
+          </a:bodyPr>
+          <a:lstStyle/>
+          <a:p>
+            <a:pPr marL="0" indent="0">
+              <a:lnSpc>
+                <a:spcPct val="150000"/>
+              </a:lnSpc>
+              <a:buNone/>
+            </a:pPr>
+            <a:r>
+              <a:rPr lang="zh-CN" altLang="en-US" sz="4400" dirty="0" smtClean="0"/>
+              <a:t>爬虫特点</a:t>
+            </a:r>
+            <a:endParaRPr lang="en-US" altLang="zh-CN" sz="4400" dirty="0" smtClean="0"/>
+          </a:p>
+          <a:p>
+            <a:pPr>
+              <a:lnSpc>
+                <a:spcPct val="150000"/>
+              </a:lnSpc>
+            </a:pPr>
+            <a:r>
+              <a:rPr lang="zh-CN" altLang="en-US" sz="3200" dirty="0" smtClean="0"/>
+              <a:t>基于</a:t>
+            </a:r>
+            <a:r>
+              <a:rPr lang="en-US" altLang="zh-CN" sz="3200" dirty="0" smtClean="0"/>
+              <a:t>Scrapy</a:t>
+            </a:r>
+            <a:r>
+              <a:rPr lang="zh-CN" altLang="en-US" sz="3200" dirty="0" smtClean="0"/>
+              <a:t>框架开发</a:t>
+            </a:r>
+            <a:endParaRPr lang="en-US" altLang="zh-CN" sz="3200" dirty="0" smtClean="0"/>
+          </a:p>
+          <a:p>
+            <a:pPr>
+              <a:lnSpc>
+                <a:spcPct val="150000"/>
+              </a:lnSpc>
+            </a:pPr>
+            <a:r>
+              <a:rPr lang="zh-CN" altLang="en-US" sz="3200" dirty="0" smtClean="0"/>
+              <a:t>支持增量爬取</a:t>
+            </a:r>
+            <a:endParaRPr lang="en-US" altLang="zh-CN" sz="3200" dirty="0" smtClean="0"/>
+          </a:p>
+          <a:p>
+            <a:pPr>
+              <a:lnSpc>
+                <a:spcPct val="150000"/>
+              </a:lnSpc>
+            </a:pPr>
+            <a:r>
+              <a:rPr lang="zh-CN" altLang="en-US" sz="3200" dirty="0" smtClean="0"/>
+              <a:t>支持集群部署</a:t>
+            </a:r>
+            <a:endParaRPr lang="en-US" altLang="zh-CN" sz="3200" dirty="0" smtClean="0"/>
+          </a:p>
+          <a:p>
+            <a:pPr>
+              <a:lnSpc>
+                <a:spcPct val="150000"/>
+              </a:lnSpc>
+            </a:pPr>
+            <a:r>
+              <a:rPr lang="zh-CN" altLang="en-US" sz="3200" dirty="0"/>
+              <a:t>本</a:t>
+            </a:r>
+            <a:r>
+              <a:rPr lang="zh-CN" altLang="en-US" sz="3200" dirty="0" smtClean="0"/>
+              <a:t>系统</a:t>
+            </a:r>
+            <a:r>
+              <a:rPr lang="zh-CN" altLang="en-US" sz="3200" b="1" dirty="0"/>
+              <a:t>主要</a:t>
+            </a:r>
+            <a:r>
+              <a:rPr lang="zh-CN" altLang="en-US" sz="3200" b="1" dirty="0" smtClean="0"/>
+              <a:t>数据来源</a:t>
+            </a:r>
+            <a:endParaRPr lang="en-US" altLang="zh-CN" sz="3200" b="1" dirty="0" smtClean="0"/>
+          </a:p>
+          <a:p>
+            <a:pPr>
+              <a:lnSpc>
+                <a:spcPct val="150000"/>
+              </a:lnSpc>
+            </a:pPr>
+            <a:endParaRPr lang="en-US" altLang="zh-CN" sz="3200" dirty="0" smtClean="0"/>
+          </a:p>
+          <a:p>
+            <a:pPr marL="0" indent="0">
+              <a:lnSpc>
+                <a:spcPct val="150000"/>
+              </a:lnSpc>
+              <a:buNone/>
+            </a:pPr>
+            <a:endParaRPr lang="zh-CN" altLang="en-US" sz="4000" dirty="0"/>
+          </a:p>
+        </p:txBody>
+      </p:sp>
+      <p:sp>
+        <p:nvSpPr>
+          <p:cNvPr id="4" name="日期占位符 3"/>
+          <p:cNvSpPr>
+            <a:spLocks noGrp="1"/>
+          </p:cNvSpPr>
+          <p:nvPr>
+            <p:ph type="dt" sz="half" idx="10"/>
+          </p:nvPr>
+        </p:nvSpPr>
+        <p:spPr/>
+        <p:txBody>
+          <a:bodyPr/>
+          <a:lstStyle/>
+          <a:p>
+            <a:fld id="{E093F988-9A29-5E45-8D20-69A04853E7AD}" type="datetime11">
+              <a:rPr lang="zh-CN" altLang="en-US" smtClean="0"/>
+              <a:t>23:33:20</a:t>
+            </a:fld>
+            <a:endParaRPr lang="zh-CN" altLang="en-US"/>
+          </a:p>
+        </p:txBody>
+      </p:sp>
+    </p:spTree>
+    <p:extLst>
+      <p:ext uri="{BB962C8B-B14F-4D97-AF65-F5344CB8AC3E}">
+        <p14:creationId xmlns:p14="http://schemas.microsoft.com/office/powerpoint/2010/main" val="1981155329"/>
+      </p:ext>
+    </p:extLst>
+  </p:cSld>
+  <p:clrMapOvr>
+    <a:masterClrMapping/>
+  </p:clrMapOvr>
+  <p:timing>
+    <p:tnLst>
+      <p:par>
+        <p:cTn id="1" dur="indefinite" restart="never" nodeType="tmRoot"/>
+      </p:par>
+    </p:tnLst>
+  </p:timing>
+</p:sld>
+</file>
+
+<file path=ppt/slides/slide8.xml><?xml version="1.0" encoding="utf-8"?>
+<p:sld xmlns:a="http://schemas.openxmlformats.org/drawingml/2006/main" xmlns:r="http://schemas.openxmlformats.org/officeDocument/2006/relationships" xmlns:p="http://schemas.openxmlformats.org/presentationml/2006/main">
+  <p:cSld>
+    <p:spTree>
+      <p:nvGrpSpPr>
+        <p:cNvPr id="1" name=""/>
+        <p:cNvGrpSpPr/>
+        <p:nvPr/>
+      </p:nvGrpSpPr>
+      <p:grpSpPr>
+        <a:xfrm>
+          <a:off x="0" y="0"/>
+          <a:ext cx="0" cy="0"/>
+          <a:chOff x="0" y="0"/>
+          <a:chExt cx="0" cy="0"/>
+        </a:xfrm>
+      </p:grpSpPr>
+      <p:sp>
+        <p:nvSpPr>
+          <p:cNvPr id="3" name="内容占位符 2"/>
+          <p:cNvSpPr>
+            <a:spLocks noGrp="1"/>
+          </p:cNvSpPr>
+          <p:nvPr>
+            <p:ph idx="1"/>
+          </p:nvPr>
+        </p:nvSpPr>
+        <p:spPr/>
+        <p:txBody>
+          <a:bodyPr>
+            <a:normAutofit/>
+          </a:bodyPr>
+          <a:lstStyle/>
+          <a:p>
+            <a:pPr marL="0" indent="0">
+              <a:buNone/>
+            </a:pPr>
+            <a:r>
+              <a:rPr lang="zh-CN" altLang="en-US" sz="4000" dirty="0" smtClean="0"/>
+              <a:t>搜索引擎功能</a:t>
+            </a:r>
+            <a:endParaRPr lang="en-US" altLang="zh-CN" sz="4000" dirty="0" smtClean="0"/>
+          </a:p>
+          <a:p>
+            <a:pPr marL="514350" indent="-514350">
+              <a:buFont typeface="+mj-lt"/>
+              <a:buAutoNum type="arabicPeriod"/>
+            </a:pPr>
+            <a:r>
+              <a:rPr lang="zh-CN" altLang="en-US" dirty="0" smtClean="0"/>
+              <a:t>输入补全建议</a:t>
+            </a:r>
+            <a:endParaRPr lang="en-US" altLang="zh-CN" dirty="0" smtClean="0"/>
+          </a:p>
+          <a:p>
+            <a:pPr marL="514350" indent="-514350">
+              <a:buFont typeface="+mj-lt"/>
+              <a:buAutoNum type="arabicPeriod"/>
+            </a:pPr>
+            <a:r>
+              <a:rPr lang="zh-CN" altLang="en-US" dirty="0"/>
+              <a:t>输入</a:t>
+            </a:r>
+            <a:r>
+              <a:rPr lang="zh-CN" altLang="en-US" dirty="0" smtClean="0"/>
+              <a:t>纠错</a:t>
+            </a:r>
+            <a:endParaRPr lang="en-US" altLang="zh-CN" dirty="0" smtClean="0"/>
+          </a:p>
+          <a:p>
+            <a:pPr marL="514350" indent="-514350">
+              <a:buFont typeface="+mj-lt"/>
+              <a:buAutoNum type="arabicPeriod"/>
+            </a:pPr>
+            <a:r>
+              <a:rPr lang="zh-CN" altLang="en-US" dirty="0" smtClean="0"/>
+              <a:t>搜索耗时</a:t>
+            </a:r>
+            <a:endParaRPr lang="en-US" altLang="zh-CN" dirty="0" smtClean="0"/>
+          </a:p>
+          <a:p>
+            <a:pPr marL="514350" indent="-514350">
+              <a:buFont typeface="+mj-lt"/>
+              <a:buAutoNum type="arabicPeriod"/>
+            </a:pPr>
+            <a:r>
+              <a:rPr lang="zh-CN" altLang="en-US" dirty="0"/>
+              <a:t>搜索历史</a:t>
+            </a:r>
+            <a:endParaRPr lang="en-US" altLang="zh-CN" dirty="0" smtClean="0"/>
+          </a:p>
+          <a:p>
+            <a:pPr marL="514350" indent="-514350">
+              <a:buFont typeface="+mj-lt"/>
+              <a:buAutoNum type="arabicPeriod"/>
+            </a:pPr>
+            <a:r>
+              <a:rPr lang="zh-CN" altLang="en-US" dirty="0" smtClean="0"/>
+              <a:t>拼音搜索</a:t>
+            </a:r>
+            <a:endParaRPr lang="en-US" altLang="zh-CN" dirty="0" smtClean="0"/>
+          </a:p>
+          <a:p>
+            <a:pPr marL="514350" indent="-514350">
+              <a:buFont typeface="+mj-lt"/>
+              <a:buAutoNum type="arabicPeriod"/>
+            </a:pPr>
+            <a:r>
+              <a:rPr lang="zh-CN" altLang="en-US" b="1" dirty="0" smtClean="0"/>
+              <a:t>标签分类</a:t>
+            </a:r>
+            <a:endParaRPr lang="en-US" altLang="zh-CN" b="1" dirty="0" smtClean="0"/>
+          </a:p>
+          <a:p>
+            <a:endParaRPr lang="zh-CN" altLang="en-US" dirty="0"/>
+          </a:p>
+        </p:txBody>
+      </p:sp>
+      <p:sp>
+        <p:nvSpPr>
+          <p:cNvPr id="4" name="日期占位符 3"/>
+          <p:cNvSpPr>
+            <a:spLocks noGrp="1"/>
+          </p:cNvSpPr>
+          <p:nvPr>
+            <p:ph type="dt" sz="half" idx="10"/>
+          </p:nvPr>
+        </p:nvSpPr>
+        <p:spPr/>
+        <p:txBody>
+          <a:bodyPr/>
+          <a:lstStyle/>
+          <a:p>
+            <a:fld id="{E093F988-9A29-5E45-8D20-69A04853E7AD}" type="datetime11">
+              <a:rPr lang="zh-CN" altLang="en-US" smtClean="0"/>
+              <a:t>22:35:42</a:t>
+            </a:fld>
+            <a:endParaRPr lang="zh-CN" altLang="en-US"/>
+          </a:p>
+        </p:txBody>
+      </p:sp>
+      <p:pic>
+        <p:nvPicPr>
+          <p:cNvPr id="5" name="图片 4"/>
+          <p:cNvPicPr>
+            <a:picLocks noChangeAspect="1"/>
+          </p:cNvPicPr>
+          <p:nvPr/>
+        </p:nvPicPr>
+        <p:blipFill>
+          <a:blip r:embed="rId2" cstate="print">
+            <a:extLst>
+              <a:ext uri="{28A0092B-C50C-407E-A947-70E740481C1C}">
+                <a14:useLocalDpi xmlns:a14="http://schemas.microsoft.com/office/drawing/2010/main" val="0"/>
+              </a:ext>
+            </a:extLst>
+          </a:blip>
+          <a:stretch>
+            <a:fillRect/>
+          </a:stretch>
+        </p:blipFill>
+        <p:spPr>
+          <a:xfrm>
+            <a:off x="4664054" y="1030837"/>
+            <a:ext cx="3252563" cy="2158549"/>
+          </a:xfrm>
+          <a:prstGeom prst="rect">
+            <a:avLst/>
+          </a:prstGeom>
+        </p:spPr>
+      </p:pic>
+      <p:sp>
+        <p:nvSpPr>
+          <p:cNvPr id="6" name="标题 1"/>
+          <p:cNvSpPr>
+            <a:spLocks noGrp="1"/>
+          </p:cNvSpPr>
+          <p:nvPr>
+            <p:ph type="title"/>
+          </p:nvPr>
+        </p:nvSpPr>
+        <p:spPr>
+          <a:xfrm>
+            <a:off x="0" y="0"/>
+            <a:ext cx="6019196" cy="1030837"/>
+          </a:xfrm>
+        </p:spPr>
+        <p:txBody>
+          <a:bodyPr/>
+          <a:lstStyle/>
+          <a:p>
+            <a:r>
+              <a:rPr lang="en-US" altLang="zh-CN" dirty="0" smtClean="0"/>
+              <a:t>2. </a:t>
+            </a:r>
+            <a:r>
+              <a:rPr lang="zh-CN" altLang="en-US" dirty="0" smtClean="0"/>
+              <a:t>系统功能</a:t>
+            </a:r>
+            <a:endParaRPr lang="zh-CN" altLang="en-US" dirty="0"/>
+          </a:p>
+        </p:txBody>
+      </p:sp>
+      <p:pic>
+        <p:nvPicPr>
+          <p:cNvPr id="7" name="图片 6"/>
+          <p:cNvPicPr>
+            <a:picLocks noChangeAspect="1"/>
+          </p:cNvPicPr>
+          <p:nvPr/>
+        </p:nvPicPr>
+        <p:blipFill rotWithShape="1">
+          <a:blip r:embed="rId3" cstate="print">
+            <a:extLst>
+              <a:ext uri="{28A0092B-C50C-407E-A947-70E740481C1C}">
+                <a14:useLocalDpi xmlns:a14="http://schemas.microsoft.com/office/drawing/2010/main" val="0"/>
+              </a:ext>
+            </a:extLst>
+          </a:blip>
+          <a:srcRect b="46558"/>
+          <a:stretch/>
+        </p:blipFill>
+        <p:spPr>
+          <a:xfrm>
+            <a:off x="4664053" y="3189385"/>
+            <a:ext cx="3313165" cy="892235"/>
+          </a:xfrm>
+          <a:prstGeom prst="rect">
+            <a:avLst/>
+          </a:prstGeom>
+        </p:spPr>
+      </p:pic>
+      <p:pic>
+        <p:nvPicPr>
+          <p:cNvPr id="8" name="图片 7"/>
+          <p:cNvPicPr>
+            <a:picLocks noChangeAspect="1"/>
+          </p:cNvPicPr>
+          <p:nvPr/>
+        </p:nvPicPr>
+        <p:blipFill>
+          <a:blip r:embed="rId4" cstate="print">
+            <a:extLst>
+              <a:ext uri="{28A0092B-C50C-407E-A947-70E740481C1C}">
+                <a14:useLocalDpi xmlns:a14="http://schemas.microsoft.com/office/drawing/2010/main" val="0"/>
+              </a:ext>
+            </a:extLst>
+          </a:blip>
+          <a:stretch>
+            <a:fillRect/>
+          </a:stretch>
+        </p:blipFill>
+        <p:spPr>
+          <a:xfrm>
+            <a:off x="4737696" y="4081620"/>
+            <a:ext cx="3890803" cy="782439"/>
+          </a:xfrm>
+          <a:prstGeom prst="rect">
+            <a:avLst/>
+          </a:prstGeom>
+        </p:spPr>
+      </p:pic>
+      <p:pic>
+        <p:nvPicPr>
+          <p:cNvPr id="10" name="图片 9"/>
+          <p:cNvPicPr>
+            <a:picLocks noChangeAspect="1"/>
+          </p:cNvPicPr>
+          <p:nvPr/>
+        </p:nvPicPr>
+        <p:blipFill>
+          <a:blip r:embed="rId5">
+            <a:extLst>
+              <a:ext uri="{28A0092B-C50C-407E-A947-70E740481C1C}">
+                <a14:useLocalDpi xmlns:a14="http://schemas.microsoft.com/office/drawing/2010/main" val="0"/>
+              </a:ext>
+            </a:extLst>
+          </a:blip>
+          <a:stretch>
+            <a:fillRect/>
+          </a:stretch>
+        </p:blipFill>
+        <p:spPr>
+          <a:xfrm>
+            <a:off x="4664053" y="4864059"/>
+            <a:ext cx="2875607" cy="1614668"/>
+          </a:xfrm>
+          <a:prstGeom prst="rect">
+            <a:avLst/>
+          </a:prstGeom>
+        </p:spPr>
+      </p:pic>
+    </p:spTree>
+    <p:extLst>
+      <p:ext uri="{BB962C8B-B14F-4D97-AF65-F5344CB8AC3E}">
+        <p14:creationId xmlns:p14="http://schemas.microsoft.com/office/powerpoint/2010/main" val="2407107110"/>
+      </p:ext>
+    </p:extLst>
+  </p:cSld>
+  <p:clrMapOvr>
+    <a:masterClrMapping/>
+  </p:clrMapOvr>
+</p:sld>
+</file>
+
+<file path=ppt/slides/slide9.xml><?xml version="1.0" encoding="utf-8"?>
+<p:sld xmlns:a="http://schemas.openxmlformats.org/drawingml/2006/main" xmlns:r="http://schemas.openxmlformats.org/officeDocument/2006/relationships" xmlns:p="http://schemas.openxmlformats.org/presentationml/2006/main">
+  <p:cSld>
+    <p:spTree>
+      <p:nvGrpSpPr>
+        <p:cNvPr id="1" name=""/>
+        <p:cNvGrpSpPr/>
+        <p:nvPr/>
+      </p:nvGrpSpPr>
+      <p:grpSpPr>
+        <a:xfrm>
+          <a:off x="0" y="0"/>
+          <a:ext cx="0" cy="0"/>
+          <a:chOff x="0" y="0"/>
+          <a:chExt cx="0" cy="0"/>
+        </a:xfrm>
+      </p:grpSpPr>
+      <p:sp>
+        <p:nvSpPr>
+          <p:cNvPr id="4" name="日期占位符 3"/>
+          <p:cNvSpPr>
+            <a:spLocks noGrp="1"/>
+          </p:cNvSpPr>
+          <p:nvPr>
+            <p:ph type="dt" sz="half" idx="10"/>
+          </p:nvPr>
+        </p:nvSpPr>
+        <p:spPr/>
+        <p:txBody>
+          <a:bodyPr/>
+          <a:lstStyle/>
+          <a:p>
+            <a:fld id="{E093F988-9A29-5E45-8D20-69A04853E7AD}" type="datetime11">
+              <a:rPr lang="zh-CN" altLang="en-US" smtClean="0"/>
+              <a:t>23:12:04</a:t>
+            </a:fld>
+            <a:endParaRPr lang="zh-CN" altLang="en-US" dirty="0"/>
+          </a:p>
+        </p:txBody>
+      </p:sp>
+      <p:pic>
+        <p:nvPicPr>
+          <p:cNvPr id="6" name="图片 5"/>
+          <p:cNvPicPr>
+            <a:picLocks noChangeAspect="1"/>
+          </p:cNvPicPr>
+          <p:nvPr/>
+        </p:nvPicPr>
+        <p:blipFill>
+          <a:blip r:embed="rId2">
+            <a:extLst>
+              <a:ext uri="{28A0092B-C50C-407E-A947-70E740481C1C}">
+                <a14:useLocalDpi xmlns:a14="http://schemas.microsoft.com/office/drawing/2010/main" val="0"/>
+              </a:ext>
+            </a:extLst>
+          </a:blip>
+          <a:stretch>
+            <a:fillRect/>
+          </a:stretch>
+        </p:blipFill>
+        <p:spPr>
+          <a:xfrm>
+            <a:off x="1301024" y="5713278"/>
+            <a:ext cx="6580955" cy="1101435"/>
+          </a:xfrm>
+          <a:prstGeom prst="rect">
+            <a:avLst/>
+          </a:prstGeom>
+        </p:spPr>
+      </p:pic>
+      <p:pic>
+        <p:nvPicPr>
+          <p:cNvPr id="7" name="图片 6"/>
+          <p:cNvPicPr>
+            <a:picLocks noChangeAspect="1"/>
+          </p:cNvPicPr>
+          <p:nvPr/>
+        </p:nvPicPr>
+        <p:blipFill>
+          <a:blip r:embed="rId3" cstate="print">
+            <a:extLst>
+              <a:ext uri="{28A0092B-C50C-407E-A947-70E740481C1C}">
+                <a14:useLocalDpi xmlns:a14="http://schemas.microsoft.com/office/drawing/2010/main" val="0"/>
+              </a:ext>
+            </a:extLst>
+          </a:blip>
+          <a:stretch>
+            <a:fillRect/>
+          </a:stretch>
+        </p:blipFill>
+        <p:spPr>
+          <a:xfrm>
+            <a:off x="1688740" y="1030837"/>
+            <a:ext cx="5805521" cy="4595743"/>
+          </a:xfrm>
+          <a:prstGeom prst="rect">
+            <a:avLst/>
+          </a:prstGeom>
+        </p:spPr>
+      </p:pic>
+      <p:sp>
+        <p:nvSpPr>
+          <p:cNvPr id="8" name="标题 1"/>
+          <p:cNvSpPr>
+            <a:spLocks noGrp="1"/>
+          </p:cNvSpPr>
+          <p:nvPr>
+            <p:ph type="title"/>
+          </p:nvPr>
+        </p:nvSpPr>
+        <p:spPr>
+          <a:xfrm>
+            <a:off x="0" y="0"/>
+            <a:ext cx="6019196" cy="1030837"/>
+          </a:xfrm>
+        </p:spPr>
+        <p:txBody>
+          <a:bodyPr/>
+          <a:lstStyle/>
+          <a:p>
+            <a:r>
+              <a:rPr lang="en-US" altLang="zh-CN" dirty="0" smtClean="0"/>
+              <a:t>2. </a:t>
+            </a:r>
+            <a:r>
+              <a:rPr lang="zh-CN" altLang="en-US" dirty="0" smtClean="0"/>
+              <a:t>系统功能</a:t>
+            </a:r>
+            <a:endParaRPr lang="zh-CN" altLang="en-US" dirty="0"/>
+          </a:p>
+        </p:txBody>
+      </p:sp>
+    </p:spTree>
+    <p:extLst>
+      <p:ext uri="{BB962C8B-B14F-4D97-AF65-F5344CB8AC3E}">
+        <p14:creationId xmlns:p14="http://schemas.microsoft.com/office/powerpoint/2010/main" val="3607093989"/>
+      </p:ext>
+    </p:extLst>
+  </p:cSld>
+  <p:clrMapOvr>
+    <a:masterClrMapping/>
+  </p:clrMapOvr>
 </p:sld>
 </file>
 
